--- a/Documentacion/Creacion Sprites/Sprites.pptx
+++ b/Documentacion/Creacion Sprites/Sprites.pptx
@@ -5,7 +5,7 @@
     <p:sldMasterId id="2147483648" r:id="rId1"/>
   </p:sldMasterIdLst>
   <p:notesMasterIdLst>
-    <p:notesMasterId r:id="rId39"/>
+    <p:notesMasterId r:id="rId44"/>
   </p:notesMasterIdLst>
   <p:sldIdLst>
     <p:sldId id="285" r:id="rId2"/>
@@ -17,34 +17,39 @@
     <p:sldId id="286" r:id="rId8"/>
     <p:sldId id="289" r:id="rId9"/>
     <p:sldId id="290" r:id="rId10"/>
-    <p:sldId id="291" r:id="rId11"/>
-    <p:sldId id="292" r:id="rId12"/>
-    <p:sldId id="275" r:id="rId13"/>
-    <p:sldId id="276" r:id="rId14"/>
-    <p:sldId id="279" r:id="rId15"/>
-    <p:sldId id="280" r:id="rId16"/>
-    <p:sldId id="274" r:id="rId17"/>
-    <p:sldId id="277" r:id="rId18"/>
-    <p:sldId id="278" r:id="rId19"/>
-    <p:sldId id="288" r:id="rId20"/>
-    <p:sldId id="269" r:id="rId21"/>
-    <p:sldId id="270" r:id="rId22"/>
-    <p:sldId id="271" r:id="rId23"/>
-    <p:sldId id="272" r:id="rId24"/>
-    <p:sldId id="268" r:id="rId25"/>
-    <p:sldId id="282" r:id="rId26"/>
-    <p:sldId id="267" r:id="rId27"/>
-    <p:sldId id="263" r:id="rId28"/>
-    <p:sldId id="264" r:id="rId29"/>
-    <p:sldId id="265" r:id="rId30"/>
-    <p:sldId id="266" r:id="rId31"/>
-    <p:sldId id="262" r:id="rId32"/>
-    <p:sldId id="261" r:id="rId33"/>
-    <p:sldId id="256" r:id="rId34"/>
-    <p:sldId id="257" r:id="rId35"/>
-    <p:sldId id="258" r:id="rId36"/>
-    <p:sldId id="259" r:id="rId37"/>
-    <p:sldId id="260" r:id="rId38"/>
+    <p:sldId id="295" r:id="rId11"/>
+    <p:sldId id="296" r:id="rId12"/>
+    <p:sldId id="291" r:id="rId13"/>
+    <p:sldId id="297" r:id="rId14"/>
+    <p:sldId id="292" r:id="rId15"/>
+    <p:sldId id="275" r:id="rId16"/>
+    <p:sldId id="294" r:id="rId17"/>
+    <p:sldId id="276" r:id="rId18"/>
+    <p:sldId id="279" r:id="rId19"/>
+    <p:sldId id="293" r:id="rId20"/>
+    <p:sldId id="280" r:id="rId21"/>
+    <p:sldId id="274" r:id="rId22"/>
+    <p:sldId id="277" r:id="rId23"/>
+    <p:sldId id="278" r:id="rId24"/>
+    <p:sldId id="288" r:id="rId25"/>
+    <p:sldId id="269" r:id="rId26"/>
+    <p:sldId id="270" r:id="rId27"/>
+    <p:sldId id="271" r:id="rId28"/>
+    <p:sldId id="272" r:id="rId29"/>
+    <p:sldId id="268" r:id="rId30"/>
+    <p:sldId id="282" r:id="rId31"/>
+    <p:sldId id="267" r:id="rId32"/>
+    <p:sldId id="263" r:id="rId33"/>
+    <p:sldId id="264" r:id="rId34"/>
+    <p:sldId id="265" r:id="rId35"/>
+    <p:sldId id="266" r:id="rId36"/>
+    <p:sldId id="262" r:id="rId37"/>
+    <p:sldId id="261" r:id="rId38"/>
+    <p:sldId id="256" r:id="rId39"/>
+    <p:sldId id="257" r:id="rId40"/>
+    <p:sldId id="258" r:id="rId41"/>
+    <p:sldId id="259" r:id="rId42"/>
+    <p:sldId id="260" r:id="rId43"/>
   </p:sldIdLst>
   <p:sldSz cx="12192000" cy="6858000"/>
   <p:notesSz cx="6858000" cy="9144000"/>
@@ -157,11 +162,16 @@
             <p14:sldId id="286"/>
             <p14:sldId id="289"/>
             <p14:sldId id="290"/>
+            <p14:sldId id="295"/>
+            <p14:sldId id="296"/>
             <p14:sldId id="291"/>
+            <p14:sldId id="297"/>
             <p14:sldId id="292"/>
             <p14:sldId id="275"/>
+            <p14:sldId id="294"/>
             <p14:sldId id="276"/>
             <p14:sldId id="279"/>
+            <p14:sldId id="293"/>
           </p14:sldIdLst>
         </p14:section>
         <p14:section name="Borradores o Original" id="{952566AD-9072-4A67-BBC9-AE20F4D2A54D}">
@@ -310,7 +320,7 @@
           <a:p>
             <a:fld id="{019ED992-5630-49CB-AAB3-1739CCFCA183}" type="datetimeFigureOut">
               <a:rPr lang="es-CR" smtClean="0"/>
-              <a:t>5/11/2024</a:t>
+              <a:t>19/11/2024</a:t>
             </a:fld>
             <a:endParaRPr lang="es-CR"/>
           </a:p>
@@ -643,7 +653,7 @@
           <a:p>
             <a:fld id="{31023962-D872-411F-99A7-2359604E1F56}" type="slidenum">
               <a:rPr lang="es-CR" smtClean="0"/>
-              <a:t>31</a:t>
+              <a:t>36</a:t>
             </a:fld>
             <a:endParaRPr lang="es-CR"/>
           </a:p>
@@ -811,7 +821,7 @@
           <a:p>
             <a:fld id="{2184BA85-EC42-4704-A8A2-A215E817F459}" type="datetimeFigureOut">
               <a:rPr lang="es-CR" smtClean="0"/>
-              <a:t>5/11/2024</a:t>
+              <a:t>19/11/2024</a:t>
             </a:fld>
             <a:endParaRPr lang="es-CR"/>
           </a:p>
@@ -1011,7 +1021,7 @@
           <a:p>
             <a:fld id="{2184BA85-EC42-4704-A8A2-A215E817F459}" type="datetimeFigureOut">
               <a:rPr lang="es-CR" smtClean="0"/>
-              <a:t>5/11/2024</a:t>
+              <a:t>19/11/2024</a:t>
             </a:fld>
             <a:endParaRPr lang="es-CR"/>
           </a:p>
@@ -1221,7 +1231,7 @@
           <a:p>
             <a:fld id="{2184BA85-EC42-4704-A8A2-A215E817F459}" type="datetimeFigureOut">
               <a:rPr lang="es-CR" smtClean="0"/>
-              <a:t>5/11/2024</a:t>
+              <a:t>19/11/2024</a:t>
             </a:fld>
             <a:endParaRPr lang="es-CR"/>
           </a:p>
@@ -1421,7 +1431,7 @@
           <a:p>
             <a:fld id="{2184BA85-EC42-4704-A8A2-A215E817F459}" type="datetimeFigureOut">
               <a:rPr lang="es-CR" smtClean="0"/>
-              <a:t>5/11/2024</a:t>
+              <a:t>19/11/2024</a:t>
             </a:fld>
             <a:endParaRPr lang="es-CR"/>
           </a:p>
@@ -1697,7 +1707,7 @@
           <a:p>
             <a:fld id="{2184BA85-EC42-4704-A8A2-A215E817F459}" type="datetimeFigureOut">
               <a:rPr lang="es-CR" smtClean="0"/>
-              <a:t>5/11/2024</a:t>
+              <a:t>19/11/2024</a:t>
             </a:fld>
             <a:endParaRPr lang="es-CR"/>
           </a:p>
@@ -1965,7 +1975,7 @@
           <a:p>
             <a:fld id="{2184BA85-EC42-4704-A8A2-A215E817F459}" type="datetimeFigureOut">
               <a:rPr lang="es-CR" smtClean="0"/>
-              <a:t>5/11/2024</a:t>
+              <a:t>19/11/2024</a:t>
             </a:fld>
             <a:endParaRPr lang="es-CR"/>
           </a:p>
@@ -2380,7 +2390,7 @@
           <a:p>
             <a:fld id="{2184BA85-EC42-4704-A8A2-A215E817F459}" type="datetimeFigureOut">
               <a:rPr lang="es-CR" smtClean="0"/>
-              <a:t>5/11/2024</a:t>
+              <a:t>19/11/2024</a:t>
             </a:fld>
             <a:endParaRPr lang="es-CR"/>
           </a:p>
@@ -2522,7 +2532,7 @@
           <a:p>
             <a:fld id="{2184BA85-EC42-4704-A8A2-A215E817F459}" type="datetimeFigureOut">
               <a:rPr lang="es-CR" smtClean="0"/>
-              <a:t>5/11/2024</a:t>
+              <a:t>19/11/2024</a:t>
             </a:fld>
             <a:endParaRPr lang="es-CR"/>
           </a:p>
@@ -2635,7 +2645,7 @@
           <a:p>
             <a:fld id="{2184BA85-EC42-4704-A8A2-A215E817F459}" type="datetimeFigureOut">
               <a:rPr lang="es-CR" smtClean="0"/>
-              <a:t>5/11/2024</a:t>
+              <a:t>19/11/2024</a:t>
             </a:fld>
             <a:endParaRPr lang="es-CR"/>
           </a:p>
@@ -2948,7 +2958,7 @@
           <a:p>
             <a:fld id="{2184BA85-EC42-4704-A8A2-A215E817F459}" type="datetimeFigureOut">
               <a:rPr lang="es-CR" smtClean="0"/>
-              <a:t>5/11/2024</a:t>
+              <a:t>19/11/2024</a:t>
             </a:fld>
             <a:endParaRPr lang="es-CR"/>
           </a:p>
@@ -3237,7 +3247,7 @@
           <a:p>
             <a:fld id="{2184BA85-EC42-4704-A8A2-A215E817F459}" type="datetimeFigureOut">
               <a:rPr lang="es-CR" smtClean="0"/>
-              <a:t>5/11/2024</a:t>
+              <a:t>19/11/2024</a:t>
             </a:fld>
             <a:endParaRPr lang="es-CR"/>
           </a:p>
@@ -3480,7 +3490,7 @@
           <a:p>
             <a:fld id="{2184BA85-EC42-4704-A8A2-A215E817F459}" type="datetimeFigureOut">
               <a:rPr lang="es-CR" smtClean="0"/>
-              <a:t>5/11/2024</a:t>
+              <a:t>19/11/2024</a:t>
             </a:fld>
             <a:endParaRPr lang="es-CR"/>
           </a:p>
@@ -4431,6 +4441,1123 @@
         <p:cNvPr id="1" name="">
           <a:extLst>
             <a:ext uri="{FF2B5EF4-FFF2-40B4-BE49-F238E27FC236}">
+              <a16:creationId xmlns:a16="http://schemas.microsoft.com/office/drawing/2014/main" id="{397F0CE0-5113-472A-D68F-D22FD8C02718}"/>
+            </a:ext>
+          </a:extLst>
+        </p:cNvPr>
+        <p:cNvGrpSpPr/>
+        <p:nvPr/>
+      </p:nvGrpSpPr>
+      <p:grpSpPr>
+        <a:xfrm>
+          <a:off x="0" y="0"/>
+          <a:ext cx="0" cy="0"/>
+          <a:chOff x="0" y="0"/>
+          <a:chExt cx="0" cy="0"/>
+        </a:xfrm>
+      </p:grpSpPr>
+      <p:grpSp>
+        <p:nvGrpSpPr>
+          <p:cNvPr id="2" name="Grupo 1">
+            <a:extLst>
+              <a:ext uri="{FF2B5EF4-FFF2-40B4-BE49-F238E27FC236}">
+                <a16:creationId xmlns:a16="http://schemas.microsoft.com/office/drawing/2014/main" id="{F45D8FAF-D42B-7ADB-78A6-F9DEE4543BF1}"/>
+              </a:ext>
+            </a:extLst>
+          </p:cNvPr>
+          <p:cNvGrpSpPr/>
+          <p:nvPr/>
+        </p:nvGrpSpPr>
+        <p:grpSpPr>
+          <a:xfrm rot="5400000">
+            <a:off x="4241640" y="686595"/>
+            <a:ext cx="3708720" cy="6779515"/>
+            <a:chOff x="489378" y="78485"/>
+            <a:chExt cx="3708720" cy="6779515"/>
+          </a:xfrm>
+        </p:grpSpPr>
+        <p:sp>
+          <p:nvSpPr>
+            <p:cNvPr id="6" name="Elipse 5">
+              <a:extLst>
+                <a:ext uri="{FF2B5EF4-FFF2-40B4-BE49-F238E27FC236}">
+                  <a16:creationId xmlns:a16="http://schemas.microsoft.com/office/drawing/2014/main" id="{61744D9C-D3D6-7EB9-35B0-A93112BD442F}"/>
+                </a:ext>
+              </a:extLst>
+            </p:cNvPr>
+            <p:cNvSpPr/>
+            <p:nvPr/>
+          </p:nvSpPr>
+          <p:spPr>
+            <a:xfrm>
+              <a:off x="1782498" y="1045085"/>
+              <a:ext cx="2415600" cy="2414016"/>
+            </a:xfrm>
+            <a:prstGeom prst="ellipse">
+              <a:avLst/>
+            </a:prstGeom>
+            <a:solidFill>
+              <a:srgbClr val="C1C1C1"/>
+            </a:solidFill>
+            <a:ln w="190500">
+              <a:solidFill>
+                <a:schemeClr val="tx1"/>
+              </a:solidFill>
+            </a:ln>
+          </p:spPr>
+          <p:style>
+            <a:lnRef idx="2">
+              <a:schemeClr val="accent1">
+                <a:shade val="15000"/>
+              </a:schemeClr>
+            </a:lnRef>
+            <a:fillRef idx="1">
+              <a:schemeClr val="accent1"/>
+            </a:fillRef>
+            <a:effectRef idx="0">
+              <a:schemeClr val="accent1"/>
+            </a:effectRef>
+            <a:fontRef idx="minor">
+              <a:schemeClr val="lt1"/>
+            </a:fontRef>
+          </p:style>
+          <p:txBody>
+            <a:bodyPr rtlCol="0" anchor="ctr"/>
+            <a:lstStyle/>
+            <a:p>
+              <a:pPr algn="ctr"/>
+              <a:endParaRPr lang="es-CR"/>
+            </a:p>
+          </p:txBody>
+        </p:sp>
+        <p:sp>
+          <p:nvSpPr>
+            <p:cNvPr id="8" name="Elipse 7">
+              <a:extLst>
+                <a:ext uri="{FF2B5EF4-FFF2-40B4-BE49-F238E27FC236}">
+                  <a16:creationId xmlns:a16="http://schemas.microsoft.com/office/drawing/2014/main" id="{7F95C0D4-09FD-2C58-C4A4-900F7B284969}"/>
+                </a:ext>
+              </a:extLst>
+            </p:cNvPr>
+            <p:cNvSpPr/>
+            <p:nvPr/>
+          </p:nvSpPr>
+          <p:spPr>
+            <a:xfrm>
+              <a:off x="1782498" y="3477384"/>
+              <a:ext cx="2415600" cy="2414016"/>
+            </a:xfrm>
+            <a:prstGeom prst="ellipse">
+              <a:avLst/>
+            </a:prstGeom>
+            <a:solidFill>
+              <a:srgbClr val="C1C1C1"/>
+            </a:solidFill>
+            <a:ln w="190500">
+              <a:solidFill>
+                <a:schemeClr val="tx1"/>
+              </a:solidFill>
+            </a:ln>
+          </p:spPr>
+          <p:style>
+            <a:lnRef idx="2">
+              <a:schemeClr val="accent1">
+                <a:shade val="15000"/>
+              </a:schemeClr>
+            </a:lnRef>
+            <a:fillRef idx="1">
+              <a:schemeClr val="accent1"/>
+            </a:fillRef>
+            <a:effectRef idx="0">
+              <a:schemeClr val="accent1"/>
+            </a:effectRef>
+            <a:fontRef idx="minor">
+              <a:schemeClr val="lt1"/>
+            </a:fontRef>
+          </p:style>
+          <p:txBody>
+            <a:bodyPr rtlCol="0" anchor="ctr"/>
+            <a:lstStyle/>
+            <a:p>
+              <a:pPr algn="ctr"/>
+              <a:endParaRPr lang="es-CR"/>
+            </a:p>
+          </p:txBody>
+        </p:sp>
+        <p:sp>
+          <p:nvSpPr>
+            <p:cNvPr id="9" name="Elipse 8">
+              <a:extLst>
+                <a:ext uri="{FF2B5EF4-FFF2-40B4-BE49-F238E27FC236}">
+                  <a16:creationId xmlns:a16="http://schemas.microsoft.com/office/drawing/2014/main" id="{A4148393-6379-54A6-707E-0130997DFF2E}"/>
+                </a:ext>
+              </a:extLst>
+            </p:cNvPr>
+            <p:cNvSpPr/>
+            <p:nvPr/>
+          </p:nvSpPr>
+          <p:spPr>
+            <a:xfrm>
+              <a:off x="489378" y="78485"/>
+              <a:ext cx="1933200" cy="1933200"/>
+            </a:xfrm>
+            <a:prstGeom prst="ellipse">
+              <a:avLst/>
+            </a:prstGeom>
+            <a:solidFill>
+              <a:srgbClr val="FFC400"/>
+            </a:solidFill>
+            <a:ln w="190500">
+              <a:solidFill>
+                <a:schemeClr val="tx1"/>
+              </a:solidFill>
+            </a:ln>
+          </p:spPr>
+          <p:style>
+            <a:lnRef idx="2">
+              <a:schemeClr val="accent1">
+                <a:shade val="15000"/>
+              </a:schemeClr>
+            </a:lnRef>
+            <a:fillRef idx="1">
+              <a:schemeClr val="accent1"/>
+            </a:fillRef>
+            <a:effectRef idx="0">
+              <a:schemeClr val="accent1"/>
+            </a:effectRef>
+            <a:fontRef idx="minor">
+              <a:schemeClr val="lt1"/>
+            </a:fontRef>
+          </p:style>
+          <p:txBody>
+            <a:bodyPr rtlCol="0" anchor="ctr"/>
+            <a:lstStyle/>
+            <a:p>
+              <a:pPr algn="ctr"/>
+              <a:endParaRPr lang="es-CR"/>
+            </a:p>
+          </p:txBody>
+        </p:sp>
+        <p:sp>
+          <p:nvSpPr>
+            <p:cNvPr id="10" name="Elipse 9">
+              <a:extLst>
+                <a:ext uri="{FF2B5EF4-FFF2-40B4-BE49-F238E27FC236}">
+                  <a16:creationId xmlns:a16="http://schemas.microsoft.com/office/drawing/2014/main" id="{207C4F3F-4342-9CF3-C9ED-DF29E36013FA}"/>
+                </a:ext>
+              </a:extLst>
+            </p:cNvPr>
+            <p:cNvSpPr/>
+            <p:nvPr/>
+          </p:nvSpPr>
+          <p:spPr>
+            <a:xfrm>
+              <a:off x="489378" y="4924800"/>
+              <a:ext cx="1933200" cy="1933200"/>
+            </a:xfrm>
+            <a:prstGeom prst="ellipse">
+              <a:avLst/>
+            </a:prstGeom>
+            <a:solidFill>
+              <a:srgbClr val="FFC400"/>
+            </a:solidFill>
+            <a:ln w="190500">
+              <a:solidFill>
+                <a:schemeClr val="tx1"/>
+              </a:solidFill>
+            </a:ln>
+          </p:spPr>
+          <p:style>
+            <a:lnRef idx="2">
+              <a:schemeClr val="accent1">
+                <a:shade val="15000"/>
+              </a:schemeClr>
+            </a:lnRef>
+            <a:fillRef idx="1">
+              <a:schemeClr val="accent1"/>
+            </a:fillRef>
+            <a:effectRef idx="0">
+              <a:schemeClr val="accent1"/>
+            </a:effectRef>
+            <a:fontRef idx="minor">
+              <a:schemeClr val="lt1"/>
+            </a:fontRef>
+          </p:style>
+          <p:txBody>
+            <a:bodyPr rtlCol="0" anchor="ctr"/>
+            <a:lstStyle/>
+            <a:p>
+              <a:pPr algn="ctr"/>
+              <a:endParaRPr lang="es-CR"/>
+            </a:p>
+          </p:txBody>
+        </p:sp>
+        <p:sp>
+          <p:nvSpPr>
+            <p:cNvPr id="11" name="Elipse 10">
+              <a:extLst>
+                <a:ext uri="{FF2B5EF4-FFF2-40B4-BE49-F238E27FC236}">
+                  <a16:creationId xmlns:a16="http://schemas.microsoft.com/office/drawing/2014/main" id="{015601BE-391A-DC2F-0073-EDD24154115A}"/>
+                </a:ext>
+              </a:extLst>
+            </p:cNvPr>
+            <p:cNvSpPr/>
+            <p:nvPr/>
+          </p:nvSpPr>
+          <p:spPr>
+            <a:xfrm>
+              <a:off x="2385498" y="1647293"/>
+              <a:ext cx="1209600" cy="1209600"/>
+            </a:xfrm>
+            <a:prstGeom prst="ellipse">
+              <a:avLst/>
+            </a:prstGeom>
+            <a:solidFill>
+              <a:srgbClr val="F2F2F2"/>
+            </a:solidFill>
+            <a:ln w="190500">
+              <a:solidFill>
+                <a:schemeClr val="tx1"/>
+              </a:solidFill>
+            </a:ln>
+          </p:spPr>
+          <p:style>
+            <a:lnRef idx="2">
+              <a:schemeClr val="accent1">
+                <a:shade val="15000"/>
+              </a:schemeClr>
+            </a:lnRef>
+            <a:fillRef idx="1">
+              <a:schemeClr val="accent1"/>
+            </a:fillRef>
+            <a:effectRef idx="0">
+              <a:schemeClr val="accent1"/>
+            </a:effectRef>
+            <a:fontRef idx="minor">
+              <a:schemeClr val="lt1"/>
+            </a:fontRef>
+          </p:style>
+          <p:txBody>
+            <a:bodyPr rtlCol="0" anchor="ctr"/>
+            <a:lstStyle/>
+            <a:p>
+              <a:pPr algn="ctr"/>
+              <a:endParaRPr lang="es-CR"/>
+            </a:p>
+          </p:txBody>
+        </p:sp>
+        <p:sp>
+          <p:nvSpPr>
+            <p:cNvPr id="15" name="Elipse 14">
+              <a:extLst>
+                <a:ext uri="{FF2B5EF4-FFF2-40B4-BE49-F238E27FC236}">
+                  <a16:creationId xmlns:a16="http://schemas.microsoft.com/office/drawing/2014/main" id="{E02F2822-A587-B2E4-6149-7512D46260FD}"/>
+                </a:ext>
+              </a:extLst>
+            </p:cNvPr>
+            <p:cNvSpPr/>
+            <p:nvPr/>
+          </p:nvSpPr>
+          <p:spPr>
+            <a:xfrm>
+              <a:off x="2385498" y="4079592"/>
+              <a:ext cx="1209600" cy="1209600"/>
+            </a:xfrm>
+            <a:prstGeom prst="ellipse">
+              <a:avLst/>
+            </a:prstGeom>
+            <a:solidFill>
+              <a:srgbClr val="F2F2F2"/>
+            </a:solidFill>
+            <a:ln w="190500">
+              <a:solidFill>
+                <a:schemeClr val="tx1"/>
+              </a:solidFill>
+            </a:ln>
+          </p:spPr>
+          <p:style>
+            <a:lnRef idx="2">
+              <a:schemeClr val="accent1">
+                <a:shade val="15000"/>
+              </a:schemeClr>
+            </a:lnRef>
+            <a:fillRef idx="1">
+              <a:schemeClr val="accent1"/>
+            </a:fillRef>
+            <a:effectRef idx="0">
+              <a:schemeClr val="accent1"/>
+            </a:effectRef>
+            <a:fontRef idx="minor">
+              <a:schemeClr val="lt1"/>
+            </a:fontRef>
+          </p:style>
+          <p:txBody>
+            <a:bodyPr rtlCol="0" anchor="ctr"/>
+            <a:lstStyle/>
+            <a:p>
+              <a:pPr algn="ctr"/>
+              <a:endParaRPr lang="es-CR"/>
+            </a:p>
+          </p:txBody>
+        </p:sp>
+      </p:grpSp>
+      <p:grpSp>
+        <p:nvGrpSpPr>
+          <p:cNvPr id="3" name="Grupo 2">
+            <a:extLst>
+              <a:ext uri="{FF2B5EF4-FFF2-40B4-BE49-F238E27FC236}">
+                <a16:creationId xmlns:a16="http://schemas.microsoft.com/office/drawing/2014/main" id="{A28BF069-ED24-CEE1-DECC-A5784B06DCDB}"/>
+              </a:ext>
+            </a:extLst>
+          </p:cNvPr>
+          <p:cNvGrpSpPr/>
+          <p:nvPr/>
+        </p:nvGrpSpPr>
+        <p:grpSpPr>
+          <a:xfrm>
+            <a:off x="4879059" y="928871"/>
+            <a:ext cx="2415600" cy="2414016"/>
+            <a:chOff x="618116" y="817242"/>
+            <a:chExt cx="2415600" cy="2414016"/>
+          </a:xfrm>
+          <a:solidFill>
+            <a:srgbClr val="00FFFD"/>
+          </a:solidFill>
+        </p:grpSpPr>
+        <p:sp>
+          <p:nvSpPr>
+            <p:cNvPr id="4" name="Elipse 3">
+              <a:extLst>
+                <a:ext uri="{FF2B5EF4-FFF2-40B4-BE49-F238E27FC236}">
+                  <a16:creationId xmlns:a16="http://schemas.microsoft.com/office/drawing/2014/main" id="{8B3C3C67-8820-4161-DEBE-7869A82471B2}"/>
+                </a:ext>
+              </a:extLst>
+            </p:cNvPr>
+            <p:cNvSpPr/>
+            <p:nvPr/>
+          </p:nvSpPr>
+          <p:spPr>
+            <a:xfrm>
+              <a:off x="618116" y="817242"/>
+              <a:ext cx="2415600" cy="2414016"/>
+            </a:xfrm>
+            <a:prstGeom prst="ellipse">
+              <a:avLst/>
+            </a:prstGeom>
+            <a:grpFill/>
+            <a:ln w="190500">
+              <a:solidFill>
+                <a:schemeClr val="tx1"/>
+              </a:solidFill>
+            </a:ln>
+          </p:spPr>
+          <p:style>
+            <a:lnRef idx="2">
+              <a:schemeClr val="accent1">
+                <a:shade val="15000"/>
+              </a:schemeClr>
+            </a:lnRef>
+            <a:fillRef idx="1">
+              <a:schemeClr val="accent1"/>
+            </a:fillRef>
+            <a:effectRef idx="0">
+              <a:schemeClr val="accent1"/>
+            </a:effectRef>
+            <a:fontRef idx="minor">
+              <a:schemeClr val="lt1"/>
+            </a:fontRef>
+          </p:style>
+          <p:txBody>
+            <a:bodyPr rtlCol="0" anchor="ctr"/>
+            <a:lstStyle/>
+            <a:p>
+              <a:pPr algn="ctr"/>
+              <a:endParaRPr lang="es-CR"/>
+            </a:p>
+          </p:txBody>
+        </p:sp>
+        <p:sp>
+          <p:nvSpPr>
+            <p:cNvPr id="5" name="Rectángulo 4">
+              <a:extLst>
+                <a:ext uri="{FF2B5EF4-FFF2-40B4-BE49-F238E27FC236}">
+                  <a16:creationId xmlns:a16="http://schemas.microsoft.com/office/drawing/2014/main" id="{9AA7C6EA-1A62-1F3E-D01C-7CE83065F43F}"/>
+                </a:ext>
+              </a:extLst>
+            </p:cNvPr>
+            <p:cNvSpPr/>
+            <p:nvPr/>
+          </p:nvSpPr>
+          <p:spPr>
+            <a:xfrm>
+              <a:off x="1657641" y="1532802"/>
+              <a:ext cx="100385" cy="150282"/>
+            </a:xfrm>
+            <a:prstGeom prst="rect">
+              <a:avLst/>
+            </a:prstGeom>
+            <a:grpFill/>
+            <a:ln w="190500">
+              <a:solidFill>
+                <a:schemeClr val="tx1"/>
+              </a:solidFill>
+            </a:ln>
+          </p:spPr>
+          <p:style>
+            <a:lnRef idx="2">
+              <a:schemeClr val="accent1">
+                <a:shade val="15000"/>
+              </a:schemeClr>
+            </a:lnRef>
+            <a:fillRef idx="1">
+              <a:schemeClr val="accent1"/>
+            </a:fillRef>
+            <a:effectRef idx="0">
+              <a:schemeClr val="accent1"/>
+            </a:effectRef>
+            <a:fontRef idx="minor">
+              <a:schemeClr val="lt1"/>
+            </a:fontRef>
+          </p:style>
+          <p:txBody>
+            <a:bodyPr rtlCol="0" anchor="ctr"/>
+            <a:lstStyle/>
+            <a:p>
+              <a:pPr algn="ctr"/>
+              <a:endParaRPr lang="es-CR"/>
+            </a:p>
+          </p:txBody>
+        </p:sp>
+        <p:sp>
+          <p:nvSpPr>
+            <p:cNvPr id="7" name="Rectángulo 6">
+              <a:extLst>
+                <a:ext uri="{FF2B5EF4-FFF2-40B4-BE49-F238E27FC236}">
+                  <a16:creationId xmlns:a16="http://schemas.microsoft.com/office/drawing/2014/main" id="{B10BBC08-E75E-E217-3E41-EFBE3610C3E9}"/>
+                </a:ext>
+              </a:extLst>
+            </p:cNvPr>
+            <p:cNvSpPr/>
+            <p:nvPr/>
+          </p:nvSpPr>
+          <p:spPr>
+            <a:xfrm>
+              <a:off x="2245293" y="1532802"/>
+              <a:ext cx="100385" cy="150282"/>
+            </a:xfrm>
+            <a:prstGeom prst="rect">
+              <a:avLst/>
+            </a:prstGeom>
+            <a:grpFill/>
+            <a:ln w="190500">
+              <a:solidFill>
+                <a:schemeClr val="tx1"/>
+              </a:solidFill>
+            </a:ln>
+          </p:spPr>
+          <p:style>
+            <a:lnRef idx="2">
+              <a:schemeClr val="accent1">
+                <a:shade val="15000"/>
+              </a:schemeClr>
+            </a:lnRef>
+            <a:fillRef idx="1">
+              <a:schemeClr val="accent1"/>
+            </a:fillRef>
+            <a:effectRef idx="0">
+              <a:schemeClr val="accent1"/>
+            </a:effectRef>
+            <a:fontRef idx="minor">
+              <a:schemeClr val="lt1"/>
+            </a:fontRef>
+          </p:style>
+          <p:txBody>
+            <a:bodyPr rtlCol="0" anchor="ctr"/>
+            <a:lstStyle/>
+            <a:p>
+              <a:pPr algn="ctr"/>
+              <a:endParaRPr lang="es-CR"/>
+            </a:p>
+          </p:txBody>
+        </p:sp>
+      </p:grpSp>
+    </p:spTree>
+    <p:extLst>
+      <p:ext uri="{BB962C8B-B14F-4D97-AF65-F5344CB8AC3E}">
+        <p14:creationId xmlns:p14="http://schemas.microsoft.com/office/powerpoint/2010/main" val="31678245"/>
+      </p:ext>
+    </p:extLst>
+  </p:cSld>
+  <p:clrMapOvr>
+    <a:masterClrMapping/>
+  </p:clrMapOvr>
+</p:sld>
+</file>
+
+<file path=ppt/slides/slide11.xml><?xml version="1.0" encoding="utf-8"?>
+<p:sld xmlns:a="http://schemas.openxmlformats.org/drawingml/2006/main" xmlns:r="http://schemas.openxmlformats.org/officeDocument/2006/relationships" xmlns:p="http://schemas.openxmlformats.org/presentationml/2006/main">
+  <p:cSld>
+    <p:spTree>
+      <p:nvGrpSpPr>
+        <p:cNvPr id="1" name="">
+          <a:extLst>
+            <a:ext uri="{FF2B5EF4-FFF2-40B4-BE49-F238E27FC236}">
+              <a16:creationId xmlns:a16="http://schemas.microsoft.com/office/drawing/2014/main" id="{5D3A8205-DAF3-C7F6-8E0F-21F69E171D36}"/>
+            </a:ext>
+          </a:extLst>
+        </p:cNvPr>
+        <p:cNvGrpSpPr/>
+        <p:nvPr/>
+      </p:nvGrpSpPr>
+      <p:grpSpPr>
+        <a:xfrm>
+          <a:off x="0" y="0"/>
+          <a:ext cx="0" cy="0"/>
+          <a:chOff x="0" y="0"/>
+          <a:chExt cx="0" cy="0"/>
+        </a:xfrm>
+      </p:grpSpPr>
+      <p:sp>
+        <p:nvSpPr>
+          <p:cNvPr id="17" name="Cilindro 16">
+            <a:extLst>
+              <a:ext uri="{FF2B5EF4-FFF2-40B4-BE49-F238E27FC236}">
+                <a16:creationId xmlns:a16="http://schemas.microsoft.com/office/drawing/2014/main" id="{1E6392CD-574E-CEEA-D895-D6E888B81981}"/>
+              </a:ext>
+            </a:extLst>
+          </p:cNvPr>
+          <p:cNvSpPr/>
+          <p:nvPr/>
+        </p:nvSpPr>
+        <p:spPr>
+          <a:xfrm>
+            <a:off x="2540699" y="3342887"/>
+            <a:ext cx="493288" cy="2512991"/>
+          </a:xfrm>
+          <a:prstGeom prst="can">
+            <a:avLst>
+              <a:gd name="adj" fmla="val 50000"/>
+            </a:avLst>
+          </a:prstGeom>
+          <a:solidFill>
+            <a:schemeClr val="bg2">
+              <a:lumMod val="75000"/>
+            </a:schemeClr>
+          </a:solidFill>
+          <a:ln w="190500">
+            <a:solidFill>
+              <a:schemeClr val="tx1"/>
+            </a:solidFill>
+          </a:ln>
+        </p:spPr>
+        <p:style>
+          <a:lnRef idx="2">
+            <a:schemeClr val="accent1">
+              <a:shade val="15000"/>
+            </a:schemeClr>
+          </a:lnRef>
+          <a:fillRef idx="1">
+            <a:schemeClr val="accent1"/>
+          </a:fillRef>
+          <a:effectRef idx="0">
+            <a:schemeClr val="accent1"/>
+          </a:effectRef>
+          <a:fontRef idx="minor">
+            <a:schemeClr val="lt1"/>
+          </a:fontRef>
+        </p:style>
+        <p:txBody>
+          <a:bodyPr rtlCol="0" anchor="ctr"/>
+          <a:lstStyle/>
+          <a:p>
+            <a:pPr algn="ctr"/>
+            <a:endParaRPr lang="es-CR"/>
+          </a:p>
+        </p:txBody>
+      </p:sp>
+      <p:sp>
+        <p:nvSpPr>
+          <p:cNvPr id="18" name="Cilindro 17">
+            <a:extLst>
+              <a:ext uri="{FF2B5EF4-FFF2-40B4-BE49-F238E27FC236}">
+                <a16:creationId xmlns:a16="http://schemas.microsoft.com/office/drawing/2014/main" id="{C0B6E257-D3F4-60F7-A502-A8FD764AD0A8}"/>
+              </a:ext>
+            </a:extLst>
+          </p:cNvPr>
+          <p:cNvSpPr/>
+          <p:nvPr/>
+        </p:nvSpPr>
+        <p:spPr>
+          <a:xfrm>
+            <a:off x="9139731" y="3230972"/>
+            <a:ext cx="493288" cy="2512991"/>
+          </a:xfrm>
+          <a:prstGeom prst="can">
+            <a:avLst>
+              <a:gd name="adj" fmla="val 50000"/>
+            </a:avLst>
+          </a:prstGeom>
+          <a:solidFill>
+            <a:schemeClr val="bg2">
+              <a:lumMod val="75000"/>
+            </a:schemeClr>
+          </a:solidFill>
+          <a:ln w="190500">
+            <a:solidFill>
+              <a:schemeClr val="tx1"/>
+            </a:solidFill>
+          </a:ln>
+        </p:spPr>
+        <p:style>
+          <a:lnRef idx="2">
+            <a:schemeClr val="accent1">
+              <a:shade val="15000"/>
+            </a:schemeClr>
+          </a:lnRef>
+          <a:fillRef idx="1">
+            <a:schemeClr val="accent1"/>
+          </a:fillRef>
+          <a:effectRef idx="0">
+            <a:schemeClr val="accent1"/>
+          </a:effectRef>
+          <a:fontRef idx="minor">
+            <a:schemeClr val="lt1"/>
+          </a:fontRef>
+        </p:style>
+        <p:txBody>
+          <a:bodyPr rtlCol="0" anchor="ctr"/>
+          <a:lstStyle/>
+          <a:p>
+            <a:pPr algn="ctr"/>
+            <a:endParaRPr lang="es-CR"/>
+          </a:p>
+        </p:txBody>
+      </p:sp>
+      <p:grpSp>
+        <p:nvGrpSpPr>
+          <p:cNvPr id="3" name="Grupo 2">
+            <a:extLst>
+              <a:ext uri="{FF2B5EF4-FFF2-40B4-BE49-F238E27FC236}">
+                <a16:creationId xmlns:a16="http://schemas.microsoft.com/office/drawing/2014/main" id="{4BE1523A-7DB2-4864-7D74-65BF43CC7862}"/>
+              </a:ext>
+            </a:extLst>
+          </p:cNvPr>
+          <p:cNvGrpSpPr/>
+          <p:nvPr/>
+        </p:nvGrpSpPr>
+        <p:grpSpPr>
+          <a:xfrm>
+            <a:off x="4879059" y="928871"/>
+            <a:ext cx="2415600" cy="2414016"/>
+            <a:chOff x="618116" y="817242"/>
+            <a:chExt cx="2415600" cy="2414016"/>
+          </a:xfrm>
+          <a:solidFill>
+            <a:srgbClr val="00FFFD"/>
+          </a:solidFill>
+        </p:grpSpPr>
+        <p:sp>
+          <p:nvSpPr>
+            <p:cNvPr id="4" name="Elipse 3">
+              <a:extLst>
+                <a:ext uri="{FF2B5EF4-FFF2-40B4-BE49-F238E27FC236}">
+                  <a16:creationId xmlns:a16="http://schemas.microsoft.com/office/drawing/2014/main" id="{CC66B900-CD52-8236-2447-FDC004679F67}"/>
+                </a:ext>
+              </a:extLst>
+            </p:cNvPr>
+            <p:cNvSpPr/>
+            <p:nvPr/>
+          </p:nvSpPr>
+          <p:spPr>
+            <a:xfrm>
+              <a:off x="618116" y="817242"/>
+              <a:ext cx="2415600" cy="2414016"/>
+            </a:xfrm>
+            <a:prstGeom prst="ellipse">
+              <a:avLst/>
+            </a:prstGeom>
+            <a:grpFill/>
+            <a:ln w="190500">
+              <a:solidFill>
+                <a:schemeClr val="tx1"/>
+              </a:solidFill>
+            </a:ln>
+          </p:spPr>
+          <p:style>
+            <a:lnRef idx="2">
+              <a:schemeClr val="accent1">
+                <a:shade val="15000"/>
+              </a:schemeClr>
+            </a:lnRef>
+            <a:fillRef idx="1">
+              <a:schemeClr val="accent1"/>
+            </a:fillRef>
+            <a:effectRef idx="0">
+              <a:schemeClr val="accent1"/>
+            </a:effectRef>
+            <a:fontRef idx="minor">
+              <a:schemeClr val="lt1"/>
+            </a:fontRef>
+          </p:style>
+          <p:txBody>
+            <a:bodyPr rtlCol="0" anchor="ctr"/>
+            <a:lstStyle/>
+            <a:p>
+              <a:pPr algn="ctr"/>
+              <a:endParaRPr lang="es-CR"/>
+            </a:p>
+          </p:txBody>
+        </p:sp>
+        <p:sp>
+          <p:nvSpPr>
+            <p:cNvPr id="5" name="Rectángulo 4">
+              <a:extLst>
+                <a:ext uri="{FF2B5EF4-FFF2-40B4-BE49-F238E27FC236}">
+                  <a16:creationId xmlns:a16="http://schemas.microsoft.com/office/drawing/2014/main" id="{4D5FD31A-E0B2-F07D-5D51-7C3A93D65116}"/>
+                </a:ext>
+              </a:extLst>
+            </p:cNvPr>
+            <p:cNvSpPr/>
+            <p:nvPr/>
+          </p:nvSpPr>
+          <p:spPr>
+            <a:xfrm>
+              <a:off x="1657641" y="1532802"/>
+              <a:ext cx="100385" cy="150282"/>
+            </a:xfrm>
+            <a:prstGeom prst="rect">
+              <a:avLst/>
+            </a:prstGeom>
+            <a:grpFill/>
+            <a:ln w="190500">
+              <a:solidFill>
+                <a:schemeClr val="tx1"/>
+              </a:solidFill>
+            </a:ln>
+          </p:spPr>
+          <p:style>
+            <a:lnRef idx="2">
+              <a:schemeClr val="accent1">
+                <a:shade val="15000"/>
+              </a:schemeClr>
+            </a:lnRef>
+            <a:fillRef idx="1">
+              <a:schemeClr val="accent1"/>
+            </a:fillRef>
+            <a:effectRef idx="0">
+              <a:schemeClr val="accent1"/>
+            </a:effectRef>
+            <a:fontRef idx="minor">
+              <a:schemeClr val="lt1"/>
+            </a:fontRef>
+          </p:style>
+          <p:txBody>
+            <a:bodyPr rtlCol="0" anchor="ctr"/>
+            <a:lstStyle/>
+            <a:p>
+              <a:pPr algn="ctr"/>
+              <a:endParaRPr lang="es-CR"/>
+            </a:p>
+          </p:txBody>
+        </p:sp>
+        <p:sp>
+          <p:nvSpPr>
+            <p:cNvPr id="7" name="Rectángulo 6">
+              <a:extLst>
+                <a:ext uri="{FF2B5EF4-FFF2-40B4-BE49-F238E27FC236}">
+                  <a16:creationId xmlns:a16="http://schemas.microsoft.com/office/drawing/2014/main" id="{DD2EA823-8C17-05E6-41C8-661724D25B34}"/>
+                </a:ext>
+              </a:extLst>
+            </p:cNvPr>
+            <p:cNvSpPr/>
+            <p:nvPr/>
+          </p:nvSpPr>
+          <p:spPr>
+            <a:xfrm>
+              <a:off x="2245293" y="1532802"/>
+              <a:ext cx="100385" cy="150282"/>
+            </a:xfrm>
+            <a:prstGeom prst="rect">
+              <a:avLst/>
+            </a:prstGeom>
+            <a:grpFill/>
+            <a:ln w="190500">
+              <a:solidFill>
+                <a:schemeClr val="tx1"/>
+              </a:solidFill>
+            </a:ln>
+          </p:spPr>
+          <p:style>
+            <a:lnRef idx="2">
+              <a:schemeClr val="accent1">
+                <a:shade val="15000"/>
+              </a:schemeClr>
+            </a:lnRef>
+            <a:fillRef idx="1">
+              <a:schemeClr val="accent1"/>
+            </a:fillRef>
+            <a:effectRef idx="0">
+              <a:schemeClr val="accent1"/>
+            </a:effectRef>
+            <a:fontRef idx="minor">
+              <a:schemeClr val="lt1"/>
+            </a:fontRef>
+          </p:style>
+          <p:txBody>
+            <a:bodyPr rtlCol="0" anchor="ctr"/>
+            <a:lstStyle/>
+            <a:p>
+              <a:pPr algn="ctr"/>
+              <a:endParaRPr lang="es-CR"/>
+            </a:p>
+          </p:txBody>
+        </p:sp>
+      </p:grpSp>
+      <p:sp>
+        <p:nvSpPr>
+          <p:cNvPr id="12" name="Cilindro 11">
+            <a:extLst>
+              <a:ext uri="{FF2B5EF4-FFF2-40B4-BE49-F238E27FC236}">
+                <a16:creationId xmlns:a16="http://schemas.microsoft.com/office/drawing/2014/main" id="{1DF3B3EA-AA2E-643A-7869-DBBA237C5536}"/>
+              </a:ext>
+            </a:extLst>
+          </p:cNvPr>
+          <p:cNvSpPr/>
+          <p:nvPr/>
+        </p:nvSpPr>
+        <p:spPr>
+          <a:xfrm>
+            <a:off x="3434019" y="3627028"/>
+            <a:ext cx="2584950" cy="2228850"/>
+          </a:xfrm>
+          <a:prstGeom prst="can">
+            <a:avLst/>
+          </a:prstGeom>
+          <a:solidFill>
+            <a:schemeClr val="bg2">
+              <a:lumMod val="25000"/>
+            </a:schemeClr>
+          </a:solidFill>
+          <a:ln w="190500">
+            <a:solidFill>
+              <a:schemeClr val="tx1"/>
+            </a:solidFill>
+          </a:ln>
+        </p:spPr>
+        <p:style>
+          <a:lnRef idx="2">
+            <a:schemeClr val="accent1">
+              <a:shade val="15000"/>
+            </a:schemeClr>
+          </a:lnRef>
+          <a:fillRef idx="1">
+            <a:schemeClr val="accent1"/>
+          </a:fillRef>
+          <a:effectRef idx="0">
+            <a:schemeClr val="accent1"/>
+          </a:effectRef>
+          <a:fontRef idx="minor">
+            <a:schemeClr val="lt1"/>
+          </a:fontRef>
+        </p:style>
+        <p:txBody>
+          <a:bodyPr rtlCol="0" anchor="ctr"/>
+          <a:lstStyle/>
+          <a:p>
+            <a:pPr algn="ctr"/>
+            <a:endParaRPr lang="es-CR"/>
+          </a:p>
+        </p:txBody>
+      </p:sp>
+      <p:sp>
+        <p:nvSpPr>
+          <p:cNvPr id="13" name="Cilindro 12">
+            <a:extLst>
+              <a:ext uri="{FF2B5EF4-FFF2-40B4-BE49-F238E27FC236}">
+                <a16:creationId xmlns:a16="http://schemas.microsoft.com/office/drawing/2014/main" id="{1902A567-5A2C-A184-1EA1-0B845A17BFC3}"/>
+              </a:ext>
+            </a:extLst>
+          </p:cNvPr>
+          <p:cNvSpPr/>
+          <p:nvPr/>
+        </p:nvSpPr>
+        <p:spPr>
+          <a:xfrm>
+            <a:off x="6192193" y="3627028"/>
+            <a:ext cx="2584950" cy="2228850"/>
+          </a:xfrm>
+          <a:prstGeom prst="can">
+            <a:avLst/>
+          </a:prstGeom>
+          <a:solidFill>
+            <a:schemeClr val="bg2">
+              <a:lumMod val="25000"/>
+            </a:schemeClr>
+          </a:solidFill>
+          <a:ln w="190500">
+            <a:solidFill>
+              <a:schemeClr val="tx1"/>
+            </a:solidFill>
+          </a:ln>
+        </p:spPr>
+        <p:style>
+          <a:lnRef idx="2">
+            <a:schemeClr val="accent1">
+              <a:shade val="15000"/>
+            </a:schemeClr>
+          </a:lnRef>
+          <a:fillRef idx="1">
+            <a:schemeClr val="accent1"/>
+          </a:fillRef>
+          <a:effectRef idx="0">
+            <a:schemeClr val="accent1"/>
+          </a:effectRef>
+          <a:fontRef idx="minor">
+            <a:schemeClr val="lt1"/>
+          </a:fontRef>
+        </p:style>
+        <p:txBody>
+          <a:bodyPr rtlCol="0" anchor="ctr"/>
+          <a:lstStyle/>
+          <a:p>
+            <a:pPr algn="ctr"/>
+            <a:endParaRPr lang="es-CR"/>
+          </a:p>
+        </p:txBody>
+      </p:sp>
+      <p:sp>
+        <p:nvSpPr>
+          <p:cNvPr id="14" name="Cilindro 13">
+            <a:extLst>
+              <a:ext uri="{FF2B5EF4-FFF2-40B4-BE49-F238E27FC236}">
+                <a16:creationId xmlns:a16="http://schemas.microsoft.com/office/drawing/2014/main" id="{1C5BC282-5504-4AD8-6724-FFAF008E3137}"/>
+              </a:ext>
+            </a:extLst>
+          </p:cNvPr>
+          <p:cNvSpPr/>
+          <p:nvPr/>
+        </p:nvSpPr>
+        <p:spPr>
+          <a:xfrm>
+            <a:off x="8093900" y="2990565"/>
+            <a:ext cx="2584950" cy="621418"/>
+          </a:xfrm>
+          <a:prstGeom prst="can">
+            <a:avLst>
+              <a:gd name="adj" fmla="val 50000"/>
+            </a:avLst>
+          </a:prstGeom>
+          <a:solidFill>
+            <a:srgbClr val="FFC000"/>
+          </a:solidFill>
+          <a:ln w="190500">
+            <a:solidFill>
+              <a:schemeClr val="tx1"/>
+            </a:solidFill>
+          </a:ln>
+        </p:spPr>
+        <p:style>
+          <a:lnRef idx="2">
+            <a:schemeClr val="accent1">
+              <a:shade val="15000"/>
+            </a:schemeClr>
+          </a:lnRef>
+          <a:fillRef idx="1">
+            <a:schemeClr val="accent1"/>
+          </a:fillRef>
+          <a:effectRef idx="0">
+            <a:schemeClr val="accent1"/>
+          </a:effectRef>
+          <a:fontRef idx="minor">
+            <a:schemeClr val="lt1"/>
+          </a:fontRef>
+        </p:style>
+        <p:txBody>
+          <a:bodyPr rtlCol="0" anchor="ctr"/>
+          <a:lstStyle/>
+          <a:p>
+            <a:pPr algn="ctr"/>
+            <a:endParaRPr lang="es-CR"/>
+          </a:p>
+        </p:txBody>
+      </p:sp>
+      <p:sp>
+        <p:nvSpPr>
+          <p:cNvPr id="16" name="Cilindro 15">
+            <a:extLst>
+              <a:ext uri="{FF2B5EF4-FFF2-40B4-BE49-F238E27FC236}">
+                <a16:creationId xmlns:a16="http://schemas.microsoft.com/office/drawing/2014/main" id="{1A43F308-A363-DD2C-973F-E8A0F31B0798}"/>
+              </a:ext>
+            </a:extLst>
+          </p:cNvPr>
+          <p:cNvSpPr/>
+          <p:nvPr/>
+        </p:nvSpPr>
+        <p:spPr>
+          <a:xfrm>
+            <a:off x="1494868" y="3118291"/>
+            <a:ext cx="2584950" cy="621418"/>
+          </a:xfrm>
+          <a:prstGeom prst="can">
+            <a:avLst>
+              <a:gd name="adj" fmla="val 50000"/>
+            </a:avLst>
+          </a:prstGeom>
+          <a:solidFill>
+            <a:srgbClr val="FFC000"/>
+          </a:solidFill>
+          <a:ln w="190500">
+            <a:solidFill>
+              <a:schemeClr val="tx1"/>
+            </a:solidFill>
+          </a:ln>
+        </p:spPr>
+        <p:style>
+          <a:lnRef idx="2">
+            <a:schemeClr val="accent1">
+              <a:shade val="15000"/>
+            </a:schemeClr>
+          </a:lnRef>
+          <a:fillRef idx="1">
+            <a:schemeClr val="accent1"/>
+          </a:fillRef>
+          <a:effectRef idx="0">
+            <a:schemeClr val="accent1"/>
+          </a:effectRef>
+          <a:fontRef idx="minor">
+            <a:schemeClr val="lt1"/>
+          </a:fontRef>
+        </p:style>
+        <p:txBody>
+          <a:bodyPr rtlCol="0" anchor="ctr"/>
+          <a:lstStyle/>
+          <a:p>
+            <a:pPr algn="ctr"/>
+            <a:endParaRPr lang="es-CR"/>
+          </a:p>
+        </p:txBody>
+      </p:sp>
+    </p:spTree>
+    <p:extLst>
+      <p:ext uri="{BB962C8B-B14F-4D97-AF65-F5344CB8AC3E}">
+        <p14:creationId xmlns:p14="http://schemas.microsoft.com/office/powerpoint/2010/main" val="3643934900"/>
+      </p:ext>
+    </p:extLst>
+  </p:cSld>
+  <p:clrMapOvr>
+    <a:masterClrMapping/>
+  </p:clrMapOvr>
+</p:sld>
+</file>
+
+<file path=ppt/slides/slide12.xml><?xml version="1.0" encoding="utf-8"?>
+<p:sld xmlns:a="http://schemas.openxmlformats.org/drawingml/2006/main" xmlns:r="http://schemas.openxmlformats.org/officeDocument/2006/relationships" xmlns:p="http://schemas.openxmlformats.org/presentationml/2006/main">
+  <p:cSld>
+    <p:spTree>
+      <p:nvGrpSpPr>
+        <p:cNvPr id="1" name="">
+          <a:extLst>
+            <a:ext uri="{FF2B5EF4-FFF2-40B4-BE49-F238E27FC236}">
               <a16:creationId xmlns:a16="http://schemas.microsoft.com/office/drawing/2014/main" id="{A5D449A8-C781-935F-3366-4BD63E6B24CE}"/>
             </a:ext>
           </a:extLst>
@@ -5366,7 +6493,662 @@
 </p:sld>
 </file>
 
-<file path=ppt/slides/slide11.xml><?xml version="1.0" encoding="utf-8"?>
+<file path=ppt/slides/slide13.xml><?xml version="1.0" encoding="utf-8"?>
+<p:sld xmlns:a="http://schemas.openxmlformats.org/drawingml/2006/main" xmlns:r="http://schemas.openxmlformats.org/officeDocument/2006/relationships" xmlns:p="http://schemas.openxmlformats.org/presentationml/2006/main">
+  <p:cSld>
+    <p:spTree>
+      <p:nvGrpSpPr>
+        <p:cNvPr id="1" name="">
+          <a:extLst>
+            <a:ext uri="{FF2B5EF4-FFF2-40B4-BE49-F238E27FC236}">
+              <a16:creationId xmlns:a16="http://schemas.microsoft.com/office/drawing/2014/main" id="{FB50841A-69A4-D098-193D-32B0FDBF0E6F}"/>
+            </a:ext>
+          </a:extLst>
+        </p:cNvPr>
+        <p:cNvGrpSpPr/>
+        <p:nvPr/>
+      </p:nvGrpSpPr>
+      <p:grpSpPr>
+        <a:xfrm>
+          <a:off x="0" y="0"/>
+          <a:ext cx="0" cy="0"/>
+          <a:chOff x="0" y="0"/>
+          <a:chExt cx="0" cy="0"/>
+        </a:xfrm>
+      </p:grpSpPr>
+      <p:grpSp>
+        <p:nvGrpSpPr>
+          <p:cNvPr id="18" name="Grupo 17">
+            <a:extLst>
+              <a:ext uri="{FF2B5EF4-FFF2-40B4-BE49-F238E27FC236}">
+                <a16:creationId xmlns:a16="http://schemas.microsoft.com/office/drawing/2014/main" id="{83660D4E-FDE0-C416-F90B-C3323BF4730E}"/>
+              </a:ext>
+            </a:extLst>
+          </p:cNvPr>
+          <p:cNvGrpSpPr/>
+          <p:nvPr/>
+        </p:nvGrpSpPr>
+        <p:grpSpPr>
+          <a:xfrm rot="5400000">
+            <a:off x="4988560" y="2599361"/>
+            <a:ext cx="2214880" cy="4224020"/>
+            <a:chOff x="3502650" y="1418261"/>
+            <a:chExt cx="2214880" cy="4224020"/>
+          </a:xfrm>
+        </p:grpSpPr>
+        <p:sp>
+          <p:nvSpPr>
+            <p:cNvPr id="2" name="Rectángulo 1">
+              <a:extLst>
+                <a:ext uri="{FF2B5EF4-FFF2-40B4-BE49-F238E27FC236}">
+                  <a16:creationId xmlns:a16="http://schemas.microsoft.com/office/drawing/2014/main" id="{C839BDEA-011E-46FF-9D8F-9C0C812F14A6}"/>
+                </a:ext>
+              </a:extLst>
+            </p:cNvPr>
+            <p:cNvSpPr/>
+            <p:nvPr/>
+          </p:nvSpPr>
+          <p:spPr>
+            <a:xfrm>
+              <a:off x="3502650" y="1418261"/>
+              <a:ext cx="2214880" cy="4224020"/>
+            </a:xfrm>
+            <a:prstGeom prst="rect">
+              <a:avLst/>
+            </a:prstGeom>
+            <a:solidFill>
+              <a:srgbClr val="03FF11"/>
+            </a:solidFill>
+            <a:ln w="190500">
+              <a:solidFill>
+                <a:schemeClr val="tx1"/>
+              </a:solidFill>
+            </a:ln>
+          </p:spPr>
+          <p:style>
+            <a:lnRef idx="2">
+              <a:schemeClr val="accent1">
+                <a:shade val="15000"/>
+              </a:schemeClr>
+            </a:lnRef>
+            <a:fillRef idx="1">
+              <a:schemeClr val="accent1"/>
+            </a:fillRef>
+            <a:effectRef idx="0">
+              <a:schemeClr val="accent1"/>
+            </a:effectRef>
+            <a:fontRef idx="minor">
+              <a:schemeClr val="lt1"/>
+            </a:fontRef>
+          </p:style>
+          <p:txBody>
+            <a:bodyPr rtlCol="0" anchor="ctr"/>
+            <a:lstStyle/>
+            <a:p>
+              <a:pPr algn="ctr"/>
+              <a:endParaRPr lang="es-CR"/>
+            </a:p>
+          </p:txBody>
+        </p:sp>
+        <p:sp>
+          <p:nvSpPr>
+            <p:cNvPr id="3" name="Rectángulo 2">
+              <a:extLst>
+                <a:ext uri="{FF2B5EF4-FFF2-40B4-BE49-F238E27FC236}">
+                  <a16:creationId xmlns:a16="http://schemas.microsoft.com/office/drawing/2014/main" id="{F707931D-9E04-B584-0A29-79CE4F0BAF39}"/>
+                </a:ext>
+              </a:extLst>
+            </p:cNvPr>
+            <p:cNvSpPr/>
+            <p:nvPr/>
+          </p:nvSpPr>
+          <p:spPr>
+            <a:xfrm>
+              <a:off x="3604250" y="1831011"/>
+              <a:ext cx="1376680" cy="3398520"/>
+            </a:xfrm>
+            <a:prstGeom prst="rect">
+              <a:avLst/>
+            </a:prstGeom>
+            <a:solidFill>
+              <a:schemeClr val="bg1"/>
+            </a:solidFill>
+            <a:ln w="190500">
+              <a:noFill/>
+            </a:ln>
+          </p:spPr>
+          <p:style>
+            <a:lnRef idx="2">
+              <a:schemeClr val="accent1">
+                <a:shade val="15000"/>
+              </a:schemeClr>
+            </a:lnRef>
+            <a:fillRef idx="1">
+              <a:schemeClr val="accent1"/>
+            </a:fillRef>
+            <a:effectRef idx="0">
+              <a:schemeClr val="accent1"/>
+            </a:effectRef>
+            <a:fontRef idx="minor">
+              <a:schemeClr val="lt1"/>
+            </a:fontRef>
+          </p:style>
+          <p:txBody>
+            <a:bodyPr rtlCol="0" anchor="ctr"/>
+            <a:lstStyle/>
+            <a:p>
+              <a:pPr algn="ctr"/>
+              <a:endParaRPr lang="es-CR"/>
+            </a:p>
+          </p:txBody>
+        </p:sp>
+        <p:sp>
+          <p:nvSpPr>
+            <p:cNvPr id="4" name="Rectángulo 3">
+              <a:extLst>
+                <a:ext uri="{FF2B5EF4-FFF2-40B4-BE49-F238E27FC236}">
+                  <a16:creationId xmlns:a16="http://schemas.microsoft.com/office/drawing/2014/main" id="{85599394-8C24-51F8-F2E7-56A63716432E}"/>
+                </a:ext>
+              </a:extLst>
+            </p:cNvPr>
+            <p:cNvSpPr/>
+            <p:nvPr/>
+          </p:nvSpPr>
+          <p:spPr>
+            <a:xfrm>
+              <a:off x="3604250" y="2051991"/>
+              <a:ext cx="919480" cy="313690"/>
+            </a:xfrm>
+            <a:prstGeom prst="rect">
+              <a:avLst/>
+            </a:prstGeom>
+            <a:solidFill>
+              <a:schemeClr val="tx1"/>
+            </a:solidFill>
+            <a:ln w="190500">
+              <a:noFill/>
+            </a:ln>
+          </p:spPr>
+          <p:style>
+            <a:lnRef idx="2">
+              <a:schemeClr val="accent1">
+                <a:shade val="15000"/>
+              </a:schemeClr>
+            </a:lnRef>
+            <a:fillRef idx="1">
+              <a:schemeClr val="accent1"/>
+            </a:fillRef>
+            <a:effectRef idx="0">
+              <a:schemeClr val="accent1"/>
+            </a:effectRef>
+            <a:fontRef idx="minor">
+              <a:schemeClr val="lt1"/>
+            </a:fontRef>
+          </p:style>
+          <p:txBody>
+            <a:bodyPr rtlCol="0" anchor="ctr"/>
+            <a:lstStyle/>
+            <a:p>
+              <a:pPr algn="ctr"/>
+              <a:endParaRPr lang="es-CR"/>
+            </a:p>
+          </p:txBody>
+        </p:sp>
+        <p:sp>
+          <p:nvSpPr>
+            <p:cNvPr id="5" name="Rectángulo 4">
+              <a:extLst>
+                <a:ext uri="{FF2B5EF4-FFF2-40B4-BE49-F238E27FC236}">
+                  <a16:creationId xmlns:a16="http://schemas.microsoft.com/office/drawing/2014/main" id="{A789D15E-E65F-8BA2-49B6-A383879190A8}"/>
+                </a:ext>
+              </a:extLst>
+            </p:cNvPr>
+            <p:cNvSpPr/>
+            <p:nvPr/>
+          </p:nvSpPr>
+          <p:spPr>
+            <a:xfrm>
+              <a:off x="3604250" y="2586344"/>
+              <a:ext cx="919480" cy="313690"/>
+            </a:xfrm>
+            <a:prstGeom prst="rect">
+              <a:avLst/>
+            </a:prstGeom>
+            <a:solidFill>
+              <a:schemeClr val="tx1"/>
+            </a:solidFill>
+            <a:ln w="190500">
+              <a:noFill/>
+            </a:ln>
+          </p:spPr>
+          <p:style>
+            <a:lnRef idx="2">
+              <a:schemeClr val="accent1">
+                <a:shade val="15000"/>
+              </a:schemeClr>
+            </a:lnRef>
+            <a:fillRef idx="1">
+              <a:schemeClr val="accent1"/>
+            </a:fillRef>
+            <a:effectRef idx="0">
+              <a:schemeClr val="accent1"/>
+            </a:effectRef>
+            <a:fontRef idx="minor">
+              <a:schemeClr val="lt1"/>
+            </a:fontRef>
+          </p:style>
+          <p:txBody>
+            <a:bodyPr rtlCol="0" anchor="ctr"/>
+            <a:lstStyle/>
+            <a:p>
+              <a:pPr algn="ctr"/>
+              <a:endParaRPr lang="es-CR"/>
+            </a:p>
+          </p:txBody>
+        </p:sp>
+        <p:sp>
+          <p:nvSpPr>
+            <p:cNvPr id="6" name="Rectángulo 5">
+              <a:extLst>
+                <a:ext uri="{FF2B5EF4-FFF2-40B4-BE49-F238E27FC236}">
+                  <a16:creationId xmlns:a16="http://schemas.microsoft.com/office/drawing/2014/main" id="{15685001-2BF0-5204-069B-BBB3FD46405D}"/>
+                </a:ext>
+              </a:extLst>
+            </p:cNvPr>
+            <p:cNvSpPr/>
+            <p:nvPr/>
+          </p:nvSpPr>
+          <p:spPr>
+            <a:xfrm>
+              <a:off x="3604250" y="3120697"/>
+              <a:ext cx="919480" cy="313690"/>
+            </a:xfrm>
+            <a:prstGeom prst="rect">
+              <a:avLst/>
+            </a:prstGeom>
+            <a:solidFill>
+              <a:schemeClr val="tx1"/>
+            </a:solidFill>
+            <a:ln w="190500">
+              <a:noFill/>
+            </a:ln>
+          </p:spPr>
+          <p:style>
+            <a:lnRef idx="2">
+              <a:schemeClr val="accent1">
+                <a:shade val="15000"/>
+              </a:schemeClr>
+            </a:lnRef>
+            <a:fillRef idx="1">
+              <a:schemeClr val="accent1"/>
+            </a:fillRef>
+            <a:effectRef idx="0">
+              <a:schemeClr val="accent1"/>
+            </a:effectRef>
+            <a:fontRef idx="minor">
+              <a:schemeClr val="lt1"/>
+            </a:fontRef>
+          </p:style>
+          <p:txBody>
+            <a:bodyPr rtlCol="0" anchor="ctr"/>
+            <a:lstStyle/>
+            <a:p>
+              <a:pPr algn="ctr"/>
+              <a:endParaRPr lang="es-CR"/>
+            </a:p>
+          </p:txBody>
+        </p:sp>
+        <p:sp>
+          <p:nvSpPr>
+            <p:cNvPr id="7" name="Rectángulo 6">
+              <a:extLst>
+                <a:ext uri="{FF2B5EF4-FFF2-40B4-BE49-F238E27FC236}">
+                  <a16:creationId xmlns:a16="http://schemas.microsoft.com/office/drawing/2014/main" id="{5CEF9C23-CAB1-8F3F-B022-A96C343CEB66}"/>
+                </a:ext>
+              </a:extLst>
+            </p:cNvPr>
+            <p:cNvSpPr/>
+            <p:nvPr/>
+          </p:nvSpPr>
+          <p:spPr>
+            <a:xfrm>
+              <a:off x="3604250" y="3649651"/>
+              <a:ext cx="919480" cy="313690"/>
+            </a:xfrm>
+            <a:prstGeom prst="rect">
+              <a:avLst/>
+            </a:prstGeom>
+            <a:solidFill>
+              <a:schemeClr val="tx1"/>
+            </a:solidFill>
+            <a:ln w="190500">
+              <a:noFill/>
+            </a:ln>
+          </p:spPr>
+          <p:style>
+            <a:lnRef idx="2">
+              <a:schemeClr val="accent1">
+                <a:shade val="15000"/>
+              </a:schemeClr>
+            </a:lnRef>
+            <a:fillRef idx="1">
+              <a:schemeClr val="accent1"/>
+            </a:fillRef>
+            <a:effectRef idx="0">
+              <a:schemeClr val="accent1"/>
+            </a:effectRef>
+            <a:fontRef idx="minor">
+              <a:schemeClr val="lt1"/>
+            </a:fontRef>
+          </p:style>
+          <p:txBody>
+            <a:bodyPr rtlCol="0" anchor="ctr"/>
+            <a:lstStyle/>
+            <a:p>
+              <a:pPr algn="ctr"/>
+              <a:endParaRPr lang="es-CR"/>
+            </a:p>
+          </p:txBody>
+        </p:sp>
+        <p:sp>
+          <p:nvSpPr>
+            <p:cNvPr id="8" name="Rectángulo 7">
+              <a:extLst>
+                <a:ext uri="{FF2B5EF4-FFF2-40B4-BE49-F238E27FC236}">
+                  <a16:creationId xmlns:a16="http://schemas.microsoft.com/office/drawing/2014/main" id="{1E3099D1-3219-4E0B-1ECC-019FFFECB0EC}"/>
+                </a:ext>
+              </a:extLst>
+            </p:cNvPr>
+            <p:cNvSpPr/>
+            <p:nvPr/>
+          </p:nvSpPr>
+          <p:spPr>
+            <a:xfrm>
+              <a:off x="3604250" y="4178605"/>
+              <a:ext cx="919480" cy="313690"/>
+            </a:xfrm>
+            <a:prstGeom prst="rect">
+              <a:avLst/>
+            </a:prstGeom>
+            <a:solidFill>
+              <a:schemeClr val="tx1"/>
+            </a:solidFill>
+            <a:ln w="190500">
+              <a:noFill/>
+            </a:ln>
+          </p:spPr>
+          <p:style>
+            <a:lnRef idx="2">
+              <a:schemeClr val="accent1">
+                <a:shade val="15000"/>
+              </a:schemeClr>
+            </a:lnRef>
+            <a:fillRef idx="1">
+              <a:schemeClr val="accent1"/>
+            </a:fillRef>
+            <a:effectRef idx="0">
+              <a:schemeClr val="accent1"/>
+            </a:effectRef>
+            <a:fontRef idx="minor">
+              <a:schemeClr val="lt1"/>
+            </a:fontRef>
+          </p:style>
+          <p:txBody>
+            <a:bodyPr rtlCol="0" anchor="ctr"/>
+            <a:lstStyle/>
+            <a:p>
+              <a:pPr algn="ctr"/>
+              <a:endParaRPr lang="es-CR"/>
+            </a:p>
+          </p:txBody>
+        </p:sp>
+        <p:sp>
+          <p:nvSpPr>
+            <p:cNvPr id="9" name="Rectángulo 8">
+              <a:extLst>
+                <a:ext uri="{FF2B5EF4-FFF2-40B4-BE49-F238E27FC236}">
+                  <a16:creationId xmlns:a16="http://schemas.microsoft.com/office/drawing/2014/main" id="{8B137D8D-28A1-ABAC-5DF0-77398036ACD6}"/>
+                </a:ext>
+              </a:extLst>
+            </p:cNvPr>
+            <p:cNvSpPr/>
+            <p:nvPr/>
+          </p:nvSpPr>
+          <p:spPr>
+            <a:xfrm>
+              <a:off x="3604250" y="4707559"/>
+              <a:ext cx="919480" cy="313690"/>
+            </a:xfrm>
+            <a:prstGeom prst="rect">
+              <a:avLst/>
+            </a:prstGeom>
+            <a:solidFill>
+              <a:schemeClr val="tx1"/>
+            </a:solidFill>
+            <a:ln w="190500">
+              <a:noFill/>
+            </a:ln>
+          </p:spPr>
+          <p:style>
+            <a:lnRef idx="2">
+              <a:schemeClr val="accent1">
+                <a:shade val="15000"/>
+              </a:schemeClr>
+            </a:lnRef>
+            <a:fillRef idx="1">
+              <a:schemeClr val="accent1"/>
+            </a:fillRef>
+            <a:effectRef idx="0">
+              <a:schemeClr val="accent1"/>
+            </a:effectRef>
+            <a:fontRef idx="minor">
+              <a:schemeClr val="lt1"/>
+            </a:fontRef>
+          </p:style>
+          <p:txBody>
+            <a:bodyPr rtlCol="0" anchor="ctr"/>
+            <a:lstStyle/>
+            <a:p>
+              <a:pPr algn="ctr"/>
+              <a:endParaRPr lang="es-CR"/>
+            </a:p>
+          </p:txBody>
+        </p:sp>
+      </p:grpSp>
+      <p:grpSp>
+        <p:nvGrpSpPr>
+          <p:cNvPr id="10" name="Grupo 9">
+            <a:extLst>
+              <a:ext uri="{FF2B5EF4-FFF2-40B4-BE49-F238E27FC236}">
+                <a16:creationId xmlns:a16="http://schemas.microsoft.com/office/drawing/2014/main" id="{43D190BB-FEF7-5CD8-BF71-58F3D87F5808}"/>
+              </a:ext>
+            </a:extLst>
+          </p:cNvPr>
+          <p:cNvGrpSpPr/>
+          <p:nvPr/>
+        </p:nvGrpSpPr>
+        <p:grpSpPr>
+          <a:xfrm>
+            <a:off x="4984084" y="1014984"/>
+            <a:ext cx="2415600" cy="2414016"/>
+            <a:chOff x="618116" y="817242"/>
+            <a:chExt cx="2415600" cy="2414016"/>
+          </a:xfrm>
+          <a:solidFill>
+            <a:srgbClr val="03FF11"/>
+          </a:solidFill>
+        </p:grpSpPr>
+        <p:sp>
+          <p:nvSpPr>
+            <p:cNvPr id="11" name="Elipse 10">
+              <a:extLst>
+                <a:ext uri="{FF2B5EF4-FFF2-40B4-BE49-F238E27FC236}">
+                  <a16:creationId xmlns:a16="http://schemas.microsoft.com/office/drawing/2014/main" id="{5EB8FD09-6CB8-D076-FED9-59C2201040B9}"/>
+                </a:ext>
+              </a:extLst>
+            </p:cNvPr>
+            <p:cNvSpPr/>
+            <p:nvPr/>
+          </p:nvSpPr>
+          <p:spPr>
+            <a:xfrm>
+              <a:off x="618116" y="817242"/>
+              <a:ext cx="2415600" cy="2414016"/>
+            </a:xfrm>
+            <a:prstGeom prst="ellipse">
+              <a:avLst/>
+            </a:prstGeom>
+            <a:grpFill/>
+            <a:ln w="190500">
+              <a:solidFill>
+                <a:schemeClr val="tx1"/>
+              </a:solidFill>
+            </a:ln>
+          </p:spPr>
+          <p:style>
+            <a:lnRef idx="2">
+              <a:schemeClr val="accent1">
+                <a:shade val="15000"/>
+              </a:schemeClr>
+            </a:lnRef>
+            <a:fillRef idx="1">
+              <a:schemeClr val="accent1"/>
+            </a:fillRef>
+            <a:effectRef idx="0">
+              <a:schemeClr val="accent1"/>
+            </a:effectRef>
+            <a:fontRef idx="minor">
+              <a:schemeClr val="lt1"/>
+            </a:fontRef>
+          </p:style>
+          <p:txBody>
+            <a:bodyPr rtlCol="0" anchor="ctr"/>
+            <a:lstStyle/>
+            <a:p>
+              <a:pPr algn="ctr"/>
+              <a:endParaRPr lang="es-CR"/>
+            </a:p>
+          </p:txBody>
+        </p:sp>
+        <p:sp>
+          <p:nvSpPr>
+            <p:cNvPr id="12" name="Rectángulo 11">
+              <a:extLst>
+                <a:ext uri="{FF2B5EF4-FFF2-40B4-BE49-F238E27FC236}">
+                  <a16:creationId xmlns:a16="http://schemas.microsoft.com/office/drawing/2014/main" id="{A2477F50-7D81-F46A-2B7F-F53F334F655A}"/>
+                </a:ext>
+              </a:extLst>
+            </p:cNvPr>
+            <p:cNvSpPr/>
+            <p:nvPr/>
+          </p:nvSpPr>
+          <p:spPr>
+            <a:xfrm>
+              <a:off x="1501761" y="1791882"/>
+              <a:ext cx="100385" cy="150282"/>
+            </a:xfrm>
+            <a:prstGeom prst="rect">
+              <a:avLst/>
+            </a:prstGeom>
+            <a:grpFill/>
+            <a:ln w="190500">
+              <a:solidFill>
+                <a:schemeClr val="tx1"/>
+              </a:solidFill>
+            </a:ln>
+          </p:spPr>
+          <p:style>
+            <a:lnRef idx="2">
+              <a:schemeClr val="accent1">
+                <a:shade val="15000"/>
+              </a:schemeClr>
+            </a:lnRef>
+            <a:fillRef idx="1">
+              <a:schemeClr val="accent1"/>
+            </a:fillRef>
+            <a:effectRef idx="0">
+              <a:schemeClr val="accent1"/>
+            </a:effectRef>
+            <a:fontRef idx="minor">
+              <a:schemeClr val="lt1"/>
+            </a:fontRef>
+          </p:style>
+          <p:txBody>
+            <a:bodyPr rtlCol="0" anchor="ctr"/>
+            <a:lstStyle/>
+            <a:p>
+              <a:pPr algn="ctr"/>
+              <a:endParaRPr lang="es-CR"/>
+            </a:p>
+          </p:txBody>
+        </p:sp>
+        <p:sp>
+          <p:nvSpPr>
+            <p:cNvPr id="13" name="Rectángulo 12">
+              <a:extLst>
+                <a:ext uri="{FF2B5EF4-FFF2-40B4-BE49-F238E27FC236}">
+                  <a16:creationId xmlns:a16="http://schemas.microsoft.com/office/drawing/2014/main" id="{4B9CFA47-6635-AB63-70BF-CAA5170FBD15}"/>
+                </a:ext>
+              </a:extLst>
+            </p:cNvPr>
+            <p:cNvSpPr/>
+            <p:nvPr/>
+          </p:nvSpPr>
+          <p:spPr>
+            <a:xfrm>
+              <a:off x="2089413" y="1791882"/>
+              <a:ext cx="100385" cy="150282"/>
+            </a:xfrm>
+            <a:prstGeom prst="rect">
+              <a:avLst/>
+            </a:prstGeom>
+            <a:grpFill/>
+            <a:ln w="190500">
+              <a:solidFill>
+                <a:schemeClr val="tx1"/>
+              </a:solidFill>
+            </a:ln>
+          </p:spPr>
+          <p:style>
+            <a:lnRef idx="2">
+              <a:schemeClr val="accent1">
+                <a:shade val="15000"/>
+              </a:schemeClr>
+            </a:lnRef>
+            <a:fillRef idx="1">
+              <a:schemeClr val="accent1"/>
+            </a:fillRef>
+            <a:effectRef idx="0">
+              <a:schemeClr val="accent1"/>
+            </a:effectRef>
+            <a:fontRef idx="minor">
+              <a:schemeClr val="lt1"/>
+            </a:fontRef>
+          </p:style>
+          <p:txBody>
+            <a:bodyPr rtlCol="0" anchor="ctr"/>
+            <a:lstStyle/>
+            <a:p>
+              <a:pPr algn="ctr"/>
+              <a:endParaRPr lang="es-CR"/>
+            </a:p>
+          </p:txBody>
+        </p:sp>
+      </p:grpSp>
+    </p:spTree>
+    <p:extLst>
+      <p:ext uri="{BB962C8B-B14F-4D97-AF65-F5344CB8AC3E}">
+        <p14:creationId xmlns:p14="http://schemas.microsoft.com/office/powerpoint/2010/main" val="3983843382"/>
+      </p:ext>
+    </p:extLst>
+  </p:cSld>
+  <p:clrMapOvr>
+    <a:masterClrMapping/>
+  </p:clrMapOvr>
+</p:sld>
+</file>
+
+<file path=ppt/slides/slide14.xml><?xml version="1.0" encoding="utf-8"?>
 <p:sld xmlns:a="http://schemas.openxmlformats.org/drawingml/2006/main" xmlns:r="http://schemas.openxmlformats.org/officeDocument/2006/relationships" xmlns:p="http://schemas.openxmlformats.org/presentationml/2006/main">
   <p:cSld>
     <p:spTree>
@@ -6340,7 +8122,7 @@
 </p:sld>
 </file>
 
-<file path=ppt/slides/slide12.xml><?xml version="1.0" encoding="utf-8"?>
+<file path=ppt/slides/slide15.xml><?xml version="1.0" encoding="utf-8"?>
 <p:sld xmlns:a="http://schemas.openxmlformats.org/drawingml/2006/main" xmlns:r="http://schemas.openxmlformats.org/officeDocument/2006/relationships" xmlns:p="http://schemas.openxmlformats.org/presentationml/2006/main">
   <p:cSld>
     <p:spTree>
@@ -6700,7 +8482,469 @@
 </p:sld>
 </file>
 
-<file path=ppt/slides/slide13.xml><?xml version="1.0" encoding="utf-8"?>
+<file path=ppt/slides/slide16.xml><?xml version="1.0" encoding="utf-8"?>
+<p:sld xmlns:a="http://schemas.openxmlformats.org/drawingml/2006/main" xmlns:r="http://schemas.openxmlformats.org/officeDocument/2006/relationships" xmlns:p="http://schemas.openxmlformats.org/presentationml/2006/main">
+  <p:cSld>
+    <p:spTree>
+      <p:nvGrpSpPr>
+        <p:cNvPr id="1" name="">
+          <a:extLst>
+            <a:ext uri="{FF2B5EF4-FFF2-40B4-BE49-F238E27FC236}">
+              <a16:creationId xmlns:a16="http://schemas.microsoft.com/office/drawing/2014/main" id="{A95DC5D1-61FD-6E43-2A26-C82D3A4C5769}"/>
+            </a:ext>
+          </a:extLst>
+        </p:cNvPr>
+        <p:cNvGrpSpPr/>
+        <p:nvPr/>
+      </p:nvGrpSpPr>
+      <p:grpSpPr>
+        <a:xfrm>
+          <a:off x="0" y="0"/>
+          <a:ext cx="0" cy="0"/>
+          <a:chOff x="0" y="0"/>
+          <a:chExt cx="0" cy="0"/>
+        </a:xfrm>
+      </p:grpSpPr>
+      <p:grpSp>
+        <p:nvGrpSpPr>
+          <p:cNvPr id="2" name="Grupo 1">
+            <a:extLst>
+              <a:ext uri="{FF2B5EF4-FFF2-40B4-BE49-F238E27FC236}">
+                <a16:creationId xmlns:a16="http://schemas.microsoft.com/office/drawing/2014/main" id="{33C49BCA-66D8-56D6-F734-AFEDC67CFFBE}"/>
+              </a:ext>
+            </a:extLst>
+          </p:cNvPr>
+          <p:cNvGrpSpPr/>
+          <p:nvPr/>
+        </p:nvGrpSpPr>
+        <p:grpSpPr>
+          <a:xfrm>
+            <a:off x="1602805" y="1859376"/>
+            <a:ext cx="2520000" cy="2304664"/>
+            <a:chOff x="1602805" y="1859376"/>
+            <a:chExt cx="2520000" cy="2304664"/>
+          </a:xfrm>
+        </p:grpSpPr>
+        <p:sp>
+          <p:nvSpPr>
+            <p:cNvPr id="12" name="Rectángulo 11">
+              <a:extLst>
+                <a:ext uri="{FF2B5EF4-FFF2-40B4-BE49-F238E27FC236}">
+                  <a16:creationId xmlns:a16="http://schemas.microsoft.com/office/drawing/2014/main" id="{9521FFF2-78BB-CCC4-071B-21AEC6536783}"/>
+                </a:ext>
+              </a:extLst>
+            </p:cNvPr>
+            <p:cNvSpPr/>
+            <p:nvPr/>
+          </p:nvSpPr>
+          <p:spPr>
+            <a:xfrm>
+              <a:off x="1602805" y="1859376"/>
+              <a:ext cx="2520000" cy="864663"/>
+            </a:xfrm>
+            <a:prstGeom prst="rect">
+              <a:avLst/>
+            </a:prstGeom>
+            <a:solidFill>
+              <a:srgbClr val="FFD089"/>
+            </a:solidFill>
+            <a:ln w="190500">
+              <a:solidFill>
+                <a:schemeClr val="tx1"/>
+              </a:solidFill>
+            </a:ln>
+          </p:spPr>
+          <p:style>
+            <a:lnRef idx="2">
+              <a:schemeClr val="accent1">
+                <a:shade val="15000"/>
+              </a:schemeClr>
+            </a:lnRef>
+            <a:fillRef idx="1">
+              <a:schemeClr val="accent1"/>
+            </a:fillRef>
+            <a:effectRef idx="0">
+              <a:schemeClr val="accent1"/>
+            </a:effectRef>
+            <a:fontRef idx="minor">
+              <a:schemeClr val="lt1"/>
+            </a:fontRef>
+          </p:style>
+          <p:txBody>
+            <a:bodyPr rtlCol="0" anchor="ctr"/>
+            <a:lstStyle/>
+            <a:p>
+              <a:pPr algn="ctr"/>
+              <a:endParaRPr lang="es-CR"/>
+            </a:p>
+          </p:txBody>
+        </p:sp>
+        <p:sp>
+          <p:nvSpPr>
+            <p:cNvPr id="13" name="Rectángulo 12">
+              <a:extLst>
+                <a:ext uri="{FF2B5EF4-FFF2-40B4-BE49-F238E27FC236}">
+                  <a16:creationId xmlns:a16="http://schemas.microsoft.com/office/drawing/2014/main" id="{80DBD9AD-C714-9736-DE83-FE441AC8F5B0}"/>
+                </a:ext>
+              </a:extLst>
+            </p:cNvPr>
+            <p:cNvSpPr/>
+            <p:nvPr/>
+          </p:nvSpPr>
+          <p:spPr>
+            <a:xfrm>
+              <a:off x="1602805" y="3444040"/>
+              <a:ext cx="2520000" cy="720000"/>
+            </a:xfrm>
+            <a:prstGeom prst="rect">
+              <a:avLst/>
+            </a:prstGeom>
+            <a:solidFill>
+              <a:srgbClr val="FFD089"/>
+            </a:solidFill>
+            <a:ln w="190500">
+              <a:solidFill>
+                <a:schemeClr val="tx1"/>
+              </a:solidFill>
+            </a:ln>
+          </p:spPr>
+          <p:style>
+            <a:lnRef idx="2">
+              <a:schemeClr val="accent1">
+                <a:shade val="15000"/>
+              </a:schemeClr>
+            </a:lnRef>
+            <a:fillRef idx="1">
+              <a:schemeClr val="accent1"/>
+            </a:fillRef>
+            <a:effectRef idx="0">
+              <a:schemeClr val="accent1"/>
+            </a:effectRef>
+            <a:fontRef idx="minor">
+              <a:schemeClr val="lt1"/>
+            </a:fontRef>
+          </p:style>
+          <p:txBody>
+            <a:bodyPr rtlCol="0" anchor="ctr"/>
+            <a:lstStyle/>
+            <a:p>
+              <a:pPr algn="ctr"/>
+              <a:endParaRPr lang="es-CR"/>
+            </a:p>
+          </p:txBody>
+        </p:sp>
+        <p:sp>
+          <p:nvSpPr>
+            <p:cNvPr id="14" name="Rectángulo 13">
+              <a:extLst>
+                <a:ext uri="{FF2B5EF4-FFF2-40B4-BE49-F238E27FC236}">
+                  <a16:creationId xmlns:a16="http://schemas.microsoft.com/office/drawing/2014/main" id="{C1D648E5-C8AC-1761-3139-5E81078325CC}"/>
+                </a:ext>
+              </a:extLst>
+            </p:cNvPr>
+            <p:cNvSpPr/>
+            <p:nvPr/>
+          </p:nvSpPr>
+          <p:spPr>
+            <a:xfrm>
+              <a:off x="1602805" y="2724040"/>
+              <a:ext cx="2520000" cy="720000"/>
+            </a:xfrm>
+            <a:prstGeom prst="rect">
+              <a:avLst/>
+            </a:prstGeom>
+            <a:solidFill>
+              <a:srgbClr val="5D0909"/>
+            </a:solidFill>
+            <a:ln w="190500">
+              <a:solidFill>
+                <a:schemeClr val="tx1"/>
+              </a:solidFill>
+            </a:ln>
+          </p:spPr>
+          <p:style>
+            <a:lnRef idx="2">
+              <a:schemeClr val="accent1">
+                <a:shade val="15000"/>
+              </a:schemeClr>
+            </a:lnRef>
+            <a:fillRef idx="1">
+              <a:schemeClr val="accent1"/>
+            </a:fillRef>
+            <a:effectRef idx="0">
+              <a:schemeClr val="accent1"/>
+            </a:effectRef>
+            <a:fontRef idx="minor">
+              <a:schemeClr val="lt1"/>
+            </a:fontRef>
+          </p:style>
+          <p:txBody>
+            <a:bodyPr rtlCol="0" anchor="ctr"/>
+            <a:lstStyle/>
+            <a:p>
+              <a:pPr algn="ctr"/>
+              <a:endParaRPr lang="es-CR"/>
+            </a:p>
+          </p:txBody>
+        </p:sp>
+      </p:grpSp>
+      <p:grpSp>
+        <p:nvGrpSpPr>
+          <p:cNvPr id="3" name="Grupo 2">
+            <a:extLst>
+              <a:ext uri="{FF2B5EF4-FFF2-40B4-BE49-F238E27FC236}">
+                <a16:creationId xmlns:a16="http://schemas.microsoft.com/office/drawing/2014/main" id="{3163903F-DE83-3625-568D-E66D6B85D4C4}"/>
+              </a:ext>
+            </a:extLst>
+          </p:cNvPr>
+          <p:cNvGrpSpPr/>
+          <p:nvPr/>
+        </p:nvGrpSpPr>
+        <p:grpSpPr>
+          <a:xfrm>
+            <a:off x="6458673" y="956827"/>
+            <a:ext cx="2870522" cy="3681797"/>
+            <a:chOff x="6458673" y="956827"/>
+            <a:chExt cx="2870522" cy="3681797"/>
+          </a:xfrm>
+        </p:grpSpPr>
+        <p:sp>
+          <p:nvSpPr>
+            <p:cNvPr id="8" name="Rectángulo 7">
+              <a:extLst>
+                <a:ext uri="{FF2B5EF4-FFF2-40B4-BE49-F238E27FC236}">
+                  <a16:creationId xmlns:a16="http://schemas.microsoft.com/office/drawing/2014/main" id="{11F0295B-4785-0B3C-0CBD-5A0645F77FD8}"/>
+                </a:ext>
+              </a:extLst>
+            </p:cNvPr>
+            <p:cNvSpPr/>
+            <p:nvPr/>
+          </p:nvSpPr>
+          <p:spPr>
+            <a:xfrm>
+              <a:off x="6458673" y="1859376"/>
+              <a:ext cx="2870522" cy="360000"/>
+            </a:xfrm>
+            <a:prstGeom prst="rect">
+              <a:avLst/>
+            </a:prstGeom>
+            <a:solidFill>
+              <a:srgbClr val="D8D8D8"/>
+            </a:solidFill>
+            <a:ln w="190500">
+              <a:solidFill>
+                <a:schemeClr val="tx1"/>
+              </a:solidFill>
+            </a:ln>
+          </p:spPr>
+          <p:style>
+            <a:lnRef idx="2">
+              <a:schemeClr val="accent1">
+                <a:shade val="15000"/>
+              </a:schemeClr>
+            </a:lnRef>
+            <a:fillRef idx="1">
+              <a:schemeClr val="accent1"/>
+            </a:fillRef>
+            <a:effectRef idx="0">
+              <a:schemeClr val="accent1"/>
+            </a:effectRef>
+            <a:fontRef idx="minor">
+              <a:schemeClr val="lt1"/>
+            </a:fontRef>
+          </p:style>
+          <p:txBody>
+            <a:bodyPr rtlCol="0" anchor="ctr"/>
+            <a:lstStyle/>
+            <a:p>
+              <a:pPr algn="ctr"/>
+              <a:endParaRPr lang="es-CR"/>
+            </a:p>
+          </p:txBody>
+        </p:sp>
+        <p:sp>
+          <p:nvSpPr>
+            <p:cNvPr id="10" name="Rectángulo 9">
+              <a:extLst>
+                <a:ext uri="{FF2B5EF4-FFF2-40B4-BE49-F238E27FC236}">
+                  <a16:creationId xmlns:a16="http://schemas.microsoft.com/office/drawing/2014/main" id="{FFC2821E-328F-629D-8E04-8C70A2CB966D}"/>
+                </a:ext>
+              </a:extLst>
+            </p:cNvPr>
+            <p:cNvSpPr/>
+            <p:nvPr/>
+          </p:nvSpPr>
+          <p:spPr>
+            <a:xfrm>
+              <a:off x="6570207" y="2219375"/>
+              <a:ext cx="2647454" cy="2419249"/>
+            </a:xfrm>
+            <a:prstGeom prst="rect">
+              <a:avLst/>
+            </a:prstGeom>
+            <a:solidFill>
+              <a:srgbClr val="FF0000"/>
+            </a:solidFill>
+            <a:ln w="190500">
+              <a:solidFill>
+                <a:schemeClr val="tx1"/>
+              </a:solidFill>
+            </a:ln>
+          </p:spPr>
+          <p:style>
+            <a:lnRef idx="2">
+              <a:schemeClr val="accent1">
+                <a:shade val="15000"/>
+              </a:schemeClr>
+            </a:lnRef>
+            <a:fillRef idx="1">
+              <a:schemeClr val="accent1"/>
+            </a:fillRef>
+            <a:effectRef idx="0">
+              <a:schemeClr val="accent1"/>
+            </a:effectRef>
+            <a:fontRef idx="minor">
+              <a:schemeClr val="lt1"/>
+            </a:fontRef>
+          </p:style>
+          <p:txBody>
+            <a:bodyPr rtlCol="0" anchor="ctr"/>
+            <a:lstStyle/>
+            <a:p>
+              <a:pPr algn="ctr"/>
+              <a:endParaRPr lang="es-CR"/>
+            </a:p>
+          </p:txBody>
+        </p:sp>
+        <p:sp>
+          <p:nvSpPr>
+            <p:cNvPr id="11" name="Rectángulo 10">
+              <a:extLst>
+                <a:ext uri="{FF2B5EF4-FFF2-40B4-BE49-F238E27FC236}">
+                  <a16:creationId xmlns:a16="http://schemas.microsoft.com/office/drawing/2014/main" id="{111D3659-9AF1-787D-FF29-DE29AD235011}"/>
+                </a:ext>
+              </a:extLst>
+            </p:cNvPr>
+            <p:cNvSpPr/>
+            <p:nvPr/>
+          </p:nvSpPr>
+          <p:spPr>
+            <a:xfrm>
+              <a:off x="7713934" y="956827"/>
+              <a:ext cx="360000" cy="902549"/>
+            </a:xfrm>
+            <a:prstGeom prst="rect">
+              <a:avLst/>
+            </a:prstGeom>
+            <a:solidFill>
+              <a:srgbClr val="FFFFFF"/>
+            </a:solidFill>
+            <a:ln w="190500">
+              <a:solidFill>
+                <a:schemeClr val="tx1"/>
+              </a:solidFill>
+            </a:ln>
+          </p:spPr>
+          <p:style>
+            <a:lnRef idx="2">
+              <a:schemeClr val="accent1">
+                <a:shade val="15000"/>
+              </a:schemeClr>
+            </a:lnRef>
+            <a:fillRef idx="1">
+              <a:schemeClr val="accent1"/>
+            </a:fillRef>
+            <a:effectRef idx="0">
+              <a:schemeClr val="accent1"/>
+            </a:effectRef>
+            <a:fontRef idx="minor">
+              <a:schemeClr val="lt1"/>
+            </a:fontRef>
+          </p:style>
+          <p:txBody>
+            <a:bodyPr rtlCol="0" anchor="ctr"/>
+            <a:lstStyle/>
+            <a:p>
+              <a:pPr algn="ctr"/>
+              <a:endParaRPr lang="es-CR"/>
+            </a:p>
+          </p:txBody>
+        </p:sp>
+      </p:grpSp>
+      <p:pic>
+        <p:nvPicPr>
+          <p:cNvPr id="4" name="Imagen 3">
+            <a:extLst>
+              <a:ext uri="{FF2B5EF4-FFF2-40B4-BE49-F238E27FC236}">
+                <a16:creationId xmlns:a16="http://schemas.microsoft.com/office/drawing/2014/main" id="{3EB7C0C4-DD28-694E-6655-22422F544E2C}"/>
+              </a:ext>
+            </a:extLst>
+          </p:cNvPr>
+          <p:cNvPicPr>
+            <a:picLocks noChangeAspect="1"/>
+          </p:cNvPicPr>
+          <p:nvPr/>
+        </p:nvPicPr>
+        <p:blipFill>
+          <a:blip r:embed="rId2"/>
+          <a:stretch>
+            <a:fillRect/>
+          </a:stretch>
+        </p:blipFill>
+        <p:spPr>
+          <a:xfrm>
+            <a:off x="2381581" y="2724039"/>
+            <a:ext cx="2706859" cy="2493480"/>
+          </a:xfrm>
+          <a:prstGeom prst="rect">
+            <a:avLst/>
+          </a:prstGeom>
+        </p:spPr>
+      </p:pic>
+      <p:pic>
+        <p:nvPicPr>
+          <p:cNvPr id="5" name="Imagen 4">
+            <a:extLst>
+              <a:ext uri="{FF2B5EF4-FFF2-40B4-BE49-F238E27FC236}">
+                <a16:creationId xmlns:a16="http://schemas.microsoft.com/office/drawing/2014/main" id="{28DC8695-0167-2419-EF92-12933406BC8D}"/>
+              </a:ext>
+            </a:extLst>
+          </p:cNvPr>
+          <p:cNvPicPr>
+            <a:picLocks noChangeAspect="1"/>
+          </p:cNvPicPr>
+          <p:nvPr/>
+        </p:nvPicPr>
+        <p:blipFill>
+          <a:blip r:embed="rId3"/>
+          <a:stretch>
+            <a:fillRect/>
+          </a:stretch>
+        </p:blipFill>
+        <p:spPr>
+          <a:xfrm>
+            <a:off x="7103562" y="1508392"/>
+            <a:ext cx="3060457" cy="3871296"/>
+          </a:xfrm>
+          <a:prstGeom prst="rect">
+            <a:avLst/>
+          </a:prstGeom>
+        </p:spPr>
+      </p:pic>
+    </p:spTree>
+    <p:extLst>
+      <p:ext uri="{BB962C8B-B14F-4D97-AF65-F5344CB8AC3E}">
+        <p14:creationId xmlns:p14="http://schemas.microsoft.com/office/powerpoint/2010/main" val="1518270190"/>
+      </p:ext>
+    </p:extLst>
+  </p:cSld>
+  <p:clrMapOvr>
+    <a:masterClrMapping/>
+  </p:clrMapOvr>
+</p:sld>
+</file>
+
+<file path=ppt/slides/slide17.xml><?xml version="1.0" encoding="utf-8"?>
 <p:sld xmlns:a="http://schemas.openxmlformats.org/drawingml/2006/main" xmlns:r="http://schemas.openxmlformats.org/officeDocument/2006/relationships" xmlns:p="http://schemas.openxmlformats.org/presentationml/2006/main">
   <p:cSld>
     <p:spTree>
@@ -7590,7 +9834,7 @@
 </p:sld>
 </file>
 
-<file path=ppt/slides/slide14.xml><?xml version="1.0" encoding="utf-8"?>
+<file path=ppt/slides/slide18.xml><?xml version="1.0" encoding="utf-8"?>
 <p:sld xmlns:a="http://schemas.openxmlformats.org/drawingml/2006/main" xmlns:r="http://schemas.openxmlformats.org/officeDocument/2006/relationships" xmlns:p="http://schemas.openxmlformats.org/presentationml/2006/main">
   <p:cSld>
     <p:spTree>
@@ -8810,7 +11054,1955 @@
 </p:sld>
 </file>
 
-<file path=ppt/slides/slide15.xml><?xml version="1.0" encoding="utf-8"?>
+<file path=ppt/slides/slide19.xml><?xml version="1.0" encoding="utf-8"?>
+<p:sld xmlns:a="http://schemas.openxmlformats.org/drawingml/2006/main" xmlns:r="http://schemas.openxmlformats.org/officeDocument/2006/relationships" xmlns:p="http://schemas.openxmlformats.org/presentationml/2006/main">
+  <p:cSld>
+    <p:spTree>
+      <p:nvGrpSpPr>
+        <p:cNvPr id="1" name="">
+          <a:extLst>
+            <a:ext uri="{FF2B5EF4-FFF2-40B4-BE49-F238E27FC236}">
+              <a16:creationId xmlns:a16="http://schemas.microsoft.com/office/drawing/2014/main" id="{7C6A905F-D0E5-FC6C-7C13-49036412B2A3}"/>
+            </a:ext>
+          </a:extLst>
+        </p:cNvPr>
+        <p:cNvGrpSpPr/>
+        <p:nvPr/>
+      </p:nvGrpSpPr>
+      <p:grpSpPr>
+        <a:xfrm>
+          <a:off x="0" y="0"/>
+          <a:ext cx="0" cy="0"/>
+          <a:chOff x="0" y="0"/>
+          <a:chExt cx="0" cy="0"/>
+        </a:xfrm>
+      </p:grpSpPr>
+      <p:sp>
+        <p:nvSpPr>
+          <p:cNvPr id="2" name="Elipse 1">
+            <a:extLst>
+              <a:ext uri="{FF2B5EF4-FFF2-40B4-BE49-F238E27FC236}">
+                <a16:creationId xmlns:a16="http://schemas.microsoft.com/office/drawing/2014/main" id="{B1F47DCE-ECE5-03BE-D82F-CFFDBE993D30}"/>
+              </a:ext>
+            </a:extLst>
+          </p:cNvPr>
+          <p:cNvSpPr/>
+          <p:nvPr/>
+        </p:nvSpPr>
+        <p:spPr>
+          <a:xfrm>
+            <a:off x="289264" y="339559"/>
+            <a:ext cx="2415600" cy="2414016"/>
+          </a:xfrm>
+          <a:prstGeom prst="ellipse">
+            <a:avLst/>
+          </a:prstGeom>
+          <a:solidFill>
+            <a:srgbClr val="00B050"/>
+          </a:solidFill>
+          <a:ln w="190500">
+            <a:solidFill>
+              <a:schemeClr val="tx1"/>
+            </a:solidFill>
+          </a:ln>
+        </p:spPr>
+        <p:style>
+          <a:lnRef idx="2">
+            <a:schemeClr val="accent1">
+              <a:shade val="15000"/>
+            </a:schemeClr>
+          </a:lnRef>
+          <a:fillRef idx="1">
+            <a:schemeClr val="accent1"/>
+          </a:fillRef>
+          <a:effectRef idx="0">
+            <a:schemeClr val="accent1"/>
+          </a:effectRef>
+          <a:fontRef idx="minor">
+            <a:schemeClr val="lt1"/>
+          </a:fontRef>
+        </p:style>
+        <p:txBody>
+          <a:bodyPr rtlCol="0" anchor="ctr"/>
+          <a:lstStyle/>
+          <a:p>
+            <a:pPr algn="ctr"/>
+            <a:endParaRPr lang="es-CR"/>
+          </a:p>
+        </p:txBody>
+      </p:sp>
+      <p:sp>
+        <p:nvSpPr>
+          <p:cNvPr id="3" name="Rectángulo 2">
+            <a:extLst>
+              <a:ext uri="{FF2B5EF4-FFF2-40B4-BE49-F238E27FC236}">
+                <a16:creationId xmlns:a16="http://schemas.microsoft.com/office/drawing/2014/main" id="{2BFA8EBF-9D3D-9E2E-22F4-AB89CA5ACBD7}"/>
+              </a:ext>
+            </a:extLst>
+          </p:cNvPr>
+          <p:cNvSpPr/>
+          <p:nvPr/>
+        </p:nvSpPr>
+        <p:spPr>
+          <a:xfrm>
+            <a:off x="1328789" y="1055119"/>
+            <a:ext cx="100385" cy="150282"/>
+          </a:xfrm>
+          <a:prstGeom prst="rect">
+            <a:avLst/>
+          </a:prstGeom>
+          <a:solidFill>
+            <a:schemeClr val="tx1"/>
+          </a:solidFill>
+          <a:ln w="190500">
+            <a:solidFill>
+              <a:schemeClr val="tx1"/>
+            </a:solidFill>
+          </a:ln>
+        </p:spPr>
+        <p:style>
+          <a:lnRef idx="2">
+            <a:schemeClr val="accent1">
+              <a:shade val="15000"/>
+            </a:schemeClr>
+          </a:lnRef>
+          <a:fillRef idx="1">
+            <a:schemeClr val="accent1"/>
+          </a:fillRef>
+          <a:effectRef idx="0">
+            <a:schemeClr val="accent1"/>
+          </a:effectRef>
+          <a:fontRef idx="minor">
+            <a:schemeClr val="lt1"/>
+          </a:fontRef>
+        </p:style>
+        <p:txBody>
+          <a:bodyPr rtlCol="0" anchor="ctr"/>
+          <a:lstStyle/>
+          <a:p>
+            <a:pPr algn="ctr"/>
+            <a:endParaRPr lang="es-CR"/>
+          </a:p>
+        </p:txBody>
+      </p:sp>
+      <p:sp>
+        <p:nvSpPr>
+          <p:cNvPr id="4" name="Rectángulo 3">
+            <a:extLst>
+              <a:ext uri="{FF2B5EF4-FFF2-40B4-BE49-F238E27FC236}">
+                <a16:creationId xmlns:a16="http://schemas.microsoft.com/office/drawing/2014/main" id="{0CC9C1FC-3AD6-40C8-DA5D-C7BC106F8D98}"/>
+              </a:ext>
+            </a:extLst>
+          </p:cNvPr>
+          <p:cNvSpPr/>
+          <p:nvPr/>
+        </p:nvSpPr>
+        <p:spPr>
+          <a:xfrm>
+            <a:off x="1916441" y="1055119"/>
+            <a:ext cx="100385" cy="150282"/>
+          </a:xfrm>
+          <a:prstGeom prst="rect">
+            <a:avLst/>
+          </a:prstGeom>
+          <a:solidFill>
+            <a:schemeClr val="tx1"/>
+          </a:solidFill>
+          <a:ln w="190500">
+            <a:solidFill>
+              <a:schemeClr val="tx1"/>
+            </a:solidFill>
+          </a:ln>
+        </p:spPr>
+        <p:style>
+          <a:lnRef idx="2">
+            <a:schemeClr val="accent1">
+              <a:shade val="15000"/>
+            </a:schemeClr>
+          </a:lnRef>
+          <a:fillRef idx="1">
+            <a:schemeClr val="accent1"/>
+          </a:fillRef>
+          <a:effectRef idx="0">
+            <a:schemeClr val="accent1"/>
+          </a:effectRef>
+          <a:fontRef idx="minor">
+            <a:schemeClr val="lt1"/>
+          </a:fontRef>
+        </p:style>
+        <p:txBody>
+          <a:bodyPr rtlCol="0" anchor="ctr"/>
+          <a:lstStyle/>
+          <a:p>
+            <a:pPr algn="ctr"/>
+            <a:endParaRPr lang="es-CR"/>
+          </a:p>
+        </p:txBody>
+      </p:sp>
+      <p:sp>
+        <p:nvSpPr>
+          <p:cNvPr id="5" name="Elipse 4">
+            <a:extLst>
+              <a:ext uri="{FF2B5EF4-FFF2-40B4-BE49-F238E27FC236}">
+                <a16:creationId xmlns:a16="http://schemas.microsoft.com/office/drawing/2014/main" id="{A98CBF65-FC91-7E48-1C6B-BC3FA9470D87}"/>
+              </a:ext>
+            </a:extLst>
+          </p:cNvPr>
+          <p:cNvSpPr/>
+          <p:nvPr/>
+        </p:nvSpPr>
+        <p:spPr>
+          <a:xfrm>
+            <a:off x="3192131" y="339559"/>
+            <a:ext cx="2415600" cy="2414016"/>
+          </a:xfrm>
+          <a:prstGeom prst="ellipse">
+            <a:avLst/>
+          </a:prstGeom>
+          <a:solidFill>
+            <a:srgbClr val="00B050"/>
+          </a:solidFill>
+          <a:ln w="190500">
+            <a:solidFill>
+              <a:schemeClr val="tx1"/>
+            </a:solidFill>
+          </a:ln>
+        </p:spPr>
+        <p:style>
+          <a:lnRef idx="2">
+            <a:schemeClr val="accent1">
+              <a:shade val="15000"/>
+            </a:schemeClr>
+          </a:lnRef>
+          <a:fillRef idx="1">
+            <a:schemeClr val="accent1"/>
+          </a:fillRef>
+          <a:effectRef idx="0">
+            <a:schemeClr val="accent1"/>
+          </a:effectRef>
+          <a:fontRef idx="minor">
+            <a:schemeClr val="lt1"/>
+          </a:fontRef>
+        </p:style>
+        <p:txBody>
+          <a:bodyPr rtlCol="0" anchor="ctr"/>
+          <a:lstStyle/>
+          <a:p>
+            <a:pPr algn="ctr"/>
+            <a:endParaRPr lang="es-CR"/>
+          </a:p>
+        </p:txBody>
+      </p:sp>
+      <p:sp>
+        <p:nvSpPr>
+          <p:cNvPr id="6" name="Rectángulo 5">
+            <a:extLst>
+              <a:ext uri="{FF2B5EF4-FFF2-40B4-BE49-F238E27FC236}">
+                <a16:creationId xmlns:a16="http://schemas.microsoft.com/office/drawing/2014/main" id="{F0FD6B42-158A-300E-DE8A-3EA1F36ED6D3}"/>
+              </a:ext>
+            </a:extLst>
+          </p:cNvPr>
+          <p:cNvSpPr/>
+          <p:nvPr/>
+        </p:nvSpPr>
+        <p:spPr>
+          <a:xfrm>
+            <a:off x="3843036" y="1055119"/>
+            <a:ext cx="100385" cy="150282"/>
+          </a:xfrm>
+          <a:prstGeom prst="rect">
+            <a:avLst/>
+          </a:prstGeom>
+          <a:solidFill>
+            <a:schemeClr val="tx1"/>
+          </a:solidFill>
+          <a:ln w="190500">
+            <a:solidFill>
+              <a:schemeClr val="tx1"/>
+            </a:solidFill>
+          </a:ln>
+        </p:spPr>
+        <p:style>
+          <a:lnRef idx="2">
+            <a:schemeClr val="accent1">
+              <a:shade val="15000"/>
+            </a:schemeClr>
+          </a:lnRef>
+          <a:fillRef idx="1">
+            <a:schemeClr val="accent1"/>
+          </a:fillRef>
+          <a:effectRef idx="0">
+            <a:schemeClr val="accent1"/>
+          </a:effectRef>
+          <a:fontRef idx="minor">
+            <a:schemeClr val="lt1"/>
+          </a:fontRef>
+        </p:style>
+        <p:txBody>
+          <a:bodyPr rtlCol="0" anchor="ctr"/>
+          <a:lstStyle/>
+          <a:p>
+            <a:pPr algn="ctr"/>
+            <a:endParaRPr lang="es-CR"/>
+          </a:p>
+        </p:txBody>
+      </p:sp>
+      <p:sp>
+        <p:nvSpPr>
+          <p:cNvPr id="7" name="Rectángulo 6">
+            <a:extLst>
+              <a:ext uri="{FF2B5EF4-FFF2-40B4-BE49-F238E27FC236}">
+                <a16:creationId xmlns:a16="http://schemas.microsoft.com/office/drawing/2014/main" id="{BD3A68D6-6456-070D-9E5F-1E393A05FF10}"/>
+              </a:ext>
+            </a:extLst>
+          </p:cNvPr>
+          <p:cNvSpPr/>
+          <p:nvPr/>
+        </p:nvSpPr>
+        <p:spPr>
+          <a:xfrm>
+            <a:off x="4430688" y="1055119"/>
+            <a:ext cx="100385" cy="150282"/>
+          </a:xfrm>
+          <a:prstGeom prst="rect">
+            <a:avLst/>
+          </a:prstGeom>
+          <a:solidFill>
+            <a:schemeClr val="tx1"/>
+          </a:solidFill>
+          <a:ln w="190500">
+            <a:solidFill>
+              <a:schemeClr val="tx1"/>
+            </a:solidFill>
+          </a:ln>
+        </p:spPr>
+        <p:style>
+          <a:lnRef idx="2">
+            <a:schemeClr val="accent1">
+              <a:shade val="15000"/>
+            </a:schemeClr>
+          </a:lnRef>
+          <a:fillRef idx="1">
+            <a:schemeClr val="accent1"/>
+          </a:fillRef>
+          <a:effectRef idx="0">
+            <a:schemeClr val="accent1"/>
+          </a:effectRef>
+          <a:fontRef idx="minor">
+            <a:schemeClr val="lt1"/>
+          </a:fontRef>
+        </p:style>
+        <p:txBody>
+          <a:bodyPr rtlCol="0" anchor="ctr"/>
+          <a:lstStyle/>
+          <a:p>
+            <a:pPr algn="ctr"/>
+            <a:endParaRPr lang="es-CR"/>
+          </a:p>
+        </p:txBody>
+      </p:sp>
+      <p:sp>
+        <p:nvSpPr>
+          <p:cNvPr id="8" name="Rectángulo 7">
+            <a:extLst>
+              <a:ext uri="{FF2B5EF4-FFF2-40B4-BE49-F238E27FC236}">
+                <a16:creationId xmlns:a16="http://schemas.microsoft.com/office/drawing/2014/main" id="{AE998CED-F32E-A450-2016-310F8C279022}"/>
+              </a:ext>
+            </a:extLst>
+          </p:cNvPr>
+          <p:cNvSpPr/>
+          <p:nvPr/>
+        </p:nvSpPr>
+        <p:spPr>
+          <a:xfrm>
+            <a:off x="417064" y="2389135"/>
+            <a:ext cx="1080000" cy="1080000"/>
+          </a:xfrm>
+          <a:prstGeom prst="rect">
+            <a:avLst/>
+          </a:prstGeom>
+          <a:solidFill>
+            <a:schemeClr val="bg1"/>
+          </a:solidFill>
+          <a:ln w="190500">
+            <a:solidFill>
+              <a:schemeClr val="tx1"/>
+            </a:solidFill>
+          </a:ln>
+        </p:spPr>
+        <p:style>
+          <a:lnRef idx="2">
+            <a:schemeClr val="accent1">
+              <a:shade val="15000"/>
+            </a:schemeClr>
+          </a:lnRef>
+          <a:fillRef idx="1">
+            <a:schemeClr val="accent1"/>
+          </a:fillRef>
+          <a:effectRef idx="0">
+            <a:schemeClr val="accent1"/>
+          </a:effectRef>
+          <a:fontRef idx="minor">
+            <a:schemeClr val="lt1"/>
+          </a:fontRef>
+        </p:style>
+        <p:txBody>
+          <a:bodyPr rtlCol="0" anchor="ctr"/>
+          <a:lstStyle/>
+          <a:p>
+            <a:pPr algn="ctr"/>
+            <a:endParaRPr lang="es-CR"/>
+          </a:p>
+        </p:txBody>
+      </p:sp>
+      <p:sp>
+        <p:nvSpPr>
+          <p:cNvPr id="9" name="Rectángulo 8">
+            <a:extLst>
+              <a:ext uri="{FF2B5EF4-FFF2-40B4-BE49-F238E27FC236}">
+                <a16:creationId xmlns:a16="http://schemas.microsoft.com/office/drawing/2014/main" id="{D023E470-2BC4-3539-168C-8BFBEAFDE11B}"/>
+              </a:ext>
+            </a:extLst>
+          </p:cNvPr>
+          <p:cNvSpPr/>
+          <p:nvPr/>
+        </p:nvSpPr>
+        <p:spPr>
+          <a:xfrm>
+            <a:off x="1497064" y="2389135"/>
+            <a:ext cx="1080000" cy="1080000"/>
+          </a:xfrm>
+          <a:prstGeom prst="rect">
+            <a:avLst/>
+          </a:prstGeom>
+          <a:solidFill>
+            <a:srgbClr val="FF0000"/>
+          </a:solidFill>
+          <a:ln w="190500">
+            <a:solidFill>
+              <a:schemeClr val="tx1"/>
+            </a:solidFill>
+          </a:ln>
+        </p:spPr>
+        <p:style>
+          <a:lnRef idx="2">
+            <a:schemeClr val="accent1">
+              <a:shade val="15000"/>
+            </a:schemeClr>
+          </a:lnRef>
+          <a:fillRef idx="1">
+            <a:schemeClr val="accent1"/>
+          </a:fillRef>
+          <a:effectRef idx="0">
+            <a:schemeClr val="accent1"/>
+          </a:effectRef>
+          <a:fontRef idx="minor">
+            <a:schemeClr val="lt1"/>
+          </a:fontRef>
+        </p:style>
+        <p:txBody>
+          <a:bodyPr rtlCol="0" anchor="ctr"/>
+          <a:lstStyle/>
+          <a:p>
+            <a:pPr algn="ctr"/>
+            <a:endParaRPr lang="es-CR"/>
+          </a:p>
+        </p:txBody>
+      </p:sp>
+      <p:sp>
+        <p:nvSpPr>
+          <p:cNvPr id="12" name="Rectángulo 11">
+            <a:extLst>
+              <a:ext uri="{FF2B5EF4-FFF2-40B4-BE49-F238E27FC236}">
+                <a16:creationId xmlns:a16="http://schemas.microsoft.com/office/drawing/2014/main" id="{20812C1B-CC73-054D-1750-602F94082555}"/>
+              </a:ext>
+            </a:extLst>
+          </p:cNvPr>
+          <p:cNvSpPr/>
+          <p:nvPr/>
+        </p:nvSpPr>
+        <p:spPr>
+          <a:xfrm>
+            <a:off x="3319931" y="2389135"/>
+            <a:ext cx="1080000" cy="1080000"/>
+          </a:xfrm>
+          <a:prstGeom prst="rect">
+            <a:avLst/>
+          </a:prstGeom>
+          <a:solidFill>
+            <a:srgbClr val="FF0000"/>
+          </a:solidFill>
+          <a:ln w="190500">
+            <a:solidFill>
+              <a:schemeClr val="tx1"/>
+            </a:solidFill>
+          </a:ln>
+        </p:spPr>
+        <p:style>
+          <a:lnRef idx="2">
+            <a:schemeClr val="accent1">
+              <a:shade val="15000"/>
+            </a:schemeClr>
+          </a:lnRef>
+          <a:fillRef idx="1">
+            <a:schemeClr val="accent1"/>
+          </a:fillRef>
+          <a:effectRef idx="0">
+            <a:schemeClr val="accent1"/>
+          </a:effectRef>
+          <a:fontRef idx="minor">
+            <a:schemeClr val="lt1"/>
+          </a:fontRef>
+        </p:style>
+        <p:txBody>
+          <a:bodyPr rtlCol="0" anchor="ctr"/>
+          <a:lstStyle/>
+          <a:p>
+            <a:pPr algn="ctr"/>
+            <a:endParaRPr lang="es-CR"/>
+          </a:p>
+        </p:txBody>
+      </p:sp>
+      <p:sp>
+        <p:nvSpPr>
+          <p:cNvPr id="13" name="Rectángulo 12">
+            <a:extLst>
+              <a:ext uri="{FF2B5EF4-FFF2-40B4-BE49-F238E27FC236}">
+                <a16:creationId xmlns:a16="http://schemas.microsoft.com/office/drawing/2014/main" id="{D18A97F0-371B-914C-C339-E1F27CD3295D}"/>
+              </a:ext>
+            </a:extLst>
+          </p:cNvPr>
+          <p:cNvSpPr/>
+          <p:nvPr/>
+        </p:nvSpPr>
+        <p:spPr>
+          <a:xfrm>
+            <a:off x="4399931" y="2389135"/>
+            <a:ext cx="1080000" cy="1080000"/>
+          </a:xfrm>
+          <a:prstGeom prst="rect">
+            <a:avLst/>
+          </a:prstGeom>
+          <a:solidFill>
+            <a:schemeClr val="bg1"/>
+          </a:solidFill>
+          <a:ln w="190500">
+            <a:solidFill>
+              <a:schemeClr val="tx1"/>
+            </a:solidFill>
+          </a:ln>
+        </p:spPr>
+        <p:style>
+          <a:lnRef idx="2">
+            <a:schemeClr val="accent1">
+              <a:shade val="15000"/>
+            </a:schemeClr>
+          </a:lnRef>
+          <a:fillRef idx="1">
+            <a:schemeClr val="accent1"/>
+          </a:fillRef>
+          <a:effectRef idx="0">
+            <a:schemeClr val="accent1"/>
+          </a:effectRef>
+          <a:fontRef idx="minor">
+            <a:schemeClr val="lt1"/>
+          </a:fontRef>
+        </p:style>
+        <p:txBody>
+          <a:bodyPr rtlCol="0" anchor="ctr"/>
+          <a:lstStyle/>
+          <a:p>
+            <a:pPr algn="ctr"/>
+            <a:endParaRPr lang="es-CR"/>
+          </a:p>
+        </p:txBody>
+      </p:sp>
+    </p:spTree>
+    <p:extLst>
+      <p:ext uri="{BB962C8B-B14F-4D97-AF65-F5344CB8AC3E}">
+        <p14:creationId xmlns:p14="http://schemas.microsoft.com/office/powerpoint/2010/main" val="1962703303"/>
+      </p:ext>
+    </p:extLst>
+  </p:cSld>
+  <p:clrMapOvr>
+    <a:masterClrMapping/>
+  </p:clrMapOvr>
+</p:sld>
+</file>
+
+<file path=ppt/slides/slide2.xml><?xml version="1.0" encoding="utf-8"?>
+<p:sld xmlns:a="http://schemas.openxmlformats.org/drawingml/2006/main" xmlns:r="http://schemas.openxmlformats.org/officeDocument/2006/relationships" xmlns:p="http://schemas.openxmlformats.org/presentationml/2006/main">
+  <p:cSld>
+    <p:spTree>
+      <p:nvGrpSpPr>
+        <p:cNvPr id="1" name="">
+          <a:extLst>
+            <a:ext uri="{FF2B5EF4-FFF2-40B4-BE49-F238E27FC236}">
+              <a16:creationId xmlns:a16="http://schemas.microsoft.com/office/drawing/2014/main" id="{F7AEC108-D046-05A8-1114-643207086BC3}"/>
+            </a:ext>
+          </a:extLst>
+        </p:cNvPr>
+        <p:cNvGrpSpPr/>
+        <p:nvPr/>
+      </p:nvGrpSpPr>
+      <p:grpSpPr>
+        <a:xfrm>
+          <a:off x="0" y="0"/>
+          <a:ext cx="0" cy="0"/>
+          <a:chOff x="0" y="0"/>
+          <a:chExt cx="0" cy="0"/>
+        </a:xfrm>
+      </p:grpSpPr>
+      <p:sp>
+        <p:nvSpPr>
+          <p:cNvPr id="2" name="Elipse 1">
+            <a:extLst>
+              <a:ext uri="{FF2B5EF4-FFF2-40B4-BE49-F238E27FC236}">
+                <a16:creationId xmlns:a16="http://schemas.microsoft.com/office/drawing/2014/main" id="{F978C0CD-6993-DF57-922D-27C1EF61C2DB}"/>
+              </a:ext>
+            </a:extLst>
+          </p:cNvPr>
+          <p:cNvSpPr/>
+          <p:nvPr/>
+        </p:nvSpPr>
+        <p:spPr>
+          <a:xfrm>
+            <a:off x="618116" y="817242"/>
+            <a:ext cx="2415600" cy="2414016"/>
+          </a:xfrm>
+          <a:prstGeom prst="ellipse">
+            <a:avLst/>
+          </a:prstGeom>
+          <a:solidFill>
+            <a:srgbClr val="67BA3D"/>
+          </a:solidFill>
+          <a:ln w="190500">
+            <a:solidFill>
+              <a:schemeClr val="tx1"/>
+            </a:solidFill>
+          </a:ln>
+        </p:spPr>
+        <p:style>
+          <a:lnRef idx="2">
+            <a:schemeClr val="accent1">
+              <a:shade val="15000"/>
+            </a:schemeClr>
+          </a:lnRef>
+          <a:fillRef idx="1">
+            <a:schemeClr val="accent1"/>
+          </a:fillRef>
+          <a:effectRef idx="0">
+            <a:schemeClr val="accent1"/>
+          </a:effectRef>
+          <a:fontRef idx="minor">
+            <a:schemeClr val="lt1"/>
+          </a:fontRef>
+        </p:style>
+        <p:txBody>
+          <a:bodyPr rtlCol="0" anchor="ctr"/>
+          <a:lstStyle/>
+          <a:p>
+            <a:pPr algn="ctr"/>
+            <a:endParaRPr lang="es-CR"/>
+          </a:p>
+        </p:txBody>
+      </p:sp>
+      <p:sp>
+        <p:nvSpPr>
+          <p:cNvPr id="3" name="Rectángulo 2">
+            <a:extLst>
+              <a:ext uri="{FF2B5EF4-FFF2-40B4-BE49-F238E27FC236}">
+                <a16:creationId xmlns:a16="http://schemas.microsoft.com/office/drawing/2014/main" id="{8B3FD8AB-BA8E-8916-6F35-DEFC6129F24C}"/>
+              </a:ext>
+            </a:extLst>
+          </p:cNvPr>
+          <p:cNvSpPr/>
+          <p:nvPr/>
+        </p:nvSpPr>
+        <p:spPr>
+          <a:xfrm>
+            <a:off x="1657641" y="1532802"/>
+            <a:ext cx="100385" cy="150282"/>
+          </a:xfrm>
+          <a:prstGeom prst="rect">
+            <a:avLst/>
+          </a:prstGeom>
+          <a:solidFill>
+            <a:srgbClr val="67BA3D"/>
+          </a:solidFill>
+          <a:ln w="190500">
+            <a:solidFill>
+              <a:schemeClr val="tx1"/>
+            </a:solidFill>
+          </a:ln>
+        </p:spPr>
+        <p:style>
+          <a:lnRef idx="2">
+            <a:schemeClr val="accent1">
+              <a:shade val="15000"/>
+            </a:schemeClr>
+          </a:lnRef>
+          <a:fillRef idx="1">
+            <a:schemeClr val="accent1"/>
+          </a:fillRef>
+          <a:effectRef idx="0">
+            <a:schemeClr val="accent1"/>
+          </a:effectRef>
+          <a:fontRef idx="minor">
+            <a:schemeClr val="lt1"/>
+          </a:fontRef>
+        </p:style>
+        <p:txBody>
+          <a:bodyPr rtlCol="0" anchor="ctr"/>
+          <a:lstStyle/>
+          <a:p>
+            <a:pPr algn="ctr"/>
+            <a:endParaRPr lang="es-CR"/>
+          </a:p>
+        </p:txBody>
+      </p:sp>
+      <p:sp>
+        <p:nvSpPr>
+          <p:cNvPr id="4" name="Rectángulo 3">
+            <a:extLst>
+              <a:ext uri="{FF2B5EF4-FFF2-40B4-BE49-F238E27FC236}">
+                <a16:creationId xmlns:a16="http://schemas.microsoft.com/office/drawing/2014/main" id="{E7F9C156-1413-EDD4-33F2-C328F2B51D06}"/>
+              </a:ext>
+            </a:extLst>
+          </p:cNvPr>
+          <p:cNvSpPr/>
+          <p:nvPr/>
+        </p:nvSpPr>
+        <p:spPr>
+          <a:xfrm>
+            <a:off x="2245293" y="1532802"/>
+            <a:ext cx="100385" cy="150282"/>
+          </a:xfrm>
+          <a:prstGeom prst="rect">
+            <a:avLst/>
+          </a:prstGeom>
+          <a:solidFill>
+            <a:srgbClr val="67BA3D"/>
+          </a:solidFill>
+          <a:ln w="190500">
+            <a:solidFill>
+              <a:schemeClr val="tx1"/>
+            </a:solidFill>
+          </a:ln>
+        </p:spPr>
+        <p:style>
+          <a:lnRef idx="2">
+            <a:schemeClr val="accent1">
+              <a:shade val="15000"/>
+            </a:schemeClr>
+          </a:lnRef>
+          <a:fillRef idx="1">
+            <a:schemeClr val="accent1"/>
+          </a:fillRef>
+          <a:effectRef idx="0">
+            <a:schemeClr val="accent1"/>
+          </a:effectRef>
+          <a:fontRef idx="minor">
+            <a:schemeClr val="lt1"/>
+          </a:fontRef>
+        </p:style>
+        <p:txBody>
+          <a:bodyPr rtlCol="0" anchor="ctr"/>
+          <a:lstStyle/>
+          <a:p>
+            <a:pPr algn="ctr"/>
+            <a:endParaRPr lang="es-CR"/>
+          </a:p>
+        </p:txBody>
+      </p:sp>
+      <p:sp>
+        <p:nvSpPr>
+          <p:cNvPr id="5" name="Elipse 4">
+            <a:extLst>
+              <a:ext uri="{FF2B5EF4-FFF2-40B4-BE49-F238E27FC236}">
+                <a16:creationId xmlns:a16="http://schemas.microsoft.com/office/drawing/2014/main" id="{FEF5E8C2-0303-81F1-F8A4-EBB1B0218F08}"/>
+              </a:ext>
+            </a:extLst>
+          </p:cNvPr>
+          <p:cNvSpPr/>
+          <p:nvPr/>
+        </p:nvSpPr>
+        <p:spPr>
+          <a:xfrm>
+            <a:off x="6096000" y="817242"/>
+            <a:ext cx="2415600" cy="2414016"/>
+          </a:xfrm>
+          <a:prstGeom prst="ellipse">
+            <a:avLst/>
+          </a:prstGeom>
+          <a:solidFill>
+            <a:srgbClr val="67BA3D"/>
+          </a:solidFill>
+          <a:ln w="190500">
+            <a:solidFill>
+              <a:schemeClr val="tx1"/>
+            </a:solidFill>
+          </a:ln>
+        </p:spPr>
+        <p:style>
+          <a:lnRef idx="2">
+            <a:schemeClr val="accent1">
+              <a:shade val="15000"/>
+            </a:schemeClr>
+          </a:lnRef>
+          <a:fillRef idx="1">
+            <a:schemeClr val="accent1"/>
+          </a:fillRef>
+          <a:effectRef idx="0">
+            <a:schemeClr val="accent1"/>
+          </a:effectRef>
+          <a:fontRef idx="minor">
+            <a:schemeClr val="lt1"/>
+          </a:fontRef>
+        </p:style>
+        <p:txBody>
+          <a:bodyPr rtlCol="0" anchor="ctr"/>
+          <a:lstStyle/>
+          <a:p>
+            <a:pPr algn="ctr"/>
+            <a:endParaRPr lang="es-CR"/>
+          </a:p>
+        </p:txBody>
+      </p:sp>
+      <p:sp>
+        <p:nvSpPr>
+          <p:cNvPr id="6" name="Rectángulo 5">
+            <a:extLst>
+              <a:ext uri="{FF2B5EF4-FFF2-40B4-BE49-F238E27FC236}">
+                <a16:creationId xmlns:a16="http://schemas.microsoft.com/office/drawing/2014/main" id="{FCEF14CE-FED3-E4DA-9813-25F7F3D6EE96}"/>
+              </a:ext>
+            </a:extLst>
+          </p:cNvPr>
+          <p:cNvSpPr/>
+          <p:nvPr/>
+        </p:nvSpPr>
+        <p:spPr>
+          <a:xfrm>
+            <a:off x="6746905" y="1532802"/>
+            <a:ext cx="100385" cy="150282"/>
+          </a:xfrm>
+          <a:prstGeom prst="rect">
+            <a:avLst/>
+          </a:prstGeom>
+          <a:solidFill>
+            <a:srgbClr val="67BA3D"/>
+          </a:solidFill>
+          <a:ln w="190500">
+            <a:solidFill>
+              <a:schemeClr val="tx1"/>
+            </a:solidFill>
+          </a:ln>
+        </p:spPr>
+        <p:style>
+          <a:lnRef idx="2">
+            <a:schemeClr val="accent1">
+              <a:shade val="15000"/>
+            </a:schemeClr>
+          </a:lnRef>
+          <a:fillRef idx="1">
+            <a:schemeClr val="accent1"/>
+          </a:fillRef>
+          <a:effectRef idx="0">
+            <a:schemeClr val="accent1"/>
+          </a:effectRef>
+          <a:fontRef idx="minor">
+            <a:schemeClr val="lt1"/>
+          </a:fontRef>
+        </p:style>
+        <p:txBody>
+          <a:bodyPr rtlCol="0" anchor="ctr"/>
+          <a:lstStyle/>
+          <a:p>
+            <a:pPr algn="ctr"/>
+            <a:endParaRPr lang="es-CR"/>
+          </a:p>
+        </p:txBody>
+      </p:sp>
+      <p:sp>
+        <p:nvSpPr>
+          <p:cNvPr id="7" name="Rectángulo 6">
+            <a:extLst>
+              <a:ext uri="{FF2B5EF4-FFF2-40B4-BE49-F238E27FC236}">
+                <a16:creationId xmlns:a16="http://schemas.microsoft.com/office/drawing/2014/main" id="{83DDA27B-03C4-26F3-E1EA-119BF059E856}"/>
+              </a:ext>
+            </a:extLst>
+          </p:cNvPr>
+          <p:cNvSpPr/>
+          <p:nvPr/>
+        </p:nvSpPr>
+        <p:spPr>
+          <a:xfrm>
+            <a:off x="7334557" y="1532802"/>
+            <a:ext cx="100385" cy="150282"/>
+          </a:xfrm>
+          <a:prstGeom prst="rect">
+            <a:avLst/>
+          </a:prstGeom>
+          <a:solidFill>
+            <a:srgbClr val="67BA3D"/>
+          </a:solidFill>
+          <a:ln w="190500">
+            <a:solidFill>
+              <a:schemeClr val="tx1"/>
+            </a:solidFill>
+          </a:ln>
+        </p:spPr>
+        <p:style>
+          <a:lnRef idx="2">
+            <a:schemeClr val="accent1">
+              <a:shade val="15000"/>
+            </a:schemeClr>
+          </a:lnRef>
+          <a:fillRef idx="1">
+            <a:schemeClr val="accent1"/>
+          </a:fillRef>
+          <a:effectRef idx="0">
+            <a:schemeClr val="accent1"/>
+          </a:effectRef>
+          <a:fontRef idx="minor">
+            <a:schemeClr val="lt1"/>
+          </a:fontRef>
+        </p:style>
+        <p:txBody>
+          <a:bodyPr rtlCol="0" anchor="ctr"/>
+          <a:lstStyle/>
+          <a:p>
+            <a:pPr algn="ctr"/>
+            <a:endParaRPr lang="es-CR"/>
+          </a:p>
+        </p:txBody>
+      </p:sp>
+      <p:sp>
+        <p:nvSpPr>
+          <p:cNvPr id="8" name="Elipse 7">
+            <a:extLst>
+              <a:ext uri="{FF2B5EF4-FFF2-40B4-BE49-F238E27FC236}">
+                <a16:creationId xmlns:a16="http://schemas.microsoft.com/office/drawing/2014/main" id="{226FE883-4D7F-3DA9-DA87-5F8E16991AE8}"/>
+              </a:ext>
+            </a:extLst>
+          </p:cNvPr>
+          <p:cNvSpPr/>
+          <p:nvPr/>
+        </p:nvSpPr>
+        <p:spPr>
+          <a:xfrm>
+            <a:off x="3335663" y="817242"/>
+            <a:ext cx="2415600" cy="2414016"/>
+          </a:xfrm>
+          <a:prstGeom prst="ellipse">
+            <a:avLst/>
+          </a:prstGeom>
+          <a:solidFill>
+            <a:srgbClr val="67BA3D"/>
+          </a:solidFill>
+          <a:ln w="190500">
+            <a:solidFill>
+              <a:schemeClr val="tx1"/>
+            </a:solidFill>
+          </a:ln>
+        </p:spPr>
+        <p:style>
+          <a:lnRef idx="2">
+            <a:schemeClr val="accent1">
+              <a:shade val="15000"/>
+            </a:schemeClr>
+          </a:lnRef>
+          <a:fillRef idx="1">
+            <a:schemeClr val="accent1"/>
+          </a:fillRef>
+          <a:effectRef idx="0">
+            <a:schemeClr val="accent1"/>
+          </a:effectRef>
+          <a:fontRef idx="minor">
+            <a:schemeClr val="lt1"/>
+          </a:fontRef>
+        </p:style>
+        <p:txBody>
+          <a:bodyPr rtlCol="0" anchor="ctr"/>
+          <a:lstStyle/>
+          <a:p>
+            <a:pPr algn="ctr"/>
+            <a:endParaRPr lang="es-CR"/>
+          </a:p>
+        </p:txBody>
+      </p:sp>
+      <p:grpSp>
+        <p:nvGrpSpPr>
+          <p:cNvPr id="11" name="Grupo 10">
+            <a:extLst>
+              <a:ext uri="{FF2B5EF4-FFF2-40B4-BE49-F238E27FC236}">
+                <a16:creationId xmlns:a16="http://schemas.microsoft.com/office/drawing/2014/main" id="{FCBAA2BE-4939-FB13-33AC-6369F69DB354}"/>
+              </a:ext>
+            </a:extLst>
+          </p:cNvPr>
+          <p:cNvGrpSpPr/>
+          <p:nvPr/>
+        </p:nvGrpSpPr>
+        <p:grpSpPr>
+          <a:xfrm>
+            <a:off x="4193832" y="1526706"/>
+            <a:ext cx="688037" cy="150282"/>
+            <a:chOff x="5024207" y="4497850"/>
+            <a:chExt cx="688037" cy="150282"/>
+          </a:xfrm>
+          <a:solidFill>
+            <a:srgbClr val="67BA3D"/>
+          </a:solidFill>
+        </p:grpSpPr>
+        <p:sp>
+          <p:nvSpPr>
+            <p:cNvPr id="9" name="Rectángulo 8">
+              <a:extLst>
+                <a:ext uri="{FF2B5EF4-FFF2-40B4-BE49-F238E27FC236}">
+                  <a16:creationId xmlns:a16="http://schemas.microsoft.com/office/drawing/2014/main" id="{13D7DEA5-3A65-A931-FBA7-A2D3A9BDEB82}"/>
+                </a:ext>
+              </a:extLst>
+            </p:cNvPr>
+            <p:cNvSpPr/>
+            <p:nvPr/>
+          </p:nvSpPr>
+          <p:spPr>
+            <a:xfrm>
+              <a:off x="5024207" y="4497850"/>
+              <a:ext cx="100385" cy="150282"/>
+            </a:xfrm>
+            <a:prstGeom prst="rect">
+              <a:avLst/>
+            </a:prstGeom>
+            <a:grpFill/>
+            <a:ln w="190500">
+              <a:solidFill>
+                <a:schemeClr val="tx1"/>
+              </a:solidFill>
+            </a:ln>
+          </p:spPr>
+          <p:style>
+            <a:lnRef idx="2">
+              <a:schemeClr val="accent1">
+                <a:shade val="15000"/>
+              </a:schemeClr>
+            </a:lnRef>
+            <a:fillRef idx="1">
+              <a:schemeClr val="accent1"/>
+            </a:fillRef>
+            <a:effectRef idx="0">
+              <a:schemeClr val="accent1"/>
+            </a:effectRef>
+            <a:fontRef idx="minor">
+              <a:schemeClr val="lt1"/>
+            </a:fontRef>
+          </p:style>
+          <p:txBody>
+            <a:bodyPr rtlCol="0" anchor="ctr"/>
+            <a:lstStyle/>
+            <a:p>
+              <a:pPr algn="ctr"/>
+              <a:endParaRPr lang="es-CR"/>
+            </a:p>
+          </p:txBody>
+        </p:sp>
+        <p:sp>
+          <p:nvSpPr>
+            <p:cNvPr id="10" name="Rectángulo 9">
+              <a:extLst>
+                <a:ext uri="{FF2B5EF4-FFF2-40B4-BE49-F238E27FC236}">
+                  <a16:creationId xmlns:a16="http://schemas.microsoft.com/office/drawing/2014/main" id="{DE5629BD-3D05-0C25-1EED-F29FF58F010F}"/>
+                </a:ext>
+              </a:extLst>
+            </p:cNvPr>
+            <p:cNvSpPr/>
+            <p:nvPr/>
+          </p:nvSpPr>
+          <p:spPr>
+            <a:xfrm>
+              <a:off x="5611859" y="4497850"/>
+              <a:ext cx="100385" cy="150282"/>
+            </a:xfrm>
+            <a:prstGeom prst="rect">
+              <a:avLst/>
+            </a:prstGeom>
+            <a:grpFill/>
+            <a:ln w="190500">
+              <a:solidFill>
+                <a:schemeClr val="tx1"/>
+              </a:solidFill>
+            </a:ln>
+          </p:spPr>
+          <p:style>
+            <a:lnRef idx="2">
+              <a:schemeClr val="accent1">
+                <a:shade val="15000"/>
+              </a:schemeClr>
+            </a:lnRef>
+            <a:fillRef idx="1">
+              <a:schemeClr val="accent1"/>
+            </a:fillRef>
+            <a:effectRef idx="0">
+              <a:schemeClr val="accent1"/>
+            </a:effectRef>
+            <a:fontRef idx="minor">
+              <a:schemeClr val="lt1"/>
+            </a:fontRef>
+          </p:style>
+          <p:txBody>
+            <a:bodyPr rtlCol="0" anchor="ctr"/>
+            <a:lstStyle/>
+            <a:p>
+              <a:pPr algn="ctr"/>
+              <a:endParaRPr lang="es-CR"/>
+            </a:p>
+          </p:txBody>
+        </p:sp>
+      </p:grpSp>
+      <p:sp>
+        <p:nvSpPr>
+          <p:cNvPr id="12" name="Rectángulo 11">
+            <a:extLst>
+              <a:ext uri="{FF2B5EF4-FFF2-40B4-BE49-F238E27FC236}">
+                <a16:creationId xmlns:a16="http://schemas.microsoft.com/office/drawing/2014/main" id="{23F33C42-FEE7-16D5-7679-B214B25384FF}"/>
+              </a:ext>
+            </a:extLst>
+          </p:cNvPr>
+          <p:cNvSpPr/>
+          <p:nvPr/>
+        </p:nvSpPr>
+        <p:spPr>
+          <a:xfrm>
+            <a:off x="1462053" y="7306274"/>
+            <a:ext cx="1602000" cy="1600200"/>
+          </a:xfrm>
+          <a:prstGeom prst="rect">
+            <a:avLst/>
+          </a:prstGeom>
+          <a:solidFill>
+            <a:srgbClr val="67BA3D"/>
+          </a:solidFill>
+          <a:ln w="88900">
+            <a:solidFill>
+              <a:schemeClr val="tx1"/>
+            </a:solidFill>
+          </a:ln>
+        </p:spPr>
+        <p:style>
+          <a:lnRef idx="2">
+            <a:schemeClr val="accent1">
+              <a:shade val="15000"/>
+            </a:schemeClr>
+          </a:lnRef>
+          <a:fillRef idx="1">
+            <a:schemeClr val="accent1"/>
+          </a:fillRef>
+          <a:effectRef idx="0">
+            <a:schemeClr val="accent1"/>
+          </a:effectRef>
+          <a:fontRef idx="minor">
+            <a:schemeClr val="lt1"/>
+          </a:fontRef>
+        </p:style>
+        <p:txBody>
+          <a:bodyPr rtlCol="0" anchor="ctr"/>
+          <a:lstStyle/>
+          <a:p>
+            <a:pPr algn="ctr"/>
+            <a:endParaRPr lang="es-CR"/>
+          </a:p>
+        </p:txBody>
+      </p:sp>
+      <p:sp>
+        <p:nvSpPr>
+          <p:cNvPr id="13" name="Rectángulo 12">
+            <a:extLst>
+              <a:ext uri="{FF2B5EF4-FFF2-40B4-BE49-F238E27FC236}">
+                <a16:creationId xmlns:a16="http://schemas.microsoft.com/office/drawing/2014/main" id="{52E94776-2465-D062-85DF-8F3807CD2680}"/>
+              </a:ext>
+            </a:extLst>
+          </p:cNvPr>
+          <p:cNvSpPr/>
+          <p:nvPr/>
+        </p:nvSpPr>
+        <p:spPr>
+          <a:xfrm>
+            <a:off x="-785847" y="7306274"/>
+            <a:ext cx="1602000" cy="1600200"/>
+          </a:xfrm>
+          <a:prstGeom prst="rect">
+            <a:avLst/>
+          </a:prstGeom>
+          <a:solidFill>
+            <a:srgbClr val="0A9A43"/>
+          </a:solidFill>
+          <a:ln w="88900">
+            <a:solidFill>
+              <a:schemeClr val="tx1"/>
+            </a:solidFill>
+          </a:ln>
+        </p:spPr>
+        <p:style>
+          <a:lnRef idx="2">
+            <a:schemeClr val="accent1">
+              <a:shade val="15000"/>
+            </a:schemeClr>
+          </a:lnRef>
+          <a:fillRef idx="1">
+            <a:schemeClr val="accent1"/>
+          </a:fillRef>
+          <a:effectRef idx="0">
+            <a:schemeClr val="accent1"/>
+          </a:effectRef>
+          <a:fontRef idx="minor">
+            <a:schemeClr val="lt1"/>
+          </a:fontRef>
+        </p:style>
+        <p:txBody>
+          <a:bodyPr rtlCol="0" anchor="ctr"/>
+          <a:lstStyle/>
+          <a:p>
+            <a:pPr algn="ctr"/>
+            <a:endParaRPr lang="es-CR"/>
+          </a:p>
+        </p:txBody>
+      </p:sp>
+      <p:sp>
+        <p:nvSpPr>
+          <p:cNvPr id="14" name="Rectángulo 13">
+            <a:extLst>
+              <a:ext uri="{FF2B5EF4-FFF2-40B4-BE49-F238E27FC236}">
+                <a16:creationId xmlns:a16="http://schemas.microsoft.com/office/drawing/2014/main" id="{2BDA1B32-248D-6D7B-65BA-52C82B129593}"/>
+              </a:ext>
+            </a:extLst>
+          </p:cNvPr>
+          <p:cNvSpPr/>
+          <p:nvPr/>
+        </p:nvSpPr>
+        <p:spPr>
+          <a:xfrm>
+            <a:off x="3709953" y="7306274"/>
+            <a:ext cx="1602000" cy="1600200"/>
+          </a:xfrm>
+          <a:prstGeom prst="rect">
+            <a:avLst/>
+          </a:prstGeom>
+          <a:solidFill>
+            <a:srgbClr val="A8D039"/>
+          </a:solidFill>
+          <a:ln w="88900">
+            <a:solidFill>
+              <a:schemeClr val="tx1"/>
+            </a:solidFill>
+          </a:ln>
+        </p:spPr>
+        <p:style>
+          <a:lnRef idx="2">
+            <a:schemeClr val="accent1">
+              <a:shade val="15000"/>
+            </a:schemeClr>
+          </a:lnRef>
+          <a:fillRef idx="1">
+            <a:schemeClr val="accent1"/>
+          </a:fillRef>
+          <a:effectRef idx="0">
+            <a:schemeClr val="accent1"/>
+          </a:effectRef>
+          <a:fontRef idx="minor">
+            <a:schemeClr val="lt1"/>
+          </a:fontRef>
+        </p:style>
+        <p:txBody>
+          <a:bodyPr rtlCol="0" anchor="ctr"/>
+          <a:lstStyle/>
+          <a:p>
+            <a:pPr algn="ctr"/>
+            <a:endParaRPr lang="es-CR"/>
+          </a:p>
+        </p:txBody>
+      </p:sp>
+      <p:sp>
+        <p:nvSpPr>
+          <p:cNvPr id="15" name="Rectángulo 14">
+            <a:extLst>
+              <a:ext uri="{FF2B5EF4-FFF2-40B4-BE49-F238E27FC236}">
+                <a16:creationId xmlns:a16="http://schemas.microsoft.com/office/drawing/2014/main" id="{2D729D60-5DFC-1CB3-FB11-AE2227C78847}"/>
+              </a:ext>
+            </a:extLst>
+          </p:cNvPr>
+          <p:cNvSpPr/>
+          <p:nvPr/>
+        </p:nvSpPr>
+        <p:spPr>
+          <a:xfrm>
+            <a:off x="5957853" y="7306274"/>
+            <a:ext cx="1602000" cy="1600200"/>
+          </a:xfrm>
+          <a:prstGeom prst="rect">
+            <a:avLst/>
+          </a:prstGeom>
+          <a:solidFill>
+            <a:srgbClr val="F7E633"/>
+          </a:solidFill>
+          <a:ln w="88900">
+            <a:solidFill>
+              <a:schemeClr val="tx1"/>
+            </a:solidFill>
+          </a:ln>
+        </p:spPr>
+        <p:style>
+          <a:lnRef idx="2">
+            <a:schemeClr val="accent1">
+              <a:shade val="15000"/>
+            </a:schemeClr>
+          </a:lnRef>
+          <a:fillRef idx="1">
+            <a:schemeClr val="accent1"/>
+          </a:fillRef>
+          <a:effectRef idx="0">
+            <a:schemeClr val="accent1"/>
+          </a:effectRef>
+          <a:fontRef idx="minor">
+            <a:schemeClr val="lt1"/>
+          </a:fontRef>
+        </p:style>
+        <p:txBody>
+          <a:bodyPr rtlCol="0" anchor="ctr"/>
+          <a:lstStyle/>
+          <a:p>
+            <a:pPr algn="ctr"/>
+            <a:endParaRPr lang="es-CR"/>
+          </a:p>
+        </p:txBody>
+      </p:sp>
+      <p:sp>
+        <p:nvSpPr>
+          <p:cNvPr id="16" name="Rectángulo 15">
+            <a:extLst>
+              <a:ext uri="{FF2B5EF4-FFF2-40B4-BE49-F238E27FC236}">
+                <a16:creationId xmlns:a16="http://schemas.microsoft.com/office/drawing/2014/main" id="{B6A28847-34A2-B7FD-B549-0AA26334C51A}"/>
+              </a:ext>
+            </a:extLst>
+          </p:cNvPr>
+          <p:cNvSpPr/>
+          <p:nvPr/>
+        </p:nvSpPr>
+        <p:spPr>
+          <a:xfrm>
+            <a:off x="8205753" y="7306274"/>
+            <a:ext cx="1602000" cy="1600200"/>
+          </a:xfrm>
+          <a:prstGeom prst="rect">
+            <a:avLst/>
+          </a:prstGeom>
+          <a:solidFill>
+            <a:srgbClr val="F09F2C"/>
+          </a:solidFill>
+          <a:ln w="88900">
+            <a:solidFill>
+              <a:schemeClr val="tx1"/>
+            </a:solidFill>
+          </a:ln>
+        </p:spPr>
+        <p:style>
+          <a:lnRef idx="2">
+            <a:schemeClr val="accent1">
+              <a:shade val="15000"/>
+            </a:schemeClr>
+          </a:lnRef>
+          <a:fillRef idx="1">
+            <a:schemeClr val="accent1"/>
+          </a:fillRef>
+          <a:effectRef idx="0">
+            <a:schemeClr val="accent1"/>
+          </a:effectRef>
+          <a:fontRef idx="minor">
+            <a:schemeClr val="lt1"/>
+          </a:fontRef>
+        </p:style>
+        <p:txBody>
+          <a:bodyPr rtlCol="0" anchor="ctr"/>
+          <a:lstStyle/>
+          <a:p>
+            <a:pPr algn="ctr"/>
+            <a:endParaRPr lang="es-CR"/>
+          </a:p>
+        </p:txBody>
+      </p:sp>
+      <p:sp>
+        <p:nvSpPr>
+          <p:cNvPr id="17" name="Rectángulo 16">
+            <a:extLst>
+              <a:ext uri="{FF2B5EF4-FFF2-40B4-BE49-F238E27FC236}">
+                <a16:creationId xmlns:a16="http://schemas.microsoft.com/office/drawing/2014/main" id="{7B48B3B8-0A23-DC9E-2F3A-C72ED984360A}"/>
+              </a:ext>
+            </a:extLst>
+          </p:cNvPr>
+          <p:cNvSpPr/>
+          <p:nvPr/>
+        </p:nvSpPr>
+        <p:spPr>
+          <a:xfrm>
+            <a:off x="10453653" y="7306274"/>
+            <a:ext cx="1602000" cy="1600200"/>
+          </a:xfrm>
+          <a:prstGeom prst="rect">
+            <a:avLst/>
+          </a:prstGeom>
+          <a:solidFill>
+            <a:srgbClr val="DE2626"/>
+          </a:solidFill>
+          <a:ln w="88900">
+            <a:solidFill>
+              <a:schemeClr val="tx1"/>
+            </a:solidFill>
+          </a:ln>
+        </p:spPr>
+        <p:style>
+          <a:lnRef idx="2">
+            <a:schemeClr val="accent1">
+              <a:shade val="15000"/>
+            </a:schemeClr>
+          </a:lnRef>
+          <a:fillRef idx="1">
+            <a:schemeClr val="accent1"/>
+          </a:fillRef>
+          <a:effectRef idx="0">
+            <a:schemeClr val="accent1"/>
+          </a:effectRef>
+          <a:fontRef idx="minor">
+            <a:schemeClr val="lt1"/>
+          </a:fontRef>
+        </p:style>
+        <p:txBody>
+          <a:bodyPr rtlCol="0" anchor="ctr"/>
+          <a:lstStyle/>
+          <a:p>
+            <a:pPr algn="ctr"/>
+            <a:endParaRPr lang="es-CR"/>
+          </a:p>
+        </p:txBody>
+      </p:sp>
+      <p:sp>
+        <p:nvSpPr>
+          <p:cNvPr id="18" name="Elipse 17">
+            <a:extLst>
+              <a:ext uri="{FF2B5EF4-FFF2-40B4-BE49-F238E27FC236}">
+                <a16:creationId xmlns:a16="http://schemas.microsoft.com/office/drawing/2014/main" id="{C6FCF002-D8E9-9177-97B6-8A91EF9C9324}"/>
+              </a:ext>
+            </a:extLst>
+          </p:cNvPr>
+          <p:cNvSpPr/>
+          <p:nvPr/>
+        </p:nvSpPr>
+        <p:spPr>
+          <a:xfrm>
+            <a:off x="2727869" y="3940722"/>
+            <a:ext cx="2415600" cy="2414016"/>
+          </a:xfrm>
+          <a:prstGeom prst="ellipse">
+            <a:avLst/>
+          </a:prstGeom>
+          <a:solidFill>
+            <a:srgbClr val="A8D039"/>
+          </a:solidFill>
+          <a:ln w="190500">
+            <a:solidFill>
+              <a:schemeClr val="tx1"/>
+            </a:solidFill>
+          </a:ln>
+        </p:spPr>
+        <p:style>
+          <a:lnRef idx="2">
+            <a:schemeClr val="accent1">
+              <a:shade val="15000"/>
+            </a:schemeClr>
+          </a:lnRef>
+          <a:fillRef idx="1">
+            <a:schemeClr val="accent1"/>
+          </a:fillRef>
+          <a:effectRef idx="0">
+            <a:schemeClr val="accent1"/>
+          </a:effectRef>
+          <a:fontRef idx="minor">
+            <a:schemeClr val="lt1"/>
+          </a:fontRef>
+        </p:style>
+        <p:txBody>
+          <a:bodyPr rtlCol="0" anchor="ctr"/>
+          <a:lstStyle/>
+          <a:p>
+            <a:pPr algn="ctr"/>
+            <a:endParaRPr lang="es-CR"/>
+          </a:p>
+        </p:txBody>
+      </p:sp>
+      <p:sp>
+        <p:nvSpPr>
+          <p:cNvPr id="19" name="Rectángulo 18">
+            <a:extLst>
+              <a:ext uri="{FF2B5EF4-FFF2-40B4-BE49-F238E27FC236}">
+                <a16:creationId xmlns:a16="http://schemas.microsoft.com/office/drawing/2014/main" id="{3BFE7E44-4FAA-181F-6C0B-E35F50720CC8}"/>
+              </a:ext>
+            </a:extLst>
+          </p:cNvPr>
+          <p:cNvSpPr/>
+          <p:nvPr/>
+        </p:nvSpPr>
+        <p:spPr>
+          <a:xfrm>
+            <a:off x="3767394" y="4656282"/>
+            <a:ext cx="100385" cy="150282"/>
+          </a:xfrm>
+          <a:prstGeom prst="rect">
+            <a:avLst/>
+          </a:prstGeom>
+          <a:solidFill>
+            <a:srgbClr val="A8D039"/>
+          </a:solidFill>
+          <a:ln w="190500">
+            <a:solidFill>
+              <a:schemeClr val="tx1"/>
+            </a:solidFill>
+          </a:ln>
+        </p:spPr>
+        <p:style>
+          <a:lnRef idx="2">
+            <a:schemeClr val="accent1">
+              <a:shade val="15000"/>
+            </a:schemeClr>
+          </a:lnRef>
+          <a:fillRef idx="1">
+            <a:schemeClr val="accent1"/>
+          </a:fillRef>
+          <a:effectRef idx="0">
+            <a:schemeClr val="accent1"/>
+          </a:effectRef>
+          <a:fontRef idx="minor">
+            <a:schemeClr val="lt1"/>
+          </a:fontRef>
+        </p:style>
+        <p:txBody>
+          <a:bodyPr rtlCol="0" anchor="ctr"/>
+          <a:lstStyle/>
+          <a:p>
+            <a:pPr algn="ctr"/>
+            <a:endParaRPr lang="es-CR"/>
+          </a:p>
+        </p:txBody>
+      </p:sp>
+      <p:sp>
+        <p:nvSpPr>
+          <p:cNvPr id="20" name="Rectángulo 19">
+            <a:extLst>
+              <a:ext uri="{FF2B5EF4-FFF2-40B4-BE49-F238E27FC236}">
+                <a16:creationId xmlns:a16="http://schemas.microsoft.com/office/drawing/2014/main" id="{3E16D79E-F535-D00C-3307-75D7ED53C224}"/>
+              </a:ext>
+            </a:extLst>
+          </p:cNvPr>
+          <p:cNvSpPr/>
+          <p:nvPr/>
+        </p:nvSpPr>
+        <p:spPr>
+          <a:xfrm>
+            <a:off x="4355046" y="4656282"/>
+            <a:ext cx="100385" cy="150282"/>
+          </a:xfrm>
+          <a:prstGeom prst="rect">
+            <a:avLst/>
+          </a:prstGeom>
+          <a:solidFill>
+            <a:srgbClr val="A8D039"/>
+          </a:solidFill>
+          <a:ln w="190500">
+            <a:solidFill>
+              <a:schemeClr val="tx1"/>
+            </a:solidFill>
+          </a:ln>
+        </p:spPr>
+        <p:style>
+          <a:lnRef idx="2">
+            <a:schemeClr val="accent1">
+              <a:shade val="15000"/>
+            </a:schemeClr>
+          </a:lnRef>
+          <a:fillRef idx="1">
+            <a:schemeClr val="accent1"/>
+          </a:fillRef>
+          <a:effectRef idx="0">
+            <a:schemeClr val="accent1"/>
+          </a:effectRef>
+          <a:fontRef idx="minor">
+            <a:schemeClr val="lt1"/>
+          </a:fontRef>
+        </p:style>
+        <p:txBody>
+          <a:bodyPr rtlCol="0" anchor="ctr"/>
+          <a:lstStyle/>
+          <a:p>
+            <a:pPr algn="ctr"/>
+            <a:endParaRPr lang="es-CR"/>
+          </a:p>
+        </p:txBody>
+      </p:sp>
+      <p:sp>
+        <p:nvSpPr>
+          <p:cNvPr id="21" name="Elipse 20">
+            <a:extLst>
+              <a:ext uri="{FF2B5EF4-FFF2-40B4-BE49-F238E27FC236}">
+                <a16:creationId xmlns:a16="http://schemas.microsoft.com/office/drawing/2014/main" id="{3B949812-EB1B-E4FC-19AC-7E50837B93F3}"/>
+              </a:ext>
+            </a:extLst>
+          </p:cNvPr>
+          <p:cNvSpPr/>
+          <p:nvPr/>
+        </p:nvSpPr>
+        <p:spPr>
+          <a:xfrm>
+            <a:off x="8205753" y="3940722"/>
+            <a:ext cx="2415600" cy="2414016"/>
+          </a:xfrm>
+          <a:prstGeom prst="ellipse">
+            <a:avLst/>
+          </a:prstGeom>
+          <a:solidFill>
+            <a:srgbClr val="A8D039"/>
+          </a:solidFill>
+          <a:ln w="190500">
+            <a:solidFill>
+              <a:schemeClr val="tx1"/>
+            </a:solidFill>
+          </a:ln>
+        </p:spPr>
+        <p:style>
+          <a:lnRef idx="2">
+            <a:schemeClr val="accent1">
+              <a:shade val="15000"/>
+            </a:schemeClr>
+          </a:lnRef>
+          <a:fillRef idx="1">
+            <a:schemeClr val="accent1"/>
+          </a:fillRef>
+          <a:effectRef idx="0">
+            <a:schemeClr val="accent1"/>
+          </a:effectRef>
+          <a:fontRef idx="minor">
+            <a:schemeClr val="lt1"/>
+          </a:fontRef>
+        </p:style>
+        <p:txBody>
+          <a:bodyPr rtlCol="0" anchor="ctr"/>
+          <a:lstStyle/>
+          <a:p>
+            <a:pPr algn="ctr"/>
+            <a:endParaRPr lang="es-CR"/>
+          </a:p>
+        </p:txBody>
+      </p:sp>
+      <p:sp>
+        <p:nvSpPr>
+          <p:cNvPr id="22" name="Rectángulo 21">
+            <a:extLst>
+              <a:ext uri="{FF2B5EF4-FFF2-40B4-BE49-F238E27FC236}">
+                <a16:creationId xmlns:a16="http://schemas.microsoft.com/office/drawing/2014/main" id="{F9F515FB-F1A0-5521-966C-56AFF42120A4}"/>
+              </a:ext>
+            </a:extLst>
+          </p:cNvPr>
+          <p:cNvSpPr/>
+          <p:nvPr/>
+        </p:nvSpPr>
+        <p:spPr>
+          <a:xfrm>
+            <a:off x="8856658" y="4656282"/>
+            <a:ext cx="100385" cy="150282"/>
+          </a:xfrm>
+          <a:prstGeom prst="rect">
+            <a:avLst/>
+          </a:prstGeom>
+          <a:solidFill>
+            <a:srgbClr val="A8D039"/>
+          </a:solidFill>
+          <a:ln w="190500">
+            <a:solidFill>
+              <a:schemeClr val="tx1"/>
+            </a:solidFill>
+          </a:ln>
+        </p:spPr>
+        <p:style>
+          <a:lnRef idx="2">
+            <a:schemeClr val="accent1">
+              <a:shade val="15000"/>
+            </a:schemeClr>
+          </a:lnRef>
+          <a:fillRef idx="1">
+            <a:schemeClr val="accent1"/>
+          </a:fillRef>
+          <a:effectRef idx="0">
+            <a:schemeClr val="accent1"/>
+          </a:effectRef>
+          <a:fontRef idx="minor">
+            <a:schemeClr val="lt1"/>
+          </a:fontRef>
+        </p:style>
+        <p:txBody>
+          <a:bodyPr rtlCol="0" anchor="ctr"/>
+          <a:lstStyle/>
+          <a:p>
+            <a:pPr algn="ctr"/>
+            <a:endParaRPr lang="es-CR"/>
+          </a:p>
+        </p:txBody>
+      </p:sp>
+      <p:sp>
+        <p:nvSpPr>
+          <p:cNvPr id="23" name="Rectángulo 22">
+            <a:extLst>
+              <a:ext uri="{FF2B5EF4-FFF2-40B4-BE49-F238E27FC236}">
+                <a16:creationId xmlns:a16="http://schemas.microsoft.com/office/drawing/2014/main" id="{6DE22891-7548-E526-4F0B-C4C02F663788}"/>
+              </a:ext>
+            </a:extLst>
+          </p:cNvPr>
+          <p:cNvSpPr/>
+          <p:nvPr/>
+        </p:nvSpPr>
+        <p:spPr>
+          <a:xfrm>
+            <a:off x="9444310" y="4656282"/>
+            <a:ext cx="100385" cy="150282"/>
+          </a:xfrm>
+          <a:prstGeom prst="rect">
+            <a:avLst/>
+          </a:prstGeom>
+          <a:solidFill>
+            <a:srgbClr val="A8D039"/>
+          </a:solidFill>
+          <a:ln w="190500">
+            <a:solidFill>
+              <a:schemeClr val="tx1"/>
+            </a:solidFill>
+          </a:ln>
+        </p:spPr>
+        <p:style>
+          <a:lnRef idx="2">
+            <a:schemeClr val="accent1">
+              <a:shade val="15000"/>
+            </a:schemeClr>
+          </a:lnRef>
+          <a:fillRef idx="1">
+            <a:schemeClr val="accent1"/>
+          </a:fillRef>
+          <a:effectRef idx="0">
+            <a:schemeClr val="accent1"/>
+          </a:effectRef>
+          <a:fontRef idx="minor">
+            <a:schemeClr val="lt1"/>
+          </a:fontRef>
+        </p:style>
+        <p:txBody>
+          <a:bodyPr rtlCol="0" anchor="ctr"/>
+          <a:lstStyle/>
+          <a:p>
+            <a:pPr algn="ctr"/>
+            <a:endParaRPr lang="es-CR"/>
+          </a:p>
+        </p:txBody>
+      </p:sp>
+      <p:sp>
+        <p:nvSpPr>
+          <p:cNvPr id="24" name="Elipse 23">
+            <a:extLst>
+              <a:ext uri="{FF2B5EF4-FFF2-40B4-BE49-F238E27FC236}">
+                <a16:creationId xmlns:a16="http://schemas.microsoft.com/office/drawing/2014/main" id="{C6694EA0-0AB2-CDE9-80BD-6BCFF05605CF}"/>
+              </a:ext>
+            </a:extLst>
+          </p:cNvPr>
+          <p:cNvSpPr/>
+          <p:nvPr/>
+        </p:nvSpPr>
+        <p:spPr>
+          <a:xfrm>
+            <a:off x="5445416" y="3940722"/>
+            <a:ext cx="2415600" cy="2414016"/>
+          </a:xfrm>
+          <a:prstGeom prst="ellipse">
+            <a:avLst/>
+          </a:prstGeom>
+          <a:solidFill>
+            <a:srgbClr val="A8D039"/>
+          </a:solidFill>
+          <a:ln w="190500">
+            <a:solidFill>
+              <a:schemeClr val="tx1"/>
+            </a:solidFill>
+          </a:ln>
+        </p:spPr>
+        <p:style>
+          <a:lnRef idx="2">
+            <a:schemeClr val="accent1">
+              <a:shade val="15000"/>
+            </a:schemeClr>
+          </a:lnRef>
+          <a:fillRef idx="1">
+            <a:schemeClr val="accent1"/>
+          </a:fillRef>
+          <a:effectRef idx="0">
+            <a:schemeClr val="accent1"/>
+          </a:effectRef>
+          <a:fontRef idx="minor">
+            <a:schemeClr val="lt1"/>
+          </a:fontRef>
+        </p:style>
+        <p:txBody>
+          <a:bodyPr rtlCol="0" anchor="ctr"/>
+          <a:lstStyle/>
+          <a:p>
+            <a:pPr algn="ctr"/>
+            <a:endParaRPr lang="es-CR"/>
+          </a:p>
+        </p:txBody>
+      </p:sp>
+      <p:grpSp>
+        <p:nvGrpSpPr>
+          <p:cNvPr id="25" name="Grupo 24">
+            <a:extLst>
+              <a:ext uri="{FF2B5EF4-FFF2-40B4-BE49-F238E27FC236}">
+                <a16:creationId xmlns:a16="http://schemas.microsoft.com/office/drawing/2014/main" id="{75A44D93-518F-1FDE-B415-4430C3620E4C}"/>
+              </a:ext>
+            </a:extLst>
+          </p:cNvPr>
+          <p:cNvGrpSpPr/>
+          <p:nvPr/>
+        </p:nvGrpSpPr>
+        <p:grpSpPr>
+          <a:xfrm>
+            <a:off x="6303585" y="4650186"/>
+            <a:ext cx="688037" cy="150282"/>
+            <a:chOff x="5024207" y="4497850"/>
+            <a:chExt cx="688037" cy="150282"/>
+          </a:xfrm>
+          <a:solidFill>
+            <a:srgbClr val="A8D039"/>
+          </a:solidFill>
+        </p:grpSpPr>
+        <p:sp>
+          <p:nvSpPr>
+            <p:cNvPr id="26" name="Rectángulo 25">
+              <a:extLst>
+                <a:ext uri="{FF2B5EF4-FFF2-40B4-BE49-F238E27FC236}">
+                  <a16:creationId xmlns:a16="http://schemas.microsoft.com/office/drawing/2014/main" id="{7A78243D-196B-DA12-6E2D-968CFB5E7717}"/>
+                </a:ext>
+              </a:extLst>
+            </p:cNvPr>
+            <p:cNvSpPr/>
+            <p:nvPr/>
+          </p:nvSpPr>
+          <p:spPr>
+            <a:xfrm>
+              <a:off x="5024207" y="4497850"/>
+              <a:ext cx="100385" cy="150282"/>
+            </a:xfrm>
+            <a:prstGeom prst="rect">
+              <a:avLst/>
+            </a:prstGeom>
+            <a:grpFill/>
+            <a:ln w="190500">
+              <a:solidFill>
+                <a:schemeClr val="tx1"/>
+              </a:solidFill>
+            </a:ln>
+          </p:spPr>
+          <p:style>
+            <a:lnRef idx="2">
+              <a:schemeClr val="accent1">
+                <a:shade val="15000"/>
+              </a:schemeClr>
+            </a:lnRef>
+            <a:fillRef idx="1">
+              <a:schemeClr val="accent1"/>
+            </a:fillRef>
+            <a:effectRef idx="0">
+              <a:schemeClr val="accent1"/>
+            </a:effectRef>
+            <a:fontRef idx="minor">
+              <a:schemeClr val="lt1"/>
+            </a:fontRef>
+          </p:style>
+          <p:txBody>
+            <a:bodyPr rtlCol="0" anchor="ctr"/>
+            <a:lstStyle/>
+            <a:p>
+              <a:pPr algn="ctr"/>
+              <a:endParaRPr lang="es-CR"/>
+            </a:p>
+          </p:txBody>
+        </p:sp>
+        <p:sp>
+          <p:nvSpPr>
+            <p:cNvPr id="27" name="Rectángulo 26">
+              <a:extLst>
+                <a:ext uri="{FF2B5EF4-FFF2-40B4-BE49-F238E27FC236}">
+                  <a16:creationId xmlns:a16="http://schemas.microsoft.com/office/drawing/2014/main" id="{39046339-FBBB-E35B-48F6-600E0D46498B}"/>
+                </a:ext>
+              </a:extLst>
+            </p:cNvPr>
+            <p:cNvSpPr/>
+            <p:nvPr/>
+          </p:nvSpPr>
+          <p:spPr>
+            <a:xfrm>
+              <a:off x="5611859" y="4497850"/>
+              <a:ext cx="100385" cy="150282"/>
+            </a:xfrm>
+            <a:prstGeom prst="rect">
+              <a:avLst/>
+            </a:prstGeom>
+            <a:grpFill/>
+            <a:ln w="190500">
+              <a:solidFill>
+                <a:schemeClr val="tx1"/>
+              </a:solidFill>
+            </a:ln>
+          </p:spPr>
+          <p:style>
+            <a:lnRef idx="2">
+              <a:schemeClr val="accent1">
+                <a:shade val="15000"/>
+              </a:schemeClr>
+            </a:lnRef>
+            <a:fillRef idx="1">
+              <a:schemeClr val="accent1"/>
+            </a:fillRef>
+            <a:effectRef idx="0">
+              <a:schemeClr val="accent1"/>
+            </a:effectRef>
+            <a:fontRef idx="minor">
+              <a:schemeClr val="lt1"/>
+            </a:fontRef>
+          </p:style>
+          <p:txBody>
+            <a:bodyPr rtlCol="0" anchor="ctr"/>
+            <a:lstStyle/>
+            <a:p>
+              <a:pPr algn="ctr"/>
+              <a:endParaRPr lang="es-CR"/>
+            </a:p>
+          </p:txBody>
+        </p:sp>
+      </p:grpSp>
+    </p:spTree>
+    <p:extLst>
+      <p:ext uri="{BB962C8B-B14F-4D97-AF65-F5344CB8AC3E}">
+        <p14:creationId xmlns:p14="http://schemas.microsoft.com/office/powerpoint/2010/main" val="313320319"/>
+      </p:ext>
+    </p:extLst>
+  </p:cSld>
+  <p:clrMapOvr>
+    <a:masterClrMapping/>
+  </p:clrMapOvr>
+</p:sld>
+</file>
+
+<file path=ppt/slides/slide20.xml><?xml version="1.0" encoding="utf-8"?>
 <p:sld xmlns:a="http://schemas.openxmlformats.org/drawingml/2006/main" xmlns:r="http://schemas.openxmlformats.org/officeDocument/2006/relationships" xmlns:p="http://schemas.openxmlformats.org/presentationml/2006/main">
   <p:cSld>
     <p:spTree>
@@ -9353,7 +13545,7 @@
 </p:sld>
 </file>
 
-<file path=ppt/slides/slide16.xml><?xml version="1.0" encoding="utf-8"?>
+<file path=ppt/slides/slide21.xml><?xml version="1.0" encoding="utf-8"?>
 <p:sld xmlns:a="http://schemas.openxmlformats.org/drawingml/2006/main" xmlns:r="http://schemas.openxmlformats.org/officeDocument/2006/relationships" xmlns:p="http://schemas.openxmlformats.org/presentationml/2006/main">
   <p:cSld>
     <p:spTree>
@@ -9713,7 +13905,7 @@
 </p:sld>
 </file>
 
-<file path=ppt/slides/slide17.xml><?xml version="1.0" encoding="utf-8"?>
+<file path=ppt/slides/slide22.xml><?xml version="1.0" encoding="utf-8"?>
 <p:sld xmlns:a="http://schemas.openxmlformats.org/drawingml/2006/main" xmlns:r="http://schemas.openxmlformats.org/officeDocument/2006/relationships" xmlns:p="http://schemas.openxmlformats.org/presentationml/2006/main">
   <p:cSld>
     <p:spTree>
@@ -11343,7 +15535,7 @@
 </p:sld>
 </file>
 
-<file path=ppt/slides/slide18.xml><?xml version="1.0" encoding="utf-8"?>
+<file path=ppt/slides/slide23.xml><?xml version="1.0" encoding="utf-8"?>
 <p:sld xmlns:a="http://schemas.openxmlformats.org/drawingml/2006/main" xmlns:r="http://schemas.openxmlformats.org/officeDocument/2006/relationships" xmlns:p="http://schemas.openxmlformats.org/presentationml/2006/main">
   <p:cSld>
     <p:spTree>
@@ -11961,7 +16153,7 @@
 </p:sld>
 </file>
 
-<file path=ppt/slides/slide19.xml><?xml version="1.0" encoding="utf-8"?>
+<file path=ppt/slides/slide24.xml><?xml version="1.0" encoding="utf-8"?>
 <p:sld xmlns:a="http://schemas.openxmlformats.org/drawingml/2006/main" xmlns:r="http://schemas.openxmlformats.org/officeDocument/2006/relationships" xmlns:p="http://schemas.openxmlformats.org/presentationml/2006/main">
   <p:cSld>
     <p:spTree>
@@ -13308,1379 +17500,7 @@
 </p:sld>
 </file>
 
-<file path=ppt/slides/slide2.xml><?xml version="1.0" encoding="utf-8"?>
-<p:sld xmlns:a="http://schemas.openxmlformats.org/drawingml/2006/main" xmlns:r="http://schemas.openxmlformats.org/officeDocument/2006/relationships" xmlns:p="http://schemas.openxmlformats.org/presentationml/2006/main">
-  <p:cSld>
-    <p:spTree>
-      <p:nvGrpSpPr>
-        <p:cNvPr id="1" name="">
-          <a:extLst>
-            <a:ext uri="{FF2B5EF4-FFF2-40B4-BE49-F238E27FC236}">
-              <a16:creationId xmlns:a16="http://schemas.microsoft.com/office/drawing/2014/main" id="{F7AEC108-D046-05A8-1114-643207086BC3}"/>
-            </a:ext>
-          </a:extLst>
-        </p:cNvPr>
-        <p:cNvGrpSpPr/>
-        <p:nvPr/>
-      </p:nvGrpSpPr>
-      <p:grpSpPr>
-        <a:xfrm>
-          <a:off x="0" y="0"/>
-          <a:ext cx="0" cy="0"/>
-          <a:chOff x="0" y="0"/>
-          <a:chExt cx="0" cy="0"/>
-        </a:xfrm>
-      </p:grpSpPr>
-      <p:sp>
-        <p:nvSpPr>
-          <p:cNvPr id="2" name="Elipse 1">
-            <a:extLst>
-              <a:ext uri="{FF2B5EF4-FFF2-40B4-BE49-F238E27FC236}">
-                <a16:creationId xmlns:a16="http://schemas.microsoft.com/office/drawing/2014/main" id="{F978C0CD-6993-DF57-922D-27C1EF61C2DB}"/>
-              </a:ext>
-            </a:extLst>
-          </p:cNvPr>
-          <p:cNvSpPr/>
-          <p:nvPr/>
-        </p:nvSpPr>
-        <p:spPr>
-          <a:xfrm>
-            <a:off x="618116" y="817242"/>
-            <a:ext cx="2415600" cy="2414016"/>
-          </a:xfrm>
-          <a:prstGeom prst="ellipse">
-            <a:avLst/>
-          </a:prstGeom>
-          <a:solidFill>
-            <a:srgbClr val="67BA3D"/>
-          </a:solidFill>
-          <a:ln w="190500">
-            <a:solidFill>
-              <a:schemeClr val="tx1"/>
-            </a:solidFill>
-          </a:ln>
-        </p:spPr>
-        <p:style>
-          <a:lnRef idx="2">
-            <a:schemeClr val="accent1">
-              <a:shade val="15000"/>
-            </a:schemeClr>
-          </a:lnRef>
-          <a:fillRef idx="1">
-            <a:schemeClr val="accent1"/>
-          </a:fillRef>
-          <a:effectRef idx="0">
-            <a:schemeClr val="accent1"/>
-          </a:effectRef>
-          <a:fontRef idx="minor">
-            <a:schemeClr val="lt1"/>
-          </a:fontRef>
-        </p:style>
-        <p:txBody>
-          <a:bodyPr rtlCol="0" anchor="ctr"/>
-          <a:lstStyle/>
-          <a:p>
-            <a:pPr algn="ctr"/>
-            <a:endParaRPr lang="es-CR"/>
-          </a:p>
-        </p:txBody>
-      </p:sp>
-      <p:sp>
-        <p:nvSpPr>
-          <p:cNvPr id="3" name="Rectángulo 2">
-            <a:extLst>
-              <a:ext uri="{FF2B5EF4-FFF2-40B4-BE49-F238E27FC236}">
-                <a16:creationId xmlns:a16="http://schemas.microsoft.com/office/drawing/2014/main" id="{8B3FD8AB-BA8E-8916-6F35-DEFC6129F24C}"/>
-              </a:ext>
-            </a:extLst>
-          </p:cNvPr>
-          <p:cNvSpPr/>
-          <p:nvPr/>
-        </p:nvSpPr>
-        <p:spPr>
-          <a:xfrm>
-            <a:off x="1657641" y="1532802"/>
-            <a:ext cx="100385" cy="150282"/>
-          </a:xfrm>
-          <a:prstGeom prst="rect">
-            <a:avLst/>
-          </a:prstGeom>
-          <a:solidFill>
-            <a:srgbClr val="67BA3D"/>
-          </a:solidFill>
-          <a:ln w="190500">
-            <a:solidFill>
-              <a:schemeClr val="tx1"/>
-            </a:solidFill>
-          </a:ln>
-        </p:spPr>
-        <p:style>
-          <a:lnRef idx="2">
-            <a:schemeClr val="accent1">
-              <a:shade val="15000"/>
-            </a:schemeClr>
-          </a:lnRef>
-          <a:fillRef idx="1">
-            <a:schemeClr val="accent1"/>
-          </a:fillRef>
-          <a:effectRef idx="0">
-            <a:schemeClr val="accent1"/>
-          </a:effectRef>
-          <a:fontRef idx="minor">
-            <a:schemeClr val="lt1"/>
-          </a:fontRef>
-        </p:style>
-        <p:txBody>
-          <a:bodyPr rtlCol="0" anchor="ctr"/>
-          <a:lstStyle/>
-          <a:p>
-            <a:pPr algn="ctr"/>
-            <a:endParaRPr lang="es-CR"/>
-          </a:p>
-        </p:txBody>
-      </p:sp>
-      <p:sp>
-        <p:nvSpPr>
-          <p:cNvPr id="4" name="Rectángulo 3">
-            <a:extLst>
-              <a:ext uri="{FF2B5EF4-FFF2-40B4-BE49-F238E27FC236}">
-                <a16:creationId xmlns:a16="http://schemas.microsoft.com/office/drawing/2014/main" id="{E7F9C156-1413-EDD4-33F2-C328F2B51D06}"/>
-              </a:ext>
-            </a:extLst>
-          </p:cNvPr>
-          <p:cNvSpPr/>
-          <p:nvPr/>
-        </p:nvSpPr>
-        <p:spPr>
-          <a:xfrm>
-            <a:off x="2245293" y="1532802"/>
-            <a:ext cx="100385" cy="150282"/>
-          </a:xfrm>
-          <a:prstGeom prst="rect">
-            <a:avLst/>
-          </a:prstGeom>
-          <a:solidFill>
-            <a:srgbClr val="67BA3D"/>
-          </a:solidFill>
-          <a:ln w="190500">
-            <a:solidFill>
-              <a:schemeClr val="tx1"/>
-            </a:solidFill>
-          </a:ln>
-        </p:spPr>
-        <p:style>
-          <a:lnRef idx="2">
-            <a:schemeClr val="accent1">
-              <a:shade val="15000"/>
-            </a:schemeClr>
-          </a:lnRef>
-          <a:fillRef idx="1">
-            <a:schemeClr val="accent1"/>
-          </a:fillRef>
-          <a:effectRef idx="0">
-            <a:schemeClr val="accent1"/>
-          </a:effectRef>
-          <a:fontRef idx="minor">
-            <a:schemeClr val="lt1"/>
-          </a:fontRef>
-        </p:style>
-        <p:txBody>
-          <a:bodyPr rtlCol="0" anchor="ctr"/>
-          <a:lstStyle/>
-          <a:p>
-            <a:pPr algn="ctr"/>
-            <a:endParaRPr lang="es-CR"/>
-          </a:p>
-        </p:txBody>
-      </p:sp>
-      <p:sp>
-        <p:nvSpPr>
-          <p:cNvPr id="5" name="Elipse 4">
-            <a:extLst>
-              <a:ext uri="{FF2B5EF4-FFF2-40B4-BE49-F238E27FC236}">
-                <a16:creationId xmlns:a16="http://schemas.microsoft.com/office/drawing/2014/main" id="{FEF5E8C2-0303-81F1-F8A4-EBB1B0218F08}"/>
-              </a:ext>
-            </a:extLst>
-          </p:cNvPr>
-          <p:cNvSpPr/>
-          <p:nvPr/>
-        </p:nvSpPr>
-        <p:spPr>
-          <a:xfrm>
-            <a:off x="6096000" y="817242"/>
-            <a:ext cx="2415600" cy="2414016"/>
-          </a:xfrm>
-          <a:prstGeom prst="ellipse">
-            <a:avLst/>
-          </a:prstGeom>
-          <a:solidFill>
-            <a:srgbClr val="67BA3D"/>
-          </a:solidFill>
-          <a:ln w="190500">
-            <a:solidFill>
-              <a:schemeClr val="tx1"/>
-            </a:solidFill>
-          </a:ln>
-        </p:spPr>
-        <p:style>
-          <a:lnRef idx="2">
-            <a:schemeClr val="accent1">
-              <a:shade val="15000"/>
-            </a:schemeClr>
-          </a:lnRef>
-          <a:fillRef idx="1">
-            <a:schemeClr val="accent1"/>
-          </a:fillRef>
-          <a:effectRef idx="0">
-            <a:schemeClr val="accent1"/>
-          </a:effectRef>
-          <a:fontRef idx="minor">
-            <a:schemeClr val="lt1"/>
-          </a:fontRef>
-        </p:style>
-        <p:txBody>
-          <a:bodyPr rtlCol="0" anchor="ctr"/>
-          <a:lstStyle/>
-          <a:p>
-            <a:pPr algn="ctr"/>
-            <a:endParaRPr lang="es-CR"/>
-          </a:p>
-        </p:txBody>
-      </p:sp>
-      <p:sp>
-        <p:nvSpPr>
-          <p:cNvPr id="6" name="Rectángulo 5">
-            <a:extLst>
-              <a:ext uri="{FF2B5EF4-FFF2-40B4-BE49-F238E27FC236}">
-                <a16:creationId xmlns:a16="http://schemas.microsoft.com/office/drawing/2014/main" id="{FCEF14CE-FED3-E4DA-9813-25F7F3D6EE96}"/>
-              </a:ext>
-            </a:extLst>
-          </p:cNvPr>
-          <p:cNvSpPr/>
-          <p:nvPr/>
-        </p:nvSpPr>
-        <p:spPr>
-          <a:xfrm>
-            <a:off x="6746905" y="1532802"/>
-            <a:ext cx="100385" cy="150282"/>
-          </a:xfrm>
-          <a:prstGeom prst="rect">
-            <a:avLst/>
-          </a:prstGeom>
-          <a:solidFill>
-            <a:srgbClr val="67BA3D"/>
-          </a:solidFill>
-          <a:ln w="190500">
-            <a:solidFill>
-              <a:schemeClr val="tx1"/>
-            </a:solidFill>
-          </a:ln>
-        </p:spPr>
-        <p:style>
-          <a:lnRef idx="2">
-            <a:schemeClr val="accent1">
-              <a:shade val="15000"/>
-            </a:schemeClr>
-          </a:lnRef>
-          <a:fillRef idx="1">
-            <a:schemeClr val="accent1"/>
-          </a:fillRef>
-          <a:effectRef idx="0">
-            <a:schemeClr val="accent1"/>
-          </a:effectRef>
-          <a:fontRef idx="minor">
-            <a:schemeClr val="lt1"/>
-          </a:fontRef>
-        </p:style>
-        <p:txBody>
-          <a:bodyPr rtlCol="0" anchor="ctr"/>
-          <a:lstStyle/>
-          <a:p>
-            <a:pPr algn="ctr"/>
-            <a:endParaRPr lang="es-CR"/>
-          </a:p>
-        </p:txBody>
-      </p:sp>
-      <p:sp>
-        <p:nvSpPr>
-          <p:cNvPr id="7" name="Rectángulo 6">
-            <a:extLst>
-              <a:ext uri="{FF2B5EF4-FFF2-40B4-BE49-F238E27FC236}">
-                <a16:creationId xmlns:a16="http://schemas.microsoft.com/office/drawing/2014/main" id="{83DDA27B-03C4-26F3-E1EA-119BF059E856}"/>
-              </a:ext>
-            </a:extLst>
-          </p:cNvPr>
-          <p:cNvSpPr/>
-          <p:nvPr/>
-        </p:nvSpPr>
-        <p:spPr>
-          <a:xfrm>
-            <a:off x="7334557" y="1532802"/>
-            <a:ext cx="100385" cy="150282"/>
-          </a:xfrm>
-          <a:prstGeom prst="rect">
-            <a:avLst/>
-          </a:prstGeom>
-          <a:solidFill>
-            <a:srgbClr val="67BA3D"/>
-          </a:solidFill>
-          <a:ln w="190500">
-            <a:solidFill>
-              <a:schemeClr val="tx1"/>
-            </a:solidFill>
-          </a:ln>
-        </p:spPr>
-        <p:style>
-          <a:lnRef idx="2">
-            <a:schemeClr val="accent1">
-              <a:shade val="15000"/>
-            </a:schemeClr>
-          </a:lnRef>
-          <a:fillRef idx="1">
-            <a:schemeClr val="accent1"/>
-          </a:fillRef>
-          <a:effectRef idx="0">
-            <a:schemeClr val="accent1"/>
-          </a:effectRef>
-          <a:fontRef idx="minor">
-            <a:schemeClr val="lt1"/>
-          </a:fontRef>
-        </p:style>
-        <p:txBody>
-          <a:bodyPr rtlCol="0" anchor="ctr"/>
-          <a:lstStyle/>
-          <a:p>
-            <a:pPr algn="ctr"/>
-            <a:endParaRPr lang="es-CR"/>
-          </a:p>
-        </p:txBody>
-      </p:sp>
-      <p:sp>
-        <p:nvSpPr>
-          <p:cNvPr id="8" name="Elipse 7">
-            <a:extLst>
-              <a:ext uri="{FF2B5EF4-FFF2-40B4-BE49-F238E27FC236}">
-                <a16:creationId xmlns:a16="http://schemas.microsoft.com/office/drawing/2014/main" id="{226FE883-4D7F-3DA9-DA87-5F8E16991AE8}"/>
-              </a:ext>
-            </a:extLst>
-          </p:cNvPr>
-          <p:cNvSpPr/>
-          <p:nvPr/>
-        </p:nvSpPr>
-        <p:spPr>
-          <a:xfrm>
-            <a:off x="3335663" y="817242"/>
-            <a:ext cx="2415600" cy="2414016"/>
-          </a:xfrm>
-          <a:prstGeom prst="ellipse">
-            <a:avLst/>
-          </a:prstGeom>
-          <a:solidFill>
-            <a:srgbClr val="67BA3D"/>
-          </a:solidFill>
-          <a:ln w="190500">
-            <a:solidFill>
-              <a:schemeClr val="tx1"/>
-            </a:solidFill>
-          </a:ln>
-        </p:spPr>
-        <p:style>
-          <a:lnRef idx="2">
-            <a:schemeClr val="accent1">
-              <a:shade val="15000"/>
-            </a:schemeClr>
-          </a:lnRef>
-          <a:fillRef idx="1">
-            <a:schemeClr val="accent1"/>
-          </a:fillRef>
-          <a:effectRef idx="0">
-            <a:schemeClr val="accent1"/>
-          </a:effectRef>
-          <a:fontRef idx="minor">
-            <a:schemeClr val="lt1"/>
-          </a:fontRef>
-        </p:style>
-        <p:txBody>
-          <a:bodyPr rtlCol="0" anchor="ctr"/>
-          <a:lstStyle/>
-          <a:p>
-            <a:pPr algn="ctr"/>
-            <a:endParaRPr lang="es-CR"/>
-          </a:p>
-        </p:txBody>
-      </p:sp>
-      <p:grpSp>
-        <p:nvGrpSpPr>
-          <p:cNvPr id="11" name="Grupo 10">
-            <a:extLst>
-              <a:ext uri="{FF2B5EF4-FFF2-40B4-BE49-F238E27FC236}">
-                <a16:creationId xmlns:a16="http://schemas.microsoft.com/office/drawing/2014/main" id="{FCBAA2BE-4939-FB13-33AC-6369F69DB354}"/>
-              </a:ext>
-            </a:extLst>
-          </p:cNvPr>
-          <p:cNvGrpSpPr/>
-          <p:nvPr/>
-        </p:nvGrpSpPr>
-        <p:grpSpPr>
-          <a:xfrm>
-            <a:off x="4193832" y="1526706"/>
-            <a:ext cx="688037" cy="150282"/>
-            <a:chOff x="5024207" y="4497850"/>
-            <a:chExt cx="688037" cy="150282"/>
-          </a:xfrm>
-          <a:solidFill>
-            <a:srgbClr val="67BA3D"/>
-          </a:solidFill>
-        </p:grpSpPr>
-        <p:sp>
-          <p:nvSpPr>
-            <p:cNvPr id="9" name="Rectángulo 8">
-              <a:extLst>
-                <a:ext uri="{FF2B5EF4-FFF2-40B4-BE49-F238E27FC236}">
-                  <a16:creationId xmlns:a16="http://schemas.microsoft.com/office/drawing/2014/main" id="{13D7DEA5-3A65-A931-FBA7-A2D3A9BDEB82}"/>
-                </a:ext>
-              </a:extLst>
-            </p:cNvPr>
-            <p:cNvSpPr/>
-            <p:nvPr/>
-          </p:nvSpPr>
-          <p:spPr>
-            <a:xfrm>
-              <a:off x="5024207" y="4497850"/>
-              <a:ext cx="100385" cy="150282"/>
-            </a:xfrm>
-            <a:prstGeom prst="rect">
-              <a:avLst/>
-            </a:prstGeom>
-            <a:grpFill/>
-            <a:ln w="190500">
-              <a:solidFill>
-                <a:schemeClr val="tx1"/>
-              </a:solidFill>
-            </a:ln>
-          </p:spPr>
-          <p:style>
-            <a:lnRef idx="2">
-              <a:schemeClr val="accent1">
-                <a:shade val="15000"/>
-              </a:schemeClr>
-            </a:lnRef>
-            <a:fillRef idx="1">
-              <a:schemeClr val="accent1"/>
-            </a:fillRef>
-            <a:effectRef idx="0">
-              <a:schemeClr val="accent1"/>
-            </a:effectRef>
-            <a:fontRef idx="minor">
-              <a:schemeClr val="lt1"/>
-            </a:fontRef>
-          </p:style>
-          <p:txBody>
-            <a:bodyPr rtlCol="0" anchor="ctr"/>
-            <a:lstStyle/>
-            <a:p>
-              <a:pPr algn="ctr"/>
-              <a:endParaRPr lang="es-CR"/>
-            </a:p>
-          </p:txBody>
-        </p:sp>
-        <p:sp>
-          <p:nvSpPr>
-            <p:cNvPr id="10" name="Rectángulo 9">
-              <a:extLst>
-                <a:ext uri="{FF2B5EF4-FFF2-40B4-BE49-F238E27FC236}">
-                  <a16:creationId xmlns:a16="http://schemas.microsoft.com/office/drawing/2014/main" id="{DE5629BD-3D05-0C25-1EED-F29FF58F010F}"/>
-                </a:ext>
-              </a:extLst>
-            </p:cNvPr>
-            <p:cNvSpPr/>
-            <p:nvPr/>
-          </p:nvSpPr>
-          <p:spPr>
-            <a:xfrm>
-              <a:off x="5611859" y="4497850"/>
-              <a:ext cx="100385" cy="150282"/>
-            </a:xfrm>
-            <a:prstGeom prst="rect">
-              <a:avLst/>
-            </a:prstGeom>
-            <a:grpFill/>
-            <a:ln w="190500">
-              <a:solidFill>
-                <a:schemeClr val="tx1"/>
-              </a:solidFill>
-            </a:ln>
-          </p:spPr>
-          <p:style>
-            <a:lnRef idx="2">
-              <a:schemeClr val="accent1">
-                <a:shade val="15000"/>
-              </a:schemeClr>
-            </a:lnRef>
-            <a:fillRef idx="1">
-              <a:schemeClr val="accent1"/>
-            </a:fillRef>
-            <a:effectRef idx="0">
-              <a:schemeClr val="accent1"/>
-            </a:effectRef>
-            <a:fontRef idx="minor">
-              <a:schemeClr val="lt1"/>
-            </a:fontRef>
-          </p:style>
-          <p:txBody>
-            <a:bodyPr rtlCol="0" anchor="ctr"/>
-            <a:lstStyle/>
-            <a:p>
-              <a:pPr algn="ctr"/>
-              <a:endParaRPr lang="es-CR"/>
-            </a:p>
-          </p:txBody>
-        </p:sp>
-      </p:grpSp>
-      <p:sp>
-        <p:nvSpPr>
-          <p:cNvPr id="12" name="Rectángulo 11">
-            <a:extLst>
-              <a:ext uri="{FF2B5EF4-FFF2-40B4-BE49-F238E27FC236}">
-                <a16:creationId xmlns:a16="http://schemas.microsoft.com/office/drawing/2014/main" id="{23F33C42-FEE7-16D5-7679-B214B25384FF}"/>
-              </a:ext>
-            </a:extLst>
-          </p:cNvPr>
-          <p:cNvSpPr/>
-          <p:nvPr/>
-        </p:nvSpPr>
-        <p:spPr>
-          <a:xfrm>
-            <a:off x="1462053" y="7306274"/>
-            <a:ext cx="1602000" cy="1600200"/>
-          </a:xfrm>
-          <a:prstGeom prst="rect">
-            <a:avLst/>
-          </a:prstGeom>
-          <a:solidFill>
-            <a:srgbClr val="67BA3D"/>
-          </a:solidFill>
-          <a:ln w="88900">
-            <a:solidFill>
-              <a:schemeClr val="tx1"/>
-            </a:solidFill>
-          </a:ln>
-        </p:spPr>
-        <p:style>
-          <a:lnRef idx="2">
-            <a:schemeClr val="accent1">
-              <a:shade val="15000"/>
-            </a:schemeClr>
-          </a:lnRef>
-          <a:fillRef idx="1">
-            <a:schemeClr val="accent1"/>
-          </a:fillRef>
-          <a:effectRef idx="0">
-            <a:schemeClr val="accent1"/>
-          </a:effectRef>
-          <a:fontRef idx="minor">
-            <a:schemeClr val="lt1"/>
-          </a:fontRef>
-        </p:style>
-        <p:txBody>
-          <a:bodyPr rtlCol="0" anchor="ctr"/>
-          <a:lstStyle/>
-          <a:p>
-            <a:pPr algn="ctr"/>
-            <a:endParaRPr lang="es-CR"/>
-          </a:p>
-        </p:txBody>
-      </p:sp>
-      <p:sp>
-        <p:nvSpPr>
-          <p:cNvPr id="13" name="Rectángulo 12">
-            <a:extLst>
-              <a:ext uri="{FF2B5EF4-FFF2-40B4-BE49-F238E27FC236}">
-                <a16:creationId xmlns:a16="http://schemas.microsoft.com/office/drawing/2014/main" id="{52E94776-2465-D062-85DF-8F3807CD2680}"/>
-              </a:ext>
-            </a:extLst>
-          </p:cNvPr>
-          <p:cNvSpPr/>
-          <p:nvPr/>
-        </p:nvSpPr>
-        <p:spPr>
-          <a:xfrm>
-            <a:off x="-785847" y="7306274"/>
-            <a:ext cx="1602000" cy="1600200"/>
-          </a:xfrm>
-          <a:prstGeom prst="rect">
-            <a:avLst/>
-          </a:prstGeom>
-          <a:solidFill>
-            <a:srgbClr val="0A9A43"/>
-          </a:solidFill>
-          <a:ln w="88900">
-            <a:solidFill>
-              <a:schemeClr val="tx1"/>
-            </a:solidFill>
-          </a:ln>
-        </p:spPr>
-        <p:style>
-          <a:lnRef idx="2">
-            <a:schemeClr val="accent1">
-              <a:shade val="15000"/>
-            </a:schemeClr>
-          </a:lnRef>
-          <a:fillRef idx="1">
-            <a:schemeClr val="accent1"/>
-          </a:fillRef>
-          <a:effectRef idx="0">
-            <a:schemeClr val="accent1"/>
-          </a:effectRef>
-          <a:fontRef idx="minor">
-            <a:schemeClr val="lt1"/>
-          </a:fontRef>
-        </p:style>
-        <p:txBody>
-          <a:bodyPr rtlCol="0" anchor="ctr"/>
-          <a:lstStyle/>
-          <a:p>
-            <a:pPr algn="ctr"/>
-            <a:endParaRPr lang="es-CR"/>
-          </a:p>
-        </p:txBody>
-      </p:sp>
-      <p:sp>
-        <p:nvSpPr>
-          <p:cNvPr id="14" name="Rectángulo 13">
-            <a:extLst>
-              <a:ext uri="{FF2B5EF4-FFF2-40B4-BE49-F238E27FC236}">
-                <a16:creationId xmlns:a16="http://schemas.microsoft.com/office/drawing/2014/main" id="{2BDA1B32-248D-6D7B-65BA-52C82B129593}"/>
-              </a:ext>
-            </a:extLst>
-          </p:cNvPr>
-          <p:cNvSpPr/>
-          <p:nvPr/>
-        </p:nvSpPr>
-        <p:spPr>
-          <a:xfrm>
-            <a:off x="3709953" y="7306274"/>
-            <a:ext cx="1602000" cy="1600200"/>
-          </a:xfrm>
-          <a:prstGeom prst="rect">
-            <a:avLst/>
-          </a:prstGeom>
-          <a:solidFill>
-            <a:srgbClr val="A8D039"/>
-          </a:solidFill>
-          <a:ln w="88900">
-            <a:solidFill>
-              <a:schemeClr val="tx1"/>
-            </a:solidFill>
-          </a:ln>
-        </p:spPr>
-        <p:style>
-          <a:lnRef idx="2">
-            <a:schemeClr val="accent1">
-              <a:shade val="15000"/>
-            </a:schemeClr>
-          </a:lnRef>
-          <a:fillRef idx="1">
-            <a:schemeClr val="accent1"/>
-          </a:fillRef>
-          <a:effectRef idx="0">
-            <a:schemeClr val="accent1"/>
-          </a:effectRef>
-          <a:fontRef idx="minor">
-            <a:schemeClr val="lt1"/>
-          </a:fontRef>
-        </p:style>
-        <p:txBody>
-          <a:bodyPr rtlCol="0" anchor="ctr"/>
-          <a:lstStyle/>
-          <a:p>
-            <a:pPr algn="ctr"/>
-            <a:endParaRPr lang="es-CR"/>
-          </a:p>
-        </p:txBody>
-      </p:sp>
-      <p:sp>
-        <p:nvSpPr>
-          <p:cNvPr id="15" name="Rectángulo 14">
-            <a:extLst>
-              <a:ext uri="{FF2B5EF4-FFF2-40B4-BE49-F238E27FC236}">
-                <a16:creationId xmlns:a16="http://schemas.microsoft.com/office/drawing/2014/main" id="{2D729D60-5DFC-1CB3-FB11-AE2227C78847}"/>
-              </a:ext>
-            </a:extLst>
-          </p:cNvPr>
-          <p:cNvSpPr/>
-          <p:nvPr/>
-        </p:nvSpPr>
-        <p:spPr>
-          <a:xfrm>
-            <a:off x="5957853" y="7306274"/>
-            <a:ext cx="1602000" cy="1600200"/>
-          </a:xfrm>
-          <a:prstGeom prst="rect">
-            <a:avLst/>
-          </a:prstGeom>
-          <a:solidFill>
-            <a:srgbClr val="F7E633"/>
-          </a:solidFill>
-          <a:ln w="88900">
-            <a:solidFill>
-              <a:schemeClr val="tx1"/>
-            </a:solidFill>
-          </a:ln>
-        </p:spPr>
-        <p:style>
-          <a:lnRef idx="2">
-            <a:schemeClr val="accent1">
-              <a:shade val="15000"/>
-            </a:schemeClr>
-          </a:lnRef>
-          <a:fillRef idx="1">
-            <a:schemeClr val="accent1"/>
-          </a:fillRef>
-          <a:effectRef idx="0">
-            <a:schemeClr val="accent1"/>
-          </a:effectRef>
-          <a:fontRef idx="minor">
-            <a:schemeClr val="lt1"/>
-          </a:fontRef>
-        </p:style>
-        <p:txBody>
-          <a:bodyPr rtlCol="0" anchor="ctr"/>
-          <a:lstStyle/>
-          <a:p>
-            <a:pPr algn="ctr"/>
-            <a:endParaRPr lang="es-CR"/>
-          </a:p>
-        </p:txBody>
-      </p:sp>
-      <p:sp>
-        <p:nvSpPr>
-          <p:cNvPr id="16" name="Rectángulo 15">
-            <a:extLst>
-              <a:ext uri="{FF2B5EF4-FFF2-40B4-BE49-F238E27FC236}">
-                <a16:creationId xmlns:a16="http://schemas.microsoft.com/office/drawing/2014/main" id="{B6A28847-34A2-B7FD-B549-0AA26334C51A}"/>
-              </a:ext>
-            </a:extLst>
-          </p:cNvPr>
-          <p:cNvSpPr/>
-          <p:nvPr/>
-        </p:nvSpPr>
-        <p:spPr>
-          <a:xfrm>
-            <a:off x="8205753" y="7306274"/>
-            <a:ext cx="1602000" cy="1600200"/>
-          </a:xfrm>
-          <a:prstGeom prst="rect">
-            <a:avLst/>
-          </a:prstGeom>
-          <a:solidFill>
-            <a:srgbClr val="F09F2C"/>
-          </a:solidFill>
-          <a:ln w="88900">
-            <a:solidFill>
-              <a:schemeClr val="tx1"/>
-            </a:solidFill>
-          </a:ln>
-        </p:spPr>
-        <p:style>
-          <a:lnRef idx="2">
-            <a:schemeClr val="accent1">
-              <a:shade val="15000"/>
-            </a:schemeClr>
-          </a:lnRef>
-          <a:fillRef idx="1">
-            <a:schemeClr val="accent1"/>
-          </a:fillRef>
-          <a:effectRef idx="0">
-            <a:schemeClr val="accent1"/>
-          </a:effectRef>
-          <a:fontRef idx="minor">
-            <a:schemeClr val="lt1"/>
-          </a:fontRef>
-        </p:style>
-        <p:txBody>
-          <a:bodyPr rtlCol="0" anchor="ctr"/>
-          <a:lstStyle/>
-          <a:p>
-            <a:pPr algn="ctr"/>
-            <a:endParaRPr lang="es-CR"/>
-          </a:p>
-        </p:txBody>
-      </p:sp>
-      <p:sp>
-        <p:nvSpPr>
-          <p:cNvPr id="17" name="Rectángulo 16">
-            <a:extLst>
-              <a:ext uri="{FF2B5EF4-FFF2-40B4-BE49-F238E27FC236}">
-                <a16:creationId xmlns:a16="http://schemas.microsoft.com/office/drawing/2014/main" id="{7B48B3B8-0A23-DC9E-2F3A-C72ED984360A}"/>
-              </a:ext>
-            </a:extLst>
-          </p:cNvPr>
-          <p:cNvSpPr/>
-          <p:nvPr/>
-        </p:nvSpPr>
-        <p:spPr>
-          <a:xfrm>
-            <a:off x="10453653" y="7306274"/>
-            <a:ext cx="1602000" cy="1600200"/>
-          </a:xfrm>
-          <a:prstGeom prst="rect">
-            <a:avLst/>
-          </a:prstGeom>
-          <a:solidFill>
-            <a:srgbClr val="DE2626"/>
-          </a:solidFill>
-          <a:ln w="88900">
-            <a:solidFill>
-              <a:schemeClr val="tx1"/>
-            </a:solidFill>
-          </a:ln>
-        </p:spPr>
-        <p:style>
-          <a:lnRef idx="2">
-            <a:schemeClr val="accent1">
-              <a:shade val="15000"/>
-            </a:schemeClr>
-          </a:lnRef>
-          <a:fillRef idx="1">
-            <a:schemeClr val="accent1"/>
-          </a:fillRef>
-          <a:effectRef idx="0">
-            <a:schemeClr val="accent1"/>
-          </a:effectRef>
-          <a:fontRef idx="minor">
-            <a:schemeClr val="lt1"/>
-          </a:fontRef>
-        </p:style>
-        <p:txBody>
-          <a:bodyPr rtlCol="0" anchor="ctr"/>
-          <a:lstStyle/>
-          <a:p>
-            <a:pPr algn="ctr"/>
-            <a:endParaRPr lang="es-CR"/>
-          </a:p>
-        </p:txBody>
-      </p:sp>
-      <p:sp>
-        <p:nvSpPr>
-          <p:cNvPr id="18" name="Elipse 17">
-            <a:extLst>
-              <a:ext uri="{FF2B5EF4-FFF2-40B4-BE49-F238E27FC236}">
-                <a16:creationId xmlns:a16="http://schemas.microsoft.com/office/drawing/2014/main" id="{C6FCF002-D8E9-9177-97B6-8A91EF9C9324}"/>
-              </a:ext>
-            </a:extLst>
-          </p:cNvPr>
-          <p:cNvSpPr/>
-          <p:nvPr/>
-        </p:nvSpPr>
-        <p:spPr>
-          <a:xfrm>
-            <a:off x="2727869" y="3940722"/>
-            <a:ext cx="2415600" cy="2414016"/>
-          </a:xfrm>
-          <a:prstGeom prst="ellipse">
-            <a:avLst/>
-          </a:prstGeom>
-          <a:solidFill>
-            <a:srgbClr val="A8D039"/>
-          </a:solidFill>
-          <a:ln w="190500">
-            <a:solidFill>
-              <a:schemeClr val="tx1"/>
-            </a:solidFill>
-          </a:ln>
-        </p:spPr>
-        <p:style>
-          <a:lnRef idx="2">
-            <a:schemeClr val="accent1">
-              <a:shade val="15000"/>
-            </a:schemeClr>
-          </a:lnRef>
-          <a:fillRef idx="1">
-            <a:schemeClr val="accent1"/>
-          </a:fillRef>
-          <a:effectRef idx="0">
-            <a:schemeClr val="accent1"/>
-          </a:effectRef>
-          <a:fontRef idx="minor">
-            <a:schemeClr val="lt1"/>
-          </a:fontRef>
-        </p:style>
-        <p:txBody>
-          <a:bodyPr rtlCol="0" anchor="ctr"/>
-          <a:lstStyle/>
-          <a:p>
-            <a:pPr algn="ctr"/>
-            <a:endParaRPr lang="es-CR"/>
-          </a:p>
-        </p:txBody>
-      </p:sp>
-      <p:sp>
-        <p:nvSpPr>
-          <p:cNvPr id="19" name="Rectángulo 18">
-            <a:extLst>
-              <a:ext uri="{FF2B5EF4-FFF2-40B4-BE49-F238E27FC236}">
-                <a16:creationId xmlns:a16="http://schemas.microsoft.com/office/drawing/2014/main" id="{3BFE7E44-4FAA-181F-6C0B-E35F50720CC8}"/>
-              </a:ext>
-            </a:extLst>
-          </p:cNvPr>
-          <p:cNvSpPr/>
-          <p:nvPr/>
-        </p:nvSpPr>
-        <p:spPr>
-          <a:xfrm>
-            <a:off x="3767394" y="4656282"/>
-            <a:ext cx="100385" cy="150282"/>
-          </a:xfrm>
-          <a:prstGeom prst="rect">
-            <a:avLst/>
-          </a:prstGeom>
-          <a:solidFill>
-            <a:srgbClr val="A8D039"/>
-          </a:solidFill>
-          <a:ln w="190500">
-            <a:solidFill>
-              <a:schemeClr val="tx1"/>
-            </a:solidFill>
-          </a:ln>
-        </p:spPr>
-        <p:style>
-          <a:lnRef idx="2">
-            <a:schemeClr val="accent1">
-              <a:shade val="15000"/>
-            </a:schemeClr>
-          </a:lnRef>
-          <a:fillRef idx="1">
-            <a:schemeClr val="accent1"/>
-          </a:fillRef>
-          <a:effectRef idx="0">
-            <a:schemeClr val="accent1"/>
-          </a:effectRef>
-          <a:fontRef idx="minor">
-            <a:schemeClr val="lt1"/>
-          </a:fontRef>
-        </p:style>
-        <p:txBody>
-          <a:bodyPr rtlCol="0" anchor="ctr"/>
-          <a:lstStyle/>
-          <a:p>
-            <a:pPr algn="ctr"/>
-            <a:endParaRPr lang="es-CR"/>
-          </a:p>
-        </p:txBody>
-      </p:sp>
-      <p:sp>
-        <p:nvSpPr>
-          <p:cNvPr id="20" name="Rectángulo 19">
-            <a:extLst>
-              <a:ext uri="{FF2B5EF4-FFF2-40B4-BE49-F238E27FC236}">
-                <a16:creationId xmlns:a16="http://schemas.microsoft.com/office/drawing/2014/main" id="{3E16D79E-F535-D00C-3307-75D7ED53C224}"/>
-              </a:ext>
-            </a:extLst>
-          </p:cNvPr>
-          <p:cNvSpPr/>
-          <p:nvPr/>
-        </p:nvSpPr>
-        <p:spPr>
-          <a:xfrm>
-            <a:off x="4355046" y="4656282"/>
-            <a:ext cx="100385" cy="150282"/>
-          </a:xfrm>
-          <a:prstGeom prst="rect">
-            <a:avLst/>
-          </a:prstGeom>
-          <a:solidFill>
-            <a:srgbClr val="A8D039"/>
-          </a:solidFill>
-          <a:ln w="190500">
-            <a:solidFill>
-              <a:schemeClr val="tx1"/>
-            </a:solidFill>
-          </a:ln>
-        </p:spPr>
-        <p:style>
-          <a:lnRef idx="2">
-            <a:schemeClr val="accent1">
-              <a:shade val="15000"/>
-            </a:schemeClr>
-          </a:lnRef>
-          <a:fillRef idx="1">
-            <a:schemeClr val="accent1"/>
-          </a:fillRef>
-          <a:effectRef idx="0">
-            <a:schemeClr val="accent1"/>
-          </a:effectRef>
-          <a:fontRef idx="minor">
-            <a:schemeClr val="lt1"/>
-          </a:fontRef>
-        </p:style>
-        <p:txBody>
-          <a:bodyPr rtlCol="0" anchor="ctr"/>
-          <a:lstStyle/>
-          <a:p>
-            <a:pPr algn="ctr"/>
-            <a:endParaRPr lang="es-CR"/>
-          </a:p>
-        </p:txBody>
-      </p:sp>
-      <p:sp>
-        <p:nvSpPr>
-          <p:cNvPr id="21" name="Elipse 20">
-            <a:extLst>
-              <a:ext uri="{FF2B5EF4-FFF2-40B4-BE49-F238E27FC236}">
-                <a16:creationId xmlns:a16="http://schemas.microsoft.com/office/drawing/2014/main" id="{3B949812-EB1B-E4FC-19AC-7E50837B93F3}"/>
-              </a:ext>
-            </a:extLst>
-          </p:cNvPr>
-          <p:cNvSpPr/>
-          <p:nvPr/>
-        </p:nvSpPr>
-        <p:spPr>
-          <a:xfrm>
-            <a:off x="8205753" y="3940722"/>
-            <a:ext cx="2415600" cy="2414016"/>
-          </a:xfrm>
-          <a:prstGeom prst="ellipse">
-            <a:avLst/>
-          </a:prstGeom>
-          <a:solidFill>
-            <a:srgbClr val="A8D039"/>
-          </a:solidFill>
-          <a:ln w="190500">
-            <a:solidFill>
-              <a:schemeClr val="tx1"/>
-            </a:solidFill>
-          </a:ln>
-        </p:spPr>
-        <p:style>
-          <a:lnRef idx="2">
-            <a:schemeClr val="accent1">
-              <a:shade val="15000"/>
-            </a:schemeClr>
-          </a:lnRef>
-          <a:fillRef idx="1">
-            <a:schemeClr val="accent1"/>
-          </a:fillRef>
-          <a:effectRef idx="0">
-            <a:schemeClr val="accent1"/>
-          </a:effectRef>
-          <a:fontRef idx="minor">
-            <a:schemeClr val="lt1"/>
-          </a:fontRef>
-        </p:style>
-        <p:txBody>
-          <a:bodyPr rtlCol="0" anchor="ctr"/>
-          <a:lstStyle/>
-          <a:p>
-            <a:pPr algn="ctr"/>
-            <a:endParaRPr lang="es-CR"/>
-          </a:p>
-        </p:txBody>
-      </p:sp>
-      <p:sp>
-        <p:nvSpPr>
-          <p:cNvPr id="22" name="Rectángulo 21">
-            <a:extLst>
-              <a:ext uri="{FF2B5EF4-FFF2-40B4-BE49-F238E27FC236}">
-                <a16:creationId xmlns:a16="http://schemas.microsoft.com/office/drawing/2014/main" id="{F9F515FB-F1A0-5521-966C-56AFF42120A4}"/>
-              </a:ext>
-            </a:extLst>
-          </p:cNvPr>
-          <p:cNvSpPr/>
-          <p:nvPr/>
-        </p:nvSpPr>
-        <p:spPr>
-          <a:xfrm>
-            <a:off x="8856658" y="4656282"/>
-            <a:ext cx="100385" cy="150282"/>
-          </a:xfrm>
-          <a:prstGeom prst="rect">
-            <a:avLst/>
-          </a:prstGeom>
-          <a:solidFill>
-            <a:srgbClr val="A8D039"/>
-          </a:solidFill>
-          <a:ln w="190500">
-            <a:solidFill>
-              <a:schemeClr val="tx1"/>
-            </a:solidFill>
-          </a:ln>
-        </p:spPr>
-        <p:style>
-          <a:lnRef idx="2">
-            <a:schemeClr val="accent1">
-              <a:shade val="15000"/>
-            </a:schemeClr>
-          </a:lnRef>
-          <a:fillRef idx="1">
-            <a:schemeClr val="accent1"/>
-          </a:fillRef>
-          <a:effectRef idx="0">
-            <a:schemeClr val="accent1"/>
-          </a:effectRef>
-          <a:fontRef idx="minor">
-            <a:schemeClr val="lt1"/>
-          </a:fontRef>
-        </p:style>
-        <p:txBody>
-          <a:bodyPr rtlCol="0" anchor="ctr"/>
-          <a:lstStyle/>
-          <a:p>
-            <a:pPr algn="ctr"/>
-            <a:endParaRPr lang="es-CR"/>
-          </a:p>
-        </p:txBody>
-      </p:sp>
-      <p:sp>
-        <p:nvSpPr>
-          <p:cNvPr id="23" name="Rectángulo 22">
-            <a:extLst>
-              <a:ext uri="{FF2B5EF4-FFF2-40B4-BE49-F238E27FC236}">
-                <a16:creationId xmlns:a16="http://schemas.microsoft.com/office/drawing/2014/main" id="{6DE22891-7548-E526-4F0B-C4C02F663788}"/>
-              </a:ext>
-            </a:extLst>
-          </p:cNvPr>
-          <p:cNvSpPr/>
-          <p:nvPr/>
-        </p:nvSpPr>
-        <p:spPr>
-          <a:xfrm>
-            <a:off x="9444310" y="4656282"/>
-            <a:ext cx="100385" cy="150282"/>
-          </a:xfrm>
-          <a:prstGeom prst="rect">
-            <a:avLst/>
-          </a:prstGeom>
-          <a:solidFill>
-            <a:srgbClr val="A8D039"/>
-          </a:solidFill>
-          <a:ln w="190500">
-            <a:solidFill>
-              <a:schemeClr val="tx1"/>
-            </a:solidFill>
-          </a:ln>
-        </p:spPr>
-        <p:style>
-          <a:lnRef idx="2">
-            <a:schemeClr val="accent1">
-              <a:shade val="15000"/>
-            </a:schemeClr>
-          </a:lnRef>
-          <a:fillRef idx="1">
-            <a:schemeClr val="accent1"/>
-          </a:fillRef>
-          <a:effectRef idx="0">
-            <a:schemeClr val="accent1"/>
-          </a:effectRef>
-          <a:fontRef idx="minor">
-            <a:schemeClr val="lt1"/>
-          </a:fontRef>
-        </p:style>
-        <p:txBody>
-          <a:bodyPr rtlCol="0" anchor="ctr"/>
-          <a:lstStyle/>
-          <a:p>
-            <a:pPr algn="ctr"/>
-            <a:endParaRPr lang="es-CR"/>
-          </a:p>
-        </p:txBody>
-      </p:sp>
-      <p:sp>
-        <p:nvSpPr>
-          <p:cNvPr id="24" name="Elipse 23">
-            <a:extLst>
-              <a:ext uri="{FF2B5EF4-FFF2-40B4-BE49-F238E27FC236}">
-                <a16:creationId xmlns:a16="http://schemas.microsoft.com/office/drawing/2014/main" id="{C6694EA0-0AB2-CDE9-80BD-6BCFF05605CF}"/>
-              </a:ext>
-            </a:extLst>
-          </p:cNvPr>
-          <p:cNvSpPr/>
-          <p:nvPr/>
-        </p:nvSpPr>
-        <p:spPr>
-          <a:xfrm>
-            <a:off x="5445416" y="3940722"/>
-            <a:ext cx="2415600" cy="2414016"/>
-          </a:xfrm>
-          <a:prstGeom prst="ellipse">
-            <a:avLst/>
-          </a:prstGeom>
-          <a:solidFill>
-            <a:srgbClr val="A8D039"/>
-          </a:solidFill>
-          <a:ln w="190500">
-            <a:solidFill>
-              <a:schemeClr val="tx1"/>
-            </a:solidFill>
-          </a:ln>
-        </p:spPr>
-        <p:style>
-          <a:lnRef idx="2">
-            <a:schemeClr val="accent1">
-              <a:shade val="15000"/>
-            </a:schemeClr>
-          </a:lnRef>
-          <a:fillRef idx="1">
-            <a:schemeClr val="accent1"/>
-          </a:fillRef>
-          <a:effectRef idx="0">
-            <a:schemeClr val="accent1"/>
-          </a:effectRef>
-          <a:fontRef idx="minor">
-            <a:schemeClr val="lt1"/>
-          </a:fontRef>
-        </p:style>
-        <p:txBody>
-          <a:bodyPr rtlCol="0" anchor="ctr"/>
-          <a:lstStyle/>
-          <a:p>
-            <a:pPr algn="ctr"/>
-            <a:endParaRPr lang="es-CR"/>
-          </a:p>
-        </p:txBody>
-      </p:sp>
-      <p:grpSp>
-        <p:nvGrpSpPr>
-          <p:cNvPr id="25" name="Grupo 24">
-            <a:extLst>
-              <a:ext uri="{FF2B5EF4-FFF2-40B4-BE49-F238E27FC236}">
-                <a16:creationId xmlns:a16="http://schemas.microsoft.com/office/drawing/2014/main" id="{75A44D93-518F-1FDE-B415-4430C3620E4C}"/>
-              </a:ext>
-            </a:extLst>
-          </p:cNvPr>
-          <p:cNvGrpSpPr/>
-          <p:nvPr/>
-        </p:nvGrpSpPr>
-        <p:grpSpPr>
-          <a:xfrm>
-            <a:off x="6303585" y="4650186"/>
-            <a:ext cx="688037" cy="150282"/>
-            <a:chOff x="5024207" y="4497850"/>
-            <a:chExt cx="688037" cy="150282"/>
-          </a:xfrm>
-          <a:solidFill>
-            <a:srgbClr val="A8D039"/>
-          </a:solidFill>
-        </p:grpSpPr>
-        <p:sp>
-          <p:nvSpPr>
-            <p:cNvPr id="26" name="Rectángulo 25">
-              <a:extLst>
-                <a:ext uri="{FF2B5EF4-FFF2-40B4-BE49-F238E27FC236}">
-                  <a16:creationId xmlns:a16="http://schemas.microsoft.com/office/drawing/2014/main" id="{7A78243D-196B-DA12-6E2D-968CFB5E7717}"/>
-                </a:ext>
-              </a:extLst>
-            </p:cNvPr>
-            <p:cNvSpPr/>
-            <p:nvPr/>
-          </p:nvSpPr>
-          <p:spPr>
-            <a:xfrm>
-              <a:off x="5024207" y="4497850"/>
-              <a:ext cx="100385" cy="150282"/>
-            </a:xfrm>
-            <a:prstGeom prst="rect">
-              <a:avLst/>
-            </a:prstGeom>
-            <a:grpFill/>
-            <a:ln w="190500">
-              <a:solidFill>
-                <a:schemeClr val="tx1"/>
-              </a:solidFill>
-            </a:ln>
-          </p:spPr>
-          <p:style>
-            <a:lnRef idx="2">
-              <a:schemeClr val="accent1">
-                <a:shade val="15000"/>
-              </a:schemeClr>
-            </a:lnRef>
-            <a:fillRef idx="1">
-              <a:schemeClr val="accent1"/>
-            </a:fillRef>
-            <a:effectRef idx="0">
-              <a:schemeClr val="accent1"/>
-            </a:effectRef>
-            <a:fontRef idx="minor">
-              <a:schemeClr val="lt1"/>
-            </a:fontRef>
-          </p:style>
-          <p:txBody>
-            <a:bodyPr rtlCol="0" anchor="ctr"/>
-            <a:lstStyle/>
-            <a:p>
-              <a:pPr algn="ctr"/>
-              <a:endParaRPr lang="es-CR"/>
-            </a:p>
-          </p:txBody>
-        </p:sp>
-        <p:sp>
-          <p:nvSpPr>
-            <p:cNvPr id="27" name="Rectángulo 26">
-              <a:extLst>
-                <a:ext uri="{FF2B5EF4-FFF2-40B4-BE49-F238E27FC236}">
-                  <a16:creationId xmlns:a16="http://schemas.microsoft.com/office/drawing/2014/main" id="{39046339-FBBB-E35B-48F6-600E0D46498B}"/>
-                </a:ext>
-              </a:extLst>
-            </p:cNvPr>
-            <p:cNvSpPr/>
-            <p:nvPr/>
-          </p:nvSpPr>
-          <p:spPr>
-            <a:xfrm>
-              <a:off x="5611859" y="4497850"/>
-              <a:ext cx="100385" cy="150282"/>
-            </a:xfrm>
-            <a:prstGeom prst="rect">
-              <a:avLst/>
-            </a:prstGeom>
-            <a:grpFill/>
-            <a:ln w="190500">
-              <a:solidFill>
-                <a:schemeClr val="tx1"/>
-              </a:solidFill>
-            </a:ln>
-          </p:spPr>
-          <p:style>
-            <a:lnRef idx="2">
-              <a:schemeClr val="accent1">
-                <a:shade val="15000"/>
-              </a:schemeClr>
-            </a:lnRef>
-            <a:fillRef idx="1">
-              <a:schemeClr val="accent1"/>
-            </a:fillRef>
-            <a:effectRef idx="0">
-              <a:schemeClr val="accent1"/>
-            </a:effectRef>
-            <a:fontRef idx="minor">
-              <a:schemeClr val="lt1"/>
-            </a:fontRef>
-          </p:style>
-          <p:txBody>
-            <a:bodyPr rtlCol="0" anchor="ctr"/>
-            <a:lstStyle/>
-            <a:p>
-              <a:pPr algn="ctr"/>
-              <a:endParaRPr lang="es-CR"/>
-            </a:p>
-          </p:txBody>
-        </p:sp>
-      </p:grpSp>
-    </p:spTree>
-    <p:extLst>
-      <p:ext uri="{BB962C8B-B14F-4D97-AF65-F5344CB8AC3E}">
-        <p14:creationId xmlns:p14="http://schemas.microsoft.com/office/powerpoint/2010/main" val="313320319"/>
-      </p:ext>
-    </p:extLst>
-  </p:cSld>
-  <p:clrMapOvr>
-    <a:masterClrMapping/>
-  </p:clrMapOvr>
-</p:sld>
-</file>
-
-<file path=ppt/slides/slide20.xml><?xml version="1.0" encoding="utf-8"?>
+<file path=ppt/slides/slide25.xml><?xml version="1.0" encoding="utf-8"?>
 <p:sld xmlns:a="http://schemas.openxmlformats.org/drawingml/2006/main" xmlns:r="http://schemas.openxmlformats.org/officeDocument/2006/relationships" xmlns:p="http://schemas.openxmlformats.org/presentationml/2006/main">
   <p:cSld>
     <p:spTree>
@@ -14936,7 +17756,7 @@
 </p:sld>
 </file>
 
-<file path=ppt/slides/slide21.xml><?xml version="1.0" encoding="utf-8"?>
+<file path=ppt/slides/slide26.xml><?xml version="1.0" encoding="utf-8"?>
 <p:sld xmlns:a="http://schemas.openxmlformats.org/drawingml/2006/main" xmlns:r="http://schemas.openxmlformats.org/officeDocument/2006/relationships" xmlns:p="http://schemas.openxmlformats.org/presentationml/2006/main">
   <p:cSld>
     <p:spTree>
@@ -15302,7 +18122,7 @@
 </p:sld>
 </file>
 
-<file path=ppt/slides/slide22.xml><?xml version="1.0" encoding="utf-8"?>
+<file path=ppt/slides/slide27.xml><?xml version="1.0" encoding="utf-8"?>
 <p:sld xmlns:a="http://schemas.openxmlformats.org/drawingml/2006/main" xmlns:r="http://schemas.openxmlformats.org/officeDocument/2006/relationships" xmlns:p="http://schemas.openxmlformats.org/presentationml/2006/main">
   <p:cSld>
     <p:spTree>
@@ -15738,7 +18558,7 @@
 </p:sld>
 </file>
 
-<file path=ppt/slides/slide23.xml><?xml version="1.0" encoding="utf-8"?>
+<file path=ppt/slides/slide28.xml><?xml version="1.0" encoding="utf-8"?>
 <p:sld xmlns:a="http://schemas.openxmlformats.org/drawingml/2006/main" xmlns:r="http://schemas.openxmlformats.org/officeDocument/2006/relationships" xmlns:p="http://schemas.openxmlformats.org/presentationml/2006/main">
   <p:cSld>
     <p:spTree>
@@ -16156,7 +18976,7 @@
 </p:sld>
 </file>
 
-<file path=ppt/slides/slide24.xml><?xml version="1.0" encoding="utf-8"?>
+<file path=ppt/slides/slide29.xml><?xml version="1.0" encoding="utf-8"?>
 <p:sld xmlns:a="http://schemas.openxmlformats.org/drawingml/2006/main" xmlns:r="http://schemas.openxmlformats.org/officeDocument/2006/relationships" xmlns:p="http://schemas.openxmlformats.org/presentationml/2006/main">
   <p:cSld>
     <p:spTree>
@@ -16507,1340 +19327,6 @@
     <p:extLst>
       <p:ext uri="{BB962C8B-B14F-4D97-AF65-F5344CB8AC3E}">
         <p14:creationId xmlns:p14="http://schemas.microsoft.com/office/powerpoint/2010/main" val="3646456076"/>
-      </p:ext>
-    </p:extLst>
-  </p:cSld>
-  <p:clrMapOvr>
-    <a:masterClrMapping/>
-  </p:clrMapOvr>
-</p:sld>
-</file>
-
-<file path=ppt/slides/slide25.xml><?xml version="1.0" encoding="utf-8"?>
-<p:sld xmlns:a="http://schemas.openxmlformats.org/drawingml/2006/main" xmlns:r="http://schemas.openxmlformats.org/officeDocument/2006/relationships" xmlns:p="http://schemas.openxmlformats.org/presentationml/2006/main">
-  <p:cSld>
-    <p:spTree>
-      <p:nvGrpSpPr>
-        <p:cNvPr id="1" name="">
-          <a:extLst>
-            <a:ext uri="{FF2B5EF4-FFF2-40B4-BE49-F238E27FC236}">
-              <a16:creationId xmlns:a16="http://schemas.microsoft.com/office/drawing/2014/main" id="{A8462270-B80D-A8DA-1BD1-6413B2B73877}"/>
-            </a:ext>
-          </a:extLst>
-        </p:cNvPr>
-        <p:cNvGrpSpPr/>
-        <p:nvPr/>
-      </p:nvGrpSpPr>
-      <p:grpSpPr>
-        <a:xfrm>
-          <a:off x="0" y="0"/>
-          <a:ext cx="0" cy="0"/>
-          <a:chOff x="0" y="0"/>
-          <a:chExt cx="0" cy="0"/>
-        </a:xfrm>
-      </p:grpSpPr>
-      <p:sp>
-        <p:nvSpPr>
-          <p:cNvPr id="4" name="Rectángulo 3">
-            <a:extLst>
-              <a:ext uri="{FF2B5EF4-FFF2-40B4-BE49-F238E27FC236}">
-                <a16:creationId xmlns:a16="http://schemas.microsoft.com/office/drawing/2014/main" id="{A8214A0E-CF96-881E-BC4E-EAFC4175026A}"/>
-              </a:ext>
-            </a:extLst>
-          </p:cNvPr>
-          <p:cNvSpPr/>
-          <p:nvPr/>
-        </p:nvSpPr>
-        <p:spPr>
-          <a:xfrm>
-            <a:off x="3153750" y="1027394"/>
-            <a:ext cx="1602000" cy="1600200"/>
-          </a:xfrm>
-          <a:prstGeom prst="rect">
-            <a:avLst/>
-          </a:prstGeom>
-          <a:solidFill>
-            <a:srgbClr val="67BA3D"/>
-          </a:solidFill>
-          <a:ln w="88900">
-            <a:solidFill>
-              <a:schemeClr val="tx1"/>
-            </a:solidFill>
-          </a:ln>
-        </p:spPr>
-        <p:style>
-          <a:lnRef idx="2">
-            <a:schemeClr val="accent1">
-              <a:shade val="15000"/>
-            </a:schemeClr>
-          </a:lnRef>
-          <a:fillRef idx="1">
-            <a:schemeClr val="accent1"/>
-          </a:fillRef>
-          <a:effectRef idx="0">
-            <a:schemeClr val="accent1"/>
-          </a:effectRef>
-          <a:fontRef idx="minor">
-            <a:schemeClr val="lt1"/>
-          </a:fontRef>
-        </p:style>
-        <p:txBody>
-          <a:bodyPr rtlCol="0" anchor="ctr"/>
-          <a:lstStyle/>
-          <a:p>
-            <a:pPr algn="ctr"/>
-            <a:endParaRPr lang="es-CR"/>
-          </a:p>
-        </p:txBody>
-      </p:sp>
-      <p:sp>
-        <p:nvSpPr>
-          <p:cNvPr id="5" name="Rectángulo 4">
-            <a:extLst>
-              <a:ext uri="{FF2B5EF4-FFF2-40B4-BE49-F238E27FC236}">
-                <a16:creationId xmlns:a16="http://schemas.microsoft.com/office/drawing/2014/main" id="{6DD354ED-9C7B-78F1-6041-BB0C683622E0}"/>
-              </a:ext>
-            </a:extLst>
-          </p:cNvPr>
-          <p:cNvSpPr/>
-          <p:nvPr/>
-        </p:nvSpPr>
-        <p:spPr>
-          <a:xfrm>
-            <a:off x="905850" y="1027394"/>
-            <a:ext cx="1602000" cy="1600200"/>
-          </a:xfrm>
-          <a:prstGeom prst="rect">
-            <a:avLst/>
-          </a:prstGeom>
-          <a:solidFill>
-            <a:srgbClr val="0A9A43"/>
-          </a:solidFill>
-          <a:ln w="88900">
-            <a:solidFill>
-              <a:schemeClr val="tx1"/>
-            </a:solidFill>
-          </a:ln>
-        </p:spPr>
-        <p:style>
-          <a:lnRef idx="2">
-            <a:schemeClr val="accent1">
-              <a:shade val="15000"/>
-            </a:schemeClr>
-          </a:lnRef>
-          <a:fillRef idx="1">
-            <a:schemeClr val="accent1"/>
-          </a:fillRef>
-          <a:effectRef idx="0">
-            <a:schemeClr val="accent1"/>
-          </a:effectRef>
-          <a:fontRef idx="minor">
-            <a:schemeClr val="lt1"/>
-          </a:fontRef>
-        </p:style>
-        <p:txBody>
-          <a:bodyPr rtlCol="0" anchor="ctr"/>
-          <a:lstStyle/>
-          <a:p>
-            <a:pPr algn="ctr"/>
-            <a:endParaRPr lang="es-CR"/>
-          </a:p>
-        </p:txBody>
-      </p:sp>
-      <p:sp>
-        <p:nvSpPr>
-          <p:cNvPr id="8" name="Rectángulo 7">
-            <a:extLst>
-              <a:ext uri="{FF2B5EF4-FFF2-40B4-BE49-F238E27FC236}">
-                <a16:creationId xmlns:a16="http://schemas.microsoft.com/office/drawing/2014/main" id="{4EFB497D-DEB1-AFEF-1C75-AD7F948038C8}"/>
-              </a:ext>
-            </a:extLst>
-          </p:cNvPr>
-          <p:cNvSpPr/>
-          <p:nvPr/>
-        </p:nvSpPr>
-        <p:spPr>
-          <a:xfrm>
-            <a:off x="5401650" y="1027394"/>
-            <a:ext cx="1602000" cy="1600200"/>
-          </a:xfrm>
-          <a:prstGeom prst="rect">
-            <a:avLst/>
-          </a:prstGeom>
-          <a:solidFill>
-            <a:srgbClr val="A8D039"/>
-          </a:solidFill>
-          <a:ln w="88900">
-            <a:solidFill>
-              <a:schemeClr val="tx1"/>
-            </a:solidFill>
-          </a:ln>
-        </p:spPr>
-        <p:style>
-          <a:lnRef idx="2">
-            <a:schemeClr val="accent1">
-              <a:shade val="15000"/>
-            </a:schemeClr>
-          </a:lnRef>
-          <a:fillRef idx="1">
-            <a:schemeClr val="accent1"/>
-          </a:fillRef>
-          <a:effectRef idx="0">
-            <a:schemeClr val="accent1"/>
-          </a:effectRef>
-          <a:fontRef idx="minor">
-            <a:schemeClr val="lt1"/>
-          </a:fontRef>
-        </p:style>
-        <p:txBody>
-          <a:bodyPr rtlCol="0" anchor="ctr"/>
-          <a:lstStyle/>
-          <a:p>
-            <a:pPr algn="ctr"/>
-            <a:endParaRPr lang="es-CR"/>
-          </a:p>
-        </p:txBody>
-      </p:sp>
-      <p:sp>
-        <p:nvSpPr>
-          <p:cNvPr id="9" name="Rectángulo 8">
-            <a:extLst>
-              <a:ext uri="{FF2B5EF4-FFF2-40B4-BE49-F238E27FC236}">
-                <a16:creationId xmlns:a16="http://schemas.microsoft.com/office/drawing/2014/main" id="{426047CE-EE37-0CD5-9F83-1D0E113552C3}"/>
-              </a:ext>
-            </a:extLst>
-          </p:cNvPr>
-          <p:cNvSpPr/>
-          <p:nvPr/>
-        </p:nvSpPr>
-        <p:spPr>
-          <a:xfrm>
-            <a:off x="7649550" y="1027394"/>
-            <a:ext cx="1602000" cy="1600200"/>
-          </a:xfrm>
-          <a:prstGeom prst="rect">
-            <a:avLst/>
-          </a:prstGeom>
-          <a:solidFill>
-            <a:srgbClr val="F7E633"/>
-          </a:solidFill>
-          <a:ln w="88900">
-            <a:solidFill>
-              <a:schemeClr val="tx1"/>
-            </a:solidFill>
-          </a:ln>
-        </p:spPr>
-        <p:style>
-          <a:lnRef idx="2">
-            <a:schemeClr val="accent1">
-              <a:shade val="15000"/>
-            </a:schemeClr>
-          </a:lnRef>
-          <a:fillRef idx="1">
-            <a:schemeClr val="accent1"/>
-          </a:fillRef>
-          <a:effectRef idx="0">
-            <a:schemeClr val="accent1"/>
-          </a:effectRef>
-          <a:fontRef idx="minor">
-            <a:schemeClr val="lt1"/>
-          </a:fontRef>
-        </p:style>
-        <p:txBody>
-          <a:bodyPr rtlCol="0" anchor="ctr"/>
-          <a:lstStyle/>
-          <a:p>
-            <a:pPr algn="ctr"/>
-            <a:endParaRPr lang="es-CR"/>
-          </a:p>
-        </p:txBody>
-      </p:sp>
-      <p:sp>
-        <p:nvSpPr>
-          <p:cNvPr id="10" name="Rectángulo 9">
-            <a:extLst>
-              <a:ext uri="{FF2B5EF4-FFF2-40B4-BE49-F238E27FC236}">
-                <a16:creationId xmlns:a16="http://schemas.microsoft.com/office/drawing/2014/main" id="{2F290FF4-451A-1084-F157-12BED60549D2}"/>
-              </a:ext>
-            </a:extLst>
-          </p:cNvPr>
-          <p:cNvSpPr/>
-          <p:nvPr/>
-        </p:nvSpPr>
-        <p:spPr>
-          <a:xfrm>
-            <a:off x="9897450" y="1027394"/>
-            <a:ext cx="1602000" cy="1600200"/>
-          </a:xfrm>
-          <a:prstGeom prst="rect">
-            <a:avLst/>
-          </a:prstGeom>
-          <a:solidFill>
-            <a:srgbClr val="F09F2C"/>
-          </a:solidFill>
-          <a:ln w="88900">
-            <a:solidFill>
-              <a:schemeClr val="tx1"/>
-            </a:solidFill>
-          </a:ln>
-        </p:spPr>
-        <p:style>
-          <a:lnRef idx="2">
-            <a:schemeClr val="accent1">
-              <a:shade val="15000"/>
-            </a:schemeClr>
-          </a:lnRef>
-          <a:fillRef idx="1">
-            <a:schemeClr val="accent1"/>
-          </a:fillRef>
-          <a:effectRef idx="0">
-            <a:schemeClr val="accent1"/>
-          </a:effectRef>
-          <a:fontRef idx="minor">
-            <a:schemeClr val="lt1"/>
-          </a:fontRef>
-        </p:style>
-        <p:txBody>
-          <a:bodyPr rtlCol="0" anchor="ctr"/>
-          <a:lstStyle/>
-          <a:p>
-            <a:pPr algn="ctr"/>
-            <a:endParaRPr lang="es-CR"/>
-          </a:p>
-        </p:txBody>
-      </p:sp>
-      <p:sp>
-        <p:nvSpPr>
-          <p:cNvPr id="11" name="Rectángulo 10">
-            <a:extLst>
-              <a:ext uri="{FF2B5EF4-FFF2-40B4-BE49-F238E27FC236}">
-                <a16:creationId xmlns:a16="http://schemas.microsoft.com/office/drawing/2014/main" id="{99EA9362-4348-3B71-D88E-348F5D008370}"/>
-              </a:ext>
-            </a:extLst>
-          </p:cNvPr>
-          <p:cNvSpPr/>
-          <p:nvPr/>
-        </p:nvSpPr>
-        <p:spPr>
-          <a:xfrm>
-            <a:off x="905850" y="3237194"/>
-            <a:ext cx="1602000" cy="1600200"/>
-          </a:xfrm>
-          <a:prstGeom prst="rect">
-            <a:avLst/>
-          </a:prstGeom>
-          <a:solidFill>
-            <a:srgbClr val="DE2626"/>
-          </a:solidFill>
-          <a:ln w="88900">
-            <a:solidFill>
-              <a:schemeClr val="tx1"/>
-            </a:solidFill>
-          </a:ln>
-        </p:spPr>
-        <p:style>
-          <a:lnRef idx="2">
-            <a:schemeClr val="accent1">
-              <a:shade val="15000"/>
-            </a:schemeClr>
-          </a:lnRef>
-          <a:fillRef idx="1">
-            <a:schemeClr val="accent1"/>
-          </a:fillRef>
-          <a:effectRef idx="0">
-            <a:schemeClr val="accent1"/>
-          </a:effectRef>
-          <a:fontRef idx="minor">
-            <a:schemeClr val="lt1"/>
-          </a:fontRef>
-        </p:style>
-        <p:txBody>
-          <a:bodyPr rtlCol="0" anchor="ctr"/>
-          <a:lstStyle/>
-          <a:p>
-            <a:pPr algn="ctr"/>
-            <a:endParaRPr lang="es-CR"/>
-          </a:p>
-        </p:txBody>
-      </p:sp>
-    </p:spTree>
-    <p:extLst>
-      <p:ext uri="{BB962C8B-B14F-4D97-AF65-F5344CB8AC3E}">
-        <p14:creationId xmlns:p14="http://schemas.microsoft.com/office/powerpoint/2010/main" val="1800246786"/>
-      </p:ext>
-    </p:extLst>
-  </p:cSld>
-  <p:clrMapOvr>
-    <a:masterClrMapping/>
-  </p:clrMapOvr>
-</p:sld>
-</file>
-
-<file path=ppt/slides/slide26.xml><?xml version="1.0" encoding="utf-8"?>
-<p:sld xmlns:a="http://schemas.openxmlformats.org/drawingml/2006/main" xmlns:r="http://schemas.openxmlformats.org/officeDocument/2006/relationships" xmlns:p="http://schemas.openxmlformats.org/presentationml/2006/main">
-  <p:cSld>
-    <p:spTree>
-      <p:nvGrpSpPr>
-        <p:cNvPr id="1" name="">
-          <a:extLst>
-            <a:ext uri="{FF2B5EF4-FFF2-40B4-BE49-F238E27FC236}">
-              <a16:creationId xmlns:a16="http://schemas.microsoft.com/office/drawing/2014/main" id="{69C534C2-BF5D-B6D1-0EE0-F1A0EA05E948}"/>
-            </a:ext>
-          </a:extLst>
-        </p:cNvPr>
-        <p:cNvGrpSpPr/>
-        <p:nvPr/>
-      </p:nvGrpSpPr>
-      <p:grpSpPr>
-        <a:xfrm>
-          <a:off x="0" y="0"/>
-          <a:ext cx="0" cy="0"/>
-          <a:chOff x="0" y="0"/>
-          <a:chExt cx="0" cy="0"/>
-        </a:xfrm>
-      </p:grpSpPr>
-      <p:sp>
-        <p:nvSpPr>
-          <p:cNvPr id="2" name="Rectángulo 1">
-            <a:extLst>
-              <a:ext uri="{FF2B5EF4-FFF2-40B4-BE49-F238E27FC236}">
-                <a16:creationId xmlns:a16="http://schemas.microsoft.com/office/drawing/2014/main" id="{69A53B07-5057-4EC2-41E7-B03AEA49018D}"/>
-              </a:ext>
-            </a:extLst>
-          </p:cNvPr>
-          <p:cNvSpPr/>
-          <p:nvPr/>
-        </p:nvSpPr>
-        <p:spPr>
-          <a:xfrm>
-            <a:off x="2225475" y="1465544"/>
-            <a:ext cx="7741050" cy="1600200"/>
-          </a:xfrm>
-          <a:prstGeom prst="rect">
-            <a:avLst/>
-          </a:prstGeom>
-          <a:gradFill>
-            <a:gsLst>
-              <a:gs pos="0">
-                <a:srgbClr val="FF6600"/>
-              </a:gs>
-              <a:gs pos="50000">
-                <a:srgbClr val="00FFDF"/>
-              </a:gs>
-            </a:gsLst>
-            <a:lin ang="0" scaled="0"/>
-          </a:gradFill>
-          <a:ln w="88900">
-            <a:solidFill>
-              <a:schemeClr val="tx1"/>
-            </a:solidFill>
-          </a:ln>
-        </p:spPr>
-        <p:style>
-          <a:lnRef idx="2">
-            <a:schemeClr val="accent1">
-              <a:shade val="15000"/>
-            </a:schemeClr>
-          </a:lnRef>
-          <a:fillRef idx="1">
-            <a:schemeClr val="accent1"/>
-          </a:fillRef>
-          <a:effectRef idx="0">
-            <a:schemeClr val="accent1"/>
-          </a:effectRef>
-          <a:fontRef idx="minor">
-            <a:schemeClr val="lt1"/>
-          </a:fontRef>
-        </p:style>
-        <p:txBody>
-          <a:bodyPr rtlCol="0" anchor="ctr"/>
-          <a:lstStyle/>
-          <a:p>
-            <a:pPr algn="ctr"/>
-            <a:endParaRPr lang="es-CR"/>
-          </a:p>
-        </p:txBody>
-      </p:sp>
-      <p:sp>
-        <p:nvSpPr>
-          <p:cNvPr id="3" name="Rectángulo 2">
-            <a:extLst>
-              <a:ext uri="{FF2B5EF4-FFF2-40B4-BE49-F238E27FC236}">
-                <a16:creationId xmlns:a16="http://schemas.microsoft.com/office/drawing/2014/main" id="{BB3B674B-02F2-BF1F-03B6-B5EBF287F38A}"/>
-              </a:ext>
-            </a:extLst>
-          </p:cNvPr>
-          <p:cNvSpPr/>
-          <p:nvPr/>
-        </p:nvSpPr>
-        <p:spPr>
-          <a:xfrm>
-            <a:off x="2225475" y="4718849"/>
-            <a:ext cx="7741050" cy="1600200"/>
-          </a:xfrm>
-          <a:prstGeom prst="rect">
-            <a:avLst/>
-          </a:prstGeom>
-          <a:gradFill>
-            <a:gsLst>
-              <a:gs pos="0">
-                <a:srgbClr val="FF6600"/>
-              </a:gs>
-              <a:gs pos="50000">
-                <a:srgbClr val="76FF00"/>
-              </a:gs>
-            </a:gsLst>
-            <a:lin ang="0" scaled="0"/>
-          </a:gradFill>
-          <a:ln w="88900">
-            <a:solidFill>
-              <a:schemeClr val="tx1"/>
-            </a:solidFill>
-          </a:ln>
-        </p:spPr>
-        <p:style>
-          <a:lnRef idx="2">
-            <a:schemeClr val="accent1">
-              <a:shade val="15000"/>
-            </a:schemeClr>
-          </a:lnRef>
-          <a:fillRef idx="1">
-            <a:schemeClr val="accent1"/>
-          </a:fillRef>
-          <a:effectRef idx="0">
-            <a:schemeClr val="accent1"/>
-          </a:effectRef>
-          <a:fontRef idx="minor">
-            <a:schemeClr val="lt1"/>
-          </a:fontRef>
-        </p:style>
-        <p:txBody>
-          <a:bodyPr rtlCol="0" anchor="ctr"/>
-          <a:lstStyle/>
-          <a:p>
-            <a:pPr algn="ctr"/>
-            <a:endParaRPr lang="es-CR"/>
-          </a:p>
-        </p:txBody>
-      </p:sp>
-      <p:sp>
-        <p:nvSpPr>
-          <p:cNvPr id="4" name="Rectángulo 3">
-            <a:extLst>
-              <a:ext uri="{FF2B5EF4-FFF2-40B4-BE49-F238E27FC236}">
-                <a16:creationId xmlns:a16="http://schemas.microsoft.com/office/drawing/2014/main" id="{1F4F050C-14E2-8460-F5C1-F6C1899D9DD5}"/>
-              </a:ext>
-            </a:extLst>
-          </p:cNvPr>
-          <p:cNvSpPr/>
-          <p:nvPr/>
-        </p:nvSpPr>
-        <p:spPr>
-          <a:xfrm>
-            <a:off x="623475" y="4718849"/>
-            <a:ext cx="1602000" cy="1600200"/>
-          </a:xfrm>
-          <a:prstGeom prst="rect">
-            <a:avLst/>
-          </a:prstGeom>
-          <a:solidFill>
-            <a:srgbClr val="FF0000"/>
-          </a:solidFill>
-          <a:ln w="88900">
-            <a:solidFill>
-              <a:schemeClr val="tx1"/>
-            </a:solidFill>
-          </a:ln>
-        </p:spPr>
-        <p:style>
-          <a:lnRef idx="2">
-            <a:schemeClr val="accent1">
-              <a:shade val="15000"/>
-            </a:schemeClr>
-          </a:lnRef>
-          <a:fillRef idx="1">
-            <a:schemeClr val="accent1"/>
-          </a:fillRef>
-          <a:effectRef idx="0">
-            <a:schemeClr val="accent1"/>
-          </a:effectRef>
-          <a:fontRef idx="minor">
-            <a:schemeClr val="lt1"/>
-          </a:fontRef>
-        </p:style>
-        <p:txBody>
-          <a:bodyPr rtlCol="0" anchor="ctr"/>
-          <a:lstStyle/>
-          <a:p>
-            <a:pPr algn="ctr"/>
-            <a:endParaRPr lang="es-CR"/>
-          </a:p>
-        </p:txBody>
-      </p:sp>
-      <p:sp>
-        <p:nvSpPr>
-          <p:cNvPr id="5" name="Rectángulo 4">
-            <a:extLst>
-              <a:ext uri="{FF2B5EF4-FFF2-40B4-BE49-F238E27FC236}">
-                <a16:creationId xmlns:a16="http://schemas.microsoft.com/office/drawing/2014/main" id="{D4FF46F2-36D9-BD22-CB64-6B9FA96EC4A8}"/>
-              </a:ext>
-            </a:extLst>
-          </p:cNvPr>
-          <p:cNvSpPr/>
-          <p:nvPr/>
-        </p:nvSpPr>
-        <p:spPr>
-          <a:xfrm>
-            <a:off x="623475" y="1465544"/>
-            <a:ext cx="1602000" cy="1600200"/>
-          </a:xfrm>
-          <a:prstGeom prst="rect">
-            <a:avLst/>
-          </a:prstGeom>
-          <a:solidFill>
-            <a:srgbClr val="FF0000"/>
-          </a:solidFill>
-          <a:ln w="88900">
-            <a:solidFill>
-              <a:schemeClr val="tx1"/>
-            </a:solidFill>
-          </a:ln>
-        </p:spPr>
-        <p:style>
-          <a:lnRef idx="2">
-            <a:schemeClr val="accent1">
-              <a:shade val="15000"/>
-            </a:schemeClr>
-          </a:lnRef>
-          <a:fillRef idx="1">
-            <a:schemeClr val="accent1"/>
-          </a:fillRef>
-          <a:effectRef idx="0">
-            <a:schemeClr val="accent1"/>
-          </a:effectRef>
-          <a:fontRef idx="minor">
-            <a:schemeClr val="lt1"/>
-          </a:fontRef>
-        </p:style>
-        <p:txBody>
-          <a:bodyPr rtlCol="0" anchor="ctr"/>
-          <a:lstStyle/>
-          <a:p>
-            <a:pPr algn="ctr"/>
-            <a:endParaRPr lang="es-CR"/>
-          </a:p>
-        </p:txBody>
-      </p:sp>
-      <p:sp>
-        <p:nvSpPr>
-          <p:cNvPr id="6" name="Rectángulo 5">
-            <a:extLst>
-              <a:ext uri="{FF2B5EF4-FFF2-40B4-BE49-F238E27FC236}">
-                <a16:creationId xmlns:a16="http://schemas.microsoft.com/office/drawing/2014/main" id="{DB41F380-7B9C-45E4-ECE6-1E3E36A22733}"/>
-              </a:ext>
-            </a:extLst>
-          </p:cNvPr>
-          <p:cNvSpPr/>
-          <p:nvPr/>
-        </p:nvSpPr>
-        <p:spPr>
-          <a:xfrm>
-            <a:off x="9966525" y="1465544"/>
-            <a:ext cx="1602000" cy="1600200"/>
-          </a:xfrm>
-          <a:prstGeom prst="rect">
-            <a:avLst/>
-          </a:prstGeom>
-          <a:solidFill>
-            <a:srgbClr val="00FFDF"/>
-          </a:solidFill>
-          <a:ln w="88900">
-            <a:solidFill>
-              <a:schemeClr val="tx1"/>
-            </a:solidFill>
-          </a:ln>
-        </p:spPr>
-        <p:style>
-          <a:lnRef idx="2">
-            <a:schemeClr val="accent1">
-              <a:shade val="15000"/>
-            </a:schemeClr>
-          </a:lnRef>
-          <a:fillRef idx="1">
-            <a:schemeClr val="accent1"/>
-          </a:fillRef>
-          <a:effectRef idx="0">
-            <a:schemeClr val="accent1"/>
-          </a:effectRef>
-          <a:fontRef idx="minor">
-            <a:schemeClr val="lt1"/>
-          </a:fontRef>
-        </p:style>
-        <p:txBody>
-          <a:bodyPr rtlCol="0" anchor="ctr"/>
-          <a:lstStyle/>
-          <a:p>
-            <a:pPr algn="ctr"/>
-            <a:endParaRPr lang="es-CR"/>
-          </a:p>
-        </p:txBody>
-      </p:sp>
-      <p:sp>
-        <p:nvSpPr>
-          <p:cNvPr id="7" name="Rectángulo 6">
-            <a:extLst>
-              <a:ext uri="{FF2B5EF4-FFF2-40B4-BE49-F238E27FC236}">
-                <a16:creationId xmlns:a16="http://schemas.microsoft.com/office/drawing/2014/main" id="{EC21A6DD-2648-D591-91DA-BB149A80E049}"/>
-              </a:ext>
-            </a:extLst>
-          </p:cNvPr>
-          <p:cNvSpPr/>
-          <p:nvPr/>
-        </p:nvSpPr>
-        <p:spPr>
-          <a:xfrm>
-            <a:off x="9966525" y="4718849"/>
-            <a:ext cx="1602000" cy="1600200"/>
-          </a:xfrm>
-          <a:prstGeom prst="rect">
-            <a:avLst/>
-          </a:prstGeom>
-          <a:solidFill>
-            <a:srgbClr val="00B050"/>
-          </a:solidFill>
-          <a:ln w="88900">
-            <a:solidFill>
-              <a:schemeClr val="tx1"/>
-            </a:solidFill>
-          </a:ln>
-        </p:spPr>
-        <p:style>
-          <a:lnRef idx="2">
-            <a:schemeClr val="accent1">
-              <a:shade val="15000"/>
-            </a:schemeClr>
-          </a:lnRef>
-          <a:fillRef idx="1">
-            <a:schemeClr val="accent1"/>
-          </a:fillRef>
-          <a:effectRef idx="0">
-            <a:schemeClr val="accent1"/>
-          </a:effectRef>
-          <a:fontRef idx="minor">
-            <a:schemeClr val="lt1"/>
-          </a:fontRef>
-        </p:style>
-        <p:txBody>
-          <a:bodyPr rtlCol="0" anchor="ctr"/>
-          <a:lstStyle/>
-          <a:p>
-            <a:pPr algn="ctr"/>
-            <a:endParaRPr lang="es-CR" dirty="0"/>
-          </a:p>
-        </p:txBody>
-      </p:sp>
-      <p:sp>
-        <p:nvSpPr>
-          <p:cNvPr id="8" name="Rectángulo 7">
-            <a:extLst>
-              <a:ext uri="{FF2B5EF4-FFF2-40B4-BE49-F238E27FC236}">
-                <a16:creationId xmlns:a16="http://schemas.microsoft.com/office/drawing/2014/main" id="{1A5E1DB3-732D-ACC3-C89F-F48EB4819D94}"/>
-              </a:ext>
-            </a:extLst>
-          </p:cNvPr>
-          <p:cNvSpPr/>
-          <p:nvPr/>
-        </p:nvSpPr>
-        <p:spPr>
-          <a:xfrm>
-            <a:off x="1644555" y="3711701"/>
-            <a:ext cx="2763942" cy="748501"/>
-          </a:xfrm>
-          <a:prstGeom prst="rect">
-            <a:avLst/>
-          </a:prstGeom>
-          <a:solidFill>
-            <a:schemeClr val="tx1"/>
-          </a:solidFill>
-          <a:ln w="88900">
-            <a:solidFill>
-              <a:schemeClr val="tx1"/>
-            </a:solidFill>
-          </a:ln>
-        </p:spPr>
-        <p:style>
-          <a:lnRef idx="2">
-            <a:schemeClr val="accent1">
-              <a:shade val="15000"/>
-            </a:schemeClr>
-          </a:lnRef>
-          <a:fillRef idx="1">
-            <a:schemeClr val="accent1"/>
-          </a:fillRef>
-          <a:effectRef idx="0">
-            <a:schemeClr val="accent1"/>
-          </a:effectRef>
-          <a:fontRef idx="minor">
-            <a:schemeClr val="lt1"/>
-          </a:fontRef>
-        </p:style>
-        <p:txBody>
-          <a:bodyPr rtlCol="0" anchor="ctr"/>
-          <a:lstStyle/>
-          <a:p>
-            <a:pPr algn="ctr"/>
-            <a:r>
-              <a:rPr lang="es-ES" sz="4400" dirty="0">
-                <a:latin typeface="8-bit Operator+ 8" panose="02060503000000000000" pitchFamily="18" charset="0"/>
-              </a:rPr>
-              <a:t>Energía</a:t>
-            </a:r>
-            <a:endParaRPr lang="es-CR" sz="4400" dirty="0">
-              <a:latin typeface="8-bit Operator+ 8" panose="02060503000000000000" pitchFamily="18" charset="0"/>
-            </a:endParaRPr>
-          </a:p>
-        </p:txBody>
-      </p:sp>
-      <p:sp>
-        <p:nvSpPr>
-          <p:cNvPr id="9" name="Rectángulo 8">
-            <a:extLst>
-              <a:ext uri="{FF2B5EF4-FFF2-40B4-BE49-F238E27FC236}">
-                <a16:creationId xmlns:a16="http://schemas.microsoft.com/office/drawing/2014/main" id="{9AC91E23-677E-244B-FBA6-1A41DE554520}"/>
-              </a:ext>
-            </a:extLst>
-          </p:cNvPr>
-          <p:cNvSpPr/>
-          <p:nvPr/>
-        </p:nvSpPr>
-        <p:spPr>
-          <a:xfrm>
-            <a:off x="1644555" y="458396"/>
-            <a:ext cx="2763942" cy="748501"/>
-          </a:xfrm>
-          <a:prstGeom prst="rect">
-            <a:avLst/>
-          </a:prstGeom>
-          <a:solidFill>
-            <a:schemeClr val="tx1"/>
-          </a:solidFill>
-          <a:ln w="88900">
-            <a:solidFill>
-              <a:schemeClr val="tx1"/>
-            </a:solidFill>
-          </a:ln>
-        </p:spPr>
-        <p:style>
-          <a:lnRef idx="2">
-            <a:schemeClr val="accent1">
-              <a:shade val="15000"/>
-            </a:schemeClr>
-          </a:lnRef>
-          <a:fillRef idx="1">
-            <a:schemeClr val="accent1"/>
-          </a:fillRef>
-          <a:effectRef idx="0">
-            <a:schemeClr val="accent1"/>
-          </a:effectRef>
-          <a:fontRef idx="minor">
-            <a:schemeClr val="lt1"/>
-          </a:fontRef>
-        </p:style>
-        <p:txBody>
-          <a:bodyPr rtlCol="0" anchor="ctr"/>
-          <a:lstStyle/>
-          <a:p>
-            <a:pPr algn="ctr"/>
-            <a:r>
-              <a:rPr lang="es-ES" sz="4400" dirty="0">
-                <a:latin typeface="8-bit Operator+ 8" panose="02060503000000000000" pitchFamily="18" charset="0"/>
-              </a:rPr>
-              <a:t>Hambre</a:t>
-            </a:r>
-            <a:endParaRPr lang="es-CR" sz="4400" dirty="0">
-              <a:latin typeface="8-bit Operator+ 8" panose="02060503000000000000" pitchFamily="18" charset="0"/>
-            </a:endParaRPr>
-          </a:p>
-        </p:txBody>
-      </p:sp>
-    </p:spTree>
-    <p:extLst>
-      <p:ext uri="{BB962C8B-B14F-4D97-AF65-F5344CB8AC3E}">
-        <p14:creationId xmlns:p14="http://schemas.microsoft.com/office/powerpoint/2010/main" val="2771488259"/>
-      </p:ext>
-    </p:extLst>
-  </p:cSld>
-  <p:clrMapOvr>
-    <a:masterClrMapping/>
-  </p:clrMapOvr>
-</p:sld>
-</file>
-
-<file path=ppt/slides/slide27.xml><?xml version="1.0" encoding="utf-8"?>
-<p:sld xmlns:a="http://schemas.openxmlformats.org/drawingml/2006/main" xmlns:r="http://schemas.openxmlformats.org/officeDocument/2006/relationships" xmlns:p="http://schemas.openxmlformats.org/presentationml/2006/main">
-  <p:cSld>
-    <p:spTree>
-      <p:nvGrpSpPr>
-        <p:cNvPr id="1" name=""/>
-        <p:cNvGrpSpPr/>
-        <p:nvPr/>
-      </p:nvGrpSpPr>
-      <p:grpSpPr>
-        <a:xfrm>
-          <a:off x="0" y="0"/>
-          <a:ext cx="0" cy="0"/>
-          <a:chOff x="0" y="0"/>
-          <a:chExt cx="0" cy="0"/>
-        </a:xfrm>
-      </p:grpSpPr>
-      <p:sp>
-        <p:nvSpPr>
-          <p:cNvPr id="2" name="Rectángulo 1">
-            <a:extLst>
-              <a:ext uri="{FF2B5EF4-FFF2-40B4-BE49-F238E27FC236}">
-                <a16:creationId xmlns:a16="http://schemas.microsoft.com/office/drawing/2014/main" id="{39B79B21-5EE8-15CA-734C-90E044ED1DAF}"/>
-              </a:ext>
-            </a:extLst>
-          </p:cNvPr>
-          <p:cNvSpPr/>
-          <p:nvPr/>
-        </p:nvSpPr>
-        <p:spPr>
-          <a:xfrm>
-            <a:off x="1283208" y="1027394"/>
-            <a:ext cx="8604504" cy="1600200"/>
-          </a:xfrm>
-          <a:prstGeom prst="rect">
-            <a:avLst/>
-          </a:prstGeom>
-          <a:gradFill>
-            <a:gsLst>
-              <a:gs pos="0">
-                <a:srgbClr val="FF0000"/>
-              </a:gs>
-              <a:gs pos="100000">
-                <a:srgbClr val="00FFDF"/>
-              </a:gs>
-            </a:gsLst>
-            <a:lin ang="0" scaled="0"/>
-          </a:gradFill>
-          <a:ln w="88900">
-            <a:solidFill>
-              <a:schemeClr val="tx1"/>
-            </a:solidFill>
-          </a:ln>
-        </p:spPr>
-        <p:style>
-          <a:lnRef idx="2">
-            <a:schemeClr val="accent1">
-              <a:shade val="15000"/>
-            </a:schemeClr>
-          </a:lnRef>
-          <a:fillRef idx="1">
-            <a:schemeClr val="accent1"/>
-          </a:fillRef>
-          <a:effectRef idx="0">
-            <a:schemeClr val="accent1"/>
-          </a:effectRef>
-          <a:fontRef idx="minor">
-            <a:schemeClr val="lt1"/>
-          </a:fontRef>
-        </p:style>
-        <p:txBody>
-          <a:bodyPr rtlCol="0" anchor="ctr"/>
-          <a:lstStyle/>
-          <a:p>
-            <a:pPr algn="ctr"/>
-            <a:endParaRPr lang="es-CR"/>
-          </a:p>
-        </p:txBody>
-      </p:sp>
-      <p:sp>
-        <p:nvSpPr>
-          <p:cNvPr id="3" name="Rectángulo 2">
-            <a:extLst>
-              <a:ext uri="{FF2B5EF4-FFF2-40B4-BE49-F238E27FC236}">
-                <a16:creationId xmlns:a16="http://schemas.microsoft.com/office/drawing/2014/main" id="{F1B47DD1-9BB7-B89B-DA1F-8ADD19CB863F}"/>
-              </a:ext>
-            </a:extLst>
-          </p:cNvPr>
-          <p:cNvSpPr/>
-          <p:nvPr/>
-        </p:nvSpPr>
-        <p:spPr>
-          <a:xfrm>
-            <a:off x="1283208" y="3429000"/>
-            <a:ext cx="8604504" cy="1600200"/>
-          </a:xfrm>
-          <a:prstGeom prst="rect">
-            <a:avLst/>
-          </a:prstGeom>
-          <a:gradFill>
-            <a:gsLst>
-              <a:gs pos="0">
-                <a:srgbClr val="FF0000"/>
-              </a:gs>
-              <a:gs pos="100000">
-                <a:srgbClr val="76FF00"/>
-              </a:gs>
-            </a:gsLst>
-            <a:lin ang="0" scaled="0"/>
-          </a:gradFill>
-          <a:ln w="88900">
-            <a:solidFill>
-              <a:schemeClr val="tx1"/>
-            </a:solidFill>
-          </a:ln>
-        </p:spPr>
-        <p:style>
-          <a:lnRef idx="2">
-            <a:schemeClr val="accent1">
-              <a:shade val="15000"/>
-            </a:schemeClr>
-          </a:lnRef>
-          <a:fillRef idx="1">
-            <a:schemeClr val="accent1"/>
-          </a:fillRef>
-          <a:effectRef idx="0">
-            <a:schemeClr val="accent1"/>
-          </a:effectRef>
-          <a:fontRef idx="minor">
-            <a:schemeClr val="lt1"/>
-          </a:fontRef>
-        </p:style>
-        <p:txBody>
-          <a:bodyPr rtlCol="0" anchor="ctr"/>
-          <a:lstStyle/>
-          <a:p>
-            <a:pPr algn="ctr"/>
-            <a:endParaRPr lang="es-CR"/>
-          </a:p>
-        </p:txBody>
-      </p:sp>
-    </p:spTree>
-    <p:extLst>
-      <p:ext uri="{BB962C8B-B14F-4D97-AF65-F5344CB8AC3E}">
-        <p14:creationId xmlns:p14="http://schemas.microsoft.com/office/powerpoint/2010/main" val="1532521925"/>
-      </p:ext>
-    </p:extLst>
-  </p:cSld>
-  <p:clrMapOvr>
-    <a:masterClrMapping/>
-  </p:clrMapOvr>
-</p:sld>
-</file>
-
-<file path=ppt/slides/slide28.xml><?xml version="1.0" encoding="utf-8"?>
-<p:sld xmlns:a="http://schemas.openxmlformats.org/drawingml/2006/main" xmlns:r="http://schemas.openxmlformats.org/officeDocument/2006/relationships" xmlns:p="http://schemas.openxmlformats.org/presentationml/2006/main">
-  <p:cSld>
-    <p:spTree>
-      <p:nvGrpSpPr>
-        <p:cNvPr id="1" name="">
-          <a:extLst>
-            <a:ext uri="{FF2B5EF4-FFF2-40B4-BE49-F238E27FC236}">
-              <a16:creationId xmlns:a16="http://schemas.microsoft.com/office/drawing/2014/main" id="{51652DF1-F268-B606-12F8-E9335268E023}"/>
-            </a:ext>
-          </a:extLst>
-        </p:cNvPr>
-        <p:cNvGrpSpPr/>
-        <p:nvPr/>
-      </p:nvGrpSpPr>
-      <p:grpSpPr>
-        <a:xfrm>
-          <a:off x="0" y="0"/>
-          <a:ext cx="0" cy="0"/>
-          <a:chOff x="0" y="0"/>
-          <a:chExt cx="0" cy="0"/>
-        </a:xfrm>
-      </p:grpSpPr>
-      <p:sp>
-        <p:nvSpPr>
-          <p:cNvPr id="2" name="Rectángulo 1">
-            <a:extLst>
-              <a:ext uri="{FF2B5EF4-FFF2-40B4-BE49-F238E27FC236}">
-                <a16:creationId xmlns:a16="http://schemas.microsoft.com/office/drawing/2014/main" id="{89137E62-EEC4-B88A-B54E-58888EA4CF8A}"/>
-              </a:ext>
-            </a:extLst>
-          </p:cNvPr>
-          <p:cNvSpPr/>
-          <p:nvPr/>
-        </p:nvSpPr>
-        <p:spPr>
-          <a:xfrm>
-            <a:off x="1283208" y="1027394"/>
-            <a:ext cx="8604504" cy="1600200"/>
-          </a:xfrm>
-          <a:prstGeom prst="rect">
-            <a:avLst/>
-          </a:prstGeom>
-          <a:gradFill>
-            <a:gsLst>
-              <a:gs pos="0">
-                <a:srgbClr val="FF0000"/>
-              </a:gs>
-              <a:gs pos="50000">
-                <a:srgbClr val="00FFDF"/>
-              </a:gs>
-            </a:gsLst>
-            <a:lin ang="0" scaled="0"/>
-          </a:gradFill>
-          <a:ln w="88900">
-            <a:solidFill>
-              <a:schemeClr val="tx1"/>
-            </a:solidFill>
-          </a:ln>
-        </p:spPr>
-        <p:style>
-          <a:lnRef idx="2">
-            <a:schemeClr val="accent1">
-              <a:shade val="15000"/>
-            </a:schemeClr>
-          </a:lnRef>
-          <a:fillRef idx="1">
-            <a:schemeClr val="accent1"/>
-          </a:fillRef>
-          <a:effectRef idx="0">
-            <a:schemeClr val="accent1"/>
-          </a:effectRef>
-          <a:fontRef idx="minor">
-            <a:schemeClr val="lt1"/>
-          </a:fontRef>
-        </p:style>
-        <p:txBody>
-          <a:bodyPr rtlCol="0" anchor="ctr"/>
-          <a:lstStyle/>
-          <a:p>
-            <a:pPr algn="ctr"/>
-            <a:endParaRPr lang="es-CR"/>
-          </a:p>
-        </p:txBody>
-      </p:sp>
-      <p:sp>
-        <p:nvSpPr>
-          <p:cNvPr id="3" name="Rectángulo 2">
-            <a:extLst>
-              <a:ext uri="{FF2B5EF4-FFF2-40B4-BE49-F238E27FC236}">
-                <a16:creationId xmlns:a16="http://schemas.microsoft.com/office/drawing/2014/main" id="{272E7DE4-D816-4F20-F5FE-A30F872F584A}"/>
-              </a:ext>
-            </a:extLst>
-          </p:cNvPr>
-          <p:cNvSpPr/>
-          <p:nvPr/>
-        </p:nvSpPr>
-        <p:spPr>
-          <a:xfrm>
-            <a:off x="1283208" y="3429000"/>
-            <a:ext cx="8604504" cy="1600200"/>
-          </a:xfrm>
-          <a:prstGeom prst="rect">
-            <a:avLst/>
-          </a:prstGeom>
-          <a:gradFill>
-            <a:gsLst>
-              <a:gs pos="0">
-                <a:srgbClr val="FF0000"/>
-              </a:gs>
-              <a:gs pos="50000">
-                <a:srgbClr val="76FF00"/>
-              </a:gs>
-            </a:gsLst>
-            <a:lin ang="0" scaled="0"/>
-          </a:gradFill>
-          <a:ln w="88900">
-            <a:solidFill>
-              <a:schemeClr val="tx1"/>
-            </a:solidFill>
-          </a:ln>
-        </p:spPr>
-        <p:style>
-          <a:lnRef idx="2">
-            <a:schemeClr val="accent1">
-              <a:shade val="15000"/>
-            </a:schemeClr>
-          </a:lnRef>
-          <a:fillRef idx="1">
-            <a:schemeClr val="accent1"/>
-          </a:fillRef>
-          <a:effectRef idx="0">
-            <a:schemeClr val="accent1"/>
-          </a:effectRef>
-          <a:fontRef idx="minor">
-            <a:schemeClr val="lt1"/>
-          </a:fontRef>
-        </p:style>
-        <p:txBody>
-          <a:bodyPr rtlCol="0" anchor="ctr"/>
-          <a:lstStyle/>
-          <a:p>
-            <a:pPr algn="ctr"/>
-            <a:endParaRPr lang="es-CR"/>
-          </a:p>
-        </p:txBody>
-      </p:sp>
-    </p:spTree>
-    <p:extLst>
-      <p:ext uri="{BB962C8B-B14F-4D97-AF65-F5344CB8AC3E}">
-        <p14:creationId xmlns:p14="http://schemas.microsoft.com/office/powerpoint/2010/main" val="383456091"/>
-      </p:ext>
-    </p:extLst>
-  </p:cSld>
-  <p:clrMapOvr>
-    <a:masterClrMapping/>
-  </p:clrMapOvr>
-</p:sld>
-</file>
-
-<file path=ppt/slides/slide29.xml><?xml version="1.0" encoding="utf-8"?>
-<p:sld xmlns:a="http://schemas.openxmlformats.org/drawingml/2006/main" xmlns:r="http://schemas.openxmlformats.org/officeDocument/2006/relationships" xmlns:p="http://schemas.openxmlformats.org/presentationml/2006/main">
-  <p:cSld>
-    <p:spTree>
-      <p:nvGrpSpPr>
-        <p:cNvPr id="1" name="">
-          <a:extLst>
-            <a:ext uri="{FF2B5EF4-FFF2-40B4-BE49-F238E27FC236}">
-              <a16:creationId xmlns:a16="http://schemas.microsoft.com/office/drawing/2014/main" id="{6838BFD1-A7E0-861D-7347-70631E7B17BC}"/>
-            </a:ext>
-          </a:extLst>
-        </p:cNvPr>
-        <p:cNvGrpSpPr/>
-        <p:nvPr/>
-      </p:nvGrpSpPr>
-      <p:grpSpPr>
-        <a:xfrm>
-          <a:off x="0" y="0"/>
-          <a:ext cx="0" cy="0"/>
-          <a:chOff x="0" y="0"/>
-          <a:chExt cx="0" cy="0"/>
-        </a:xfrm>
-      </p:grpSpPr>
-      <p:sp>
-        <p:nvSpPr>
-          <p:cNvPr id="2" name="Rectángulo 1">
-            <a:extLst>
-              <a:ext uri="{FF2B5EF4-FFF2-40B4-BE49-F238E27FC236}">
-                <a16:creationId xmlns:a16="http://schemas.microsoft.com/office/drawing/2014/main" id="{6F05AF94-4BB2-9A09-BE2F-B5B71EA1EA9E}"/>
-              </a:ext>
-            </a:extLst>
-          </p:cNvPr>
-          <p:cNvSpPr/>
-          <p:nvPr/>
-        </p:nvSpPr>
-        <p:spPr>
-          <a:xfrm>
-            <a:off x="1283208" y="1027394"/>
-            <a:ext cx="8604504" cy="1600200"/>
-          </a:xfrm>
-          <a:prstGeom prst="rect">
-            <a:avLst/>
-          </a:prstGeom>
-          <a:gradFill>
-            <a:gsLst>
-              <a:gs pos="0">
-                <a:srgbClr val="FF0000"/>
-              </a:gs>
-              <a:gs pos="25000">
-                <a:srgbClr val="00FFDF"/>
-              </a:gs>
-            </a:gsLst>
-            <a:lin ang="0" scaled="0"/>
-          </a:gradFill>
-          <a:ln w="88900">
-            <a:solidFill>
-              <a:schemeClr val="tx1"/>
-            </a:solidFill>
-          </a:ln>
-        </p:spPr>
-        <p:style>
-          <a:lnRef idx="2">
-            <a:schemeClr val="accent1">
-              <a:shade val="15000"/>
-            </a:schemeClr>
-          </a:lnRef>
-          <a:fillRef idx="1">
-            <a:schemeClr val="accent1"/>
-          </a:fillRef>
-          <a:effectRef idx="0">
-            <a:schemeClr val="accent1"/>
-          </a:effectRef>
-          <a:fontRef idx="minor">
-            <a:schemeClr val="lt1"/>
-          </a:fontRef>
-        </p:style>
-        <p:txBody>
-          <a:bodyPr rtlCol="0" anchor="ctr"/>
-          <a:lstStyle/>
-          <a:p>
-            <a:pPr algn="ctr"/>
-            <a:endParaRPr lang="es-CR"/>
-          </a:p>
-        </p:txBody>
-      </p:sp>
-      <p:sp>
-        <p:nvSpPr>
-          <p:cNvPr id="3" name="Rectángulo 2">
-            <a:extLst>
-              <a:ext uri="{FF2B5EF4-FFF2-40B4-BE49-F238E27FC236}">
-                <a16:creationId xmlns:a16="http://schemas.microsoft.com/office/drawing/2014/main" id="{CB5C3B00-ED90-0D83-F0C5-07406791724C}"/>
-              </a:ext>
-            </a:extLst>
-          </p:cNvPr>
-          <p:cNvSpPr/>
-          <p:nvPr/>
-        </p:nvSpPr>
-        <p:spPr>
-          <a:xfrm>
-            <a:off x="1283208" y="3429000"/>
-            <a:ext cx="8604504" cy="1600200"/>
-          </a:xfrm>
-          <a:prstGeom prst="rect">
-            <a:avLst/>
-          </a:prstGeom>
-          <a:gradFill>
-            <a:gsLst>
-              <a:gs pos="0">
-                <a:srgbClr val="FF0000"/>
-              </a:gs>
-              <a:gs pos="25000">
-                <a:srgbClr val="76FF00"/>
-              </a:gs>
-            </a:gsLst>
-            <a:lin ang="0" scaled="0"/>
-          </a:gradFill>
-          <a:ln w="88900">
-            <a:solidFill>
-              <a:schemeClr val="tx1"/>
-            </a:solidFill>
-          </a:ln>
-        </p:spPr>
-        <p:style>
-          <a:lnRef idx="2">
-            <a:schemeClr val="accent1">
-              <a:shade val="15000"/>
-            </a:schemeClr>
-          </a:lnRef>
-          <a:fillRef idx="1">
-            <a:schemeClr val="accent1"/>
-          </a:fillRef>
-          <a:effectRef idx="0">
-            <a:schemeClr val="accent1"/>
-          </a:effectRef>
-          <a:fontRef idx="minor">
-            <a:schemeClr val="lt1"/>
-          </a:fontRef>
-        </p:style>
-        <p:txBody>
-          <a:bodyPr rtlCol="0" anchor="ctr"/>
-          <a:lstStyle/>
-          <a:p>
-            <a:pPr algn="ctr"/>
-            <a:endParaRPr lang="es-CR"/>
-          </a:p>
-        </p:txBody>
-      </p:sp>
-    </p:spTree>
-    <p:extLst>
-      <p:ext uri="{BB962C8B-B14F-4D97-AF65-F5344CB8AC3E}">
-        <p14:creationId xmlns:p14="http://schemas.microsoft.com/office/powerpoint/2010/main" val="444509655"/>
       </p:ext>
     </p:extLst>
   </p:cSld>
@@ -19230,7 +20716,7 @@
         <p:cNvPr id="1" name="">
           <a:extLst>
             <a:ext uri="{FF2B5EF4-FFF2-40B4-BE49-F238E27FC236}">
-              <a16:creationId xmlns:a16="http://schemas.microsoft.com/office/drawing/2014/main" id="{D3576EBD-F288-7187-DAFD-0D319C5E8F32}"/>
+              <a16:creationId xmlns:a16="http://schemas.microsoft.com/office/drawing/2014/main" id="{A8462270-B80D-A8DA-1BD1-6413B2B73877}"/>
             </a:ext>
           </a:extLst>
         </p:cNvPr>
@@ -19247,10 +20733,370 @@
       </p:grpSpPr>
       <p:sp>
         <p:nvSpPr>
+          <p:cNvPr id="4" name="Rectángulo 3">
+            <a:extLst>
+              <a:ext uri="{FF2B5EF4-FFF2-40B4-BE49-F238E27FC236}">
+                <a16:creationId xmlns:a16="http://schemas.microsoft.com/office/drawing/2014/main" id="{A8214A0E-CF96-881E-BC4E-EAFC4175026A}"/>
+              </a:ext>
+            </a:extLst>
+          </p:cNvPr>
+          <p:cNvSpPr/>
+          <p:nvPr/>
+        </p:nvSpPr>
+        <p:spPr>
+          <a:xfrm>
+            <a:off x="3153750" y="1027394"/>
+            <a:ext cx="1602000" cy="1600200"/>
+          </a:xfrm>
+          <a:prstGeom prst="rect">
+            <a:avLst/>
+          </a:prstGeom>
+          <a:solidFill>
+            <a:srgbClr val="67BA3D"/>
+          </a:solidFill>
+          <a:ln w="88900">
+            <a:solidFill>
+              <a:schemeClr val="tx1"/>
+            </a:solidFill>
+          </a:ln>
+        </p:spPr>
+        <p:style>
+          <a:lnRef idx="2">
+            <a:schemeClr val="accent1">
+              <a:shade val="15000"/>
+            </a:schemeClr>
+          </a:lnRef>
+          <a:fillRef idx="1">
+            <a:schemeClr val="accent1"/>
+          </a:fillRef>
+          <a:effectRef idx="0">
+            <a:schemeClr val="accent1"/>
+          </a:effectRef>
+          <a:fontRef idx="minor">
+            <a:schemeClr val="lt1"/>
+          </a:fontRef>
+        </p:style>
+        <p:txBody>
+          <a:bodyPr rtlCol="0" anchor="ctr"/>
+          <a:lstStyle/>
+          <a:p>
+            <a:pPr algn="ctr"/>
+            <a:endParaRPr lang="es-CR"/>
+          </a:p>
+        </p:txBody>
+      </p:sp>
+      <p:sp>
+        <p:nvSpPr>
+          <p:cNvPr id="5" name="Rectángulo 4">
+            <a:extLst>
+              <a:ext uri="{FF2B5EF4-FFF2-40B4-BE49-F238E27FC236}">
+                <a16:creationId xmlns:a16="http://schemas.microsoft.com/office/drawing/2014/main" id="{6DD354ED-9C7B-78F1-6041-BB0C683622E0}"/>
+              </a:ext>
+            </a:extLst>
+          </p:cNvPr>
+          <p:cNvSpPr/>
+          <p:nvPr/>
+        </p:nvSpPr>
+        <p:spPr>
+          <a:xfrm>
+            <a:off x="905850" y="1027394"/>
+            <a:ext cx="1602000" cy="1600200"/>
+          </a:xfrm>
+          <a:prstGeom prst="rect">
+            <a:avLst/>
+          </a:prstGeom>
+          <a:solidFill>
+            <a:srgbClr val="0A9A43"/>
+          </a:solidFill>
+          <a:ln w="88900">
+            <a:solidFill>
+              <a:schemeClr val="tx1"/>
+            </a:solidFill>
+          </a:ln>
+        </p:spPr>
+        <p:style>
+          <a:lnRef idx="2">
+            <a:schemeClr val="accent1">
+              <a:shade val="15000"/>
+            </a:schemeClr>
+          </a:lnRef>
+          <a:fillRef idx="1">
+            <a:schemeClr val="accent1"/>
+          </a:fillRef>
+          <a:effectRef idx="0">
+            <a:schemeClr val="accent1"/>
+          </a:effectRef>
+          <a:fontRef idx="minor">
+            <a:schemeClr val="lt1"/>
+          </a:fontRef>
+        </p:style>
+        <p:txBody>
+          <a:bodyPr rtlCol="0" anchor="ctr"/>
+          <a:lstStyle/>
+          <a:p>
+            <a:pPr algn="ctr"/>
+            <a:endParaRPr lang="es-CR"/>
+          </a:p>
+        </p:txBody>
+      </p:sp>
+      <p:sp>
+        <p:nvSpPr>
+          <p:cNvPr id="8" name="Rectángulo 7">
+            <a:extLst>
+              <a:ext uri="{FF2B5EF4-FFF2-40B4-BE49-F238E27FC236}">
+                <a16:creationId xmlns:a16="http://schemas.microsoft.com/office/drawing/2014/main" id="{4EFB497D-DEB1-AFEF-1C75-AD7F948038C8}"/>
+              </a:ext>
+            </a:extLst>
+          </p:cNvPr>
+          <p:cNvSpPr/>
+          <p:nvPr/>
+        </p:nvSpPr>
+        <p:spPr>
+          <a:xfrm>
+            <a:off x="5401650" y="1027394"/>
+            <a:ext cx="1602000" cy="1600200"/>
+          </a:xfrm>
+          <a:prstGeom prst="rect">
+            <a:avLst/>
+          </a:prstGeom>
+          <a:solidFill>
+            <a:srgbClr val="A8D039"/>
+          </a:solidFill>
+          <a:ln w="88900">
+            <a:solidFill>
+              <a:schemeClr val="tx1"/>
+            </a:solidFill>
+          </a:ln>
+        </p:spPr>
+        <p:style>
+          <a:lnRef idx="2">
+            <a:schemeClr val="accent1">
+              <a:shade val="15000"/>
+            </a:schemeClr>
+          </a:lnRef>
+          <a:fillRef idx="1">
+            <a:schemeClr val="accent1"/>
+          </a:fillRef>
+          <a:effectRef idx="0">
+            <a:schemeClr val="accent1"/>
+          </a:effectRef>
+          <a:fontRef idx="minor">
+            <a:schemeClr val="lt1"/>
+          </a:fontRef>
+        </p:style>
+        <p:txBody>
+          <a:bodyPr rtlCol="0" anchor="ctr"/>
+          <a:lstStyle/>
+          <a:p>
+            <a:pPr algn="ctr"/>
+            <a:endParaRPr lang="es-CR"/>
+          </a:p>
+        </p:txBody>
+      </p:sp>
+      <p:sp>
+        <p:nvSpPr>
+          <p:cNvPr id="9" name="Rectángulo 8">
+            <a:extLst>
+              <a:ext uri="{FF2B5EF4-FFF2-40B4-BE49-F238E27FC236}">
+                <a16:creationId xmlns:a16="http://schemas.microsoft.com/office/drawing/2014/main" id="{426047CE-EE37-0CD5-9F83-1D0E113552C3}"/>
+              </a:ext>
+            </a:extLst>
+          </p:cNvPr>
+          <p:cNvSpPr/>
+          <p:nvPr/>
+        </p:nvSpPr>
+        <p:spPr>
+          <a:xfrm>
+            <a:off x="7649550" y="1027394"/>
+            <a:ext cx="1602000" cy="1600200"/>
+          </a:xfrm>
+          <a:prstGeom prst="rect">
+            <a:avLst/>
+          </a:prstGeom>
+          <a:solidFill>
+            <a:srgbClr val="F7E633"/>
+          </a:solidFill>
+          <a:ln w="88900">
+            <a:solidFill>
+              <a:schemeClr val="tx1"/>
+            </a:solidFill>
+          </a:ln>
+        </p:spPr>
+        <p:style>
+          <a:lnRef idx="2">
+            <a:schemeClr val="accent1">
+              <a:shade val="15000"/>
+            </a:schemeClr>
+          </a:lnRef>
+          <a:fillRef idx="1">
+            <a:schemeClr val="accent1"/>
+          </a:fillRef>
+          <a:effectRef idx="0">
+            <a:schemeClr val="accent1"/>
+          </a:effectRef>
+          <a:fontRef idx="minor">
+            <a:schemeClr val="lt1"/>
+          </a:fontRef>
+        </p:style>
+        <p:txBody>
+          <a:bodyPr rtlCol="0" anchor="ctr"/>
+          <a:lstStyle/>
+          <a:p>
+            <a:pPr algn="ctr"/>
+            <a:endParaRPr lang="es-CR"/>
+          </a:p>
+        </p:txBody>
+      </p:sp>
+      <p:sp>
+        <p:nvSpPr>
+          <p:cNvPr id="10" name="Rectángulo 9">
+            <a:extLst>
+              <a:ext uri="{FF2B5EF4-FFF2-40B4-BE49-F238E27FC236}">
+                <a16:creationId xmlns:a16="http://schemas.microsoft.com/office/drawing/2014/main" id="{2F290FF4-451A-1084-F157-12BED60549D2}"/>
+              </a:ext>
+            </a:extLst>
+          </p:cNvPr>
+          <p:cNvSpPr/>
+          <p:nvPr/>
+        </p:nvSpPr>
+        <p:spPr>
+          <a:xfrm>
+            <a:off x="9897450" y="1027394"/>
+            <a:ext cx="1602000" cy="1600200"/>
+          </a:xfrm>
+          <a:prstGeom prst="rect">
+            <a:avLst/>
+          </a:prstGeom>
+          <a:solidFill>
+            <a:srgbClr val="F09F2C"/>
+          </a:solidFill>
+          <a:ln w="88900">
+            <a:solidFill>
+              <a:schemeClr val="tx1"/>
+            </a:solidFill>
+          </a:ln>
+        </p:spPr>
+        <p:style>
+          <a:lnRef idx="2">
+            <a:schemeClr val="accent1">
+              <a:shade val="15000"/>
+            </a:schemeClr>
+          </a:lnRef>
+          <a:fillRef idx="1">
+            <a:schemeClr val="accent1"/>
+          </a:fillRef>
+          <a:effectRef idx="0">
+            <a:schemeClr val="accent1"/>
+          </a:effectRef>
+          <a:fontRef idx="minor">
+            <a:schemeClr val="lt1"/>
+          </a:fontRef>
+        </p:style>
+        <p:txBody>
+          <a:bodyPr rtlCol="0" anchor="ctr"/>
+          <a:lstStyle/>
+          <a:p>
+            <a:pPr algn="ctr"/>
+            <a:endParaRPr lang="es-CR"/>
+          </a:p>
+        </p:txBody>
+      </p:sp>
+      <p:sp>
+        <p:nvSpPr>
+          <p:cNvPr id="11" name="Rectángulo 10">
+            <a:extLst>
+              <a:ext uri="{FF2B5EF4-FFF2-40B4-BE49-F238E27FC236}">
+                <a16:creationId xmlns:a16="http://schemas.microsoft.com/office/drawing/2014/main" id="{99EA9362-4348-3B71-D88E-348F5D008370}"/>
+              </a:ext>
+            </a:extLst>
+          </p:cNvPr>
+          <p:cNvSpPr/>
+          <p:nvPr/>
+        </p:nvSpPr>
+        <p:spPr>
+          <a:xfrm>
+            <a:off x="905850" y="3237194"/>
+            <a:ext cx="1602000" cy="1600200"/>
+          </a:xfrm>
+          <a:prstGeom prst="rect">
+            <a:avLst/>
+          </a:prstGeom>
+          <a:solidFill>
+            <a:srgbClr val="DE2626"/>
+          </a:solidFill>
+          <a:ln w="88900">
+            <a:solidFill>
+              <a:schemeClr val="tx1"/>
+            </a:solidFill>
+          </a:ln>
+        </p:spPr>
+        <p:style>
+          <a:lnRef idx="2">
+            <a:schemeClr val="accent1">
+              <a:shade val="15000"/>
+            </a:schemeClr>
+          </a:lnRef>
+          <a:fillRef idx="1">
+            <a:schemeClr val="accent1"/>
+          </a:fillRef>
+          <a:effectRef idx="0">
+            <a:schemeClr val="accent1"/>
+          </a:effectRef>
+          <a:fontRef idx="minor">
+            <a:schemeClr val="lt1"/>
+          </a:fontRef>
+        </p:style>
+        <p:txBody>
+          <a:bodyPr rtlCol="0" anchor="ctr"/>
+          <a:lstStyle/>
+          <a:p>
+            <a:pPr algn="ctr"/>
+            <a:endParaRPr lang="es-CR"/>
+          </a:p>
+        </p:txBody>
+      </p:sp>
+    </p:spTree>
+    <p:extLst>
+      <p:ext uri="{BB962C8B-B14F-4D97-AF65-F5344CB8AC3E}">
+        <p14:creationId xmlns:p14="http://schemas.microsoft.com/office/powerpoint/2010/main" val="1800246786"/>
+      </p:ext>
+    </p:extLst>
+  </p:cSld>
+  <p:clrMapOvr>
+    <a:masterClrMapping/>
+  </p:clrMapOvr>
+</p:sld>
+</file>
+
+<file path=ppt/slides/slide31.xml><?xml version="1.0" encoding="utf-8"?>
+<p:sld xmlns:a="http://schemas.openxmlformats.org/drawingml/2006/main" xmlns:r="http://schemas.openxmlformats.org/officeDocument/2006/relationships" xmlns:p="http://schemas.openxmlformats.org/presentationml/2006/main">
+  <p:cSld>
+    <p:spTree>
+      <p:nvGrpSpPr>
+        <p:cNvPr id="1" name="">
+          <a:extLst>
+            <a:ext uri="{FF2B5EF4-FFF2-40B4-BE49-F238E27FC236}">
+              <a16:creationId xmlns:a16="http://schemas.microsoft.com/office/drawing/2014/main" id="{69C534C2-BF5D-B6D1-0EE0-F1A0EA05E948}"/>
+            </a:ext>
+          </a:extLst>
+        </p:cNvPr>
+        <p:cNvGrpSpPr/>
+        <p:nvPr/>
+      </p:nvGrpSpPr>
+      <p:grpSpPr>
+        <a:xfrm>
+          <a:off x="0" y="0"/>
+          <a:ext cx="0" cy="0"/>
+          <a:chOff x="0" y="0"/>
+          <a:chExt cx="0" cy="0"/>
+        </a:xfrm>
+      </p:grpSpPr>
+      <p:sp>
+        <p:nvSpPr>
           <p:cNvPr id="2" name="Rectángulo 1">
             <a:extLst>
               <a:ext uri="{FF2B5EF4-FFF2-40B4-BE49-F238E27FC236}">
-                <a16:creationId xmlns:a16="http://schemas.microsoft.com/office/drawing/2014/main" id="{A316DB0E-9403-1914-FE77-72522BF33F49}"/>
+                <a16:creationId xmlns:a16="http://schemas.microsoft.com/office/drawing/2014/main" id="{69A53B07-5057-4EC2-41E7-B03AEA49018D}"/>
               </a:ext>
             </a:extLst>
           </p:cNvPr>
@@ -19259,8 +21105,8 @@
         </p:nvSpPr>
         <p:spPr>
           <a:xfrm>
-            <a:off x="1283208" y="1027394"/>
-            <a:ext cx="8604504" cy="1600200"/>
+            <a:off x="2225475" y="1465544"/>
+            <a:ext cx="7741050" cy="1600200"/>
           </a:xfrm>
           <a:prstGeom prst="rect">
             <a:avLst/>
@@ -19312,7 +21158,7 @@
           <p:cNvPr id="3" name="Rectángulo 2">
             <a:extLst>
               <a:ext uri="{FF2B5EF4-FFF2-40B4-BE49-F238E27FC236}">
-                <a16:creationId xmlns:a16="http://schemas.microsoft.com/office/drawing/2014/main" id="{635865DD-39CD-E7E7-1EB7-24DD3F43ADE3}"/>
+                <a16:creationId xmlns:a16="http://schemas.microsoft.com/office/drawing/2014/main" id="{BB3B674B-02F2-BF1F-03B6-B5EBF287F38A}"/>
               </a:ext>
             </a:extLst>
           </p:cNvPr>
@@ -19321,8 +21167,8 @@
         </p:nvSpPr>
         <p:spPr>
           <a:xfrm>
-            <a:off x="1283208" y="3429000"/>
-            <a:ext cx="8604504" cy="1600200"/>
+            <a:off x="2225475" y="4718849"/>
+            <a:ext cx="7741050" cy="1600200"/>
           </a:xfrm>
           <a:prstGeom prst="rect">
             <a:avLst/>
@@ -19369,6 +21215,980 @@
           </a:p>
         </p:txBody>
       </p:sp>
+      <p:sp>
+        <p:nvSpPr>
+          <p:cNvPr id="4" name="Rectángulo 3">
+            <a:extLst>
+              <a:ext uri="{FF2B5EF4-FFF2-40B4-BE49-F238E27FC236}">
+                <a16:creationId xmlns:a16="http://schemas.microsoft.com/office/drawing/2014/main" id="{1F4F050C-14E2-8460-F5C1-F6C1899D9DD5}"/>
+              </a:ext>
+            </a:extLst>
+          </p:cNvPr>
+          <p:cNvSpPr/>
+          <p:nvPr/>
+        </p:nvSpPr>
+        <p:spPr>
+          <a:xfrm>
+            <a:off x="623475" y="4718849"/>
+            <a:ext cx="1602000" cy="1600200"/>
+          </a:xfrm>
+          <a:prstGeom prst="rect">
+            <a:avLst/>
+          </a:prstGeom>
+          <a:solidFill>
+            <a:srgbClr val="FF0000"/>
+          </a:solidFill>
+          <a:ln w="88900">
+            <a:solidFill>
+              <a:schemeClr val="tx1"/>
+            </a:solidFill>
+          </a:ln>
+        </p:spPr>
+        <p:style>
+          <a:lnRef idx="2">
+            <a:schemeClr val="accent1">
+              <a:shade val="15000"/>
+            </a:schemeClr>
+          </a:lnRef>
+          <a:fillRef idx="1">
+            <a:schemeClr val="accent1"/>
+          </a:fillRef>
+          <a:effectRef idx="0">
+            <a:schemeClr val="accent1"/>
+          </a:effectRef>
+          <a:fontRef idx="minor">
+            <a:schemeClr val="lt1"/>
+          </a:fontRef>
+        </p:style>
+        <p:txBody>
+          <a:bodyPr rtlCol="0" anchor="ctr"/>
+          <a:lstStyle/>
+          <a:p>
+            <a:pPr algn="ctr"/>
+            <a:endParaRPr lang="es-CR"/>
+          </a:p>
+        </p:txBody>
+      </p:sp>
+      <p:sp>
+        <p:nvSpPr>
+          <p:cNvPr id="5" name="Rectángulo 4">
+            <a:extLst>
+              <a:ext uri="{FF2B5EF4-FFF2-40B4-BE49-F238E27FC236}">
+                <a16:creationId xmlns:a16="http://schemas.microsoft.com/office/drawing/2014/main" id="{D4FF46F2-36D9-BD22-CB64-6B9FA96EC4A8}"/>
+              </a:ext>
+            </a:extLst>
+          </p:cNvPr>
+          <p:cNvSpPr/>
+          <p:nvPr/>
+        </p:nvSpPr>
+        <p:spPr>
+          <a:xfrm>
+            <a:off x="623475" y="1465544"/>
+            <a:ext cx="1602000" cy="1600200"/>
+          </a:xfrm>
+          <a:prstGeom prst="rect">
+            <a:avLst/>
+          </a:prstGeom>
+          <a:solidFill>
+            <a:srgbClr val="FF0000"/>
+          </a:solidFill>
+          <a:ln w="88900">
+            <a:solidFill>
+              <a:schemeClr val="tx1"/>
+            </a:solidFill>
+          </a:ln>
+        </p:spPr>
+        <p:style>
+          <a:lnRef idx="2">
+            <a:schemeClr val="accent1">
+              <a:shade val="15000"/>
+            </a:schemeClr>
+          </a:lnRef>
+          <a:fillRef idx="1">
+            <a:schemeClr val="accent1"/>
+          </a:fillRef>
+          <a:effectRef idx="0">
+            <a:schemeClr val="accent1"/>
+          </a:effectRef>
+          <a:fontRef idx="minor">
+            <a:schemeClr val="lt1"/>
+          </a:fontRef>
+        </p:style>
+        <p:txBody>
+          <a:bodyPr rtlCol="0" anchor="ctr"/>
+          <a:lstStyle/>
+          <a:p>
+            <a:pPr algn="ctr"/>
+            <a:endParaRPr lang="es-CR"/>
+          </a:p>
+        </p:txBody>
+      </p:sp>
+      <p:sp>
+        <p:nvSpPr>
+          <p:cNvPr id="6" name="Rectángulo 5">
+            <a:extLst>
+              <a:ext uri="{FF2B5EF4-FFF2-40B4-BE49-F238E27FC236}">
+                <a16:creationId xmlns:a16="http://schemas.microsoft.com/office/drawing/2014/main" id="{DB41F380-7B9C-45E4-ECE6-1E3E36A22733}"/>
+              </a:ext>
+            </a:extLst>
+          </p:cNvPr>
+          <p:cNvSpPr/>
+          <p:nvPr/>
+        </p:nvSpPr>
+        <p:spPr>
+          <a:xfrm>
+            <a:off x="9966525" y="1465544"/>
+            <a:ext cx="1602000" cy="1600200"/>
+          </a:xfrm>
+          <a:prstGeom prst="rect">
+            <a:avLst/>
+          </a:prstGeom>
+          <a:solidFill>
+            <a:srgbClr val="00FFDF"/>
+          </a:solidFill>
+          <a:ln w="88900">
+            <a:solidFill>
+              <a:schemeClr val="tx1"/>
+            </a:solidFill>
+          </a:ln>
+        </p:spPr>
+        <p:style>
+          <a:lnRef idx="2">
+            <a:schemeClr val="accent1">
+              <a:shade val="15000"/>
+            </a:schemeClr>
+          </a:lnRef>
+          <a:fillRef idx="1">
+            <a:schemeClr val="accent1"/>
+          </a:fillRef>
+          <a:effectRef idx="0">
+            <a:schemeClr val="accent1"/>
+          </a:effectRef>
+          <a:fontRef idx="minor">
+            <a:schemeClr val="lt1"/>
+          </a:fontRef>
+        </p:style>
+        <p:txBody>
+          <a:bodyPr rtlCol="0" anchor="ctr"/>
+          <a:lstStyle/>
+          <a:p>
+            <a:pPr algn="ctr"/>
+            <a:endParaRPr lang="es-CR"/>
+          </a:p>
+        </p:txBody>
+      </p:sp>
+      <p:sp>
+        <p:nvSpPr>
+          <p:cNvPr id="7" name="Rectángulo 6">
+            <a:extLst>
+              <a:ext uri="{FF2B5EF4-FFF2-40B4-BE49-F238E27FC236}">
+                <a16:creationId xmlns:a16="http://schemas.microsoft.com/office/drawing/2014/main" id="{EC21A6DD-2648-D591-91DA-BB149A80E049}"/>
+              </a:ext>
+            </a:extLst>
+          </p:cNvPr>
+          <p:cNvSpPr/>
+          <p:nvPr/>
+        </p:nvSpPr>
+        <p:spPr>
+          <a:xfrm>
+            <a:off x="9966525" y="4718849"/>
+            <a:ext cx="1602000" cy="1600200"/>
+          </a:xfrm>
+          <a:prstGeom prst="rect">
+            <a:avLst/>
+          </a:prstGeom>
+          <a:solidFill>
+            <a:srgbClr val="00B050"/>
+          </a:solidFill>
+          <a:ln w="88900">
+            <a:solidFill>
+              <a:schemeClr val="tx1"/>
+            </a:solidFill>
+          </a:ln>
+        </p:spPr>
+        <p:style>
+          <a:lnRef idx="2">
+            <a:schemeClr val="accent1">
+              <a:shade val="15000"/>
+            </a:schemeClr>
+          </a:lnRef>
+          <a:fillRef idx="1">
+            <a:schemeClr val="accent1"/>
+          </a:fillRef>
+          <a:effectRef idx="0">
+            <a:schemeClr val="accent1"/>
+          </a:effectRef>
+          <a:fontRef idx="minor">
+            <a:schemeClr val="lt1"/>
+          </a:fontRef>
+        </p:style>
+        <p:txBody>
+          <a:bodyPr rtlCol="0" anchor="ctr"/>
+          <a:lstStyle/>
+          <a:p>
+            <a:pPr algn="ctr"/>
+            <a:endParaRPr lang="es-CR" dirty="0"/>
+          </a:p>
+        </p:txBody>
+      </p:sp>
+      <p:sp>
+        <p:nvSpPr>
+          <p:cNvPr id="8" name="Rectángulo 7">
+            <a:extLst>
+              <a:ext uri="{FF2B5EF4-FFF2-40B4-BE49-F238E27FC236}">
+                <a16:creationId xmlns:a16="http://schemas.microsoft.com/office/drawing/2014/main" id="{1A5E1DB3-732D-ACC3-C89F-F48EB4819D94}"/>
+              </a:ext>
+            </a:extLst>
+          </p:cNvPr>
+          <p:cNvSpPr/>
+          <p:nvPr/>
+        </p:nvSpPr>
+        <p:spPr>
+          <a:xfrm>
+            <a:off x="1644555" y="3711701"/>
+            <a:ext cx="2763942" cy="748501"/>
+          </a:xfrm>
+          <a:prstGeom prst="rect">
+            <a:avLst/>
+          </a:prstGeom>
+          <a:solidFill>
+            <a:schemeClr val="tx1"/>
+          </a:solidFill>
+          <a:ln w="88900">
+            <a:solidFill>
+              <a:schemeClr val="tx1"/>
+            </a:solidFill>
+          </a:ln>
+        </p:spPr>
+        <p:style>
+          <a:lnRef idx="2">
+            <a:schemeClr val="accent1">
+              <a:shade val="15000"/>
+            </a:schemeClr>
+          </a:lnRef>
+          <a:fillRef idx="1">
+            <a:schemeClr val="accent1"/>
+          </a:fillRef>
+          <a:effectRef idx="0">
+            <a:schemeClr val="accent1"/>
+          </a:effectRef>
+          <a:fontRef idx="minor">
+            <a:schemeClr val="lt1"/>
+          </a:fontRef>
+        </p:style>
+        <p:txBody>
+          <a:bodyPr rtlCol="0" anchor="ctr"/>
+          <a:lstStyle/>
+          <a:p>
+            <a:pPr algn="ctr"/>
+            <a:r>
+              <a:rPr lang="es-ES" sz="4400" dirty="0">
+                <a:latin typeface="8-bit Operator+ 8" panose="02060503000000000000" pitchFamily="18" charset="0"/>
+              </a:rPr>
+              <a:t>Energía</a:t>
+            </a:r>
+            <a:endParaRPr lang="es-CR" sz="4400" dirty="0">
+              <a:latin typeface="8-bit Operator+ 8" panose="02060503000000000000" pitchFamily="18" charset="0"/>
+            </a:endParaRPr>
+          </a:p>
+        </p:txBody>
+      </p:sp>
+      <p:sp>
+        <p:nvSpPr>
+          <p:cNvPr id="9" name="Rectángulo 8">
+            <a:extLst>
+              <a:ext uri="{FF2B5EF4-FFF2-40B4-BE49-F238E27FC236}">
+                <a16:creationId xmlns:a16="http://schemas.microsoft.com/office/drawing/2014/main" id="{9AC91E23-677E-244B-FBA6-1A41DE554520}"/>
+              </a:ext>
+            </a:extLst>
+          </p:cNvPr>
+          <p:cNvSpPr/>
+          <p:nvPr/>
+        </p:nvSpPr>
+        <p:spPr>
+          <a:xfrm>
+            <a:off x="1644555" y="458396"/>
+            <a:ext cx="2763942" cy="748501"/>
+          </a:xfrm>
+          <a:prstGeom prst="rect">
+            <a:avLst/>
+          </a:prstGeom>
+          <a:solidFill>
+            <a:schemeClr val="tx1"/>
+          </a:solidFill>
+          <a:ln w="88900">
+            <a:solidFill>
+              <a:schemeClr val="tx1"/>
+            </a:solidFill>
+          </a:ln>
+        </p:spPr>
+        <p:style>
+          <a:lnRef idx="2">
+            <a:schemeClr val="accent1">
+              <a:shade val="15000"/>
+            </a:schemeClr>
+          </a:lnRef>
+          <a:fillRef idx="1">
+            <a:schemeClr val="accent1"/>
+          </a:fillRef>
+          <a:effectRef idx="0">
+            <a:schemeClr val="accent1"/>
+          </a:effectRef>
+          <a:fontRef idx="minor">
+            <a:schemeClr val="lt1"/>
+          </a:fontRef>
+        </p:style>
+        <p:txBody>
+          <a:bodyPr rtlCol="0" anchor="ctr"/>
+          <a:lstStyle/>
+          <a:p>
+            <a:pPr algn="ctr"/>
+            <a:r>
+              <a:rPr lang="es-ES" sz="4400" dirty="0">
+                <a:latin typeface="8-bit Operator+ 8" panose="02060503000000000000" pitchFamily="18" charset="0"/>
+              </a:rPr>
+              <a:t>Hambre</a:t>
+            </a:r>
+            <a:endParaRPr lang="es-CR" sz="4400" dirty="0">
+              <a:latin typeface="8-bit Operator+ 8" panose="02060503000000000000" pitchFamily="18" charset="0"/>
+            </a:endParaRPr>
+          </a:p>
+        </p:txBody>
+      </p:sp>
+    </p:spTree>
+    <p:extLst>
+      <p:ext uri="{BB962C8B-B14F-4D97-AF65-F5344CB8AC3E}">
+        <p14:creationId xmlns:p14="http://schemas.microsoft.com/office/powerpoint/2010/main" val="2771488259"/>
+      </p:ext>
+    </p:extLst>
+  </p:cSld>
+  <p:clrMapOvr>
+    <a:masterClrMapping/>
+  </p:clrMapOvr>
+</p:sld>
+</file>
+
+<file path=ppt/slides/slide32.xml><?xml version="1.0" encoding="utf-8"?>
+<p:sld xmlns:a="http://schemas.openxmlformats.org/drawingml/2006/main" xmlns:r="http://schemas.openxmlformats.org/officeDocument/2006/relationships" xmlns:p="http://schemas.openxmlformats.org/presentationml/2006/main">
+  <p:cSld>
+    <p:spTree>
+      <p:nvGrpSpPr>
+        <p:cNvPr id="1" name=""/>
+        <p:cNvGrpSpPr/>
+        <p:nvPr/>
+      </p:nvGrpSpPr>
+      <p:grpSpPr>
+        <a:xfrm>
+          <a:off x="0" y="0"/>
+          <a:ext cx="0" cy="0"/>
+          <a:chOff x="0" y="0"/>
+          <a:chExt cx="0" cy="0"/>
+        </a:xfrm>
+      </p:grpSpPr>
+      <p:sp>
+        <p:nvSpPr>
+          <p:cNvPr id="2" name="Rectángulo 1">
+            <a:extLst>
+              <a:ext uri="{FF2B5EF4-FFF2-40B4-BE49-F238E27FC236}">
+                <a16:creationId xmlns:a16="http://schemas.microsoft.com/office/drawing/2014/main" id="{39B79B21-5EE8-15CA-734C-90E044ED1DAF}"/>
+              </a:ext>
+            </a:extLst>
+          </p:cNvPr>
+          <p:cNvSpPr/>
+          <p:nvPr/>
+        </p:nvSpPr>
+        <p:spPr>
+          <a:xfrm>
+            <a:off x="1283208" y="1027394"/>
+            <a:ext cx="8604504" cy="1600200"/>
+          </a:xfrm>
+          <a:prstGeom prst="rect">
+            <a:avLst/>
+          </a:prstGeom>
+          <a:gradFill>
+            <a:gsLst>
+              <a:gs pos="0">
+                <a:srgbClr val="FF0000"/>
+              </a:gs>
+              <a:gs pos="100000">
+                <a:srgbClr val="00FFDF"/>
+              </a:gs>
+            </a:gsLst>
+            <a:lin ang="0" scaled="0"/>
+          </a:gradFill>
+          <a:ln w="88900">
+            <a:solidFill>
+              <a:schemeClr val="tx1"/>
+            </a:solidFill>
+          </a:ln>
+        </p:spPr>
+        <p:style>
+          <a:lnRef idx="2">
+            <a:schemeClr val="accent1">
+              <a:shade val="15000"/>
+            </a:schemeClr>
+          </a:lnRef>
+          <a:fillRef idx="1">
+            <a:schemeClr val="accent1"/>
+          </a:fillRef>
+          <a:effectRef idx="0">
+            <a:schemeClr val="accent1"/>
+          </a:effectRef>
+          <a:fontRef idx="minor">
+            <a:schemeClr val="lt1"/>
+          </a:fontRef>
+        </p:style>
+        <p:txBody>
+          <a:bodyPr rtlCol="0" anchor="ctr"/>
+          <a:lstStyle/>
+          <a:p>
+            <a:pPr algn="ctr"/>
+            <a:endParaRPr lang="es-CR"/>
+          </a:p>
+        </p:txBody>
+      </p:sp>
+      <p:sp>
+        <p:nvSpPr>
+          <p:cNvPr id="3" name="Rectángulo 2">
+            <a:extLst>
+              <a:ext uri="{FF2B5EF4-FFF2-40B4-BE49-F238E27FC236}">
+                <a16:creationId xmlns:a16="http://schemas.microsoft.com/office/drawing/2014/main" id="{F1B47DD1-9BB7-B89B-DA1F-8ADD19CB863F}"/>
+              </a:ext>
+            </a:extLst>
+          </p:cNvPr>
+          <p:cNvSpPr/>
+          <p:nvPr/>
+        </p:nvSpPr>
+        <p:spPr>
+          <a:xfrm>
+            <a:off x="1283208" y="3429000"/>
+            <a:ext cx="8604504" cy="1600200"/>
+          </a:xfrm>
+          <a:prstGeom prst="rect">
+            <a:avLst/>
+          </a:prstGeom>
+          <a:gradFill>
+            <a:gsLst>
+              <a:gs pos="0">
+                <a:srgbClr val="FF0000"/>
+              </a:gs>
+              <a:gs pos="100000">
+                <a:srgbClr val="76FF00"/>
+              </a:gs>
+            </a:gsLst>
+            <a:lin ang="0" scaled="0"/>
+          </a:gradFill>
+          <a:ln w="88900">
+            <a:solidFill>
+              <a:schemeClr val="tx1"/>
+            </a:solidFill>
+          </a:ln>
+        </p:spPr>
+        <p:style>
+          <a:lnRef idx="2">
+            <a:schemeClr val="accent1">
+              <a:shade val="15000"/>
+            </a:schemeClr>
+          </a:lnRef>
+          <a:fillRef idx="1">
+            <a:schemeClr val="accent1"/>
+          </a:fillRef>
+          <a:effectRef idx="0">
+            <a:schemeClr val="accent1"/>
+          </a:effectRef>
+          <a:fontRef idx="minor">
+            <a:schemeClr val="lt1"/>
+          </a:fontRef>
+        </p:style>
+        <p:txBody>
+          <a:bodyPr rtlCol="0" anchor="ctr"/>
+          <a:lstStyle/>
+          <a:p>
+            <a:pPr algn="ctr"/>
+            <a:endParaRPr lang="es-CR"/>
+          </a:p>
+        </p:txBody>
+      </p:sp>
+    </p:spTree>
+    <p:extLst>
+      <p:ext uri="{BB962C8B-B14F-4D97-AF65-F5344CB8AC3E}">
+        <p14:creationId xmlns:p14="http://schemas.microsoft.com/office/powerpoint/2010/main" val="1532521925"/>
+      </p:ext>
+    </p:extLst>
+  </p:cSld>
+  <p:clrMapOvr>
+    <a:masterClrMapping/>
+  </p:clrMapOvr>
+</p:sld>
+</file>
+
+<file path=ppt/slides/slide33.xml><?xml version="1.0" encoding="utf-8"?>
+<p:sld xmlns:a="http://schemas.openxmlformats.org/drawingml/2006/main" xmlns:r="http://schemas.openxmlformats.org/officeDocument/2006/relationships" xmlns:p="http://schemas.openxmlformats.org/presentationml/2006/main">
+  <p:cSld>
+    <p:spTree>
+      <p:nvGrpSpPr>
+        <p:cNvPr id="1" name="">
+          <a:extLst>
+            <a:ext uri="{FF2B5EF4-FFF2-40B4-BE49-F238E27FC236}">
+              <a16:creationId xmlns:a16="http://schemas.microsoft.com/office/drawing/2014/main" id="{51652DF1-F268-B606-12F8-E9335268E023}"/>
+            </a:ext>
+          </a:extLst>
+        </p:cNvPr>
+        <p:cNvGrpSpPr/>
+        <p:nvPr/>
+      </p:nvGrpSpPr>
+      <p:grpSpPr>
+        <a:xfrm>
+          <a:off x="0" y="0"/>
+          <a:ext cx="0" cy="0"/>
+          <a:chOff x="0" y="0"/>
+          <a:chExt cx="0" cy="0"/>
+        </a:xfrm>
+      </p:grpSpPr>
+      <p:sp>
+        <p:nvSpPr>
+          <p:cNvPr id="2" name="Rectángulo 1">
+            <a:extLst>
+              <a:ext uri="{FF2B5EF4-FFF2-40B4-BE49-F238E27FC236}">
+                <a16:creationId xmlns:a16="http://schemas.microsoft.com/office/drawing/2014/main" id="{89137E62-EEC4-B88A-B54E-58888EA4CF8A}"/>
+              </a:ext>
+            </a:extLst>
+          </p:cNvPr>
+          <p:cNvSpPr/>
+          <p:nvPr/>
+        </p:nvSpPr>
+        <p:spPr>
+          <a:xfrm>
+            <a:off x="1283208" y="1027394"/>
+            <a:ext cx="8604504" cy="1600200"/>
+          </a:xfrm>
+          <a:prstGeom prst="rect">
+            <a:avLst/>
+          </a:prstGeom>
+          <a:gradFill>
+            <a:gsLst>
+              <a:gs pos="0">
+                <a:srgbClr val="FF0000"/>
+              </a:gs>
+              <a:gs pos="50000">
+                <a:srgbClr val="00FFDF"/>
+              </a:gs>
+            </a:gsLst>
+            <a:lin ang="0" scaled="0"/>
+          </a:gradFill>
+          <a:ln w="88900">
+            <a:solidFill>
+              <a:schemeClr val="tx1"/>
+            </a:solidFill>
+          </a:ln>
+        </p:spPr>
+        <p:style>
+          <a:lnRef idx="2">
+            <a:schemeClr val="accent1">
+              <a:shade val="15000"/>
+            </a:schemeClr>
+          </a:lnRef>
+          <a:fillRef idx="1">
+            <a:schemeClr val="accent1"/>
+          </a:fillRef>
+          <a:effectRef idx="0">
+            <a:schemeClr val="accent1"/>
+          </a:effectRef>
+          <a:fontRef idx="minor">
+            <a:schemeClr val="lt1"/>
+          </a:fontRef>
+        </p:style>
+        <p:txBody>
+          <a:bodyPr rtlCol="0" anchor="ctr"/>
+          <a:lstStyle/>
+          <a:p>
+            <a:pPr algn="ctr"/>
+            <a:endParaRPr lang="es-CR"/>
+          </a:p>
+        </p:txBody>
+      </p:sp>
+      <p:sp>
+        <p:nvSpPr>
+          <p:cNvPr id="3" name="Rectángulo 2">
+            <a:extLst>
+              <a:ext uri="{FF2B5EF4-FFF2-40B4-BE49-F238E27FC236}">
+                <a16:creationId xmlns:a16="http://schemas.microsoft.com/office/drawing/2014/main" id="{272E7DE4-D816-4F20-F5FE-A30F872F584A}"/>
+              </a:ext>
+            </a:extLst>
+          </p:cNvPr>
+          <p:cNvSpPr/>
+          <p:nvPr/>
+        </p:nvSpPr>
+        <p:spPr>
+          <a:xfrm>
+            <a:off x="1283208" y="3429000"/>
+            <a:ext cx="8604504" cy="1600200"/>
+          </a:xfrm>
+          <a:prstGeom prst="rect">
+            <a:avLst/>
+          </a:prstGeom>
+          <a:gradFill>
+            <a:gsLst>
+              <a:gs pos="0">
+                <a:srgbClr val="FF0000"/>
+              </a:gs>
+              <a:gs pos="50000">
+                <a:srgbClr val="76FF00"/>
+              </a:gs>
+            </a:gsLst>
+            <a:lin ang="0" scaled="0"/>
+          </a:gradFill>
+          <a:ln w="88900">
+            <a:solidFill>
+              <a:schemeClr val="tx1"/>
+            </a:solidFill>
+          </a:ln>
+        </p:spPr>
+        <p:style>
+          <a:lnRef idx="2">
+            <a:schemeClr val="accent1">
+              <a:shade val="15000"/>
+            </a:schemeClr>
+          </a:lnRef>
+          <a:fillRef idx="1">
+            <a:schemeClr val="accent1"/>
+          </a:fillRef>
+          <a:effectRef idx="0">
+            <a:schemeClr val="accent1"/>
+          </a:effectRef>
+          <a:fontRef idx="minor">
+            <a:schemeClr val="lt1"/>
+          </a:fontRef>
+        </p:style>
+        <p:txBody>
+          <a:bodyPr rtlCol="0" anchor="ctr"/>
+          <a:lstStyle/>
+          <a:p>
+            <a:pPr algn="ctr"/>
+            <a:endParaRPr lang="es-CR"/>
+          </a:p>
+        </p:txBody>
+      </p:sp>
+    </p:spTree>
+    <p:extLst>
+      <p:ext uri="{BB962C8B-B14F-4D97-AF65-F5344CB8AC3E}">
+        <p14:creationId xmlns:p14="http://schemas.microsoft.com/office/powerpoint/2010/main" val="383456091"/>
+      </p:ext>
+    </p:extLst>
+  </p:cSld>
+  <p:clrMapOvr>
+    <a:masterClrMapping/>
+  </p:clrMapOvr>
+</p:sld>
+</file>
+
+<file path=ppt/slides/slide34.xml><?xml version="1.0" encoding="utf-8"?>
+<p:sld xmlns:a="http://schemas.openxmlformats.org/drawingml/2006/main" xmlns:r="http://schemas.openxmlformats.org/officeDocument/2006/relationships" xmlns:p="http://schemas.openxmlformats.org/presentationml/2006/main">
+  <p:cSld>
+    <p:spTree>
+      <p:nvGrpSpPr>
+        <p:cNvPr id="1" name="">
+          <a:extLst>
+            <a:ext uri="{FF2B5EF4-FFF2-40B4-BE49-F238E27FC236}">
+              <a16:creationId xmlns:a16="http://schemas.microsoft.com/office/drawing/2014/main" id="{6838BFD1-A7E0-861D-7347-70631E7B17BC}"/>
+            </a:ext>
+          </a:extLst>
+        </p:cNvPr>
+        <p:cNvGrpSpPr/>
+        <p:nvPr/>
+      </p:nvGrpSpPr>
+      <p:grpSpPr>
+        <a:xfrm>
+          <a:off x="0" y="0"/>
+          <a:ext cx="0" cy="0"/>
+          <a:chOff x="0" y="0"/>
+          <a:chExt cx="0" cy="0"/>
+        </a:xfrm>
+      </p:grpSpPr>
+      <p:sp>
+        <p:nvSpPr>
+          <p:cNvPr id="2" name="Rectángulo 1">
+            <a:extLst>
+              <a:ext uri="{FF2B5EF4-FFF2-40B4-BE49-F238E27FC236}">
+                <a16:creationId xmlns:a16="http://schemas.microsoft.com/office/drawing/2014/main" id="{6F05AF94-4BB2-9A09-BE2F-B5B71EA1EA9E}"/>
+              </a:ext>
+            </a:extLst>
+          </p:cNvPr>
+          <p:cNvSpPr/>
+          <p:nvPr/>
+        </p:nvSpPr>
+        <p:spPr>
+          <a:xfrm>
+            <a:off x="1283208" y="1027394"/>
+            <a:ext cx="8604504" cy="1600200"/>
+          </a:xfrm>
+          <a:prstGeom prst="rect">
+            <a:avLst/>
+          </a:prstGeom>
+          <a:gradFill>
+            <a:gsLst>
+              <a:gs pos="0">
+                <a:srgbClr val="FF0000"/>
+              </a:gs>
+              <a:gs pos="25000">
+                <a:srgbClr val="00FFDF"/>
+              </a:gs>
+            </a:gsLst>
+            <a:lin ang="0" scaled="0"/>
+          </a:gradFill>
+          <a:ln w="88900">
+            <a:solidFill>
+              <a:schemeClr val="tx1"/>
+            </a:solidFill>
+          </a:ln>
+        </p:spPr>
+        <p:style>
+          <a:lnRef idx="2">
+            <a:schemeClr val="accent1">
+              <a:shade val="15000"/>
+            </a:schemeClr>
+          </a:lnRef>
+          <a:fillRef idx="1">
+            <a:schemeClr val="accent1"/>
+          </a:fillRef>
+          <a:effectRef idx="0">
+            <a:schemeClr val="accent1"/>
+          </a:effectRef>
+          <a:fontRef idx="minor">
+            <a:schemeClr val="lt1"/>
+          </a:fontRef>
+        </p:style>
+        <p:txBody>
+          <a:bodyPr rtlCol="0" anchor="ctr"/>
+          <a:lstStyle/>
+          <a:p>
+            <a:pPr algn="ctr"/>
+            <a:endParaRPr lang="es-CR"/>
+          </a:p>
+        </p:txBody>
+      </p:sp>
+      <p:sp>
+        <p:nvSpPr>
+          <p:cNvPr id="3" name="Rectángulo 2">
+            <a:extLst>
+              <a:ext uri="{FF2B5EF4-FFF2-40B4-BE49-F238E27FC236}">
+                <a16:creationId xmlns:a16="http://schemas.microsoft.com/office/drawing/2014/main" id="{CB5C3B00-ED90-0D83-F0C5-07406791724C}"/>
+              </a:ext>
+            </a:extLst>
+          </p:cNvPr>
+          <p:cNvSpPr/>
+          <p:nvPr/>
+        </p:nvSpPr>
+        <p:spPr>
+          <a:xfrm>
+            <a:off x="1283208" y="3429000"/>
+            <a:ext cx="8604504" cy="1600200"/>
+          </a:xfrm>
+          <a:prstGeom prst="rect">
+            <a:avLst/>
+          </a:prstGeom>
+          <a:gradFill>
+            <a:gsLst>
+              <a:gs pos="0">
+                <a:srgbClr val="FF0000"/>
+              </a:gs>
+              <a:gs pos="25000">
+                <a:srgbClr val="76FF00"/>
+              </a:gs>
+            </a:gsLst>
+            <a:lin ang="0" scaled="0"/>
+          </a:gradFill>
+          <a:ln w="88900">
+            <a:solidFill>
+              <a:schemeClr val="tx1"/>
+            </a:solidFill>
+          </a:ln>
+        </p:spPr>
+        <p:style>
+          <a:lnRef idx="2">
+            <a:schemeClr val="accent1">
+              <a:shade val="15000"/>
+            </a:schemeClr>
+          </a:lnRef>
+          <a:fillRef idx="1">
+            <a:schemeClr val="accent1"/>
+          </a:fillRef>
+          <a:effectRef idx="0">
+            <a:schemeClr val="accent1"/>
+          </a:effectRef>
+          <a:fontRef idx="minor">
+            <a:schemeClr val="lt1"/>
+          </a:fontRef>
+        </p:style>
+        <p:txBody>
+          <a:bodyPr rtlCol="0" anchor="ctr"/>
+          <a:lstStyle/>
+          <a:p>
+            <a:pPr algn="ctr"/>
+            <a:endParaRPr lang="es-CR"/>
+          </a:p>
+        </p:txBody>
+      </p:sp>
+    </p:spTree>
+    <p:extLst>
+      <p:ext uri="{BB962C8B-B14F-4D97-AF65-F5344CB8AC3E}">
+        <p14:creationId xmlns:p14="http://schemas.microsoft.com/office/powerpoint/2010/main" val="444509655"/>
+      </p:ext>
+    </p:extLst>
+  </p:cSld>
+  <p:clrMapOvr>
+    <a:masterClrMapping/>
+  </p:clrMapOvr>
+</p:sld>
+</file>
+
+<file path=ppt/slides/slide35.xml><?xml version="1.0" encoding="utf-8"?>
+<p:sld xmlns:a="http://schemas.openxmlformats.org/drawingml/2006/main" xmlns:r="http://schemas.openxmlformats.org/officeDocument/2006/relationships" xmlns:p="http://schemas.openxmlformats.org/presentationml/2006/main">
+  <p:cSld>
+    <p:spTree>
+      <p:nvGrpSpPr>
+        <p:cNvPr id="1" name="">
+          <a:extLst>
+            <a:ext uri="{FF2B5EF4-FFF2-40B4-BE49-F238E27FC236}">
+              <a16:creationId xmlns:a16="http://schemas.microsoft.com/office/drawing/2014/main" id="{D3576EBD-F288-7187-DAFD-0D319C5E8F32}"/>
+            </a:ext>
+          </a:extLst>
+        </p:cNvPr>
+        <p:cNvGrpSpPr/>
+        <p:nvPr/>
+      </p:nvGrpSpPr>
+      <p:grpSpPr>
+        <a:xfrm>
+          <a:off x="0" y="0"/>
+          <a:ext cx="0" cy="0"/>
+          <a:chOff x="0" y="0"/>
+          <a:chExt cx="0" cy="0"/>
+        </a:xfrm>
+      </p:grpSpPr>
+      <p:sp>
+        <p:nvSpPr>
+          <p:cNvPr id="2" name="Rectángulo 1">
+            <a:extLst>
+              <a:ext uri="{FF2B5EF4-FFF2-40B4-BE49-F238E27FC236}">
+                <a16:creationId xmlns:a16="http://schemas.microsoft.com/office/drawing/2014/main" id="{A316DB0E-9403-1914-FE77-72522BF33F49}"/>
+              </a:ext>
+            </a:extLst>
+          </p:cNvPr>
+          <p:cNvSpPr/>
+          <p:nvPr/>
+        </p:nvSpPr>
+        <p:spPr>
+          <a:xfrm>
+            <a:off x="1283208" y="1027394"/>
+            <a:ext cx="8604504" cy="1600200"/>
+          </a:xfrm>
+          <a:prstGeom prst="rect">
+            <a:avLst/>
+          </a:prstGeom>
+          <a:gradFill>
+            <a:gsLst>
+              <a:gs pos="0">
+                <a:srgbClr val="FF6600"/>
+              </a:gs>
+              <a:gs pos="50000">
+                <a:srgbClr val="00FFDF"/>
+              </a:gs>
+            </a:gsLst>
+            <a:lin ang="0" scaled="0"/>
+          </a:gradFill>
+          <a:ln w="88900">
+            <a:solidFill>
+              <a:schemeClr val="tx1"/>
+            </a:solidFill>
+          </a:ln>
+        </p:spPr>
+        <p:style>
+          <a:lnRef idx="2">
+            <a:schemeClr val="accent1">
+              <a:shade val="15000"/>
+            </a:schemeClr>
+          </a:lnRef>
+          <a:fillRef idx="1">
+            <a:schemeClr val="accent1"/>
+          </a:fillRef>
+          <a:effectRef idx="0">
+            <a:schemeClr val="accent1"/>
+          </a:effectRef>
+          <a:fontRef idx="minor">
+            <a:schemeClr val="lt1"/>
+          </a:fontRef>
+        </p:style>
+        <p:txBody>
+          <a:bodyPr rtlCol="0" anchor="ctr"/>
+          <a:lstStyle/>
+          <a:p>
+            <a:pPr algn="ctr"/>
+            <a:endParaRPr lang="es-CR"/>
+          </a:p>
+        </p:txBody>
+      </p:sp>
+      <p:sp>
+        <p:nvSpPr>
+          <p:cNvPr id="3" name="Rectángulo 2">
+            <a:extLst>
+              <a:ext uri="{FF2B5EF4-FFF2-40B4-BE49-F238E27FC236}">
+                <a16:creationId xmlns:a16="http://schemas.microsoft.com/office/drawing/2014/main" id="{635865DD-39CD-E7E7-1EB7-24DD3F43ADE3}"/>
+              </a:ext>
+            </a:extLst>
+          </p:cNvPr>
+          <p:cNvSpPr/>
+          <p:nvPr/>
+        </p:nvSpPr>
+        <p:spPr>
+          <a:xfrm>
+            <a:off x="1283208" y="3429000"/>
+            <a:ext cx="8604504" cy="1600200"/>
+          </a:xfrm>
+          <a:prstGeom prst="rect">
+            <a:avLst/>
+          </a:prstGeom>
+          <a:gradFill>
+            <a:gsLst>
+              <a:gs pos="0">
+                <a:srgbClr val="FF6600"/>
+              </a:gs>
+              <a:gs pos="50000">
+                <a:srgbClr val="76FF00"/>
+              </a:gs>
+            </a:gsLst>
+            <a:lin ang="0" scaled="0"/>
+          </a:gradFill>
+          <a:ln w="88900">
+            <a:solidFill>
+              <a:schemeClr val="tx1"/>
+            </a:solidFill>
+          </a:ln>
+        </p:spPr>
+        <p:style>
+          <a:lnRef idx="2">
+            <a:schemeClr val="accent1">
+              <a:shade val="15000"/>
+            </a:schemeClr>
+          </a:lnRef>
+          <a:fillRef idx="1">
+            <a:schemeClr val="accent1"/>
+          </a:fillRef>
+          <a:effectRef idx="0">
+            <a:schemeClr val="accent1"/>
+          </a:effectRef>
+          <a:fontRef idx="minor">
+            <a:schemeClr val="lt1"/>
+          </a:fontRef>
+        </p:style>
+        <p:txBody>
+          <a:bodyPr rtlCol="0" anchor="ctr"/>
+          <a:lstStyle/>
+          <a:p>
+            <a:pPr algn="ctr"/>
+            <a:endParaRPr lang="es-CR"/>
+          </a:p>
+        </p:txBody>
+      </p:sp>
     </p:spTree>
     <p:extLst>
       <p:ext uri="{BB962C8B-B14F-4D97-AF65-F5344CB8AC3E}">
@@ -19382,7 +22202,7 @@
 </p:sld>
 </file>
 
-<file path=ppt/slides/slide31.xml><?xml version="1.0" encoding="utf-8"?>
+<file path=ppt/slides/slide36.xml><?xml version="1.0" encoding="utf-8"?>
 <p:sld xmlns:a="http://schemas.openxmlformats.org/drawingml/2006/main" xmlns:r="http://schemas.openxmlformats.org/officeDocument/2006/relationships" xmlns:p="http://schemas.openxmlformats.org/presentationml/2006/main">
   <p:cSld>
     <p:bg>
@@ -19904,7 +22724,7 @@
 </p:sld>
 </file>
 
-<file path=ppt/slides/slide32.xml><?xml version="1.0" encoding="utf-8"?>
+<file path=ppt/slides/slide37.xml><?xml version="1.0" encoding="utf-8"?>
 <p:sld xmlns:a="http://schemas.openxmlformats.org/drawingml/2006/main" xmlns:r="http://schemas.openxmlformats.org/officeDocument/2006/relationships" xmlns:p="http://schemas.openxmlformats.org/presentationml/2006/main">
   <p:cSld>
     <p:spTree>
@@ -20198,7 +23018,7 @@
 </p:sld>
 </file>
 
-<file path=ppt/slides/slide33.xml><?xml version="1.0" encoding="utf-8"?>
+<file path=ppt/slides/slide38.xml><?xml version="1.0" encoding="utf-8"?>
 <p:sld xmlns:a="http://schemas.openxmlformats.org/drawingml/2006/main" xmlns:r="http://schemas.openxmlformats.org/officeDocument/2006/relationships" xmlns:p="http://schemas.openxmlformats.org/presentationml/2006/main">
   <p:cSld>
     <p:spTree>
@@ -20788,7 +23608,7 @@
 </p:sld>
 </file>
 
-<file path=ppt/slides/slide34.xml><?xml version="1.0" encoding="utf-8"?>
+<file path=ppt/slides/slide39.xml><?xml version="1.0" encoding="utf-8"?>
 <p:sld xmlns:a="http://schemas.openxmlformats.org/drawingml/2006/main" xmlns:r="http://schemas.openxmlformats.org/officeDocument/2006/relationships" xmlns:p="http://schemas.openxmlformats.org/presentationml/2006/main">
   <p:cSld>
     <p:spTree>
@@ -20987,444 +23807,6 @@
     <p:extLst>
       <p:ext uri="{BB962C8B-B14F-4D97-AF65-F5344CB8AC3E}">
         <p14:creationId xmlns:p14="http://schemas.microsoft.com/office/powerpoint/2010/main" val="2266770812"/>
-      </p:ext>
-    </p:extLst>
-  </p:cSld>
-  <p:clrMapOvr>
-    <a:masterClrMapping/>
-  </p:clrMapOvr>
-</p:sld>
-</file>
-
-<file path=ppt/slides/slide35.xml><?xml version="1.0" encoding="utf-8"?>
-<p:sld xmlns:a="http://schemas.openxmlformats.org/drawingml/2006/main" xmlns:r="http://schemas.openxmlformats.org/officeDocument/2006/relationships" xmlns:p="http://schemas.openxmlformats.org/presentationml/2006/main">
-  <p:cSld>
-    <p:spTree>
-      <p:nvGrpSpPr>
-        <p:cNvPr id="1" name="">
-          <a:extLst>
-            <a:ext uri="{FF2B5EF4-FFF2-40B4-BE49-F238E27FC236}">
-              <a16:creationId xmlns:a16="http://schemas.microsoft.com/office/drawing/2014/main" id="{7C494096-6C55-1AA5-1E41-40F506529C40}"/>
-            </a:ext>
-          </a:extLst>
-        </p:cNvPr>
-        <p:cNvGrpSpPr/>
-        <p:nvPr/>
-      </p:nvGrpSpPr>
-      <p:grpSpPr>
-        <a:xfrm>
-          <a:off x="0" y="0"/>
-          <a:ext cx="0" cy="0"/>
-          <a:chOff x="0" y="0"/>
-          <a:chExt cx="0" cy="0"/>
-        </a:xfrm>
-      </p:grpSpPr>
-      <p:pic>
-        <p:nvPicPr>
-          <p:cNvPr id="7" name="Gráfico 6" descr="Insignia de cruz con relleno sólido">
-            <a:extLst>
-              <a:ext uri="{FF2B5EF4-FFF2-40B4-BE49-F238E27FC236}">
-                <a16:creationId xmlns:a16="http://schemas.microsoft.com/office/drawing/2014/main" id="{33B9ABEF-15C7-4083-5876-76B4F7E7323F}"/>
-              </a:ext>
-            </a:extLst>
-          </p:cNvPr>
-          <p:cNvPicPr>
-            <a:picLocks noChangeAspect="1"/>
-          </p:cNvPicPr>
-          <p:nvPr/>
-        </p:nvPicPr>
-        <p:blipFill>
-          <a:blip r:embed="rId2">
-            <a:extLst>
-              <a:ext uri="{96DAC541-7B7A-43D3-8B79-37D633B846F1}">
-                <asvg:svgBlip xmlns:asvg="http://schemas.microsoft.com/office/drawing/2016/SVG/main" r:embed="rId3"/>
-              </a:ext>
-            </a:extLst>
-          </a:blip>
-          <a:stretch>
-            <a:fillRect/>
-          </a:stretch>
-        </p:blipFill>
-        <p:spPr>
-          <a:xfrm>
-            <a:off x="8077008" y="781128"/>
-            <a:ext cx="4028160" cy="4028160"/>
-          </a:xfrm>
-          <a:prstGeom prst="rect">
-            <a:avLst/>
-          </a:prstGeom>
-        </p:spPr>
-      </p:pic>
-      <p:pic>
-        <p:nvPicPr>
-          <p:cNvPr id="11" name="Gráfico 10" descr="Señal de negación con relleno sólido">
-            <a:extLst>
-              <a:ext uri="{FF2B5EF4-FFF2-40B4-BE49-F238E27FC236}">
-                <a16:creationId xmlns:a16="http://schemas.microsoft.com/office/drawing/2014/main" id="{C2DA2591-E1D4-8C37-0658-955B9EAB3A17}"/>
-              </a:ext>
-            </a:extLst>
-          </p:cNvPr>
-          <p:cNvPicPr>
-            <a:picLocks noChangeAspect="1"/>
-          </p:cNvPicPr>
-          <p:nvPr/>
-        </p:nvPicPr>
-        <p:blipFill>
-          <a:blip r:embed="rId4">
-            <a:extLst>
-              <a:ext uri="{96DAC541-7B7A-43D3-8B79-37D633B846F1}">
-                <asvg:svgBlip xmlns:asvg="http://schemas.microsoft.com/office/drawing/2016/SVG/main" r:embed="rId5"/>
-              </a:ext>
-            </a:extLst>
-          </a:blip>
-          <a:stretch>
-            <a:fillRect/>
-          </a:stretch>
-        </p:blipFill>
-        <p:spPr>
-          <a:xfrm>
-            <a:off x="4114992" y="781128"/>
-            <a:ext cx="4028160" cy="4028160"/>
-          </a:xfrm>
-          <a:prstGeom prst="rect">
-            <a:avLst/>
-          </a:prstGeom>
-        </p:spPr>
-      </p:pic>
-      <p:sp>
-        <p:nvSpPr>
-          <p:cNvPr id="2" name="Rectángulo 1">
-            <a:extLst>
-              <a:ext uri="{FF2B5EF4-FFF2-40B4-BE49-F238E27FC236}">
-                <a16:creationId xmlns:a16="http://schemas.microsoft.com/office/drawing/2014/main" id="{07C09E62-6B3B-47A0-07A6-C10AD7D244C0}"/>
-              </a:ext>
-            </a:extLst>
-          </p:cNvPr>
-          <p:cNvSpPr/>
-          <p:nvPr/>
-        </p:nvSpPr>
-        <p:spPr>
-          <a:xfrm>
-            <a:off x="8924124" y="4504104"/>
-            <a:ext cx="2333928" cy="1220040"/>
-          </a:xfrm>
-          <a:prstGeom prst="rect">
-            <a:avLst/>
-          </a:prstGeom>
-          <a:noFill/>
-          <a:ln>
-            <a:noFill/>
-          </a:ln>
-        </p:spPr>
-        <p:style>
-          <a:lnRef idx="2">
-            <a:schemeClr val="accent1">
-              <a:shade val="15000"/>
-            </a:schemeClr>
-          </a:lnRef>
-          <a:fillRef idx="1">
-            <a:schemeClr val="accent1"/>
-          </a:fillRef>
-          <a:effectRef idx="0">
-            <a:schemeClr val="accent1"/>
-          </a:effectRef>
-          <a:fontRef idx="minor">
-            <a:schemeClr val="lt1"/>
-          </a:fontRef>
-        </p:style>
-        <p:txBody>
-          <a:bodyPr rtlCol="0" anchor="ctr"/>
-          <a:lstStyle/>
-          <a:p>
-            <a:pPr algn="ctr"/>
-            <a:r>
-              <a:rPr lang="es-ES" sz="3600" dirty="0">
-                <a:solidFill>
-                  <a:schemeClr val="tx1"/>
-                </a:solidFill>
-                <a:latin typeface="8-bit Operator+ 8" panose="02060503000000000000" pitchFamily="18" charset="0"/>
-              </a:rPr>
-              <a:t>2do lugar</a:t>
-            </a:r>
-            <a:endParaRPr lang="es-CR" sz="3600" dirty="0">
-              <a:solidFill>
-                <a:schemeClr val="tx1"/>
-              </a:solidFill>
-              <a:latin typeface="8-bit Operator+ 8" panose="02060503000000000000" pitchFamily="18" charset="0"/>
-            </a:endParaRPr>
-          </a:p>
-        </p:txBody>
-      </p:sp>
-    </p:spTree>
-    <p:extLst>
-      <p:ext uri="{BB962C8B-B14F-4D97-AF65-F5344CB8AC3E}">
-        <p14:creationId xmlns:p14="http://schemas.microsoft.com/office/powerpoint/2010/main" val="615952599"/>
-      </p:ext>
-    </p:extLst>
-  </p:cSld>
-  <p:clrMapOvr>
-    <a:masterClrMapping/>
-  </p:clrMapOvr>
-</p:sld>
-</file>
-
-<file path=ppt/slides/slide36.xml><?xml version="1.0" encoding="utf-8"?>
-<p:sld xmlns:a="http://schemas.openxmlformats.org/drawingml/2006/main" xmlns:r="http://schemas.openxmlformats.org/officeDocument/2006/relationships" xmlns:p="http://schemas.openxmlformats.org/presentationml/2006/main">
-  <p:cSld>
-    <p:spTree>
-      <p:nvGrpSpPr>
-        <p:cNvPr id="1" name="">
-          <a:extLst>
-            <a:ext uri="{FF2B5EF4-FFF2-40B4-BE49-F238E27FC236}">
-              <a16:creationId xmlns:a16="http://schemas.microsoft.com/office/drawing/2014/main" id="{9DD48EBB-C2E4-4ABE-675C-5B771D726121}"/>
-            </a:ext>
-          </a:extLst>
-        </p:cNvPr>
-        <p:cNvGrpSpPr/>
-        <p:nvPr/>
-      </p:nvGrpSpPr>
-      <p:grpSpPr>
-        <a:xfrm>
-          <a:off x="0" y="0"/>
-          <a:ext cx="0" cy="0"/>
-          <a:chOff x="0" y="0"/>
-          <a:chExt cx="0" cy="0"/>
-        </a:xfrm>
-      </p:grpSpPr>
-      <p:pic>
-        <p:nvPicPr>
-          <p:cNvPr id="11" name="Gráfico 10" descr="Señal de negación con relleno sólido">
-            <a:extLst>
-              <a:ext uri="{FF2B5EF4-FFF2-40B4-BE49-F238E27FC236}">
-                <a16:creationId xmlns:a16="http://schemas.microsoft.com/office/drawing/2014/main" id="{997F895A-97D3-4437-C13D-DDDF0030880C}"/>
-              </a:ext>
-            </a:extLst>
-          </p:cNvPr>
-          <p:cNvPicPr>
-            <a:picLocks noChangeAspect="1"/>
-          </p:cNvPicPr>
-          <p:nvPr/>
-        </p:nvPicPr>
-        <p:blipFill>
-          <a:blip r:embed="rId2">
-            <a:extLst>
-              <a:ext uri="{96DAC541-7B7A-43D3-8B79-37D633B846F1}">
-                <asvg:svgBlip xmlns:asvg="http://schemas.microsoft.com/office/drawing/2016/SVG/main" r:embed="rId3"/>
-              </a:ext>
-            </a:extLst>
-          </a:blip>
-          <a:stretch>
-            <a:fillRect/>
-          </a:stretch>
-        </p:blipFill>
-        <p:spPr>
-          <a:xfrm>
-            <a:off x="4081920" y="781128"/>
-            <a:ext cx="4028160" cy="4028160"/>
-          </a:xfrm>
-          <a:prstGeom prst="rect">
-            <a:avLst/>
-          </a:prstGeom>
-        </p:spPr>
-      </p:pic>
-      <p:sp>
-        <p:nvSpPr>
-          <p:cNvPr id="2" name="Rectángulo 1">
-            <a:extLst>
-              <a:ext uri="{FF2B5EF4-FFF2-40B4-BE49-F238E27FC236}">
-                <a16:creationId xmlns:a16="http://schemas.microsoft.com/office/drawing/2014/main" id="{34DFEAAD-EF12-2469-A189-364AAE319759}"/>
-              </a:ext>
-            </a:extLst>
-          </p:cNvPr>
-          <p:cNvSpPr/>
-          <p:nvPr/>
-        </p:nvSpPr>
-        <p:spPr>
-          <a:xfrm>
-            <a:off x="3514974" y="4494960"/>
-            <a:ext cx="5162052" cy="1677240"/>
-          </a:xfrm>
-          <a:prstGeom prst="rect">
-            <a:avLst/>
-          </a:prstGeom>
-          <a:noFill/>
-          <a:ln>
-            <a:noFill/>
-          </a:ln>
-        </p:spPr>
-        <p:style>
-          <a:lnRef idx="2">
-            <a:schemeClr val="accent1">
-              <a:shade val="15000"/>
-            </a:schemeClr>
-          </a:lnRef>
-          <a:fillRef idx="1">
-            <a:schemeClr val="accent1"/>
-          </a:fillRef>
-          <a:effectRef idx="0">
-            <a:schemeClr val="accent1"/>
-          </a:effectRef>
-          <a:fontRef idx="minor">
-            <a:schemeClr val="lt1"/>
-          </a:fontRef>
-        </p:style>
-        <p:txBody>
-          <a:bodyPr rtlCol="0" anchor="ctr"/>
-          <a:lstStyle/>
-          <a:p>
-            <a:pPr algn="ctr"/>
-            <a:r>
-              <a:rPr lang="es-ES" sz="7200" dirty="0">
-                <a:solidFill>
-                  <a:schemeClr val="tx1"/>
-                </a:solidFill>
-                <a:latin typeface="8-bit Operator+ 8" panose="02060503000000000000" pitchFamily="18" charset="0"/>
-              </a:rPr>
-              <a:t>¡GANADOR!</a:t>
-            </a:r>
-            <a:endParaRPr lang="es-CR" sz="7200" dirty="0">
-              <a:solidFill>
-                <a:schemeClr val="tx1"/>
-              </a:solidFill>
-              <a:latin typeface="8-bit Operator+ 8" panose="02060503000000000000" pitchFamily="18" charset="0"/>
-            </a:endParaRPr>
-          </a:p>
-        </p:txBody>
-      </p:sp>
-    </p:spTree>
-    <p:extLst>
-      <p:ext uri="{BB962C8B-B14F-4D97-AF65-F5344CB8AC3E}">
-        <p14:creationId xmlns:p14="http://schemas.microsoft.com/office/powerpoint/2010/main" val="1480794879"/>
-      </p:ext>
-    </p:extLst>
-  </p:cSld>
-  <p:clrMapOvr>
-    <a:masterClrMapping/>
-  </p:clrMapOvr>
-</p:sld>
-</file>
-
-<file path=ppt/slides/slide37.xml><?xml version="1.0" encoding="utf-8"?>
-<p:sld xmlns:a="http://schemas.openxmlformats.org/drawingml/2006/main" xmlns:r="http://schemas.openxmlformats.org/officeDocument/2006/relationships" xmlns:p="http://schemas.openxmlformats.org/presentationml/2006/main">
-  <p:cSld>
-    <p:spTree>
-      <p:nvGrpSpPr>
-        <p:cNvPr id="1" name="">
-          <a:extLst>
-            <a:ext uri="{FF2B5EF4-FFF2-40B4-BE49-F238E27FC236}">
-              <a16:creationId xmlns:a16="http://schemas.microsoft.com/office/drawing/2014/main" id="{F72E39E9-2A5D-C129-9AB8-2AC7AC54B36A}"/>
-            </a:ext>
-          </a:extLst>
-        </p:cNvPr>
-        <p:cNvGrpSpPr/>
-        <p:nvPr/>
-      </p:nvGrpSpPr>
-      <p:grpSpPr>
-        <a:xfrm>
-          <a:off x="0" y="0"/>
-          <a:ext cx="0" cy="0"/>
-          <a:chOff x="0" y="0"/>
-          <a:chExt cx="0" cy="0"/>
-        </a:xfrm>
-      </p:grpSpPr>
-      <p:sp>
-        <p:nvSpPr>
-          <p:cNvPr id="2" name="Rectángulo 1">
-            <a:extLst>
-              <a:ext uri="{FF2B5EF4-FFF2-40B4-BE49-F238E27FC236}">
-                <a16:creationId xmlns:a16="http://schemas.microsoft.com/office/drawing/2014/main" id="{C6266FB2-446D-9519-D457-4445EC28274A}"/>
-              </a:ext>
-            </a:extLst>
-          </p:cNvPr>
-          <p:cNvSpPr/>
-          <p:nvPr/>
-        </p:nvSpPr>
-        <p:spPr>
-          <a:xfrm>
-            <a:off x="3514974" y="4494960"/>
-            <a:ext cx="5162052" cy="1677240"/>
-          </a:xfrm>
-          <a:prstGeom prst="rect">
-            <a:avLst/>
-          </a:prstGeom>
-          <a:noFill/>
-          <a:ln>
-            <a:noFill/>
-          </a:ln>
-        </p:spPr>
-        <p:style>
-          <a:lnRef idx="2">
-            <a:schemeClr val="accent1">
-              <a:shade val="15000"/>
-            </a:schemeClr>
-          </a:lnRef>
-          <a:fillRef idx="1">
-            <a:schemeClr val="accent1"/>
-          </a:fillRef>
-          <a:effectRef idx="0">
-            <a:schemeClr val="accent1"/>
-          </a:effectRef>
-          <a:fontRef idx="minor">
-            <a:schemeClr val="lt1"/>
-          </a:fontRef>
-        </p:style>
-        <p:txBody>
-          <a:bodyPr rtlCol="0" anchor="ctr"/>
-          <a:lstStyle/>
-          <a:p>
-            <a:pPr algn="ctr"/>
-            <a:r>
-              <a:rPr lang="es-ES" sz="7200" dirty="0">
-                <a:solidFill>
-                  <a:schemeClr val="tx1"/>
-                </a:solidFill>
-                <a:latin typeface="8-bit Operator+ 8" panose="02060503000000000000" pitchFamily="18" charset="0"/>
-              </a:rPr>
-              <a:t>¡GANADOR!</a:t>
-            </a:r>
-            <a:endParaRPr lang="es-CR" sz="7200" dirty="0">
-              <a:solidFill>
-                <a:schemeClr val="tx1"/>
-              </a:solidFill>
-              <a:latin typeface="8-bit Operator+ 8" panose="02060503000000000000" pitchFamily="18" charset="0"/>
-            </a:endParaRPr>
-          </a:p>
-        </p:txBody>
-      </p:sp>
-      <p:pic>
-        <p:nvPicPr>
-          <p:cNvPr id="5" name="Imagen 4">
-            <a:extLst>
-              <a:ext uri="{FF2B5EF4-FFF2-40B4-BE49-F238E27FC236}">
-                <a16:creationId xmlns:a16="http://schemas.microsoft.com/office/drawing/2014/main" id="{B95A764E-5545-A3FF-52C0-7FEEFFCB4FAB}"/>
-              </a:ext>
-            </a:extLst>
-          </p:cNvPr>
-          <p:cNvPicPr>
-            <a:picLocks noChangeAspect="1"/>
-          </p:cNvPicPr>
-          <p:nvPr/>
-        </p:nvPicPr>
-        <p:blipFill>
-          <a:blip r:embed="rId2"/>
-          <a:stretch>
-            <a:fillRect/>
-          </a:stretch>
-        </p:blipFill>
-        <p:spPr>
-          <a:xfrm>
-            <a:off x="4498709" y="1834758"/>
-            <a:ext cx="3194581" cy="3188484"/>
-          </a:xfrm>
-          <a:prstGeom prst="rect">
-            <a:avLst/>
-          </a:prstGeom>
-        </p:spPr>
-      </p:pic>
-    </p:spTree>
-    <p:extLst>
-      <p:ext uri="{BB962C8B-B14F-4D97-AF65-F5344CB8AC3E}">
-        <p14:creationId xmlns:p14="http://schemas.microsoft.com/office/powerpoint/2010/main" val="372839521"/>
       </p:ext>
     </p:extLst>
   </p:cSld>
@@ -22291,6 +24673,444 @@
     <p:extLst>
       <p:ext uri="{BB962C8B-B14F-4D97-AF65-F5344CB8AC3E}">
         <p14:creationId xmlns:p14="http://schemas.microsoft.com/office/powerpoint/2010/main" val="3252128467"/>
+      </p:ext>
+    </p:extLst>
+  </p:cSld>
+  <p:clrMapOvr>
+    <a:masterClrMapping/>
+  </p:clrMapOvr>
+</p:sld>
+</file>
+
+<file path=ppt/slides/slide40.xml><?xml version="1.0" encoding="utf-8"?>
+<p:sld xmlns:a="http://schemas.openxmlformats.org/drawingml/2006/main" xmlns:r="http://schemas.openxmlformats.org/officeDocument/2006/relationships" xmlns:p="http://schemas.openxmlformats.org/presentationml/2006/main">
+  <p:cSld>
+    <p:spTree>
+      <p:nvGrpSpPr>
+        <p:cNvPr id="1" name="">
+          <a:extLst>
+            <a:ext uri="{FF2B5EF4-FFF2-40B4-BE49-F238E27FC236}">
+              <a16:creationId xmlns:a16="http://schemas.microsoft.com/office/drawing/2014/main" id="{7C494096-6C55-1AA5-1E41-40F506529C40}"/>
+            </a:ext>
+          </a:extLst>
+        </p:cNvPr>
+        <p:cNvGrpSpPr/>
+        <p:nvPr/>
+      </p:nvGrpSpPr>
+      <p:grpSpPr>
+        <a:xfrm>
+          <a:off x="0" y="0"/>
+          <a:ext cx="0" cy="0"/>
+          <a:chOff x="0" y="0"/>
+          <a:chExt cx="0" cy="0"/>
+        </a:xfrm>
+      </p:grpSpPr>
+      <p:pic>
+        <p:nvPicPr>
+          <p:cNvPr id="7" name="Gráfico 6" descr="Insignia de cruz con relleno sólido">
+            <a:extLst>
+              <a:ext uri="{FF2B5EF4-FFF2-40B4-BE49-F238E27FC236}">
+                <a16:creationId xmlns:a16="http://schemas.microsoft.com/office/drawing/2014/main" id="{33B9ABEF-15C7-4083-5876-76B4F7E7323F}"/>
+              </a:ext>
+            </a:extLst>
+          </p:cNvPr>
+          <p:cNvPicPr>
+            <a:picLocks noChangeAspect="1"/>
+          </p:cNvPicPr>
+          <p:nvPr/>
+        </p:nvPicPr>
+        <p:blipFill>
+          <a:blip r:embed="rId2">
+            <a:extLst>
+              <a:ext uri="{96DAC541-7B7A-43D3-8B79-37D633B846F1}">
+                <asvg:svgBlip xmlns:asvg="http://schemas.microsoft.com/office/drawing/2016/SVG/main" r:embed="rId3"/>
+              </a:ext>
+            </a:extLst>
+          </a:blip>
+          <a:stretch>
+            <a:fillRect/>
+          </a:stretch>
+        </p:blipFill>
+        <p:spPr>
+          <a:xfrm>
+            <a:off x="8077008" y="781128"/>
+            <a:ext cx="4028160" cy="4028160"/>
+          </a:xfrm>
+          <a:prstGeom prst="rect">
+            <a:avLst/>
+          </a:prstGeom>
+        </p:spPr>
+      </p:pic>
+      <p:pic>
+        <p:nvPicPr>
+          <p:cNvPr id="11" name="Gráfico 10" descr="Señal de negación con relleno sólido">
+            <a:extLst>
+              <a:ext uri="{FF2B5EF4-FFF2-40B4-BE49-F238E27FC236}">
+                <a16:creationId xmlns:a16="http://schemas.microsoft.com/office/drawing/2014/main" id="{C2DA2591-E1D4-8C37-0658-955B9EAB3A17}"/>
+              </a:ext>
+            </a:extLst>
+          </p:cNvPr>
+          <p:cNvPicPr>
+            <a:picLocks noChangeAspect="1"/>
+          </p:cNvPicPr>
+          <p:nvPr/>
+        </p:nvPicPr>
+        <p:blipFill>
+          <a:blip r:embed="rId4">
+            <a:extLst>
+              <a:ext uri="{96DAC541-7B7A-43D3-8B79-37D633B846F1}">
+                <asvg:svgBlip xmlns:asvg="http://schemas.microsoft.com/office/drawing/2016/SVG/main" r:embed="rId5"/>
+              </a:ext>
+            </a:extLst>
+          </a:blip>
+          <a:stretch>
+            <a:fillRect/>
+          </a:stretch>
+        </p:blipFill>
+        <p:spPr>
+          <a:xfrm>
+            <a:off x="4114992" y="781128"/>
+            <a:ext cx="4028160" cy="4028160"/>
+          </a:xfrm>
+          <a:prstGeom prst="rect">
+            <a:avLst/>
+          </a:prstGeom>
+        </p:spPr>
+      </p:pic>
+      <p:sp>
+        <p:nvSpPr>
+          <p:cNvPr id="2" name="Rectángulo 1">
+            <a:extLst>
+              <a:ext uri="{FF2B5EF4-FFF2-40B4-BE49-F238E27FC236}">
+                <a16:creationId xmlns:a16="http://schemas.microsoft.com/office/drawing/2014/main" id="{07C09E62-6B3B-47A0-07A6-C10AD7D244C0}"/>
+              </a:ext>
+            </a:extLst>
+          </p:cNvPr>
+          <p:cNvSpPr/>
+          <p:nvPr/>
+        </p:nvSpPr>
+        <p:spPr>
+          <a:xfrm>
+            <a:off x="8924124" y="4504104"/>
+            <a:ext cx="2333928" cy="1220040"/>
+          </a:xfrm>
+          <a:prstGeom prst="rect">
+            <a:avLst/>
+          </a:prstGeom>
+          <a:noFill/>
+          <a:ln>
+            <a:noFill/>
+          </a:ln>
+        </p:spPr>
+        <p:style>
+          <a:lnRef idx="2">
+            <a:schemeClr val="accent1">
+              <a:shade val="15000"/>
+            </a:schemeClr>
+          </a:lnRef>
+          <a:fillRef idx="1">
+            <a:schemeClr val="accent1"/>
+          </a:fillRef>
+          <a:effectRef idx="0">
+            <a:schemeClr val="accent1"/>
+          </a:effectRef>
+          <a:fontRef idx="minor">
+            <a:schemeClr val="lt1"/>
+          </a:fontRef>
+        </p:style>
+        <p:txBody>
+          <a:bodyPr rtlCol="0" anchor="ctr"/>
+          <a:lstStyle/>
+          <a:p>
+            <a:pPr algn="ctr"/>
+            <a:r>
+              <a:rPr lang="es-ES" sz="3600" dirty="0">
+                <a:solidFill>
+                  <a:schemeClr val="tx1"/>
+                </a:solidFill>
+                <a:latin typeface="8-bit Operator+ 8" panose="02060503000000000000" pitchFamily="18" charset="0"/>
+              </a:rPr>
+              <a:t>2do lugar</a:t>
+            </a:r>
+            <a:endParaRPr lang="es-CR" sz="3600" dirty="0">
+              <a:solidFill>
+                <a:schemeClr val="tx1"/>
+              </a:solidFill>
+              <a:latin typeface="8-bit Operator+ 8" panose="02060503000000000000" pitchFamily="18" charset="0"/>
+            </a:endParaRPr>
+          </a:p>
+        </p:txBody>
+      </p:sp>
+    </p:spTree>
+    <p:extLst>
+      <p:ext uri="{BB962C8B-B14F-4D97-AF65-F5344CB8AC3E}">
+        <p14:creationId xmlns:p14="http://schemas.microsoft.com/office/powerpoint/2010/main" val="615952599"/>
+      </p:ext>
+    </p:extLst>
+  </p:cSld>
+  <p:clrMapOvr>
+    <a:masterClrMapping/>
+  </p:clrMapOvr>
+</p:sld>
+</file>
+
+<file path=ppt/slides/slide41.xml><?xml version="1.0" encoding="utf-8"?>
+<p:sld xmlns:a="http://schemas.openxmlformats.org/drawingml/2006/main" xmlns:r="http://schemas.openxmlformats.org/officeDocument/2006/relationships" xmlns:p="http://schemas.openxmlformats.org/presentationml/2006/main">
+  <p:cSld>
+    <p:spTree>
+      <p:nvGrpSpPr>
+        <p:cNvPr id="1" name="">
+          <a:extLst>
+            <a:ext uri="{FF2B5EF4-FFF2-40B4-BE49-F238E27FC236}">
+              <a16:creationId xmlns:a16="http://schemas.microsoft.com/office/drawing/2014/main" id="{9DD48EBB-C2E4-4ABE-675C-5B771D726121}"/>
+            </a:ext>
+          </a:extLst>
+        </p:cNvPr>
+        <p:cNvGrpSpPr/>
+        <p:nvPr/>
+      </p:nvGrpSpPr>
+      <p:grpSpPr>
+        <a:xfrm>
+          <a:off x="0" y="0"/>
+          <a:ext cx="0" cy="0"/>
+          <a:chOff x="0" y="0"/>
+          <a:chExt cx="0" cy="0"/>
+        </a:xfrm>
+      </p:grpSpPr>
+      <p:pic>
+        <p:nvPicPr>
+          <p:cNvPr id="11" name="Gráfico 10" descr="Señal de negación con relleno sólido">
+            <a:extLst>
+              <a:ext uri="{FF2B5EF4-FFF2-40B4-BE49-F238E27FC236}">
+                <a16:creationId xmlns:a16="http://schemas.microsoft.com/office/drawing/2014/main" id="{997F895A-97D3-4437-C13D-DDDF0030880C}"/>
+              </a:ext>
+            </a:extLst>
+          </p:cNvPr>
+          <p:cNvPicPr>
+            <a:picLocks noChangeAspect="1"/>
+          </p:cNvPicPr>
+          <p:nvPr/>
+        </p:nvPicPr>
+        <p:blipFill>
+          <a:blip r:embed="rId2">
+            <a:extLst>
+              <a:ext uri="{96DAC541-7B7A-43D3-8B79-37D633B846F1}">
+                <asvg:svgBlip xmlns:asvg="http://schemas.microsoft.com/office/drawing/2016/SVG/main" r:embed="rId3"/>
+              </a:ext>
+            </a:extLst>
+          </a:blip>
+          <a:stretch>
+            <a:fillRect/>
+          </a:stretch>
+        </p:blipFill>
+        <p:spPr>
+          <a:xfrm>
+            <a:off x="4081920" y="781128"/>
+            <a:ext cx="4028160" cy="4028160"/>
+          </a:xfrm>
+          <a:prstGeom prst="rect">
+            <a:avLst/>
+          </a:prstGeom>
+        </p:spPr>
+      </p:pic>
+      <p:sp>
+        <p:nvSpPr>
+          <p:cNvPr id="2" name="Rectángulo 1">
+            <a:extLst>
+              <a:ext uri="{FF2B5EF4-FFF2-40B4-BE49-F238E27FC236}">
+                <a16:creationId xmlns:a16="http://schemas.microsoft.com/office/drawing/2014/main" id="{34DFEAAD-EF12-2469-A189-364AAE319759}"/>
+              </a:ext>
+            </a:extLst>
+          </p:cNvPr>
+          <p:cNvSpPr/>
+          <p:nvPr/>
+        </p:nvSpPr>
+        <p:spPr>
+          <a:xfrm>
+            <a:off x="3514974" y="4494960"/>
+            <a:ext cx="5162052" cy="1677240"/>
+          </a:xfrm>
+          <a:prstGeom prst="rect">
+            <a:avLst/>
+          </a:prstGeom>
+          <a:noFill/>
+          <a:ln>
+            <a:noFill/>
+          </a:ln>
+        </p:spPr>
+        <p:style>
+          <a:lnRef idx="2">
+            <a:schemeClr val="accent1">
+              <a:shade val="15000"/>
+            </a:schemeClr>
+          </a:lnRef>
+          <a:fillRef idx="1">
+            <a:schemeClr val="accent1"/>
+          </a:fillRef>
+          <a:effectRef idx="0">
+            <a:schemeClr val="accent1"/>
+          </a:effectRef>
+          <a:fontRef idx="minor">
+            <a:schemeClr val="lt1"/>
+          </a:fontRef>
+        </p:style>
+        <p:txBody>
+          <a:bodyPr rtlCol="0" anchor="ctr"/>
+          <a:lstStyle/>
+          <a:p>
+            <a:pPr algn="ctr"/>
+            <a:r>
+              <a:rPr lang="es-ES" sz="7200" dirty="0">
+                <a:solidFill>
+                  <a:schemeClr val="tx1"/>
+                </a:solidFill>
+                <a:latin typeface="8-bit Operator+ 8" panose="02060503000000000000" pitchFamily="18" charset="0"/>
+              </a:rPr>
+              <a:t>¡GANADOR!</a:t>
+            </a:r>
+            <a:endParaRPr lang="es-CR" sz="7200" dirty="0">
+              <a:solidFill>
+                <a:schemeClr val="tx1"/>
+              </a:solidFill>
+              <a:latin typeface="8-bit Operator+ 8" panose="02060503000000000000" pitchFamily="18" charset="0"/>
+            </a:endParaRPr>
+          </a:p>
+        </p:txBody>
+      </p:sp>
+    </p:spTree>
+    <p:extLst>
+      <p:ext uri="{BB962C8B-B14F-4D97-AF65-F5344CB8AC3E}">
+        <p14:creationId xmlns:p14="http://schemas.microsoft.com/office/powerpoint/2010/main" val="1480794879"/>
+      </p:ext>
+    </p:extLst>
+  </p:cSld>
+  <p:clrMapOvr>
+    <a:masterClrMapping/>
+  </p:clrMapOvr>
+</p:sld>
+</file>
+
+<file path=ppt/slides/slide42.xml><?xml version="1.0" encoding="utf-8"?>
+<p:sld xmlns:a="http://schemas.openxmlformats.org/drawingml/2006/main" xmlns:r="http://schemas.openxmlformats.org/officeDocument/2006/relationships" xmlns:p="http://schemas.openxmlformats.org/presentationml/2006/main">
+  <p:cSld>
+    <p:spTree>
+      <p:nvGrpSpPr>
+        <p:cNvPr id="1" name="">
+          <a:extLst>
+            <a:ext uri="{FF2B5EF4-FFF2-40B4-BE49-F238E27FC236}">
+              <a16:creationId xmlns:a16="http://schemas.microsoft.com/office/drawing/2014/main" id="{F72E39E9-2A5D-C129-9AB8-2AC7AC54B36A}"/>
+            </a:ext>
+          </a:extLst>
+        </p:cNvPr>
+        <p:cNvGrpSpPr/>
+        <p:nvPr/>
+      </p:nvGrpSpPr>
+      <p:grpSpPr>
+        <a:xfrm>
+          <a:off x="0" y="0"/>
+          <a:ext cx="0" cy="0"/>
+          <a:chOff x="0" y="0"/>
+          <a:chExt cx="0" cy="0"/>
+        </a:xfrm>
+      </p:grpSpPr>
+      <p:sp>
+        <p:nvSpPr>
+          <p:cNvPr id="2" name="Rectángulo 1">
+            <a:extLst>
+              <a:ext uri="{FF2B5EF4-FFF2-40B4-BE49-F238E27FC236}">
+                <a16:creationId xmlns:a16="http://schemas.microsoft.com/office/drawing/2014/main" id="{C6266FB2-446D-9519-D457-4445EC28274A}"/>
+              </a:ext>
+            </a:extLst>
+          </p:cNvPr>
+          <p:cNvSpPr/>
+          <p:nvPr/>
+        </p:nvSpPr>
+        <p:spPr>
+          <a:xfrm>
+            <a:off x="3514974" y="4494960"/>
+            <a:ext cx="5162052" cy="1677240"/>
+          </a:xfrm>
+          <a:prstGeom prst="rect">
+            <a:avLst/>
+          </a:prstGeom>
+          <a:noFill/>
+          <a:ln>
+            <a:noFill/>
+          </a:ln>
+        </p:spPr>
+        <p:style>
+          <a:lnRef idx="2">
+            <a:schemeClr val="accent1">
+              <a:shade val="15000"/>
+            </a:schemeClr>
+          </a:lnRef>
+          <a:fillRef idx="1">
+            <a:schemeClr val="accent1"/>
+          </a:fillRef>
+          <a:effectRef idx="0">
+            <a:schemeClr val="accent1"/>
+          </a:effectRef>
+          <a:fontRef idx="minor">
+            <a:schemeClr val="lt1"/>
+          </a:fontRef>
+        </p:style>
+        <p:txBody>
+          <a:bodyPr rtlCol="0" anchor="ctr"/>
+          <a:lstStyle/>
+          <a:p>
+            <a:pPr algn="ctr"/>
+            <a:r>
+              <a:rPr lang="es-ES" sz="7200" dirty="0">
+                <a:solidFill>
+                  <a:schemeClr val="tx1"/>
+                </a:solidFill>
+                <a:latin typeface="8-bit Operator+ 8" panose="02060503000000000000" pitchFamily="18" charset="0"/>
+              </a:rPr>
+              <a:t>¡GANADOR!</a:t>
+            </a:r>
+            <a:endParaRPr lang="es-CR" sz="7200" dirty="0">
+              <a:solidFill>
+                <a:schemeClr val="tx1"/>
+              </a:solidFill>
+              <a:latin typeface="8-bit Operator+ 8" panose="02060503000000000000" pitchFamily="18" charset="0"/>
+            </a:endParaRPr>
+          </a:p>
+        </p:txBody>
+      </p:sp>
+      <p:pic>
+        <p:nvPicPr>
+          <p:cNvPr id="5" name="Imagen 4">
+            <a:extLst>
+              <a:ext uri="{FF2B5EF4-FFF2-40B4-BE49-F238E27FC236}">
+                <a16:creationId xmlns:a16="http://schemas.microsoft.com/office/drawing/2014/main" id="{B95A764E-5545-A3FF-52C0-7FEEFFCB4FAB}"/>
+              </a:ext>
+            </a:extLst>
+          </p:cNvPr>
+          <p:cNvPicPr>
+            <a:picLocks noChangeAspect="1"/>
+          </p:cNvPicPr>
+          <p:nvPr/>
+        </p:nvPicPr>
+        <p:blipFill>
+          <a:blip r:embed="rId2"/>
+          <a:stretch>
+            <a:fillRect/>
+          </a:stretch>
+        </p:blipFill>
+        <p:spPr>
+          <a:xfrm>
+            <a:off x="4498709" y="1834758"/>
+            <a:ext cx="3194581" cy="3188484"/>
+          </a:xfrm>
+          <a:prstGeom prst="rect">
+            <a:avLst/>
+          </a:prstGeom>
+        </p:spPr>
+      </p:pic>
+    </p:spTree>
+    <p:extLst>
+      <p:ext uri="{BB962C8B-B14F-4D97-AF65-F5344CB8AC3E}">
+        <p14:creationId xmlns:p14="http://schemas.microsoft.com/office/powerpoint/2010/main" val="372839521"/>
       </p:ext>
     </p:extLst>
   </p:cSld>
@@ -23602,6 +26422,186 @@
           <p:spPr>
             <a:xfrm>
               <a:off x="2245293" y="1532802"/>
+              <a:ext cx="100385" cy="150282"/>
+            </a:xfrm>
+            <a:prstGeom prst="rect">
+              <a:avLst/>
+            </a:prstGeom>
+            <a:grpFill/>
+            <a:ln w="190500">
+              <a:solidFill>
+                <a:schemeClr val="tx1"/>
+              </a:solidFill>
+            </a:ln>
+          </p:spPr>
+          <p:style>
+            <a:lnRef idx="2">
+              <a:schemeClr val="accent1">
+                <a:shade val="15000"/>
+              </a:schemeClr>
+            </a:lnRef>
+            <a:fillRef idx="1">
+              <a:schemeClr val="accent1"/>
+            </a:fillRef>
+            <a:effectRef idx="0">
+              <a:schemeClr val="accent1"/>
+            </a:effectRef>
+            <a:fontRef idx="minor">
+              <a:schemeClr val="lt1"/>
+            </a:fontRef>
+          </p:style>
+          <p:txBody>
+            <a:bodyPr rtlCol="0" anchor="ctr"/>
+            <a:lstStyle/>
+            <a:p>
+              <a:pPr algn="ctr"/>
+              <a:endParaRPr lang="es-CR"/>
+            </a:p>
+          </p:txBody>
+        </p:sp>
+      </p:grpSp>
+      <p:grpSp>
+        <p:nvGrpSpPr>
+          <p:cNvPr id="6" name="Grupo 5">
+            <a:extLst>
+              <a:ext uri="{FF2B5EF4-FFF2-40B4-BE49-F238E27FC236}">
+                <a16:creationId xmlns:a16="http://schemas.microsoft.com/office/drawing/2014/main" id="{DAAFB5AB-4EB4-93CF-FD18-8B0988EC1643}"/>
+              </a:ext>
+            </a:extLst>
+          </p:cNvPr>
+          <p:cNvGrpSpPr/>
+          <p:nvPr/>
+        </p:nvGrpSpPr>
+        <p:grpSpPr>
+          <a:xfrm>
+            <a:off x="9158284" y="3938801"/>
+            <a:ext cx="2415600" cy="2414016"/>
+            <a:chOff x="618116" y="817242"/>
+            <a:chExt cx="2415600" cy="2414016"/>
+          </a:xfrm>
+          <a:solidFill>
+            <a:srgbClr val="6203FF"/>
+          </a:solidFill>
+        </p:grpSpPr>
+        <p:sp>
+          <p:nvSpPr>
+            <p:cNvPr id="8" name="Elipse 7">
+              <a:extLst>
+                <a:ext uri="{FF2B5EF4-FFF2-40B4-BE49-F238E27FC236}">
+                  <a16:creationId xmlns:a16="http://schemas.microsoft.com/office/drawing/2014/main" id="{6800BB40-11BE-61B3-05E0-517532602338}"/>
+                </a:ext>
+              </a:extLst>
+            </p:cNvPr>
+            <p:cNvSpPr/>
+            <p:nvPr/>
+          </p:nvSpPr>
+          <p:spPr>
+            <a:xfrm>
+              <a:off x="618116" y="817242"/>
+              <a:ext cx="2415600" cy="2414016"/>
+            </a:xfrm>
+            <a:prstGeom prst="ellipse">
+              <a:avLst/>
+            </a:prstGeom>
+            <a:grpFill/>
+            <a:ln w="190500">
+              <a:solidFill>
+                <a:schemeClr val="tx1"/>
+              </a:solidFill>
+            </a:ln>
+          </p:spPr>
+          <p:style>
+            <a:lnRef idx="2">
+              <a:schemeClr val="accent1">
+                <a:shade val="15000"/>
+              </a:schemeClr>
+            </a:lnRef>
+            <a:fillRef idx="1">
+              <a:schemeClr val="accent1"/>
+            </a:fillRef>
+            <a:effectRef idx="0">
+              <a:schemeClr val="accent1"/>
+            </a:effectRef>
+            <a:fontRef idx="minor">
+              <a:schemeClr val="lt1"/>
+            </a:fontRef>
+          </p:style>
+          <p:txBody>
+            <a:bodyPr rtlCol="0" anchor="ctr"/>
+            <a:lstStyle/>
+            <a:p>
+              <a:pPr algn="ctr"/>
+              <a:endParaRPr lang="es-CR"/>
+            </a:p>
+          </p:txBody>
+        </p:sp>
+        <p:sp>
+          <p:nvSpPr>
+            <p:cNvPr id="9" name="Rectángulo 8">
+              <a:extLst>
+                <a:ext uri="{FF2B5EF4-FFF2-40B4-BE49-F238E27FC236}">
+                  <a16:creationId xmlns:a16="http://schemas.microsoft.com/office/drawing/2014/main" id="{F19DDC49-00B8-3676-4B43-CD38352D2231}"/>
+                </a:ext>
+              </a:extLst>
+            </p:cNvPr>
+            <p:cNvSpPr/>
+            <p:nvPr/>
+          </p:nvSpPr>
+          <p:spPr>
+            <a:xfrm>
+              <a:off x="1307121" y="1561910"/>
+              <a:ext cx="100385" cy="150282"/>
+            </a:xfrm>
+            <a:prstGeom prst="rect">
+              <a:avLst/>
+            </a:prstGeom>
+            <a:grpFill/>
+            <a:ln w="190500">
+              <a:solidFill>
+                <a:schemeClr val="tx1"/>
+              </a:solidFill>
+            </a:ln>
+          </p:spPr>
+          <p:style>
+            <a:lnRef idx="2">
+              <a:schemeClr val="accent1">
+                <a:shade val="15000"/>
+              </a:schemeClr>
+            </a:lnRef>
+            <a:fillRef idx="1">
+              <a:schemeClr val="accent1"/>
+            </a:fillRef>
+            <a:effectRef idx="0">
+              <a:schemeClr val="accent1"/>
+            </a:effectRef>
+            <a:fontRef idx="minor">
+              <a:schemeClr val="lt1"/>
+            </a:fontRef>
+          </p:style>
+          <p:txBody>
+            <a:bodyPr rtlCol="0" anchor="ctr"/>
+            <a:lstStyle/>
+            <a:p>
+              <a:pPr algn="ctr"/>
+              <a:endParaRPr lang="es-CR"/>
+            </a:p>
+          </p:txBody>
+        </p:sp>
+        <p:sp>
+          <p:nvSpPr>
+            <p:cNvPr id="10" name="Rectángulo 9">
+              <a:extLst>
+                <a:ext uri="{FF2B5EF4-FFF2-40B4-BE49-F238E27FC236}">
+                  <a16:creationId xmlns:a16="http://schemas.microsoft.com/office/drawing/2014/main" id="{228557A8-21FC-32C6-8A63-1B6EEB861E99}"/>
+                </a:ext>
+              </a:extLst>
+            </p:cNvPr>
+            <p:cNvSpPr/>
+            <p:nvPr/>
+          </p:nvSpPr>
+          <p:spPr>
+            <a:xfrm>
+              <a:off x="1894773" y="1561910"/>
               <a:ext cx="100385" cy="150282"/>
             </a:xfrm>
             <a:prstGeom prst="rect">

--- a/Documentacion/Creacion Sprites/Sprites.pptx
+++ b/Documentacion/Creacion Sprites/Sprites.pptx
@@ -320,7 +320,7 @@
           <a:p>
             <a:fld id="{019ED992-5630-49CB-AAB3-1739CCFCA183}" type="datetimeFigureOut">
               <a:rPr lang="es-CR" smtClean="0"/>
-              <a:t>19/11/2024</a:t>
+              <a:t>20/11/2024</a:t>
             </a:fld>
             <a:endParaRPr lang="es-CR"/>
           </a:p>
@@ -821,7 +821,7 @@
           <a:p>
             <a:fld id="{2184BA85-EC42-4704-A8A2-A215E817F459}" type="datetimeFigureOut">
               <a:rPr lang="es-CR" smtClean="0"/>
-              <a:t>19/11/2024</a:t>
+              <a:t>20/11/2024</a:t>
             </a:fld>
             <a:endParaRPr lang="es-CR"/>
           </a:p>
@@ -1021,7 +1021,7 @@
           <a:p>
             <a:fld id="{2184BA85-EC42-4704-A8A2-A215E817F459}" type="datetimeFigureOut">
               <a:rPr lang="es-CR" smtClean="0"/>
-              <a:t>19/11/2024</a:t>
+              <a:t>20/11/2024</a:t>
             </a:fld>
             <a:endParaRPr lang="es-CR"/>
           </a:p>
@@ -1231,7 +1231,7 @@
           <a:p>
             <a:fld id="{2184BA85-EC42-4704-A8A2-A215E817F459}" type="datetimeFigureOut">
               <a:rPr lang="es-CR" smtClean="0"/>
-              <a:t>19/11/2024</a:t>
+              <a:t>20/11/2024</a:t>
             </a:fld>
             <a:endParaRPr lang="es-CR"/>
           </a:p>
@@ -1431,7 +1431,7 @@
           <a:p>
             <a:fld id="{2184BA85-EC42-4704-A8A2-A215E817F459}" type="datetimeFigureOut">
               <a:rPr lang="es-CR" smtClean="0"/>
-              <a:t>19/11/2024</a:t>
+              <a:t>20/11/2024</a:t>
             </a:fld>
             <a:endParaRPr lang="es-CR"/>
           </a:p>
@@ -1707,7 +1707,7 @@
           <a:p>
             <a:fld id="{2184BA85-EC42-4704-A8A2-A215E817F459}" type="datetimeFigureOut">
               <a:rPr lang="es-CR" smtClean="0"/>
-              <a:t>19/11/2024</a:t>
+              <a:t>20/11/2024</a:t>
             </a:fld>
             <a:endParaRPr lang="es-CR"/>
           </a:p>
@@ -1975,7 +1975,7 @@
           <a:p>
             <a:fld id="{2184BA85-EC42-4704-A8A2-A215E817F459}" type="datetimeFigureOut">
               <a:rPr lang="es-CR" smtClean="0"/>
-              <a:t>19/11/2024</a:t>
+              <a:t>20/11/2024</a:t>
             </a:fld>
             <a:endParaRPr lang="es-CR"/>
           </a:p>
@@ -2390,7 +2390,7 @@
           <a:p>
             <a:fld id="{2184BA85-EC42-4704-A8A2-A215E817F459}" type="datetimeFigureOut">
               <a:rPr lang="es-CR" smtClean="0"/>
-              <a:t>19/11/2024</a:t>
+              <a:t>20/11/2024</a:t>
             </a:fld>
             <a:endParaRPr lang="es-CR"/>
           </a:p>
@@ -2532,7 +2532,7 @@
           <a:p>
             <a:fld id="{2184BA85-EC42-4704-A8A2-A215E817F459}" type="datetimeFigureOut">
               <a:rPr lang="es-CR" smtClean="0"/>
-              <a:t>19/11/2024</a:t>
+              <a:t>20/11/2024</a:t>
             </a:fld>
             <a:endParaRPr lang="es-CR"/>
           </a:p>
@@ -2645,7 +2645,7 @@
           <a:p>
             <a:fld id="{2184BA85-EC42-4704-A8A2-A215E817F459}" type="datetimeFigureOut">
               <a:rPr lang="es-CR" smtClean="0"/>
-              <a:t>19/11/2024</a:t>
+              <a:t>20/11/2024</a:t>
             </a:fld>
             <a:endParaRPr lang="es-CR"/>
           </a:p>
@@ -2958,7 +2958,7 @@
           <a:p>
             <a:fld id="{2184BA85-EC42-4704-A8A2-A215E817F459}" type="datetimeFigureOut">
               <a:rPr lang="es-CR" smtClean="0"/>
-              <a:t>19/11/2024</a:t>
+              <a:t>20/11/2024</a:t>
             </a:fld>
             <a:endParaRPr lang="es-CR"/>
           </a:p>
@@ -3247,7 +3247,7 @@
           <a:p>
             <a:fld id="{2184BA85-EC42-4704-A8A2-A215E817F459}" type="datetimeFigureOut">
               <a:rPr lang="es-CR" smtClean="0"/>
-              <a:t>19/11/2024</a:t>
+              <a:t>20/11/2024</a:t>
             </a:fld>
             <a:endParaRPr lang="es-CR"/>
           </a:p>
@@ -3490,7 +3490,7 @@
           <a:p>
             <a:fld id="{2184BA85-EC42-4704-A8A2-A215E817F459}" type="datetimeFigureOut">
               <a:rPr lang="es-CR" smtClean="0"/>
-              <a:t>19/11/2024</a:t>
+              <a:t>20/11/2024</a:t>
             </a:fld>
             <a:endParaRPr lang="es-CR"/>
           </a:p>
@@ -6518,6 +6518,186 @@
       </p:grpSpPr>
       <p:grpSp>
         <p:nvGrpSpPr>
+          <p:cNvPr id="24" name="Grupo 23">
+            <a:extLst>
+              <a:ext uri="{FF2B5EF4-FFF2-40B4-BE49-F238E27FC236}">
+                <a16:creationId xmlns:a16="http://schemas.microsoft.com/office/drawing/2014/main" id="{72FA4C98-7FDD-4988-C121-4AF69FC49B8D}"/>
+              </a:ext>
+            </a:extLst>
+          </p:cNvPr>
+          <p:cNvGrpSpPr/>
+          <p:nvPr/>
+        </p:nvGrpSpPr>
+        <p:grpSpPr>
+          <a:xfrm>
+            <a:off x="8062564" y="1875385"/>
+            <a:ext cx="2415600" cy="2414016"/>
+            <a:chOff x="618116" y="817242"/>
+            <a:chExt cx="2415600" cy="2414016"/>
+          </a:xfrm>
+          <a:solidFill>
+            <a:srgbClr val="03FF11"/>
+          </a:solidFill>
+        </p:grpSpPr>
+        <p:sp>
+          <p:nvSpPr>
+            <p:cNvPr id="25" name="Elipse 24">
+              <a:extLst>
+                <a:ext uri="{FF2B5EF4-FFF2-40B4-BE49-F238E27FC236}">
+                  <a16:creationId xmlns:a16="http://schemas.microsoft.com/office/drawing/2014/main" id="{F264A757-9542-E03B-A8AF-81B4FFDBEA72}"/>
+                </a:ext>
+              </a:extLst>
+            </p:cNvPr>
+            <p:cNvSpPr/>
+            <p:nvPr/>
+          </p:nvSpPr>
+          <p:spPr>
+            <a:xfrm>
+              <a:off x="618116" y="817242"/>
+              <a:ext cx="2415600" cy="2414016"/>
+            </a:xfrm>
+            <a:prstGeom prst="ellipse">
+              <a:avLst/>
+            </a:prstGeom>
+            <a:grpFill/>
+            <a:ln w="190500">
+              <a:solidFill>
+                <a:schemeClr val="tx1"/>
+              </a:solidFill>
+            </a:ln>
+          </p:spPr>
+          <p:style>
+            <a:lnRef idx="2">
+              <a:schemeClr val="accent1">
+                <a:shade val="15000"/>
+              </a:schemeClr>
+            </a:lnRef>
+            <a:fillRef idx="1">
+              <a:schemeClr val="accent1"/>
+            </a:fillRef>
+            <a:effectRef idx="0">
+              <a:schemeClr val="accent1"/>
+            </a:effectRef>
+            <a:fontRef idx="minor">
+              <a:schemeClr val="lt1"/>
+            </a:fontRef>
+          </p:style>
+          <p:txBody>
+            <a:bodyPr rtlCol="0" anchor="ctr"/>
+            <a:lstStyle/>
+            <a:p>
+              <a:pPr algn="ctr"/>
+              <a:endParaRPr lang="es-CR"/>
+            </a:p>
+          </p:txBody>
+        </p:sp>
+        <p:sp>
+          <p:nvSpPr>
+            <p:cNvPr id="26" name="Rectángulo 25">
+              <a:extLst>
+                <a:ext uri="{FF2B5EF4-FFF2-40B4-BE49-F238E27FC236}">
+                  <a16:creationId xmlns:a16="http://schemas.microsoft.com/office/drawing/2014/main" id="{64A61FEE-1A24-9DD0-D3C0-F5D2C018D83B}"/>
+                </a:ext>
+              </a:extLst>
+            </p:cNvPr>
+            <p:cNvSpPr/>
+            <p:nvPr/>
+          </p:nvSpPr>
+          <p:spPr>
+            <a:xfrm>
+              <a:off x="1501761" y="1791882"/>
+              <a:ext cx="100385" cy="150282"/>
+            </a:xfrm>
+            <a:prstGeom prst="rect">
+              <a:avLst/>
+            </a:prstGeom>
+            <a:grpFill/>
+            <a:ln w="190500">
+              <a:solidFill>
+                <a:schemeClr val="tx1"/>
+              </a:solidFill>
+            </a:ln>
+          </p:spPr>
+          <p:style>
+            <a:lnRef idx="2">
+              <a:schemeClr val="accent1">
+                <a:shade val="15000"/>
+              </a:schemeClr>
+            </a:lnRef>
+            <a:fillRef idx="1">
+              <a:schemeClr val="accent1"/>
+            </a:fillRef>
+            <a:effectRef idx="0">
+              <a:schemeClr val="accent1"/>
+            </a:effectRef>
+            <a:fontRef idx="minor">
+              <a:schemeClr val="lt1"/>
+            </a:fontRef>
+          </p:style>
+          <p:txBody>
+            <a:bodyPr rtlCol="0" anchor="ctr"/>
+            <a:lstStyle/>
+            <a:p>
+              <a:pPr algn="ctr"/>
+              <a:endParaRPr lang="es-CR"/>
+            </a:p>
+          </p:txBody>
+        </p:sp>
+        <p:sp>
+          <p:nvSpPr>
+            <p:cNvPr id="27" name="Rectángulo 26">
+              <a:extLst>
+                <a:ext uri="{FF2B5EF4-FFF2-40B4-BE49-F238E27FC236}">
+                  <a16:creationId xmlns:a16="http://schemas.microsoft.com/office/drawing/2014/main" id="{859298CE-3087-F3E1-AEFD-C92F7D389643}"/>
+                </a:ext>
+              </a:extLst>
+            </p:cNvPr>
+            <p:cNvSpPr/>
+            <p:nvPr/>
+          </p:nvSpPr>
+          <p:spPr>
+            <a:xfrm>
+              <a:off x="2089413" y="1791882"/>
+              <a:ext cx="100385" cy="150282"/>
+            </a:xfrm>
+            <a:prstGeom prst="rect">
+              <a:avLst/>
+            </a:prstGeom>
+            <a:grpFill/>
+            <a:ln w="190500">
+              <a:solidFill>
+                <a:schemeClr val="tx1"/>
+              </a:solidFill>
+            </a:ln>
+          </p:spPr>
+          <p:style>
+            <a:lnRef idx="2">
+              <a:schemeClr val="accent1">
+                <a:shade val="15000"/>
+              </a:schemeClr>
+            </a:lnRef>
+            <a:fillRef idx="1">
+              <a:schemeClr val="accent1"/>
+            </a:fillRef>
+            <a:effectRef idx="0">
+              <a:schemeClr val="accent1"/>
+            </a:effectRef>
+            <a:fontRef idx="minor">
+              <a:schemeClr val="lt1"/>
+            </a:fontRef>
+          </p:style>
+          <p:txBody>
+            <a:bodyPr rtlCol="0" anchor="ctr"/>
+            <a:lstStyle/>
+            <a:p>
+              <a:pPr algn="ctr"/>
+              <a:endParaRPr lang="es-CR"/>
+            </a:p>
+          </p:txBody>
+        </p:sp>
+      </p:grpSp>
+      <p:grpSp>
+        <p:nvGrpSpPr>
           <p:cNvPr id="18" name="Grupo 17">
             <a:extLst>
               <a:ext uri="{FF2B5EF4-FFF2-40B4-BE49-F238E27FC236}">
@@ -6530,7 +6710,7 @@
         </p:nvGrpSpPr>
         <p:grpSpPr>
           <a:xfrm rot="5400000">
-            <a:off x="4988560" y="2599361"/>
+            <a:off x="2501392" y="2581073"/>
             <a:ext cx="2214880" cy="4224020"/>
             <a:chOff x="3502650" y="1418261"/>
             <a:chExt cx="2214880" cy="4224020"/>
@@ -6969,7 +7149,7 @@
         </p:nvGrpSpPr>
         <p:grpSpPr>
           <a:xfrm>
-            <a:off x="4984084" y="1014984"/>
+            <a:off x="2496916" y="996696"/>
             <a:ext cx="2415600" cy="2414016"/>
             <a:chOff x="618116" y="817242"/>
             <a:chExt cx="2415600" cy="2414016"/>
@@ -7107,6 +7287,445 @@
               <a:solidFill>
                 <a:schemeClr val="tx1"/>
               </a:solidFill>
+            </a:ln>
+          </p:spPr>
+          <p:style>
+            <a:lnRef idx="2">
+              <a:schemeClr val="accent1">
+                <a:shade val="15000"/>
+              </a:schemeClr>
+            </a:lnRef>
+            <a:fillRef idx="1">
+              <a:schemeClr val="accent1"/>
+            </a:fillRef>
+            <a:effectRef idx="0">
+              <a:schemeClr val="accent1"/>
+            </a:effectRef>
+            <a:fontRef idx="minor">
+              <a:schemeClr val="lt1"/>
+            </a:fontRef>
+          </p:style>
+          <p:txBody>
+            <a:bodyPr rtlCol="0" anchor="ctr"/>
+            <a:lstStyle/>
+            <a:p>
+              <a:pPr algn="ctr"/>
+              <a:endParaRPr lang="es-CR"/>
+            </a:p>
+          </p:txBody>
+        </p:sp>
+      </p:grpSp>
+      <p:grpSp>
+        <p:nvGrpSpPr>
+          <p:cNvPr id="14" name="Grupo 13">
+            <a:extLst>
+              <a:ext uri="{FF2B5EF4-FFF2-40B4-BE49-F238E27FC236}">
+                <a16:creationId xmlns:a16="http://schemas.microsoft.com/office/drawing/2014/main" id="{3F31DDA6-FCBC-5A15-25CB-917BAA5C9939}"/>
+              </a:ext>
+            </a:extLst>
+          </p:cNvPr>
+          <p:cNvGrpSpPr/>
+          <p:nvPr/>
+        </p:nvGrpSpPr>
+        <p:grpSpPr>
+          <a:xfrm rot="5400000">
+            <a:off x="8067040" y="2581073"/>
+            <a:ext cx="2214880" cy="4224020"/>
+            <a:chOff x="3502650" y="1418261"/>
+            <a:chExt cx="2214880" cy="4224020"/>
+          </a:xfrm>
+        </p:grpSpPr>
+        <p:sp>
+          <p:nvSpPr>
+            <p:cNvPr id="15" name="Rectángulo 14">
+              <a:extLst>
+                <a:ext uri="{FF2B5EF4-FFF2-40B4-BE49-F238E27FC236}">
+                  <a16:creationId xmlns:a16="http://schemas.microsoft.com/office/drawing/2014/main" id="{07C73A36-1A2D-56D3-3481-3513FCD4E5E3}"/>
+                </a:ext>
+              </a:extLst>
+            </p:cNvPr>
+            <p:cNvSpPr/>
+            <p:nvPr/>
+          </p:nvSpPr>
+          <p:spPr>
+            <a:xfrm>
+              <a:off x="3502650" y="1418261"/>
+              <a:ext cx="2214880" cy="4224020"/>
+            </a:xfrm>
+            <a:prstGeom prst="rect">
+              <a:avLst/>
+            </a:prstGeom>
+            <a:solidFill>
+              <a:srgbClr val="03FF11"/>
+            </a:solidFill>
+            <a:ln w="190500">
+              <a:solidFill>
+                <a:schemeClr val="tx1"/>
+              </a:solidFill>
+            </a:ln>
+          </p:spPr>
+          <p:style>
+            <a:lnRef idx="2">
+              <a:schemeClr val="accent1">
+                <a:shade val="15000"/>
+              </a:schemeClr>
+            </a:lnRef>
+            <a:fillRef idx="1">
+              <a:schemeClr val="accent1"/>
+            </a:fillRef>
+            <a:effectRef idx="0">
+              <a:schemeClr val="accent1"/>
+            </a:effectRef>
+            <a:fontRef idx="minor">
+              <a:schemeClr val="lt1"/>
+            </a:fontRef>
+          </p:style>
+          <p:txBody>
+            <a:bodyPr rtlCol="0" anchor="ctr"/>
+            <a:lstStyle/>
+            <a:p>
+              <a:pPr algn="ctr"/>
+              <a:endParaRPr lang="es-CR"/>
+            </a:p>
+          </p:txBody>
+        </p:sp>
+        <p:sp>
+          <p:nvSpPr>
+            <p:cNvPr id="16" name="Rectángulo 15">
+              <a:extLst>
+                <a:ext uri="{FF2B5EF4-FFF2-40B4-BE49-F238E27FC236}">
+                  <a16:creationId xmlns:a16="http://schemas.microsoft.com/office/drawing/2014/main" id="{2240798A-357D-5E4A-84EC-17AC45B08F5D}"/>
+                </a:ext>
+              </a:extLst>
+            </p:cNvPr>
+            <p:cNvSpPr/>
+            <p:nvPr/>
+          </p:nvSpPr>
+          <p:spPr>
+            <a:xfrm>
+              <a:off x="3604250" y="1831011"/>
+              <a:ext cx="1376680" cy="3398520"/>
+            </a:xfrm>
+            <a:prstGeom prst="rect">
+              <a:avLst/>
+            </a:prstGeom>
+            <a:solidFill>
+              <a:schemeClr val="bg1"/>
+            </a:solidFill>
+            <a:ln w="190500">
+              <a:noFill/>
+            </a:ln>
+          </p:spPr>
+          <p:style>
+            <a:lnRef idx="2">
+              <a:schemeClr val="accent1">
+                <a:shade val="15000"/>
+              </a:schemeClr>
+            </a:lnRef>
+            <a:fillRef idx="1">
+              <a:schemeClr val="accent1"/>
+            </a:fillRef>
+            <a:effectRef idx="0">
+              <a:schemeClr val="accent1"/>
+            </a:effectRef>
+            <a:fontRef idx="minor">
+              <a:schemeClr val="lt1"/>
+            </a:fontRef>
+          </p:style>
+          <p:txBody>
+            <a:bodyPr rtlCol="0" anchor="ctr"/>
+            <a:lstStyle/>
+            <a:p>
+              <a:pPr algn="ctr"/>
+              <a:endParaRPr lang="es-CR"/>
+            </a:p>
+          </p:txBody>
+        </p:sp>
+        <p:sp>
+          <p:nvSpPr>
+            <p:cNvPr id="17" name="Rectángulo 16">
+              <a:extLst>
+                <a:ext uri="{FF2B5EF4-FFF2-40B4-BE49-F238E27FC236}">
+                  <a16:creationId xmlns:a16="http://schemas.microsoft.com/office/drawing/2014/main" id="{B6E3A449-E5C7-9594-07EE-9F7F266486CC}"/>
+                </a:ext>
+              </a:extLst>
+            </p:cNvPr>
+            <p:cNvSpPr/>
+            <p:nvPr/>
+          </p:nvSpPr>
+          <p:spPr>
+            <a:xfrm>
+              <a:off x="3604250" y="2051991"/>
+              <a:ext cx="919480" cy="313690"/>
+            </a:xfrm>
+            <a:prstGeom prst="rect">
+              <a:avLst/>
+            </a:prstGeom>
+            <a:solidFill>
+              <a:schemeClr val="tx1"/>
+            </a:solidFill>
+            <a:ln w="190500">
+              <a:noFill/>
+            </a:ln>
+          </p:spPr>
+          <p:style>
+            <a:lnRef idx="2">
+              <a:schemeClr val="accent1">
+                <a:shade val="15000"/>
+              </a:schemeClr>
+            </a:lnRef>
+            <a:fillRef idx="1">
+              <a:schemeClr val="accent1"/>
+            </a:fillRef>
+            <a:effectRef idx="0">
+              <a:schemeClr val="accent1"/>
+            </a:effectRef>
+            <a:fontRef idx="minor">
+              <a:schemeClr val="lt1"/>
+            </a:fontRef>
+          </p:style>
+          <p:txBody>
+            <a:bodyPr rtlCol="0" anchor="ctr"/>
+            <a:lstStyle/>
+            <a:p>
+              <a:pPr algn="ctr"/>
+              <a:endParaRPr lang="es-CR"/>
+            </a:p>
+          </p:txBody>
+        </p:sp>
+        <p:sp>
+          <p:nvSpPr>
+            <p:cNvPr id="19" name="Rectángulo 18">
+              <a:extLst>
+                <a:ext uri="{FF2B5EF4-FFF2-40B4-BE49-F238E27FC236}">
+                  <a16:creationId xmlns:a16="http://schemas.microsoft.com/office/drawing/2014/main" id="{E99A0B47-8082-D2D5-0F5D-8BC7CF216579}"/>
+                </a:ext>
+              </a:extLst>
+            </p:cNvPr>
+            <p:cNvSpPr/>
+            <p:nvPr/>
+          </p:nvSpPr>
+          <p:spPr>
+            <a:xfrm>
+              <a:off x="3604250" y="2586344"/>
+              <a:ext cx="919480" cy="313690"/>
+            </a:xfrm>
+            <a:prstGeom prst="rect">
+              <a:avLst/>
+            </a:prstGeom>
+            <a:solidFill>
+              <a:schemeClr val="tx1"/>
+            </a:solidFill>
+            <a:ln w="190500">
+              <a:noFill/>
+            </a:ln>
+          </p:spPr>
+          <p:style>
+            <a:lnRef idx="2">
+              <a:schemeClr val="accent1">
+                <a:shade val="15000"/>
+              </a:schemeClr>
+            </a:lnRef>
+            <a:fillRef idx="1">
+              <a:schemeClr val="accent1"/>
+            </a:fillRef>
+            <a:effectRef idx="0">
+              <a:schemeClr val="accent1"/>
+            </a:effectRef>
+            <a:fontRef idx="minor">
+              <a:schemeClr val="lt1"/>
+            </a:fontRef>
+          </p:style>
+          <p:txBody>
+            <a:bodyPr rtlCol="0" anchor="ctr"/>
+            <a:lstStyle/>
+            <a:p>
+              <a:pPr algn="ctr"/>
+              <a:endParaRPr lang="es-CR"/>
+            </a:p>
+          </p:txBody>
+        </p:sp>
+        <p:sp>
+          <p:nvSpPr>
+            <p:cNvPr id="20" name="Rectángulo 19">
+              <a:extLst>
+                <a:ext uri="{FF2B5EF4-FFF2-40B4-BE49-F238E27FC236}">
+                  <a16:creationId xmlns:a16="http://schemas.microsoft.com/office/drawing/2014/main" id="{82CB30EB-D01D-E032-40AC-A12BB01CC0A0}"/>
+                </a:ext>
+              </a:extLst>
+            </p:cNvPr>
+            <p:cNvSpPr/>
+            <p:nvPr/>
+          </p:nvSpPr>
+          <p:spPr>
+            <a:xfrm>
+              <a:off x="3604250" y="3120697"/>
+              <a:ext cx="919480" cy="313690"/>
+            </a:xfrm>
+            <a:prstGeom prst="rect">
+              <a:avLst/>
+            </a:prstGeom>
+            <a:solidFill>
+              <a:schemeClr val="tx1"/>
+            </a:solidFill>
+            <a:ln w="190500">
+              <a:noFill/>
+            </a:ln>
+          </p:spPr>
+          <p:style>
+            <a:lnRef idx="2">
+              <a:schemeClr val="accent1">
+                <a:shade val="15000"/>
+              </a:schemeClr>
+            </a:lnRef>
+            <a:fillRef idx="1">
+              <a:schemeClr val="accent1"/>
+            </a:fillRef>
+            <a:effectRef idx="0">
+              <a:schemeClr val="accent1"/>
+            </a:effectRef>
+            <a:fontRef idx="minor">
+              <a:schemeClr val="lt1"/>
+            </a:fontRef>
+          </p:style>
+          <p:txBody>
+            <a:bodyPr rtlCol="0" anchor="ctr"/>
+            <a:lstStyle/>
+            <a:p>
+              <a:pPr algn="ctr"/>
+              <a:endParaRPr lang="es-CR"/>
+            </a:p>
+          </p:txBody>
+        </p:sp>
+        <p:sp>
+          <p:nvSpPr>
+            <p:cNvPr id="21" name="Rectángulo 20">
+              <a:extLst>
+                <a:ext uri="{FF2B5EF4-FFF2-40B4-BE49-F238E27FC236}">
+                  <a16:creationId xmlns:a16="http://schemas.microsoft.com/office/drawing/2014/main" id="{6972039B-A417-9A73-478F-99A03F6180A2}"/>
+                </a:ext>
+              </a:extLst>
+            </p:cNvPr>
+            <p:cNvSpPr/>
+            <p:nvPr/>
+          </p:nvSpPr>
+          <p:spPr>
+            <a:xfrm>
+              <a:off x="3604250" y="3649651"/>
+              <a:ext cx="919480" cy="313690"/>
+            </a:xfrm>
+            <a:prstGeom prst="rect">
+              <a:avLst/>
+            </a:prstGeom>
+            <a:solidFill>
+              <a:schemeClr val="tx1"/>
+            </a:solidFill>
+            <a:ln w="190500">
+              <a:noFill/>
+            </a:ln>
+          </p:spPr>
+          <p:style>
+            <a:lnRef idx="2">
+              <a:schemeClr val="accent1">
+                <a:shade val="15000"/>
+              </a:schemeClr>
+            </a:lnRef>
+            <a:fillRef idx="1">
+              <a:schemeClr val="accent1"/>
+            </a:fillRef>
+            <a:effectRef idx="0">
+              <a:schemeClr val="accent1"/>
+            </a:effectRef>
+            <a:fontRef idx="minor">
+              <a:schemeClr val="lt1"/>
+            </a:fontRef>
+          </p:style>
+          <p:txBody>
+            <a:bodyPr rtlCol="0" anchor="ctr"/>
+            <a:lstStyle/>
+            <a:p>
+              <a:pPr algn="ctr"/>
+              <a:endParaRPr lang="es-CR"/>
+            </a:p>
+          </p:txBody>
+        </p:sp>
+        <p:sp>
+          <p:nvSpPr>
+            <p:cNvPr id="22" name="Rectángulo 21">
+              <a:extLst>
+                <a:ext uri="{FF2B5EF4-FFF2-40B4-BE49-F238E27FC236}">
+                  <a16:creationId xmlns:a16="http://schemas.microsoft.com/office/drawing/2014/main" id="{F96E38F0-8364-A870-4DEC-9239CEECBB6D}"/>
+                </a:ext>
+              </a:extLst>
+            </p:cNvPr>
+            <p:cNvSpPr/>
+            <p:nvPr/>
+          </p:nvSpPr>
+          <p:spPr>
+            <a:xfrm>
+              <a:off x="3604250" y="4178605"/>
+              <a:ext cx="919480" cy="313690"/>
+            </a:xfrm>
+            <a:prstGeom prst="rect">
+              <a:avLst/>
+            </a:prstGeom>
+            <a:solidFill>
+              <a:schemeClr val="tx1"/>
+            </a:solidFill>
+            <a:ln w="190500">
+              <a:noFill/>
+            </a:ln>
+          </p:spPr>
+          <p:style>
+            <a:lnRef idx="2">
+              <a:schemeClr val="accent1">
+                <a:shade val="15000"/>
+              </a:schemeClr>
+            </a:lnRef>
+            <a:fillRef idx="1">
+              <a:schemeClr val="accent1"/>
+            </a:fillRef>
+            <a:effectRef idx="0">
+              <a:schemeClr val="accent1"/>
+            </a:effectRef>
+            <a:fontRef idx="minor">
+              <a:schemeClr val="lt1"/>
+            </a:fontRef>
+          </p:style>
+          <p:txBody>
+            <a:bodyPr rtlCol="0" anchor="ctr"/>
+            <a:lstStyle/>
+            <a:p>
+              <a:pPr algn="ctr"/>
+              <a:endParaRPr lang="es-CR"/>
+            </a:p>
+          </p:txBody>
+        </p:sp>
+        <p:sp>
+          <p:nvSpPr>
+            <p:cNvPr id="23" name="Rectángulo 22">
+              <a:extLst>
+                <a:ext uri="{FF2B5EF4-FFF2-40B4-BE49-F238E27FC236}">
+                  <a16:creationId xmlns:a16="http://schemas.microsoft.com/office/drawing/2014/main" id="{9853C5E4-8093-3119-BA9E-63FA1D2822EC}"/>
+                </a:ext>
+              </a:extLst>
+            </p:cNvPr>
+            <p:cNvSpPr/>
+            <p:nvPr/>
+          </p:nvSpPr>
+          <p:spPr>
+            <a:xfrm>
+              <a:off x="3604250" y="4707559"/>
+              <a:ext cx="919480" cy="313690"/>
+            </a:xfrm>
+            <a:prstGeom prst="rect">
+              <a:avLst/>
+            </a:prstGeom>
+            <a:solidFill>
+              <a:schemeClr val="tx1"/>
+            </a:solidFill>
+            <a:ln w="190500">
+              <a:noFill/>
             </a:ln>
           </p:spPr>
           <p:style>
